--- a/pbc-day-01-introduction.pptx
+++ b/pbc-day-01-introduction.pptx
@@ -2,13 +2,13 @@
 <file path=ppt/presentation.xml><?xml version="1.0" encoding="utf-8"?>
 <p:presentation xmlns:a="http://schemas.openxmlformats.org/drawingml/2006/main" xmlns:r="http://schemas.openxmlformats.org/officeDocument/2006/relationships" xmlns:p="http://schemas.openxmlformats.org/presentationml/2006/main" showSpecialPlsOnTitleSld="0" saveSubsetFonts="1">
   <p:sldMasterIdLst>
-    <p:sldMasterId id="2147483648" r:id="rId1"/>
+    <p:sldMasterId id="2147483780" r:id="rId1"/>
   </p:sldMasterIdLst>
   <p:notesMasterIdLst>
-    <p:notesMasterId r:id="rId17"/>
+    <p:notesMasterId r:id="rId21"/>
   </p:notesMasterIdLst>
   <p:handoutMasterIdLst>
-    <p:handoutMasterId r:id="rId18"/>
+    <p:handoutMasterId r:id="rId22"/>
   </p:handoutMasterIdLst>
   <p:sldIdLst>
     <p:sldId id="256" r:id="rId2"/>
@@ -17,20 +17,24 @@
     <p:sldId id="271" r:id="rId5"/>
     <p:sldId id="273" r:id="rId6"/>
     <p:sldId id="272" r:id="rId7"/>
-    <p:sldId id="257" r:id="rId8"/>
-    <p:sldId id="267" r:id="rId9"/>
-    <p:sldId id="264" r:id="rId10"/>
-    <p:sldId id="262" r:id="rId11"/>
-    <p:sldId id="258" r:id="rId12"/>
-    <p:sldId id="266" r:id="rId13"/>
-    <p:sldId id="260" r:id="rId14"/>
-    <p:sldId id="259" r:id="rId15"/>
-    <p:sldId id="265" r:id="rId16"/>
+    <p:sldId id="274" r:id="rId8"/>
+    <p:sldId id="257" r:id="rId9"/>
+    <p:sldId id="275" r:id="rId10"/>
+    <p:sldId id="267" r:id="rId11"/>
+    <p:sldId id="276" r:id="rId12"/>
+    <p:sldId id="262" r:id="rId13"/>
+    <p:sldId id="258" r:id="rId14"/>
+    <p:sldId id="277" r:id="rId15"/>
+    <p:sldId id="278" r:id="rId16"/>
+    <p:sldId id="279" r:id="rId17"/>
+    <p:sldId id="280" r:id="rId18"/>
+    <p:sldId id="281" r:id="rId19"/>
+    <p:sldId id="282" r:id="rId20"/>
   </p:sldIdLst>
   <p:sldSz cx="9144000" cy="6858000" type="screen4x3"/>
   <p:notesSz cx="6858000" cy="9144000"/>
   <p:custDataLst>
-    <p:tags r:id="rId19"/>
+    <p:tags r:id="rId23"/>
   </p:custDataLst>
   <p:defaultTextStyle>
     <a:defPPr>
@@ -705,171 +709,6 @@
           <a:bodyPr/>
           <a:lstStyle/>
           <a:p>
-            <a:r>
-              <a:rPr lang="nb-NO" sz="1200" kern="1200" dirty="0" smtClean="0">
-                <a:solidFill>
-                  <a:schemeClr val="tx1"/>
-                </a:solidFill>
-                <a:effectLst/>
-                <a:latin typeface="+mn-lt"/>
-                <a:ea typeface="+mn-ea"/>
-                <a:cs typeface="+mn-cs"/>
-              </a:rPr>
-              <a:t>Đặt vấn đề: Máy tính đã xuất hiện trong cuộc sống của chúng ta thường xuyên vậy chúng ta sử dụng máy tính để làm gì?</a:t>
-            </a:r>
-            <a:endParaRPr lang="en-US" sz="1200" kern="1200" dirty="0" smtClean="0">
-              <a:solidFill>
-                <a:schemeClr val="tx1"/>
-              </a:solidFill>
-              <a:effectLst/>
-              <a:latin typeface="+mn-lt"/>
-              <a:ea typeface="+mn-ea"/>
-              <a:cs typeface="+mn-cs"/>
-            </a:endParaRPr>
-          </a:p>
-          <a:p>
-            <a:r>
-              <a:rPr lang="nb-NO" sz="1200" kern="1200" dirty="0" smtClean="0">
-                <a:solidFill>
-                  <a:schemeClr val="tx1"/>
-                </a:solidFill>
-                <a:effectLst/>
-                <a:latin typeface="+mn-lt"/>
-                <a:ea typeface="+mn-ea"/>
-                <a:cs typeface="+mn-cs"/>
-              </a:rPr>
-              <a:t>Các dạng máy tính thường gặp không chỉ dạng PC</a:t>
-            </a:r>
-          </a:p>
-          <a:p>
-            <a:r>
-              <a:rPr lang="nb-NO" sz="1200" kern="1200" dirty="0" smtClean="0">
-                <a:solidFill>
-                  <a:schemeClr val="tx1"/>
-                </a:solidFill>
-                <a:effectLst/>
-                <a:latin typeface="+mn-lt"/>
-                <a:ea typeface="+mn-ea"/>
-                <a:cs typeface="+mn-cs"/>
-              </a:rPr>
-              <a:t>ĐVĐ: chương trình máy tính là gì?</a:t>
-            </a:r>
-            <a:endParaRPr lang="en-US" sz="1200" kern="1200" dirty="0" smtClean="0">
-              <a:solidFill>
-                <a:schemeClr val="tx1"/>
-              </a:solidFill>
-              <a:effectLst/>
-              <a:latin typeface="+mn-lt"/>
-              <a:ea typeface="+mn-ea"/>
-              <a:cs typeface="+mn-cs"/>
-            </a:endParaRPr>
-          </a:p>
-          <a:p>
-            <a:r>
-              <a:rPr lang="nb-NO" sz="1200" kern="1200" dirty="0" smtClean="0">
-                <a:solidFill>
-                  <a:schemeClr val="tx1"/>
-                </a:solidFill>
-                <a:effectLst/>
-                <a:latin typeface="+mn-lt"/>
-                <a:ea typeface="+mn-ea"/>
-                <a:cs typeface="+mn-cs"/>
-              </a:rPr>
-              <a:t>Giao tiếp giữa người và máy tính thông qua chương trình</a:t>
-            </a:r>
-            <a:endParaRPr lang="en-US" sz="1200" kern="1200" dirty="0" smtClean="0">
-              <a:solidFill>
-                <a:schemeClr val="tx1"/>
-              </a:solidFill>
-              <a:effectLst/>
-              <a:latin typeface="+mn-lt"/>
-              <a:ea typeface="+mn-ea"/>
-              <a:cs typeface="+mn-cs"/>
-            </a:endParaRPr>
-          </a:p>
-          <a:p>
-            <a:r>
-              <a:rPr lang="nb-NO" sz="1200" kern="1200" dirty="0" smtClean="0">
-                <a:solidFill>
-                  <a:schemeClr val="tx1"/>
-                </a:solidFill>
-                <a:effectLst/>
-                <a:latin typeface="+mn-lt"/>
-                <a:ea typeface="+mn-ea"/>
-                <a:cs typeface="+mn-cs"/>
-              </a:rPr>
-              <a:t>Machine code – Mã máy là gì?</a:t>
-            </a:r>
-            <a:endParaRPr lang="en-US" sz="1200" kern="1200" dirty="0" smtClean="0">
-              <a:solidFill>
-                <a:schemeClr val="tx1"/>
-              </a:solidFill>
-              <a:effectLst/>
-              <a:latin typeface="+mn-lt"/>
-              <a:ea typeface="+mn-ea"/>
-              <a:cs typeface="+mn-cs"/>
-            </a:endParaRPr>
-          </a:p>
-          <a:p>
-            <a:r>
-              <a:rPr lang="nb-NO" sz="1200" kern="1200" dirty="0" smtClean="0">
-                <a:solidFill>
-                  <a:schemeClr val="tx1"/>
-                </a:solidFill>
-                <a:effectLst/>
-                <a:latin typeface="+mn-lt"/>
-                <a:ea typeface="+mn-ea"/>
-                <a:cs typeface="+mn-cs"/>
-              </a:rPr>
-              <a:t>Các cách thức thông dịch và biên dịch.</a:t>
-            </a:r>
-            <a:endParaRPr lang="en-US" sz="1200" kern="1200" dirty="0" smtClean="0">
-              <a:solidFill>
-                <a:schemeClr val="tx1"/>
-              </a:solidFill>
-              <a:effectLst/>
-              <a:latin typeface="+mn-lt"/>
-              <a:ea typeface="+mn-ea"/>
-              <a:cs typeface="+mn-cs"/>
-            </a:endParaRPr>
-          </a:p>
-          <a:p>
-            <a:r>
-              <a:rPr lang="nb-NO" sz="1200" u="sng" kern="1200" dirty="0" smtClean="0">
-                <a:solidFill>
-                  <a:schemeClr val="tx1"/>
-                </a:solidFill>
-                <a:effectLst/>
-                <a:latin typeface="+mn-lt"/>
-                <a:ea typeface="+mn-ea"/>
-                <a:cs typeface="+mn-cs"/>
-                <a:hlinkClick r:id="rId3"/>
-              </a:rPr>
-              <a:t>http://stackoverflow.com/questions/3265357/compiled-vs-interpreted-languages</a:t>
-            </a:r>
-            <a:endParaRPr lang="en-US" sz="1200" kern="1200" dirty="0" smtClean="0">
-              <a:solidFill>
-                <a:schemeClr val="tx1"/>
-              </a:solidFill>
-              <a:effectLst/>
-              <a:latin typeface="+mn-lt"/>
-              <a:ea typeface="+mn-ea"/>
-              <a:cs typeface="+mn-cs"/>
-            </a:endParaRPr>
-          </a:p>
-          <a:p>
-            <a:r>
-              <a:rPr lang="nb-NO" sz="1200" kern="1200" dirty="0" smtClean="0">
-                <a:solidFill>
-                  <a:schemeClr val="tx1"/>
-                </a:solidFill>
-                <a:effectLst/>
-                <a:latin typeface="+mn-lt"/>
-                <a:ea typeface="+mn-ea"/>
-                <a:cs typeface="+mn-cs"/>
-              </a:rPr>
-              <a:t>Trình biên dịch và thông dịch không phải là bản thân ngôn ngữ mà chỉ là sự thể hiện ngôn ngữ.</a:t>
-            </a:r>
             <a:endParaRPr lang="en-US" dirty="0"/>
           </a:p>
         </p:txBody>
@@ -1029,256 +868,8 @@
             <a:fld id="{B69EF19E-7F58-4367-8BA3-47AE9F6115C7}" type="slidenum">
               <a:rPr lang="vi-VN" smtClean="0"/>
               <a:pPr/>
-              <a:t>7</a:t>
+              <a:t>8</a:t>
             </a:fld>
-            <a:endParaRPr lang="vi-VN"/>
-          </a:p>
-        </p:txBody>
-      </p:sp>
-    </p:spTree>
-  </p:cSld>
-  <p:clrMapOvr>
-    <a:masterClrMapping/>
-  </p:clrMapOvr>
-</p:notes>
-</file>
-
-<file path=ppt/notesSlides/notesSlide3.xml><?xml version="1.0" encoding="utf-8"?>
-<p:notes xmlns:a="http://schemas.openxmlformats.org/drawingml/2006/main" xmlns:r="http://schemas.openxmlformats.org/officeDocument/2006/relationships" xmlns:p="http://schemas.openxmlformats.org/presentationml/2006/main">
-  <p:cSld>
-    <p:spTree>
-      <p:nvGrpSpPr>
-        <p:cNvPr id="1" name=""/>
-        <p:cNvGrpSpPr/>
-        <p:nvPr/>
-      </p:nvGrpSpPr>
-      <p:grpSpPr>
-        <a:xfrm>
-          <a:off x="0" y="0"/>
-          <a:ext cx="0" cy="0"/>
-          <a:chOff x="0" y="0"/>
-          <a:chExt cx="0" cy="0"/>
-        </a:xfrm>
-      </p:grpSpPr>
-      <p:sp>
-        <p:nvSpPr>
-          <p:cNvPr id="2" name="Slide Image Placeholder 1"/>
-          <p:cNvSpPr>
-            <a:spLocks noGrp="1" noRot="1" noChangeAspect="1"/>
-          </p:cNvSpPr>
-          <p:nvPr>
-            <p:ph type="sldImg"/>
-          </p:nvPr>
-        </p:nvSpPr>
-        <p:spPr/>
-      </p:sp>
-      <p:sp>
-        <p:nvSpPr>
-          <p:cNvPr id="3" name="Notes Placeholder 2"/>
-          <p:cNvSpPr>
-            <a:spLocks noGrp="1"/>
-          </p:cNvSpPr>
-          <p:nvPr>
-            <p:ph type="body" idx="1"/>
-          </p:nvPr>
-        </p:nvSpPr>
-        <p:spPr/>
-        <p:txBody>
-          <a:bodyPr>
-            <a:normAutofit/>
-          </a:bodyPr>
-          <a:lstStyle/>
-          <a:p>
-            <a:r>
-              <a:rPr lang="en-US" dirty="0" smtClean="0"/>
-              <a:t>Compile &amp; linking</a:t>
-            </a:r>
-          </a:p>
-          <a:p>
-            <a:r>
-              <a:rPr lang="en-US" dirty="0" smtClean="0"/>
-              <a:t>Python, </a:t>
-            </a:r>
-            <a:r>
-              <a:rPr lang="en-US" dirty="0" err="1" smtClean="0"/>
-              <a:t>php</a:t>
-            </a:r>
-            <a:r>
-              <a:rPr lang="en-US" dirty="0" smtClean="0"/>
-              <a:t>, Perl</a:t>
-            </a:r>
-          </a:p>
-          <a:p>
-            <a:r>
-              <a:rPr lang="en-US" smtClean="0"/>
-              <a:t>C, C</a:t>
-            </a:r>
-            <a:r>
-              <a:rPr lang="en-US" dirty="0" smtClean="0"/>
-              <a:t>++</a:t>
-            </a:r>
-          </a:p>
-          <a:p>
-            <a:r>
-              <a:rPr lang="en-US" dirty="0" smtClean="0"/>
-              <a:t>Java,</a:t>
-            </a:r>
-            <a:r>
-              <a:rPr lang="en-US" baseline="0" dirty="0" smtClean="0"/>
-              <a:t> C#</a:t>
-            </a:r>
-            <a:endParaRPr lang="en-US" dirty="0" smtClean="0"/>
-          </a:p>
-        </p:txBody>
-      </p:sp>
-      <p:sp>
-        <p:nvSpPr>
-          <p:cNvPr id="4" name="Slide Number Placeholder 3"/>
-          <p:cNvSpPr>
-            <a:spLocks noGrp="1"/>
-          </p:cNvSpPr>
-          <p:nvPr>
-            <p:ph type="sldNum" sz="quarter" idx="10"/>
-          </p:nvPr>
-        </p:nvSpPr>
-        <p:spPr/>
-        <p:txBody>
-          <a:bodyPr/>
-          <a:lstStyle/>
-          <a:p>
-            <a:fld id="{B69EF19E-7F58-4367-8BA3-47AE9F6115C7}" type="slidenum">
-              <a:rPr lang="vi-VN" smtClean="0"/>
-              <a:pPr/>
-              <a:t>9</a:t>
-            </a:fld>
-            <a:endParaRPr lang="vi-VN"/>
-          </a:p>
-        </p:txBody>
-      </p:sp>
-      <p:sp>
-        <p:nvSpPr>
-          <p:cNvPr id="5" name="Footer Placeholder 4"/>
-          <p:cNvSpPr>
-            <a:spLocks noGrp="1"/>
-          </p:cNvSpPr>
-          <p:nvPr>
-            <p:ph type="ftr" sz="quarter" idx="11"/>
-          </p:nvPr>
-        </p:nvSpPr>
-        <p:spPr/>
-        <p:txBody>
-          <a:bodyPr/>
-          <a:lstStyle/>
-          <a:p>
-            <a:r>
-              <a:rPr lang="vi-VN" smtClean="0"/>
-              <a:t>PythonBeginnerClass @loitd #pythonvietnam.info</a:t>
-            </a:r>
-            <a:endParaRPr lang="vi-VN"/>
-          </a:p>
-        </p:txBody>
-      </p:sp>
-    </p:spTree>
-  </p:cSld>
-  <p:clrMapOvr>
-    <a:masterClrMapping/>
-  </p:clrMapOvr>
-</p:notes>
-</file>
-
-<file path=ppt/notesSlides/notesSlide4.xml><?xml version="1.0" encoding="utf-8"?>
-<p:notes xmlns:a="http://schemas.openxmlformats.org/drawingml/2006/main" xmlns:r="http://schemas.openxmlformats.org/officeDocument/2006/relationships" xmlns:p="http://schemas.openxmlformats.org/presentationml/2006/main">
-  <p:cSld>
-    <p:spTree>
-      <p:nvGrpSpPr>
-        <p:cNvPr id="1" name=""/>
-        <p:cNvGrpSpPr/>
-        <p:nvPr/>
-      </p:nvGrpSpPr>
-      <p:grpSpPr>
-        <a:xfrm>
-          <a:off x="0" y="0"/>
-          <a:ext cx="0" cy="0"/>
-          <a:chOff x="0" y="0"/>
-          <a:chExt cx="0" cy="0"/>
-        </a:xfrm>
-      </p:grpSpPr>
-      <p:sp>
-        <p:nvSpPr>
-          <p:cNvPr id="2" name="Slide Image Placeholder 1"/>
-          <p:cNvSpPr>
-            <a:spLocks noGrp="1" noRot="1" noChangeAspect="1"/>
-          </p:cNvSpPr>
-          <p:nvPr>
-            <p:ph type="sldImg"/>
-          </p:nvPr>
-        </p:nvSpPr>
-        <p:spPr/>
-      </p:sp>
-      <p:sp>
-        <p:nvSpPr>
-          <p:cNvPr id="3" name="Notes Placeholder 2"/>
-          <p:cNvSpPr>
-            <a:spLocks noGrp="1"/>
-          </p:cNvSpPr>
-          <p:nvPr>
-            <p:ph type="body" idx="1"/>
-          </p:nvPr>
-        </p:nvSpPr>
-        <p:spPr/>
-        <p:txBody>
-          <a:bodyPr>
-            <a:normAutofit/>
-          </a:bodyPr>
-          <a:lstStyle/>
-          <a:p>
-            <a:endParaRPr lang="vi-VN" dirty="0"/>
-          </a:p>
-        </p:txBody>
-      </p:sp>
-      <p:sp>
-        <p:nvSpPr>
-          <p:cNvPr id="4" name="Slide Number Placeholder 3"/>
-          <p:cNvSpPr>
-            <a:spLocks noGrp="1"/>
-          </p:cNvSpPr>
-          <p:nvPr>
-            <p:ph type="sldNum" sz="quarter" idx="10"/>
-          </p:nvPr>
-        </p:nvSpPr>
-        <p:spPr/>
-        <p:txBody>
-          <a:bodyPr/>
-          <a:lstStyle/>
-          <a:p>
-            <a:fld id="{B69EF19E-7F58-4367-8BA3-47AE9F6115C7}" type="slidenum">
-              <a:rPr lang="vi-VN" smtClean="0"/>
-              <a:pPr/>
-              <a:t>13</a:t>
-            </a:fld>
-            <a:endParaRPr lang="vi-VN"/>
-          </a:p>
-        </p:txBody>
-      </p:sp>
-      <p:sp>
-        <p:nvSpPr>
-          <p:cNvPr id="5" name="Footer Placeholder 4"/>
-          <p:cNvSpPr>
-            <a:spLocks noGrp="1"/>
-          </p:cNvSpPr>
-          <p:nvPr>
-            <p:ph type="ftr" sz="quarter" idx="11"/>
-          </p:nvPr>
-        </p:nvSpPr>
-        <p:spPr/>
-        <p:txBody>
-          <a:bodyPr/>
-          <a:lstStyle/>
-          <a:p>
-            <a:r>
-              <a:rPr lang="vi-VN" smtClean="0"/>
-              <a:t>PythonBeginnerClass @loitd #pythonvietnam.info</a:t>
-            </a:r>
             <a:endParaRPr lang="vi-VN"/>
           </a:p>
         </p:txBody>
@@ -1527,6 +1118,11 @@
         </p:txBody>
       </p:sp>
     </p:spTree>
+    <p:extLst>
+      <p:ext uri="{BB962C8B-B14F-4D97-AF65-F5344CB8AC3E}">
+        <p14:creationId xmlns:p14="http://schemas.microsoft.com/office/powerpoint/2010/main" val="1804449858"/>
+      </p:ext>
+    </p:extLst>
   </p:cSld>
   <p:clrMapOvr>
     <a:masterClrMapping/>
@@ -1698,6 +1294,11 @@
         </p:txBody>
       </p:sp>
     </p:spTree>
+    <p:extLst>
+      <p:ext uri="{BB962C8B-B14F-4D97-AF65-F5344CB8AC3E}">
+        <p14:creationId xmlns:p14="http://schemas.microsoft.com/office/powerpoint/2010/main" val="1059385836"/>
+      </p:ext>
+    </p:extLst>
   </p:cSld>
   <p:clrMapOvr>
     <a:masterClrMapping/>
@@ -1879,6 +1480,11 @@
         </p:txBody>
       </p:sp>
     </p:spTree>
+    <p:extLst>
+      <p:ext uri="{BB962C8B-B14F-4D97-AF65-F5344CB8AC3E}">
+        <p14:creationId xmlns:p14="http://schemas.microsoft.com/office/powerpoint/2010/main" val="4127688075"/>
+      </p:ext>
+    </p:extLst>
   </p:cSld>
   <p:clrMapOvr>
     <a:masterClrMapping/>
@@ -2050,6 +1656,11 @@
         </p:txBody>
       </p:sp>
     </p:spTree>
+    <p:extLst>
+      <p:ext uri="{BB962C8B-B14F-4D97-AF65-F5344CB8AC3E}">
+        <p14:creationId xmlns:p14="http://schemas.microsoft.com/office/powerpoint/2010/main" val="919053239"/>
+      </p:ext>
+    </p:extLst>
   </p:cSld>
   <p:clrMapOvr>
     <a:masterClrMapping/>
@@ -2297,6 +1908,11 @@
         </p:txBody>
       </p:sp>
     </p:spTree>
+    <p:extLst>
+      <p:ext uri="{BB962C8B-B14F-4D97-AF65-F5344CB8AC3E}">
+        <p14:creationId xmlns:p14="http://schemas.microsoft.com/office/powerpoint/2010/main" val="3118711340"/>
+      </p:ext>
+    </p:extLst>
   </p:cSld>
   <p:clrMapOvr>
     <a:masterClrMapping/>
@@ -2586,6 +2202,11 @@
         </p:txBody>
       </p:sp>
     </p:spTree>
+    <p:extLst>
+      <p:ext uri="{BB962C8B-B14F-4D97-AF65-F5344CB8AC3E}">
+        <p14:creationId xmlns:p14="http://schemas.microsoft.com/office/powerpoint/2010/main" val="2857877906"/>
+      </p:ext>
+    </p:extLst>
   </p:cSld>
   <p:clrMapOvr>
     <a:masterClrMapping/>
@@ -3009,6 +2630,11 @@
         </p:txBody>
       </p:sp>
     </p:spTree>
+    <p:extLst>
+      <p:ext uri="{BB962C8B-B14F-4D97-AF65-F5344CB8AC3E}">
+        <p14:creationId xmlns:p14="http://schemas.microsoft.com/office/powerpoint/2010/main" val="1969121328"/>
+      </p:ext>
+    </p:extLst>
   </p:cSld>
   <p:clrMapOvr>
     <a:masterClrMapping/>
@@ -3128,6 +2754,11 @@
         </p:txBody>
       </p:sp>
     </p:spTree>
+    <p:extLst>
+      <p:ext uri="{BB962C8B-B14F-4D97-AF65-F5344CB8AC3E}">
+        <p14:creationId xmlns:p14="http://schemas.microsoft.com/office/powerpoint/2010/main" val="1674405972"/>
+      </p:ext>
+    </p:extLst>
   </p:cSld>
   <p:clrMapOvr>
     <a:masterClrMapping/>
@@ -3224,6 +2855,11 @@
         </p:txBody>
       </p:sp>
     </p:spTree>
+    <p:extLst>
+      <p:ext uri="{BB962C8B-B14F-4D97-AF65-F5344CB8AC3E}">
+        <p14:creationId xmlns:p14="http://schemas.microsoft.com/office/powerpoint/2010/main" val="1231825484"/>
+      </p:ext>
+    </p:extLst>
   </p:cSld>
   <p:clrMapOvr>
     <a:masterClrMapping/>
@@ -3502,6 +3138,11 @@
         </p:txBody>
       </p:sp>
     </p:spTree>
+    <p:extLst>
+      <p:ext uri="{BB962C8B-B14F-4D97-AF65-F5344CB8AC3E}">
+        <p14:creationId xmlns:p14="http://schemas.microsoft.com/office/powerpoint/2010/main" val="2646865302"/>
+      </p:ext>
+    </p:extLst>
   </p:cSld>
   <p:clrMapOvr>
     <a:masterClrMapping/>
@@ -3756,6 +3397,11 @@
         </p:txBody>
       </p:sp>
     </p:spTree>
+    <p:extLst>
+      <p:ext uri="{BB962C8B-B14F-4D97-AF65-F5344CB8AC3E}">
+        <p14:creationId xmlns:p14="http://schemas.microsoft.com/office/powerpoint/2010/main" val="2997129666"/>
+      </p:ext>
+    </p:extLst>
   </p:cSld>
   <p:clrMapOvr>
     <a:masterClrMapping/>
@@ -4006,20 +3652,25 @@
         </p:txBody>
       </p:sp>
     </p:spTree>
+    <p:extLst>
+      <p:ext uri="{BB962C8B-B14F-4D97-AF65-F5344CB8AC3E}">
+        <p14:creationId xmlns:p14="http://schemas.microsoft.com/office/powerpoint/2010/main" val="3002500535"/>
+      </p:ext>
+    </p:extLst>
   </p:cSld>
   <p:clrMap bg1="lt1" tx1="dk1" bg2="lt2" tx2="dk2" accent1="accent1" accent2="accent2" accent3="accent3" accent4="accent4" accent5="accent5" accent6="accent6" hlink="hlink" folHlink="folHlink"/>
   <p:sldLayoutIdLst>
-    <p:sldLayoutId id="2147483649" r:id="rId1"/>
-    <p:sldLayoutId id="2147483650" r:id="rId2"/>
-    <p:sldLayoutId id="2147483651" r:id="rId3"/>
-    <p:sldLayoutId id="2147483652" r:id="rId4"/>
-    <p:sldLayoutId id="2147483653" r:id="rId5"/>
-    <p:sldLayoutId id="2147483654" r:id="rId6"/>
-    <p:sldLayoutId id="2147483655" r:id="rId7"/>
-    <p:sldLayoutId id="2147483656" r:id="rId8"/>
-    <p:sldLayoutId id="2147483657" r:id="rId9"/>
-    <p:sldLayoutId id="2147483658" r:id="rId10"/>
-    <p:sldLayoutId id="2147483659" r:id="rId11"/>
+    <p:sldLayoutId id="2147483781" r:id="rId1"/>
+    <p:sldLayoutId id="2147483782" r:id="rId2"/>
+    <p:sldLayoutId id="2147483783" r:id="rId3"/>
+    <p:sldLayoutId id="2147483784" r:id="rId4"/>
+    <p:sldLayoutId id="2147483785" r:id="rId5"/>
+    <p:sldLayoutId id="2147483786" r:id="rId6"/>
+    <p:sldLayoutId id="2147483787" r:id="rId7"/>
+    <p:sldLayoutId id="2147483788" r:id="rId8"/>
+    <p:sldLayoutId id="2147483789" r:id="rId9"/>
+    <p:sldLayoutId id="2147483790" r:id="rId10"/>
+    <p:sldLayoutId id="2147483791" r:id="rId11"/>
   </p:sldLayoutIdLst>
   <p:hf sldNum="0" hdr="0" dt="0"/>
   <p:txStyles>
@@ -4044,7 +3695,7 @@
         <a:spcBef>
           <a:spcPct val="20000"/>
         </a:spcBef>
-        <a:buFont typeface="Arial" pitchFamily="34" charset="0"/>
+        <a:buFont typeface="Arial" panose="020B0604020202020204" pitchFamily="34" charset="0"/>
         <a:buChar char="•"/>
         <a:defRPr sz="3200" kern="1200">
           <a:solidFill>
@@ -4059,7 +3710,7 @@
         <a:spcBef>
           <a:spcPct val="20000"/>
         </a:spcBef>
-        <a:buFont typeface="Arial" pitchFamily="34" charset="0"/>
+        <a:buFont typeface="Arial" panose="020B0604020202020204" pitchFamily="34" charset="0"/>
         <a:buChar char="–"/>
         <a:defRPr sz="2800" b="0" i="0" u="none" kern="1200">
           <a:solidFill>
@@ -4074,7 +3725,7 @@
         <a:spcBef>
           <a:spcPct val="20000"/>
         </a:spcBef>
-        <a:buFont typeface="Arial" pitchFamily="34" charset="0"/>
+        <a:buFont typeface="Arial" panose="020B0604020202020204" pitchFamily="34" charset="0"/>
         <a:buChar char="•"/>
         <a:defRPr sz="2400" kern="1200">
           <a:solidFill>
@@ -4089,7 +3740,7 @@
         <a:spcBef>
           <a:spcPct val="20000"/>
         </a:spcBef>
-        <a:buFont typeface="Arial" pitchFamily="34" charset="0"/>
+        <a:buFont typeface="Arial" panose="020B0604020202020204" pitchFamily="34" charset="0"/>
         <a:buChar char="–"/>
         <a:defRPr sz="2000" kern="1200">
           <a:solidFill>
@@ -4104,7 +3755,7 @@
         <a:spcBef>
           <a:spcPct val="20000"/>
         </a:spcBef>
-        <a:buFont typeface="Arial" pitchFamily="34" charset="0"/>
+        <a:buFont typeface="Arial" panose="020B0604020202020204" pitchFamily="34" charset="0"/>
         <a:buChar char="»"/>
         <a:defRPr sz="2000" kern="1200">
           <a:solidFill>
@@ -4119,7 +3770,7 @@
         <a:spcBef>
           <a:spcPct val="20000"/>
         </a:spcBef>
-        <a:buFont typeface="Arial" pitchFamily="34" charset="0"/>
+        <a:buFont typeface="Arial" panose="020B0604020202020204" pitchFamily="34" charset="0"/>
         <a:buChar char="•"/>
         <a:defRPr sz="2000" kern="1200">
           <a:solidFill>
@@ -4134,7 +3785,7 @@
         <a:spcBef>
           <a:spcPct val="20000"/>
         </a:spcBef>
-        <a:buFont typeface="Arial" pitchFamily="34" charset="0"/>
+        <a:buFont typeface="Arial" panose="020B0604020202020204" pitchFamily="34" charset="0"/>
         <a:buChar char="•"/>
         <a:defRPr sz="2000" kern="1200">
           <a:solidFill>
@@ -4149,7 +3800,7 @@
         <a:spcBef>
           <a:spcPct val="20000"/>
         </a:spcBef>
-        <a:buFont typeface="Arial" pitchFamily="34" charset="0"/>
+        <a:buFont typeface="Arial" panose="020B0604020202020204" pitchFamily="34" charset="0"/>
         <a:buChar char="•"/>
         <a:defRPr sz="2000" kern="1200">
           <a:solidFill>
@@ -4164,7 +3815,7 @@
         <a:spcBef>
           <a:spcPct val="20000"/>
         </a:spcBef>
-        <a:buFont typeface="Arial" pitchFamily="34" charset="0"/>
+        <a:buFont typeface="Arial" panose="020B0604020202020204" pitchFamily="34" charset="0"/>
         <a:buChar char="•"/>
         <a:defRPr sz="2000" kern="1200">
           <a:solidFill>
@@ -4308,22 +3959,37 @@
           <a:lstStyle/>
           <a:p>
             <a:r>
-              <a:rPr lang="en-US" dirty="0" err="1" smtClean="0"/>
+              <a:rPr lang="en-US" dirty="0" err="1" smtClean="0">
+                <a:latin typeface="Times New Roman" panose="02020603050405020304" pitchFamily="18" charset="0"/>
+                <a:cs typeface="Times New Roman" panose="02020603050405020304" pitchFamily="18" charset="0"/>
+              </a:rPr>
               <a:t>Giới</a:t>
             </a:r>
             <a:r>
-              <a:rPr lang="en-US" dirty="0" smtClean="0"/>
-              <a:t> </a:t>
-            </a:r>
-            <a:r>
-              <a:rPr lang="en-US" dirty="0" err="1" smtClean="0"/>
+              <a:rPr lang="en-US" dirty="0" smtClean="0">
+                <a:latin typeface="Times New Roman" panose="02020603050405020304" pitchFamily="18" charset="0"/>
+                <a:cs typeface="Times New Roman" panose="02020603050405020304" pitchFamily="18" charset="0"/>
+              </a:rPr>
+              <a:t> </a:t>
+            </a:r>
+            <a:r>
+              <a:rPr lang="en-US" dirty="0" err="1" smtClean="0">
+                <a:latin typeface="Times New Roman" panose="02020603050405020304" pitchFamily="18" charset="0"/>
+                <a:cs typeface="Times New Roman" panose="02020603050405020304" pitchFamily="18" charset="0"/>
+              </a:rPr>
               <a:t>thiệu</a:t>
             </a:r>
             <a:r>
-              <a:rPr lang="en-US" dirty="0" smtClean="0"/>
+              <a:rPr lang="en-US" dirty="0" smtClean="0">
+                <a:latin typeface="Times New Roman" panose="02020603050405020304" pitchFamily="18" charset="0"/>
+                <a:cs typeface="Times New Roman" panose="02020603050405020304" pitchFamily="18" charset="0"/>
+              </a:rPr>
               <a:t> Python</a:t>
             </a:r>
-            <a:endParaRPr lang="en-US" dirty="0"/>
+            <a:endParaRPr lang="en-US" dirty="0">
+              <a:latin typeface="Times New Roman" panose="02020603050405020304" pitchFamily="18" charset="0"/>
+              <a:cs typeface="Times New Roman" panose="02020603050405020304" pitchFamily="18" charset="0"/>
+            </a:endParaRPr>
           </a:p>
         </p:txBody>
       </p:sp>
@@ -4343,30 +4009,51 @@
           <a:lstStyle/>
           <a:p>
             <a:r>
-              <a:rPr lang="en-US" dirty="0" err="1" smtClean="0"/>
+              <a:rPr lang="en-US" dirty="0" err="1" smtClean="0">
+                <a:latin typeface="Times New Roman" panose="02020603050405020304" pitchFamily="18" charset="0"/>
+                <a:cs typeface="Times New Roman" panose="02020603050405020304" pitchFamily="18" charset="0"/>
+              </a:rPr>
               <a:t>Trần</a:t>
             </a:r>
             <a:r>
-              <a:rPr lang="en-US" baseline="0" dirty="0" smtClean="0"/>
-              <a:t> </a:t>
-            </a:r>
-            <a:r>
-              <a:rPr lang="en-US" baseline="0" dirty="0" err="1" smtClean="0"/>
+              <a:rPr lang="en-US" baseline="0" dirty="0" smtClean="0">
+                <a:latin typeface="Times New Roman" panose="02020603050405020304" pitchFamily="18" charset="0"/>
+                <a:cs typeface="Times New Roman" panose="02020603050405020304" pitchFamily="18" charset="0"/>
+              </a:rPr>
+              <a:t> </a:t>
+            </a:r>
+            <a:r>
+              <a:rPr lang="en-US" baseline="0" dirty="0" err="1" smtClean="0">
+                <a:latin typeface="Times New Roman" panose="02020603050405020304" pitchFamily="18" charset="0"/>
+                <a:cs typeface="Times New Roman" panose="02020603050405020304" pitchFamily="18" charset="0"/>
+              </a:rPr>
               <a:t>Đức</a:t>
             </a:r>
             <a:r>
-              <a:rPr lang="en-US" baseline="0" dirty="0" smtClean="0"/>
-              <a:t> </a:t>
-            </a:r>
-            <a:r>
-              <a:rPr lang="en-US" baseline="0" dirty="0" err="1" smtClean="0"/>
+              <a:rPr lang="en-US" baseline="0" dirty="0" smtClean="0">
+                <a:latin typeface="Times New Roman" panose="02020603050405020304" pitchFamily="18" charset="0"/>
+                <a:cs typeface="Times New Roman" panose="02020603050405020304" pitchFamily="18" charset="0"/>
+              </a:rPr>
+              <a:t> </a:t>
+            </a:r>
+            <a:r>
+              <a:rPr lang="en-US" baseline="0" dirty="0" err="1" smtClean="0">
+                <a:latin typeface="Times New Roman" panose="02020603050405020304" pitchFamily="18" charset="0"/>
+                <a:cs typeface="Times New Roman" panose="02020603050405020304" pitchFamily="18" charset="0"/>
+              </a:rPr>
               <a:t>Lợi</a:t>
             </a:r>
-            <a:endParaRPr lang="en-US" baseline="0" dirty="0" smtClean="0"/>
-          </a:p>
-          <a:p>
-            <a:r>
-              <a:rPr lang="en-US" baseline="0" dirty="0" smtClean="0"/>
+            <a:endParaRPr lang="en-US" baseline="0" dirty="0" smtClean="0">
+              <a:latin typeface="Times New Roman" panose="02020603050405020304" pitchFamily="18" charset="0"/>
+              <a:cs typeface="Times New Roman" panose="02020603050405020304" pitchFamily="18" charset="0"/>
+            </a:endParaRPr>
+          </a:p>
+          <a:p>
+            <a:r>
+              <a:rPr lang="en-US" baseline="0" dirty="0" smtClean="0">
+                <a:latin typeface="Times New Roman" panose="02020603050405020304" pitchFamily="18" charset="0"/>
+                <a:cs typeface="Times New Roman" panose="02020603050405020304" pitchFamily="18" charset="0"/>
+              </a:rPr>
               <a:t>Pythonvietnam.info</a:t>
             </a:r>
           </a:p>
@@ -4425,10 +4112,65 @@
           <a:lstStyle/>
           <a:p>
             <a:r>
-              <a:rPr lang="en-US" dirty="0" smtClean="0"/>
-              <a:t>Which version?</a:t>
-            </a:r>
-            <a:endParaRPr lang="vi-VN" dirty="0"/>
+              <a:rPr lang="en-US" dirty="0" err="1" smtClean="0">
+                <a:latin typeface="Times New Roman" panose="02020603050405020304" pitchFamily="18" charset="0"/>
+                <a:cs typeface="Times New Roman" panose="02020603050405020304" pitchFamily="18" charset="0"/>
+              </a:rPr>
+              <a:t>Ngôn</a:t>
+            </a:r>
+            <a:r>
+              <a:rPr lang="en-US" dirty="0" smtClean="0">
+                <a:latin typeface="Times New Roman" panose="02020603050405020304" pitchFamily="18" charset="0"/>
+                <a:cs typeface="Times New Roman" panose="02020603050405020304" pitchFamily="18" charset="0"/>
+              </a:rPr>
+              <a:t> </a:t>
+            </a:r>
+            <a:r>
+              <a:rPr lang="en-US" dirty="0" err="1" smtClean="0">
+                <a:latin typeface="Times New Roman" panose="02020603050405020304" pitchFamily="18" charset="0"/>
+                <a:cs typeface="Times New Roman" panose="02020603050405020304" pitchFamily="18" charset="0"/>
+              </a:rPr>
+              <a:t>ngữ</a:t>
+            </a:r>
+            <a:r>
+              <a:rPr lang="en-US" dirty="0" smtClean="0">
+                <a:latin typeface="Times New Roman" panose="02020603050405020304" pitchFamily="18" charset="0"/>
+                <a:cs typeface="Times New Roman" panose="02020603050405020304" pitchFamily="18" charset="0"/>
+              </a:rPr>
+              <a:t> </a:t>
+            </a:r>
+            <a:r>
+              <a:rPr lang="en-US" dirty="0" err="1" smtClean="0">
+                <a:latin typeface="Times New Roman" panose="02020603050405020304" pitchFamily="18" charset="0"/>
+                <a:cs typeface="Times New Roman" panose="02020603050405020304" pitchFamily="18" charset="0"/>
+              </a:rPr>
+              <a:t>lập</a:t>
+            </a:r>
+            <a:r>
+              <a:rPr lang="en-US" dirty="0" smtClean="0">
+                <a:latin typeface="Times New Roman" panose="02020603050405020304" pitchFamily="18" charset="0"/>
+                <a:cs typeface="Times New Roman" panose="02020603050405020304" pitchFamily="18" charset="0"/>
+              </a:rPr>
+              <a:t> </a:t>
+            </a:r>
+            <a:r>
+              <a:rPr lang="en-US" dirty="0" err="1" smtClean="0">
+                <a:latin typeface="Times New Roman" panose="02020603050405020304" pitchFamily="18" charset="0"/>
+                <a:cs typeface="Times New Roman" panose="02020603050405020304" pitchFamily="18" charset="0"/>
+              </a:rPr>
+              <a:t>trình</a:t>
+            </a:r>
+            <a:r>
+              <a:rPr lang="en-US" dirty="0" smtClean="0">
+                <a:latin typeface="Times New Roman" panose="02020603050405020304" pitchFamily="18" charset="0"/>
+                <a:cs typeface="Times New Roman" panose="02020603050405020304" pitchFamily="18" charset="0"/>
+              </a:rPr>
+              <a:t> Python</a:t>
+            </a:r>
+            <a:endParaRPr lang="vi-VN" dirty="0">
+              <a:latin typeface="Times New Roman" panose="02020603050405020304" pitchFamily="18" charset="0"/>
+              <a:cs typeface="Times New Roman" panose="02020603050405020304" pitchFamily="18" charset="0"/>
+            </a:endParaRPr>
           </a:p>
         </p:txBody>
       </p:sp>
@@ -4448,22 +4190,52 @@
           <a:lstStyle/>
           <a:p>
             <a:r>
-              <a:rPr lang="en-US" dirty="0" smtClean="0"/>
-              <a:t>Python 2.x</a:t>
-            </a:r>
-          </a:p>
-          <a:p>
-            <a:r>
-              <a:rPr lang="en-US" dirty="0" smtClean="0"/>
-              <a:t>Python 3.x</a:t>
-            </a:r>
-          </a:p>
-          <a:p>
-            <a:r>
-              <a:rPr lang="en-US" smtClean="0"/>
-              <a:t>Differences?</a:t>
-            </a:r>
-            <a:endParaRPr lang="en-US" dirty="0" smtClean="0"/>
+              <a:rPr lang="en-US" dirty="0" smtClean="0">
+                <a:latin typeface="Times New Roman" panose="02020603050405020304" pitchFamily="18" charset="0"/>
+                <a:cs typeface="Times New Roman" panose="02020603050405020304" pitchFamily="18" charset="0"/>
+              </a:rPr>
+              <a:t>Paradigms:</a:t>
+            </a:r>
+          </a:p>
+          <a:p>
+            <a:pPr lvl="1"/>
+            <a:r>
+              <a:rPr lang="en-US" dirty="0" smtClean="0">
+                <a:latin typeface="Times New Roman" panose="02020603050405020304" pitchFamily="18" charset="0"/>
+                <a:cs typeface="Times New Roman" panose="02020603050405020304" pitchFamily="18" charset="0"/>
+              </a:rPr>
+              <a:t>OOP</a:t>
+            </a:r>
+          </a:p>
+          <a:p>
+            <a:pPr lvl="1"/>
+            <a:r>
+              <a:rPr lang="en-US" dirty="0" smtClean="0">
+                <a:latin typeface="Times New Roman" panose="02020603050405020304" pitchFamily="18" charset="0"/>
+                <a:cs typeface="Times New Roman" panose="02020603050405020304" pitchFamily="18" charset="0"/>
+              </a:rPr>
+              <a:t>Functional programming</a:t>
+            </a:r>
+          </a:p>
+          <a:p>
+            <a:pPr lvl="1"/>
+            <a:r>
+              <a:rPr lang="en-US" dirty="0" smtClean="0">
+                <a:latin typeface="Times New Roman" panose="02020603050405020304" pitchFamily="18" charset="0"/>
+                <a:cs typeface="Times New Roman" panose="02020603050405020304" pitchFamily="18" charset="0"/>
+              </a:rPr>
+              <a:t>Procedure</a:t>
+            </a:r>
+          </a:p>
+          <a:p>
+            <a:pPr lvl="0"/>
+            <a:r>
+              <a:rPr lang="en-US" dirty="0" smtClean="0">
+                <a:latin typeface="Times New Roman" panose="02020603050405020304" pitchFamily="18" charset="0"/>
+                <a:cs typeface="Times New Roman" panose="02020603050405020304" pitchFamily="18" charset="0"/>
+              </a:rPr>
+              <a:t>Indentation</a:t>
+            </a:r>
           </a:p>
         </p:txBody>
       </p:sp>
@@ -4495,6 +4267,13 @@
   <p:clrMapOvr>
     <a:masterClrMapping/>
   </p:clrMapOvr>
+  <p:timing>
+    <p:tnLst>
+      <p:par>
+        <p:cTn id="1" dur="indefinite" restart="never" nodeType="tmRoot"/>
+      </p:par>
+    </p:tnLst>
+  </p:timing>
 </p:sld>
 </file>
 
@@ -4527,78 +4306,621 @@
         </p:nvSpPr>
         <p:spPr/>
         <p:txBody>
+          <a:bodyPr/>
+          <a:lstStyle/>
+          <a:p>
+            <a:r>
+              <a:rPr lang="en-US" dirty="0" err="1" smtClean="0">
+                <a:latin typeface="Times New Roman" panose="02020603050405020304" pitchFamily="18" charset="0"/>
+                <a:cs typeface="Times New Roman" panose="02020603050405020304" pitchFamily="18" charset="0"/>
+              </a:rPr>
+              <a:t>Ngôn</a:t>
+            </a:r>
+            <a:r>
+              <a:rPr lang="en-US" dirty="0" smtClean="0">
+                <a:latin typeface="Times New Roman" panose="02020603050405020304" pitchFamily="18" charset="0"/>
+                <a:cs typeface="Times New Roman" panose="02020603050405020304" pitchFamily="18" charset="0"/>
+              </a:rPr>
+              <a:t> </a:t>
+            </a:r>
+            <a:r>
+              <a:rPr lang="en-US" dirty="0" err="1" smtClean="0">
+                <a:latin typeface="Times New Roman" panose="02020603050405020304" pitchFamily="18" charset="0"/>
+                <a:cs typeface="Times New Roman" panose="02020603050405020304" pitchFamily="18" charset="0"/>
+              </a:rPr>
+              <a:t>ngữ</a:t>
+            </a:r>
+            <a:r>
+              <a:rPr lang="en-US" dirty="0" smtClean="0">
+                <a:latin typeface="Times New Roman" panose="02020603050405020304" pitchFamily="18" charset="0"/>
+                <a:cs typeface="Times New Roman" panose="02020603050405020304" pitchFamily="18" charset="0"/>
+              </a:rPr>
+              <a:t> </a:t>
+            </a:r>
+            <a:r>
+              <a:rPr lang="en-US" dirty="0" err="1" smtClean="0">
+                <a:latin typeface="Times New Roman" panose="02020603050405020304" pitchFamily="18" charset="0"/>
+                <a:cs typeface="Times New Roman" panose="02020603050405020304" pitchFamily="18" charset="0"/>
+              </a:rPr>
+              <a:t>lập</a:t>
+            </a:r>
+            <a:r>
+              <a:rPr lang="en-US" dirty="0" smtClean="0">
+                <a:latin typeface="Times New Roman" panose="02020603050405020304" pitchFamily="18" charset="0"/>
+                <a:cs typeface="Times New Roman" panose="02020603050405020304" pitchFamily="18" charset="0"/>
+              </a:rPr>
+              <a:t> </a:t>
+            </a:r>
+            <a:r>
+              <a:rPr lang="en-US" dirty="0" err="1" smtClean="0">
+                <a:latin typeface="Times New Roman" panose="02020603050405020304" pitchFamily="18" charset="0"/>
+                <a:cs typeface="Times New Roman" panose="02020603050405020304" pitchFamily="18" charset="0"/>
+              </a:rPr>
+              <a:t>trình</a:t>
+            </a:r>
+            <a:r>
+              <a:rPr lang="en-US" dirty="0" smtClean="0">
+                <a:latin typeface="Times New Roman" panose="02020603050405020304" pitchFamily="18" charset="0"/>
+                <a:cs typeface="Times New Roman" panose="02020603050405020304" pitchFamily="18" charset="0"/>
+              </a:rPr>
+              <a:t> Python</a:t>
+            </a:r>
+            <a:endParaRPr lang="en-US" dirty="0">
+              <a:latin typeface="Times New Roman" panose="02020603050405020304" pitchFamily="18" charset="0"/>
+              <a:cs typeface="Times New Roman" panose="02020603050405020304" pitchFamily="18" charset="0"/>
+            </a:endParaRPr>
+          </a:p>
+        </p:txBody>
+      </p:sp>
+      <p:sp>
+        <p:nvSpPr>
+          <p:cNvPr id="3" name="Content Placeholder 2"/>
+          <p:cNvSpPr>
+            <a:spLocks noGrp="1"/>
+          </p:cNvSpPr>
+          <p:nvPr>
+            <p:ph idx="1"/>
+          </p:nvPr>
+        </p:nvSpPr>
+        <p:spPr/>
+        <p:txBody>
           <a:bodyPr>
-            <a:normAutofit fontScale="90000"/>
+            <a:normAutofit fontScale="85000" lnSpcReduction="20000"/>
           </a:bodyPr>
           <a:lstStyle/>
           <a:p>
-            <a:pPr lvl="0"/>
-            <a:r>
-              <a:rPr lang="en-US" dirty="0" smtClean="0"/>
-              <a:t>Who’s using Python</a:t>
-            </a:r>
-            <a:r>
-              <a:rPr lang="en-US" baseline="0" dirty="0" smtClean="0"/>
-              <a:t> (Why do we learn)?</a:t>
-            </a:r>
-            <a:endParaRPr lang="en-US" dirty="0"/>
-          </a:p>
-        </p:txBody>
-      </p:sp>
-      <p:sp>
-        <p:nvSpPr>
-          <p:cNvPr id="3" name="Content Placeholder 2"/>
-          <p:cNvSpPr>
-            <a:spLocks noGrp="1"/>
-          </p:cNvSpPr>
-          <p:nvPr>
-            <p:ph idx="1"/>
-          </p:nvPr>
-        </p:nvSpPr>
-        <p:spPr/>
-        <p:txBody>
-          <a:bodyPr/>
-          <a:lstStyle/>
-          <a:p>
-            <a:r>
-              <a:rPr lang="en-US" dirty="0" smtClean="0"/>
-              <a:t>System administrators in monitoring systems</a:t>
-            </a:r>
-          </a:p>
-          <a:p>
-            <a:r>
-              <a:rPr lang="en-US" dirty="0" smtClean="0"/>
-              <a:t>Data</a:t>
-            </a:r>
-            <a:r>
-              <a:rPr lang="en-US" baseline="0" dirty="0" smtClean="0"/>
-              <a:t> mining</a:t>
-            </a:r>
-          </a:p>
-          <a:p>
-            <a:r>
-              <a:rPr lang="en-US" baseline="0" dirty="0" smtClean="0"/>
-              <a:t>Hackers &amp; </a:t>
-            </a:r>
-            <a:r>
-              <a:rPr lang="en-US" baseline="0" dirty="0" err="1" smtClean="0"/>
-              <a:t>Pentester</a:t>
-            </a:r>
-            <a:endParaRPr lang="en-US" baseline="0" dirty="0" smtClean="0"/>
-          </a:p>
-          <a:p>
-            <a:r>
-              <a:rPr lang="en-US" baseline="0" dirty="0" err="1" smtClean="0"/>
-              <a:t>Openstack</a:t>
-            </a:r>
-            <a:endParaRPr lang="en-US" baseline="0" dirty="0" smtClean="0"/>
-          </a:p>
-          <a:p>
-            <a:r>
-              <a:rPr lang="en-US" baseline="0" dirty="0" err="1" smtClean="0"/>
-              <a:t>Django</a:t>
-            </a:r>
-            <a:endParaRPr lang="en-US" baseline="0" dirty="0" smtClean="0"/>
+            <a:r>
+              <a:rPr lang="en-US" dirty="0" err="1" smtClean="0">
+                <a:latin typeface="Times New Roman" panose="02020603050405020304" pitchFamily="18" charset="0"/>
+                <a:cs typeface="Times New Roman" panose="02020603050405020304" pitchFamily="18" charset="0"/>
+              </a:rPr>
+              <a:t>Đơn</a:t>
+            </a:r>
+            <a:r>
+              <a:rPr lang="en-US" dirty="0" smtClean="0">
+                <a:latin typeface="Times New Roman" panose="02020603050405020304" pitchFamily="18" charset="0"/>
+                <a:cs typeface="Times New Roman" panose="02020603050405020304" pitchFamily="18" charset="0"/>
+              </a:rPr>
+              <a:t> </a:t>
+            </a:r>
+            <a:r>
+              <a:rPr lang="en-US" dirty="0" err="1" smtClean="0">
+                <a:latin typeface="Times New Roman" panose="02020603050405020304" pitchFamily="18" charset="0"/>
+                <a:cs typeface="Times New Roman" panose="02020603050405020304" pitchFamily="18" charset="0"/>
+              </a:rPr>
+              <a:t>giản</a:t>
+            </a:r>
+            <a:endParaRPr lang="en-US" dirty="0" smtClean="0">
+              <a:latin typeface="Times New Roman" panose="02020603050405020304" pitchFamily="18" charset="0"/>
+              <a:cs typeface="Times New Roman" panose="02020603050405020304" pitchFamily="18" charset="0"/>
+            </a:endParaRPr>
+          </a:p>
+          <a:p>
+            <a:r>
+              <a:rPr lang="en-US" dirty="0" err="1" smtClean="0">
+                <a:latin typeface="Times New Roman" panose="02020603050405020304" pitchFamily="18" charset="0"/>
+                <a:cs typeface="Times New Roman" panose="02020603050405020304" pitchFamily="18" charset="0"/>
+              </a:rPr>
+              <a:t>Dễ</a:t>
+            </a:r>
+            <a:r>
+              <a:rPr lang="en-US" dirty="0" smtClean="0">
+                <a:latin typeface="Times New Roman" panose="02020603050405020304" pitchFamily="18" charset="0"/>
+                <a:cs typeface="Times New Roman" panose="02020603050405020304" pitchFamily="18" charset="0"/>
+              </a:rPr>
+              <a:t> </a:t>
+            </a:r>
+            <a:r>
+              <a:rPr lang="en-US" dirty="0" err="1" smtClean="0">
+                <a:latin typeface="Times New Roman" panose="02020603050405020304" pitchFamily="18" charset="0"/>
+                <a:cs typeface="Times New Roman" panose="02020603050405020304" pitchFamily="18" charset="0"/>
+              </a:rPr>
+              <a:t>học</a:t>
+            </a:r>
+            <a:endParaRPr lang="en-US" dirty="0" smtClean="0">
+              <a:latin typeface="Times New Roman" panose="02020603050405020304" pitchFamily="18" charset="0"/>
+              <a:cs typeface="Times New Roman" panose="02020603050405020304" pitchFamily="18" charset="0"/>
+            </a:endParaRPr>
+          </a:p>
+          <a:p>
+            <a:r>
+              <a:rPr lang="en-US" dirty="0" err="1" smtClean="0">
+                <a:latin typeface="Times New Roman" panose="02020603050405020304" pitchFamily="18" charset="0"/>
+                <a:cs typeface="Times New Roman" panose="02020603050405020304" pitchFamily="18" charset="0"/>
+              </a:rPr>
+              <a:t>Mã</a:t>
+            </a:r>
+            <a:r>
+              <a:rPr lang="en-US" dirty="0" smtClean="0">
+                <a:latin typeface="Times New Roman" panose="02020603050405020304" pitchFamily="18" charset="0"/>
+                <a:cs typeface="Times New Roman" panose="02020603050405020304" pitchFamily="18" charset="0"/>
+              </a:rPr>
+              <a:t> </a:t>
+            </a:r>
+            <a:r>
+              <a:rPr lang="en-US" dirty="0" err="1" smtClean="0">
+                <a:latin typeface="Times New Roman" panose="02020603050405020304" pitchFamily="18" charset="0"/>
+                <a:cs typeface="Times New Roman" panose="02020603050405020304" pitchFamily="18" charset="0"/>
+              </a:rPr>
+              <a:t>nguồn</a:t>
+            </a:r>
+            <a:r>
+              <a:rPr lang="en-US" dirty="0" smtClean="0">
+                <a:latin typeface="Times New Roman" panose="02020603050405020304" pitchFamily="18" charset="0"/>
+                <a:cs typeface="Times New Roman" panose="02020603050405020304" pitchFamily="18" charset="0"/>
+              </a:rPr>
+              <a:t> </a:t>
+            </a:r>
+            <a:r>
+              <a:rPr lang="en-US" dirty="0" err="1" smtClean="0">
+                <a:latin typeface="Times New Roman" panose="02020603050405020304" pitchFamily="18" charset="0"/>
+                <a:cs typeface="Times New Roman" panose="02020603050405020304" pitchFamily="18" charset="0"/>
+              </a:rPr>
+              <a:t>mở</a:t>
+            </a:r>
+            <a:r>
+              <a:rPr lang="en-US" dirty="0" smtClean="0">
+                <a:latin typeface="Times New Roman" panose="02020603050405020304" pitchFamily="18" charset="0"/>
+                <a:cs typeface="Times New Roman" panose="02020603050405020304" pitchFamily="18" charset="0"/>
+              </a:rPr>
+              <a:t> </a:t>
+            </a:r>
+            <a:r>
+              <a:rPr lang="en-US" dirty="0" err="1" smtClean="0">
+                <a:latin typeface="Times New Roman" panose="02020603050405020304" pitchFamily="18" charset="0"/>
+                <a:cs typeface="Times New Roman" panose="02020603050405020304" pitchFamily="18" charset="0"/>
+              </a:rPr>
+              <a:t>và</a:t>
+            </a:r>
+            <a:r>
+              <a:rPr lang="en-US" dirty="0" smtClean="0">
+                <a:latin typeface="Times New Roman" panose="02020603050405020304" pitchFamily="18" charset="0"/>
+                <a:cs typeface="Times New Roman" panose="02020603050405020304" pitchFamily="18" charset="0"/>
+              </a:rPr>
+              <a:t> </a:t>
+            </a:r>
+            <a:r>
+              <a:rPr lang="en-US" dirty="0" err="1" smtClean="0">
+                <a:latin typeface="Times New Roman" panose="02020603050405020304" pitchFamily="18" charset="0"/>
+                <a:cs typeface="Times New Roman" panose="02020603050405020304" pitchFamily="18" charset="0"/>
+              </a:rPr>
+              <a:t>miễn</a:t>
+            </a:r>
+            <a:r>
+              <a:rPr lang="en-US" dirty="0" smtClean="0">
+                <a:latin typeface="Times New Roman" panose="02020603050405020304" pitchFamily="18" charset="0"/>
+                <a:cs typeface="Times New Roman" panose="02020603050405020304" pitchFamily="18" charset="0"/>
+              </a:rPr>
+              <a:t> </a:t>
+            </a:r>
+            <a:r>
+              <a:rPr lang="en-US" dirty="0" err="1" smtClean="0">
+                <a:latin typeface="Times New Roman" panose="02020603050405020304" pitchFamily="18" charset="0"/>
+                <a:cs typeface="Times New Roman" panose="02020603050405020304" pitchFamily="18" charset="0"/>
+              </a:rPr>
+              <a:t>phí</a:t>
+            </a:r>
+            <a:endParaRPr lang="en-US" dirty="0" smtClean="0">
+              <a:latin typeface="Times New Roman" panose="02020603050405020304" pitchFamily="18" charset="0"/>
+              <a:cs typeface="Times New Roman" panose="02020603050405020304" pitchFamily="18" charset="0"/>
+            </a:endParaRPr>
+          </a:p>
+          <a:p>
+            <a:r>
+              <a:rPr lang="en-US" dirty="0" err="1" smtClean="0">
+                <a:latin typeface="Times New Roman" panose="02020603050405020304" pitchFamily="18" charset="0"/>
+                <a:cs typeface="Times New Roman" panose="02020603050405020304" pitchFamily="18" charset="0"/>
+              </a:rPr>
+              <a:t>Ngôn</a:t>
+            </a:r>
+            <a:r>
+              <a:rPr lang="en-US" dirty="0" smtClean="0">
+                <a:latin typeface="Times New Roman" panose="02020603050405020304" pitchFamily="18" charset="0"/>
+                <a:cs typeface="Times New Roman" panose="02020603050405020304" pitchFamily="18" charset="0"/>
+              </a:rPr>
+              <a:t> </a:t>
+            </a:r>
+            <a:r>
+              <a:rPr lang="en-US" dirty="0" err="1" smtClean="0">
+                <a:latin typeface="Times New Roman" panose="02020603050405020304" pitchFamily="18" charset="0"/>
+                <a:cs typeface="Times New Roman" panose="02020603050405020304" pitchFamily="18" charset="0"/>
+              </a:rPr>
+              <a:t>ngữ</a:t>
+            </a:r>
+            <a:r>
+              <a:rPr lang="en-US" dirty="0" smtClean="0">
+                <a:latin typeface="Times New Roman" panose="02020603050405020304" pitchFamily="18" charset="0"/>
+                <a:cs typeface="Times New Roman" panose="02020603050405020304" pitchFamily="18" charset="0"/>
+              </a:rPr>
+              <a:t> </a:t>
+            </a:r>
+            <a:r>
+              <a:rPr lang="en-US" dirty="0" err="1" smtClean="0">
+                <a:latin typeface="Times New Roman" panose="02020603050405020304" pitchFamily="18" charset="0"/>
+                <a:cs typeface="Times New Roman" panose="02020603050405020304" pitchFamily="18" charset="0"/>
+              </a:rPr>
+              <a:t>lập</a:t>
+            </a:r>
+            <a:r>
+              <a:rPr lang="en-US" dirty="0" smtClean="0">
+                <a:latin typeface="Times New Roman" panose="02020603050405020304" pitchFamily="18" charset="0"/>
+                <a:cs typeface="Times New Roman" panose="02020603050405020304" pitchFamily="18" charset="0"/>
+              </a:rPr>
+              <a:t> </a:t>
+            </a:r>
+            <a:r>
+              <a:rPr lang="en-US" dirty="0" err="1" smtClean="0">
+                <a:latin typeface="Times New Roman" panose="02020603050405020304" pitchFamily="18" charset="0"/>
+                <a:cs typeface="Times New Roman" panose="02020603050405020304" pitchFamily="18" charset="0"/>
+              </a:rPr>
+              <a:t>trình</a:t>
+            </a:r>
+            <a:r>
+              <a:rPr lang="en-US" dirty="0" smtClean="0">
+                <a:latin typeface="Times New Roman" panose="02020603050405020304" pitchFamily="18" charset="0"/>
+                <a:cs typeface="Times New Roman" panose="02020603050405020304" pitchFamily="18" charset="0"/>
+              </a:rPr>
+              <a:t> </a:t>
+            </a:r>
+            <a:r>
+              <a:rPr lang="en-US" dirty="0" err="1" smtClean="0">
+                <a:latin typeface="Times New Roman" panose="02020603050405020304" pitchFamily="18" charset="0"/>
+                <a:cs typeface="Times New Roman" panose="02020603050405020304" pitchFamily="18" charset="0"/>
+              </a:rPr>
+              <a:t>cấp</a:t>
+            </a:r>
+            <a:r>
+              <a:rPr lang="en-US" dirty="0" smtClean="0">
+                <a:latin typeface="Times New Roman" panose="02020603050405020304" pitchFamily="18" charset="0"/>
+                <a:cs typeface="Times New Roman" panose="02020603050405020304" pitchFamily="18" charset="0"/>
+              </a:rPr>
+              <a:t> </a:t>
+            </a:r>
+            <a:r>
+              <a:rPr lang="en-US" dirty="0" err="1" smtClean="0">
+                <a:latin typeface="Times New Roman" panose="02020603050405020304" pitchFamily="18" charset="0"/>
+                <a:cs typeface="Times New Roman" panose="02020603050405020304" pitchFamily="18" charset="0"/>
+              </a:rPr>
+              <a:t>cao</a:t>
+            </a:r>
+            <a:endParaRPr lang="en-US" dirty="0" smtClean="0">
+              <a:latin typeface="Times New Roman" panose="02020603050405020304" pitchFamily="18" charset="0"/>
+              <a:cs typeface="Times New Roman" panose="02020603050405020304" pitchFamily="18" charset="0"/>
+            </a:endParaRPr>
+          </a:p>
+          <a:p>
+            <a:r>
+              <a:rPr lang="en-US" dirty="0" smtClean="0">
+                <a:latin typeface="Times New Roman" panose="02020603050405020304" pitchFamily="18" charset="0"/>
+                <a:cs typeface="Times New Roman" panose="02020603050405020304" pitchFamily="18" charset="0"/>
+              </a:rPr>
+              <a:t>Portable – </a:t>
+            </a:r>
+            <a:r>
+              <a:rPr lang="en-US" dirty="0" err="1" smtClean="0">
+                <a:latin typeface="Times New Roman" panose="02020603050405020304" pitchFamily="18" charset="0"/>
+                <a:cs typeface="Times New Roman" panose="02020603050405020304" pitchFamily="18" charset="0"/>
+              </a:rPr>
+              <a:t>Đa</a:t>
+            </a:r>
+            <a:r>
+              <a:rPr lang="en-US" dirty="0" smtClean="0">
+                <a:latin typeface="Times New Roman" panose="02020603050405020304" pitchFamily="18" charset="0"/>
+                <a:cs typeface="Times New Roman" panose="02020603050405020304" pitchFamily="18" charset="0"/>
+              </a:rPr>
+              <a:t> </a:t>
+            </a:r>
+            <a:r>
+              <a:rPr lang="en-US" dirty="0" err="1" smtClean="0">
+                <a:latin typeface="Times New Roman" panose="02020603050405020304" pitchFamily="18" charset="0"/>
+                <a:cs typeface="Times New Roman" panose="02020603050405020304" pitchFamily="18" charset="0"/>
+              </a:rPr>
+              <a:t>nền</a:t>
+            </a:r>
+            <a:r>
+              <a:rPr lang="en-US" dirty="0" smtClean="0">
+                <a:latin typeface="Times New Roman" panose="02020603050405020304" pitchFamily="18" charset="0"/>
+                <a:cs typeface="Times New Roman" panose="02020603050405020304" pitchFamily="18" charset="0"/>
+              </a:rPr>
+              <a:t> </a:t>
+            </a:r>
+            <a:r>
+              <a:rPr lang="en-US" dirty="0" err="1" smtClean="0">
+                <a:latin typeface="Times New Roman" panose="02020603050405020304" pitchFamily="18" charset="0"/>
+                <a:cs typeface="Times New Roman" panose="02020603050405020304" pitchFamily="18" charset="0"/>
+              </a:rPr>
+              <a:t>tảng</a:t>
+            </a:r>
+            <a:endParaRPr lang="en-US" dirty="0" smtClean="0">
+              <a:latin typeface="Times New Roman" panose="02020603050405020304" pitchFamily="18" charset="0"/>
+              <a:cs typeface="Times New Roman" panose="02020603050405020304" pitchFamily="18" charset="0"/>
+            </a:endParaRPr>
+          </a:p>
+          <a:p>
+            <a:r>
+              <a:rPr lang="en-US" dirty="0" err="1" smtClean="0">
+                <a:latin typeface="Times New Roman" panose="02020603050405020304" pitchFamily="18" charset="0"/>
+                <a:cs typeface="Times New Roman" panose="02020603050405020304" pitchFamily="18" charset="0"/>
+              </a:rPr>
+              <a:t>Thông</a:t>
+            </a:r>
+            <a:r>
+              <a:rPr lang="en-US" dirty="0" smtClean="0">
+                <a:latin typeface="Times New Roman" panose="02020603050405020304" pitchFamily="18" charset="0"/>
+                <a:cs typeface="Times New Roman" panose="02020603050405020304" pitchFamily="18" charset="0"/>
+              </a:rPr>
+              <a:t> </a:t>
+            </a:r>
+            <a:r>
+              <a:rPr lang="en-US" dirty="0" err="1" smtClean="0">
+                <a:latin typeface="Times New Roman" panose="02020603050405020304" pitchFamily="18" charset="0"/>
+                <a:cs typeface="Times New Roman" panose="02020603050405020304" pitchFamily="18" charset="0"/>
+              </a:rPr>
+              <a:t>dịch</a:t>
+            </a:r>
+            <a:endParaRPr lang="en-US" dirty="0" smtClean="0">
+              <a:latin typeface="Times New Roman" panose="02020603050405020304" pitchFamily="18" charset="0"/>
+              <a:cs typeface="Times New Roman" panose="02020603050405020304" pitchFamily="18" charset="0"/>
+            </a:endParaRPr>
+          </a:p>
+          <a:p>
+            <a:r>
+              <a:rPr lang="en-US" dirty="0" smtClean="0">
+                <a:latin typeface="Times New Roman" panose="02020603050405020304" pitchFamily="18" charset="0"/>
+                <a:cs typeface="Times New Roman" panose="02020603050405020304" pitchFamily="18" charset="0"/>
+              </a:rPr>
+              <a:t>OOP</a:t>
+            </a:r>
+          </a:p>
+          <a:p>
+            <a:r>
+              <a:rPr lang="en-US" dirty="0" err="1" smtClean="0">
+                <a:latin typeface="Times New Roman" panose="02020603050405020304" pitchFamily="18" charset="0"/>
+                <a:cs typeface="Times New Roman" panose="02020603050405020304" pitchFamily="18" charset="0"/>
+              </a:rPr>
+              <a:t>Có</a:t>
+            </a:r>
+            <a:r>
+              <a:rPr lang="en-US" dirty="0" smtClean="0">
+                <a:latin typeface="Times New Roman" panose="02020603050405020304" pitchFamily="18" charset="0"/>
+                <a:cs typeface="Times New Roman" panose="02020603050405020304" pitchFamily="18" charset="0"/>
+              </a:rPr>
+              <a:t> </a:t>
+            </a:r>
+            <a:r>
+              <a:rPr lang="en-US" dirty="0" err="1" smtClean="0">
+                <a:latin typeface="Times New Roman" panose="02020603050405020304" pitchFamily="18" charset="0"/>
+                <a:cs typeface="Times New Roman" panose="02020603050405020304" pitchFamily="18" charset="0"/>
+              </a:rPr>
+              <a:t>thể</a:t>
+            </a:r>
+            <a:r>
+              <a:rPr lang="en-US" dirty="0" smtClean="0">
+                <a:latin typeface="Times New Roman" panose="02020603050405020304" pitchFamily="18" charset="0"/>
+                <a:cs typeface="Times New Roman" panose="02020603050405020304" pitchFamily="18" charset="0"/>
+              </a:rPr>
+              <a:t> </a:t>
+            </a:r>
+            <a:r>
+              <a:rPr lang="en-US" dirty="0" err="1" smtClean="0">
+                <a:latin typeface="Times New Roman" panose="02020603050405020304" pitchFamily="18" charset="0"/>
+                <a:cs typeface="Times New Roman" panose="02020603050405020304" pitchFamily="18" charset="0"/>
+              </a:rPr>
+              <a:t>mở</a:t>
+            </a:r>
+            <a:r>
+              <a:rPr lang="en-US" dirty="0" smtClean="0">
+                <a:latin typeface="Times New Roman" panose="02020603050405020304" pitchFamily="18" charset="0"/>
+                <a:cs typeface="Times New Roman" panose="02020603050405020304" pitchFamily="18" charset="0"/>
+              </a:rPr>
+              <a:t> </a:t>
+            </a:r>
+            <a:r>
+              <a:rPr lang="en-US" dirty="0" err="1" smtClean="0">
+                <a:latin typeface="Times New Roman" panose="02020603050405020304" pitchFamily="18" charset="0"/>
+                <a:cs typeface="Times New Roman" panose="02020603050405020304" pitchFamily="18" charset="0"/>
+              </a:rPr>
+              <a:t>rộng</a:t>
+            </a:r>
+            <a:endParaRPr lang="en-US" dirty="0" smtClean="0">
+              <a:latin typeface="Times New Roman" panose="02020603050405020304" pitchFamily="18" charset="0"/>
+              <a:cs typeface="Times New Roman" panose="02020603050405020304" pitchFamily="18" charset="0"/>
+            </a:endParaRPr>
+          </a:p>
+          <a:p>
+            <a:r>
+              <a:rPr lang="en-US" dirty="0" err="1" smtClean="0">
+                <a:latin typeface="Times New Roman" panose="02020603050405020304" pitchFamily="18" charset="0"/>
+                <a:cs typeface="Times New Roman" panose="02020603050405020304" pitchFamily="18" charset="0"/>
+              </a:rPr>
+              <a:t>Có</a:t>
+            </a:r>
+            <a:r>
+              <a:rPr lang="en-US" dirty="0" smtClean="0">
+                <a:latin typeface="Times New Roman" panose="02020603050405020304" pitchFamily="18" charset="0"/>
+                <a:cs typeface="Times New Roman" panose="02020603050405020304" pitchFamily="18" charset="0"/>
+              </a:rPr>
+              <a:t> </a:t>
+            </a:r>
+            <a:r>
+              <a:rPr lang="en-US" dirty="0" err="1" smtClean="0">
+                <a:latin typeface="Times New Roman" panose="02020603050405020304" pitchFamily="18" charset="0"/>
+                <a:cs typeface="Times New Roman" panose="02020603050405020304" pitchFamily="18" charset="0"/>
+              </a:rPr>
+              <a:t>thể</a:t>
+            </a:r>
+            <a:r>
+              <a:rPr lang="en-US" dirty="0" smtClean="0">
+                <a:latin typeface="Times New Roman" panose="02020603050405020304" pitchFamily="18" charset="0"/>
+                <a:cs typeface="Times New Roman" panose="02020603050405020304" pitchFamily="18" charset="0"/>
+              </a:rPr>
+              <a:t> </a:t>
+            </a:r>
+            <a:r>
+              <a:rPr lang="en-US" dirty="0" err="1" smtClean="0">
+                <a:latin typeface="Times New Roman" panose="02020603050405020304" pitchFamily="18" charset="0"/>
+                <a:cs typeface="Times New Roman" panose="02020603050405020304" pitchFamily="18" charset="0"/>
+              </a:rPr>
+              <a:t>nhúng</a:t>
+            </a:r>
+            <a:r>
+              <a:rPr lang="en-US" dirty="0" smtClean="0">
+                <a:latin typeface="Times New Roman" panose="02020603050405020304" pitchFamily="18" charset="0"/>
+                <a:cs typeface="Times New Roman" panose="02020603050405020304" pitchFamily="18" charset="0"/>
+              </a:rPr>
+              <a:t> </a:t>
+            </a:r>
+            <a:r>
+              <a:rPr lang="en-US" dirty="0" err="1" smtClean="0">
+                <a:latin typeface="Times New Roman" panose="02020603050405020304" pitchFamily="18" charset="0"/>
+                <a:cs typeface="Times New Roman" panose="02020603050405020304" pitchFamily="18" charset="0"/>
+              </a:rPr>
+              <a:t>vào</a:t>
+            </a:r>
+            <a:r>
+              <a:rPr lang="en-US" dirty="0" smtClean="0">
+                <a:latin typeface="Times New Roman" panose="02020603050405020304" pitchFamily="18" charset="0"/>
+                <a:cs typeface="Times New Roman" panose="02020603050405020304" pitchFamily="18" charset="0"/>
+              </a:rPr>
+              <a:t> </a:t>
+            </a:r>
+            <a:r>
+              <a:rPr lang="en-US" dirty="0" err="1" smtClean="0">
+                <a:latin typeface="Times New Roman" panose="02020603050405020304" pitchFamily="18" charset="0"/>
+                <a:cs typeface="Times New Roman" panose="02020603050405020304" pitchFamily="18" charset="0"/>
+              </a:rPr>
+              <a:t>ngôn</a:t>
+            </a:r>
+            <a:r>
+              <a:rPr lang="en-US" dirty="0" smtClean="0">
+                <a:latin typeface="Times New Roman" panose="02020603050405020304" pitchFamily="18" charset="0"/>
+                <a:cs typeface="Times New Roman" panose="02020603050405020304" pitchFamily="18" charset="0"/>
+              </a:rPr>
+              <a:t> </a:t>
+            </a:r>
+            <a:r>
+              <a:rPr lang="en-US" dirty="0" err="1" smtClean="0">
+                <a:latin typeface="Times New Roman" panose="02020603050405020304" pitchFamily="18" charset="0"/>
+                <a:cs typeface="Times New Roman" panose="02020603050405020304" pitchFamily="18" charset="0"/>
+              </a:rPr>
+              <a:t>ngữ</a:t>
+            </a:r>
+            <a:r>
+              <a:rPr lang="en-US" dirty="0" smtClean="0">
+                <a:latin typeface="Times New Roman" panose="02020603050405020304" pitchFamily="18" charset="0"/>
+                <a:cs typeface="Times New Roman" panose="02020603050405020304" pitchFamily="18" charset="0"/>
+              </a:rPr>
+              <a:t> C</a:t>
+            </a:r>
+          </a:p>
+          <a:p>
+            <a:r>
+              <a:rPr lang="en-US" dirty="0" err="1" smtClean="0">
+                <a:latin typeface="Times New Roman" panose="02020603050405020304" pitchFamily="18" charset="0"/>
+                <a:cs typeface="Times New Roman" panose="02020603050405020304" pitchFamily="18" charset="0"/>
+              </a:rPr>
+              <a:t>Có</a:t>
+            </a:r>
+            <a:r>
+              <a:rPr lang="en-US" dirty="0" smtClean="0">
+                <a:latin typeface="Times New Roman" panose="02020603050405020304" pitchFamily="18" charset="0"/>
+                <a:cs typeface="Times New Roman" panose="02020603050405020304" pitchFamily="18" charset="0"/>
+              </a:rPr>
+              <a:t> </a:t>
+            </a:r>
+            <a:r>
+              <a:rPr lang="en-US" dirty="0" err="1" smtClean="0">
+                <a:latin typeface="Times New Roman" panose="02020603050405020304" pitchFamily="18" charset="0"/>
+                <a:cs typeface="Times New Roman" panose="02020603050405020304" pitchFamily="18" charset="0"/>
+              </a:rPr>
+              <a:t>các</a:t>
+            </a:r>
+            <a:r>
+              <a:rPr lang="en-US" dirty="0" smtClean="0">
+                <a:latin typeface="Times New Roman" panose="02020603050405020304" pitchFamily="18" charset="0"/>
+                <a:cs typeface="Times New Roman" panose="02020603050405020304" pitchFamily="18" charset="0"/>
+              </a:rPr>
+              <a:t> </a:t>
+            </a:r>
+            <a:r>
+              <a:rPr lang="en-US" dirty="0" err="1" smtClean="0">
+                <a:latin typeface="Times New Roman" panose="02020603050405020304" pitchFamily="18" charset="0"/>
+                <a:cs typeface="Times New Roman" panose="02020603050405020304" pitchFamily="18" charset="0"/>
+              </a:rPr>
+              <a:t>thư</a:t>
+            </a:r>
+            <a:r>
+              <a:rPr lang="en-US" dirty="0" smtClean="0">
+                <a:latin typeface="Times New Roman" panose="02020603050405020304" pitchFamily="18" charset="0"/>
+                <a:cs typeface="Times New Roman" panose="02020603050405020304" pitchFamily="18" charset="0"/>
+              </a:rPr>
+              <a:t> </a:t>
+            </a:r>
+            <a:r>
+              <a:rPr lang="en-US" dirty="0" err="1" smtClean="0">
+                <a:latin typeface="Times New Roman" panose="02020603050405020304" pitchFamily="18" charset="0"/>
+                <a:cs typeface="Times New Roman" panose="02020603050405020304" pitchFamily="18" charset="0"/>
+              </a:rPr>
+              <a:t>viện</a:t>
+            </a:r>
+            <a:r>
+              <a:rPr lang="en-US" dirty="0" smtClean="0">
+                <a:latin typeface="Times New Roman" panose="02020603050405020304" pitchFamily="18" charset="0"/>
+                <a:cs typeface="Times New Roman" panose="02020603050405020304" pitchFamily="18" charset="0"/>
+              </a:rPr>
+              <a:t> </a:t>
+            </a:r>
+            <a:r>
+              <a:rPr lang="en-US" dirty="0" err="1" smtClean="0">
+                <a:latin typeface="Times New Roman" panose="02020603050405020304" pitchFamily="18" charset="0"/>
+                <a:cs typeface="Times New Roman" panose="02020603050405020304" pitchFamily="18" charset="0"/>
+              </a:rPr>
+              <a:t>mở</a:t>
+            </a:r>
+            <a:r>
+              <a:rPr lang="en-US" dirty="0" smtClean="0">
+                <a:latin typeface="Times New Roman" panose="02020603050405020304" pitchFamily="18" charset="0"/>
+                <a:cs typeface="Times New Roman" panose="02020603050405020304" pitchFamily="18" charset="0"/>
+              </a:rPr>
+              <a:t> </a:t>
+            </a:r>
+            <a:r>
+              <a:rPr lang="en-US" dirty="0" err="1" smtClean="0">
+                <a:latin typeface="Times New Roman" panose="02020603050405020304" pitchFamily="18" charset="0"/>
+                <a:cs typeface="Times New Roman" panose="02020603050405020304" pitchFamily="18" charset="0"/>
+              </a:rPr>
+              <a:t>rộng</a:t>
+            </a:r>
+            <a:endParaRPr lang="en-US" dirty="0" smtClean="0">
+              <a:latin typeface="Times New Roman" panose="02020603050405020304" pitchFamily="18" charset="0"/>
+              <a:cs typeface="Times New Roman" panose="02020603050405020304" pitchFamily="18" charset="0"/>
+            </a:endParaRPr>
+          </a:p>
+          <a:p>
+            <a:endParaRPr lang="en-US" dirty="0">
+              <a:latin typeface="Times New Roman" panose="02020603050405020304" pitchFamily="18" charset="0"/>
+              <a:cs typeface="Times New Roman" panose="02020603050405020304" pitchFamily="18" charset="0"/>
+            </a:endParaRPr>
           </a:p>
         </p:txBody>
       </p:sp>
@@ -4628,7 +4950,7 @@
     </p:spTree>
     <p:extLst>
       <p:ext uri="{BB962C8B-B14F-4D97-AF65-F5344CB8AC3E}">
-        <p14:creationId xmlns:p14="http://schemas.microsoft.com/office/powerpoint/2010/main" val="2955978920"/>
+        <p14:creationId xmlns:p14="http://schemas.microsoft.com/office/powerpoint/2010/main" val="874324"/>
       </p:ext>
     </p:extLst>
   </p:cSld>
@@ -4671,10 +4993,16 @@
           <a:lstStyle/>
           <a:p>
             <a:r>
-              <a:rPr lang="en-US" dirty="0" smtClean="0"/>
-              <a:t>Who’s using Python</a:t>
-            </a:r>
-            <a:endParaRPr lang="vi-VN" dirty="0"/>
+              <a:rPr lang="en-US" dirty="0" smtClean="0">
+                <a:latin typeface="Times New Roman" panose="02020603050405020304" pitchFamily="18" charset="0"/>
+                <a:cs typeface="Times New Roman" panose="02020603050405020304" pitchFamily="18" charset="0"/>
+              </a:rPr>
+              <a:t>Which version?</a:t>
+            </a:r>
+            <a:endParaRPr lang="vi-VN" dirty="0">
+              <a:latin typeface="Times New Roman" panose="02020603050405020304" pitchFamily="18" charset="0"/>
+              <a:cs typeface="Times New Roman" panose="02020603050405020304" pitchFamily="18" charset="0"/>
+            </a:endParaRPr>
           </a:p>
         </p:txBody>
       </p:sp>
@@ -4693,7 +5021,31 @@
           <a:bodyPr/>
           <a:lstStyle/>
           <a:p>
-            <a:endParaRPr lang="vi-VN" dirty="0"/>
+            <a:r>
+              <a:rPr lang="en-US" dirty="0" smtClean="0">
+                <a:latin typeface="Times New Roman" panose="02020603050405020304" pitchFamily="18" charset="0"/>
+                <a:cs typeface="Times New Roman" panose="02020603050405020304" pitchFamily="18" charset="0"/>
+              </a:rPr>
+              <a:t>Python 2.x</a:t>
+            </a:r>
+          </a:p>
+          <a:p>
+            <a:r>
+              <a:rPr lang="en-US" dirty="0" smtClean="0">
+                <a:latin typeface="Times New Roman" panose="02020603050405020304" pitchFamily="18" charset="0"/>
+                <a:cs typeface="Times New Roman" panose="02020603050405020304" pitchFamily="18" charset="0"/>
+              </a:rPr>
+              <a:t>Python 3.x</a:t>
+            </a:r>
+          </a:p>
+          <a:p>
+            <a:r>
+              <a:rPr lang="en-US" dirty="0" smtClean="0">
+                <a:latin typeface="Times New Roman" panose="02020603050405020304" pitchFamily="18" charset="0"/>
+                <a:cs typeface="Times New Roman" panose="02020603050405020304" pitchFamily="18" charset="0"/>
+              </a:rPr>
+              <a:t>Differences?</a:t>
+            </a:r>
           </a:p>
         </p:txBody>
       </p:sp>
@@ -4757,197 +5109,117 @@
         </p:nvSpPr>
         <p:spPr/>
         <p:txBody>
+          <a:bodyPr>
+            <a:normAutofit fontScale="90000"/>
+          </a:bodyPr>
+          <a:lstStyle/>
+          <a:p>
+            <a:pPr lvl="0"/>
+            <a:r>
+              <a:rPr lang="en-US" dirty="0" smtClean="0">
+                <a:latin typeface="Times New Roman" panose="02020603050405020304" pitchFamily="18" charset="0"/>
+                <a:cs typeface="Times New Roman" panose="02020603050405020304" pitchFamily="18" charset="0"/>
+              </a:rPr>
+              <a:t>Who’s using Python</a:t>
+            </a:r>
+            <a:r>
+              <a:rPr lang="en-US" baseline="0" dirty="0" smtClean="0">
+                <a:latin typeface="Times New Roman" panose="02020603050405020304" pitchFamily="18" charset="0"/>
+                <a:cs typeface="Times New Roman" panose="02020603050405020304" pitchFamily="18" charset="0"/>
+              </a:rPr>
+              <a:t> (Why do we learn)?</a:t>
+            </a:r>
+            <a:endParaRPr lang="en-US" dirty="0">
+              <a:latin typeface="Times New Roman" panose="02020603050405020304" pitchFamily="18" charset="0"/>
+              <a:cs typeface="Times New Roman" panose="02020603050405020304" pitchFamily="18" charset="0"/>
+            </a:endParaRPr>
+          </a:p>
+        </p:txBody>
+      </p:sp>
+      <p:sp>
+        <p:nvSpPr>
+          <p:cNvPr id="3" name="Content Placeholder 2"/>
+          <p:cNvSpPr>
+            <a:spLocks noGrp="1"/>
+          </p:cNvSpPr>
+          <p:nvPr>
+            <p:ph idx="1"/>
+          </p:nvPr>
+        </p:nvSpPr>
+        <p:spPr/>
+        <p:txBody>
           <a:bodyPr/>
           <a:lstStyle/>
           <a:p>
             <a:r>
-              <a:rPr lang="en-US" dirty="0" smtClean="0"/>
-              <a:t>In this course</a:t>
-            </a:r>
-            <a:endParaRPr lang="en-US" dirty="0"/>
-          </a:p>
-        </p:txBody>
-      </p:sp>
-      <p:sp>
-        <p:nvSpPr>
-          <p:cNvPr id="3" name="Content Placeholder 2"/>
-          <p:cNvSpPr>
-            <a:spLocks noGrp="1"/>
-          </p:cNvSpPr>
-          <p:nvPr>
-            <p:ph idx="1"/>
-          </p:nvPr>
-        </p:nvSpPr>
-        <p:spPr/>
-        <p:txBody>
-          <a:bodyPr>
-            <a:normAutofit fontScale="55000" lnSpcReduction="20000"/>
-          </a:bodyPr>
-          <a:lstStyle/>
-          <a:p>
-            <a:pPr marL="514350" indent="-514350">
-              <a:buFont typeface="+mj-lt"/>
-              <a:buAutoNum type="arabicPeriod"/>
-            </a:pPr>
-            <a:r>
-              <a:rPr lang="en-US" dirty="0" smtClean="0"/>
-              <a:t>Introduction to Python</a:t>
-            </a:r>
-          </a:p>
-          <a:p>
-            <a:pPr marL="514350" indent="-514350">
-              <a:buFont typeface="+mj-lt"/>
-              <a:buAutoNum type="arabicPeriod"/>
-            </a:pPr>
-            <a:r>
-              <a:rPr lang="en-US" dirty="0" smtClean="0"/>
-              <a:t>Data types and Expressions</a:t>
-            </a:r>
-          </a:p>
-          <a:p>
-            <a:pPr marL="514350" indent="-514350">
-              <a:buFont typeface="+mj-lt"/>
-              <a:buAutoNum type="arabicPeriod"/>
-            </a:pPr>
-            <a:r>
-              <a:rPr lang="en-US" dirty="0" smtClean="0"/>
-              <a:t>Lists ,</a:t>
-            </a:r>
-            <a:r>
-              <a:rPr lang="en-US" baseline="0" dirty="0" smtClean="0"/>
-              <a:t> Dictionaries, </a:t>
-            </a:r>
-            <a:r>
-              <a:rPr lang="en-US" baseline="0" dirty="0" err="1" smtClean="0"/>
-              <a:t>Tuples</a:t>
-            </a:r>
-            <a:r>
-              <a:rPr lang="en-US" baseline="0" dirty="0" smtClean="0"/>
-              <a:t>, Sets</a:t>
-            </a:r>
-          </a:p>
-          <a:p>
-            <a:pPr marL="514350" indent="-514350">
-              <a:buFont typeface="+mj-lt"/>
-              <a:buAutoNum type="arabicPeriod"/>
-            </a:pPr>
-            <a:r>
-              <a:rPr lang="en-US" baseline="0" dirty="0" smtClean="0"/>
-              <a:t>Loops, Control statements and Exceptions</a:t>
-            </a:r>
-          </a:p>
-          <a:p>
-            <a:pPr marL="514350" indent="-514350">
-              <a:buFont typeface="+mj-lt"/>
-              <a:buAutoNum type="arabicPeriod"/>
-            </a:pPr>
-            <a:r>
-              <a:rPr lang="en-US" baseline="0" dirty="0" smtClean="0"/>
-              <a:t>Functions &amp; Modules</a:t>
-            </a:r>
-          </a:p>
-          <a:p>
-            <a:pPr marL="514350" indent="-514350">
-              <a:buFont typeface="+mj-lt"/>
-              <a:buAutoNum type="arabicPeriod"/>
-            </a:pPr>
-            <a:r>
-              <a:rPr lang="en-US" dirty="0" smtClean="0"/>
-              <a:t>OOP: Design with classes</a:t>
-            </a:r>
-            <a:endParaRPr lang="en-US" baseline="0" dirty="0" smtClean="0"/>
-          </a:p>
-          <a:p>
-            <a:pPr marL="514350" indent="-514350">
-              <a:buFont typeface="+mj-lt"/>
-              <a:buAutoNum type="arabicPeriod"/>
-            </a:pPr>
-            <a:r>
-              <a:rPr lang="en-US" baseline="0" dirty="0" smtClean="0"/>
-              <a:t>File I/O</a:t>
-            </a:r>
-          </a:p>
-          <a:p>
-            <a:pPr marL="514350" indent="-514350">
-              <a:buFont typeface="+mj-lt"/>
-              <a:buAutoNum type="arabicPeriod"/>
-            </a:pPr>
-            <a:r>
-              <a:rPr lang="en-US" baseline="0" dirty="0" smtClean="0"/>
-              <a:t>Database 01</a:t>
-            </a:r>
-          </a:p>
-          <a:p>
-            <a:pPr marL="514350" indent="-514350">
-              <a:buFont typeface="+mj-lt"/>
-              <a:buAutoNum type="arabicPeriod"/>
-            </a:pPr>
-            <a:r>
-              <a:rPr lang="en-US" dirty="0" smtClean="0"/>
-              <a:t>Database 02</a:t>
-            </a:r>
-            <a:endParaRPr lang="en-US" baseline="0" dirty="0" smtClean="0"/>
-          </a:p>
-          <a:p>
-            <a:pPr marL="514350" indent="-514350">
-              <a:buFont typeface="+mj-lt"/>
-              <a:buAutoNum type="arabicPeriod"/>
-            </a:pPr>
-            <a:r>
-              <a:rPr lang="en-US" baseline="0" dirty="0" smtClean="0"/>
-              <a:t>Networking 01</a:t>
-            </a:r>
-          </a:p>
-          <a:p>
-            <a:pPr marL="514350" indent="-514350">
-              <a:buFont typeface="+mj-lt"/>
-              <a:buAutoNum type="arabicPeriod"/>
-            </a:pPr>
-            <a:r>
-              <a:rPr lang="en-US" baseline="0" dirty="0" smtClean="0"/>
-              <a:t>Networking 02</a:t>
-            </a:r>
-          </a:p>
-          <a:p>
-            <a:pPr marL="514350" indent="-514350">
-              <a:buFont typeface="+mj-lt"/>
-              <a:buAutoNum type="arabicPeriod"/>
-            </a:pPr>
-            <a:r>
-              <a:rPr lang="en-US" baseline="0" dirty="0" smtClean="0"/>
-              <a:t>Web services 01</a:t>
-            </a:r>
-          </a:p>
-          <a:p>
-            <a:pPr marL="514350" indent="-514350">
-              <a:buFont typeface="+mj-lt"/>
-              <a:buAutoNum type="arabicPeriod"/>
-            </a:pPr>
-            <a:r>
-              <a:rPr lang="en-US" baseline="0" dirty="0" smtClean="0"/>
-              <a:t>Web services 02</a:t>
-            </a:r>
-          </a:p>
-          <a:p>
-            <a:pPr marL="514350" indent="-514350">
-              <a:buFont typeface="+mj-lt"/>
-              <a:buAutoNum type="arabicPeriod"/>
-            </a:pPr>
-            <a:r>
-              <a:rPr lang="en-US" dirty="0" smtClean="0"/>
-              <a:t>Thread</a:t>
-            </a:r>
-          </a:p>
-          <a:p>
-            <a:pPr marL="514350" indent="-514350">
-              <a:buFont typeface="+mj-lt"/>
-              <a:buAutoNum type="arabicPeriod"/>
-            </a:pPr>
-            <a:r>
-              <a:rPr lang="en-US" dirty="0" smtClean="0"/>
-              <a:t>Q &amp; A</a:t>
-            </a:r>
-            <a:endParaRPr lang="en-US" dirty="0"/>
+              <a:rPr lang="en-US" dirty="0" smtClean="0">
+                <a:latin typeface="Times New Roman" panose="02020603050405020304" pitchFamily="18" charset="0"/>
+                <a:cs typeface="Times New Roman" panose="02020603050405020304" pitchFamily="18" charset="0"/>
+              </a:rPr>
+              <a:t>System administrators in monitoring systems</a:t>
+            </a:r>
+          </a:p>
+          <a:p>
+            <a:r>
+              <a:rPr lang="en-US" dirty="0" smtClean="0">
+                <a:latin typeface="Times New Roman" panose="02020603050405020304" pitchFamily="18" charset="0"/>
+                <a:cs typeface="Times New Roman" panose="02020603050405020304" pitchFamily="18" charset="0"/>
+              </a:rPr>
+              <a:t>Data</a:t>
+            </a:r>
+            <a:r>
+              <a:rPr lang="en-US" baseline="0" dirty="0" smtClean="0">
+                <a:latin typeface="Times New Roman" panose="02020603050405020304" pitchFamily="18" charset="0"/>
+                <a:cs typeface="Times New Roman" panose="02020603050405020304" pitchFamily="18" charset="0"/>
+              </a:rPr>
+              <a:t> mining</a:t>
+            </a:r>
+          </a:p>
+          <a:p>
+            <a:r>
+              <a:rPr lang="en-US" baseline="0" dirty="0" smtClean="0">
+                <a:latin typeface="Times New Roman" panose="02020603050405020304" pitchFamily="18" charset="0"/>
+                <a:cs typeface="Times New Roman" panose="02020603050405020304" pitchFamily="18" charset="0"/>
+              </a:rPr>
+              <a:t>Hackers &amp; </a:t>
+            </a:r>
+            <a:r>
+              <a:rPr lang="en-US" baseline="0" dirty="0" err="1" smtClean="0">
+                <a:latin typeface="Times New Roman" panose="02020603050405020304" pitchFamily="18" charset="0"/>
+                <a:cs typeface="Times New Roman" panose="02020603050405020304" pitchFamily="18" charset="0"/>
+              </a:rPr>
+              <a:t>Pentester</a:t>
+            </a:r>
+            <a:endParaRPr lang="en-US" baseline="0" dirty="0" smtClean="0">
+              <a:latin typeface="Times New Roman" panose="02020603050405020304" pitchFamily="18" charset="0"/>
+              <a:cs typeface="Times New Roman" panose="02020603050405020304" pitchFamily="18" charset="0"/>
+            </a:endParaRPr>
+          </a:p>
+          <a:p>
+            <a:r>
+              <a:rPr lang="en-US" baseline="0" dirty="0" err="1" smtClean="0">
+                <a:latin typeface="Times New Roman" panose="02020603050405020304" pitchFamily="18" charset="0"/>
+                <a:cs typeface="Times New Roman" panose="02020603050405020304" pitchFamily="18" charset="0"/>
+              </a:rPr>
+              <a:t>Openstack</a:t>
+            </a:r>
+            <a:endParaRPr lang="en-US" baseline="0" dirty="0" smtClean="0">
+              <a:latin typeface="Times New Roman" panose="02020603050405020304" pitchFamily="18" charset="0"/>
+              <a:cs typeface="Times New Roman" panose="02020603050405020304" pitchFamily="18" charset="0"/>
+            </a:endParaRPr>
+          </a:p>
+          <a:p>
+            <a:r>
+              <a:rPr lang="en-US" baseline="0" dirty="0" err="1" smtClean="0">
+                <a:latin typeface="Times New Roman" panose="02020603050405020304" pitchFamily="18" charset="0"/>
+                <a:cs typeface="Times New Roman" panose="02020603050405020304" pitchFamily="18" charset="0"/>
+              </a:rPr>
+              <a:t>Django</a:t>
+            </a:r>
+            <a:endParaRPr lang="en-US" baseline="0" dirty="0" smtClean="0">
+              <a:latin typeface="Times New Roman" panose="02020603050405020304" pitchFamily="18" charset="0"/>
+              <a:cs typeface="Times New Roman" panose="02020603050405020304" pitchFamily="18" charset="0"/>
+            </a:endParaRPr>
           </a:p>
         </p:txBody>
       </p:sp>
@@ -4977,7 +5249,7 @@
     </p:spTree>
     <p:extLst>
       <p:ext uri="{BB962C8B-B14F-4D97-AF65-F5344CB8AC3E}">
-        <p14:creationId xmlns:p14="http://schemas.microsoft.com/office/powerpoint/2010/main" val="3391462748"/>
+        <p14:creationId xmlns:p14="http://schemas.microsoft.com/office/powerpoint/2010/main" val="2955978920"/>
       </p:ext>
     </p:extLst>
   </p:cSld>
@@ -5020,10 +5292,58 @@
           <a:lstStyle/>
           <a:p>
             <a:r>
-              <a:rPr lang="en-US" dirty="0" smtClean="0"/>
-              <a:t>Audience</a:t>
-            </a:r>
-            <a:endParaRPr lang="en-US" dirty="0"/>
+              <a:rPr lang="en-US" dirty="0" err="1" smtClean="0">
+                <a:latin typeface="Times New Roman" panose="02020603050405020304" pitchFamily="18" charset="0"/>
+                <a:cs typeface="Times New Roman" panose="02020603050405020304" pitchFamily="18" charset="0"/>
+              </a:rPr>
+              <a:t>Các</a:t>
+            </a:r>
+            <a:r>
+              <a:rPr lang="en-US" dirty="0" smtClean="0">
+                <a:latin typeface="Times New Roman" panose="02020603050405020304" pitchFamily="18" charset="0"/>
+                <a:cs typeface="Times New Roman" panose="02020603050405020304" pitchFamily="18" charset="0"/>
+              </a:rPr>
+              <a:t> </a:t>
+            </a:r>
+            <a:r>
+              <a:rPr lang="en-US" dirty="0" err="1" smtClean="0">
+                <a:latin typeface="Times New Roman" panose="02020603050405020304" pitchFamily="18" charset="0"/>
+                <a:cs typeface="Times New Roman" panose="02020603050405020304" pitchFamily="18" charset="0"/>
+              </a:rPr>
+              <a:t>từ</a:t>
+            </a:r>
+            <a:r>
+              <a:rPr lang="en-US" dirty="0" smtClean="0">
+                <a:latin typeface="Times New Roman" panose="02020603050405020304" pitchFamily="18" charset="0"/>
+                <a:cs typeface="Times New Roman" panose="02020603050405020304" pitchFamily="18" charset="0"/>
+              </a:rPr>
+              <a:t> </a:t>
+            </a:r>
+            <a:r>
+              <a:rPr lang="en-US" dirty="0" err="1" smtClean="0">
+                <a:latin typeface="Times New Roman" panose="02020603050405020304" pitchFamily="18" charset="0"/>
+                <a:cs typeface="Times New Roman" panose="02020603050405020304" pitchFamily="18" charset="0"/>
+              </a:rPr>
+              <a:t>dùng</a:t>
+            </a:r>
+            <a:r>
+              <a:rPr lang="en-US" dirty="0" smtClean="0">
+                <a:latin typeface="Times New Roman" panose="02020603050405020304" pitchFamily="18" charset="0"/>
+                <a:cs typeface="Times New Roman" panose="02020603050405020304" pitchFamily="18" charset="0"/>
+              </a:rPr>
+              <a:t> </a:t>
+            </a:r>
+            <a:r>
+              <a:rPr lang="en-US" dirty="0" err="1" smtClean="0">
+                <a:latin typeface="Times New Roman" panose="02020603050405020304" pitchFamily="18" charset="0"/>
+                <a:cs typeface="Times New Roman" panose="02020603050405020304" pitchFamily="18" charset="0"/>
+              </a:rPr>
+              <a:t>riêng</a:t>
+            </a:r>
+            <a:endParaRPr lang="en-US" dirty="0">
+              <a:latin typeface="Times New Roman" panose="02020603050405020304" pitchFamily="18" charset="0"/>
+              <a:cs typeface="Times New Roman" panose="02020603050405020304" pitchFamily="18" charset="0"/>
+            </a:endParaRPr>
           </a:p>
         </p:txBody>
       </p:sp>
@@ -5043,26 +5363,40 @@
           <a:lstStyle/>
           <a:p>
             <a:r>
-              <a:rPr lang="en-US" dirty="0" smtClean="0"/>
-              <a:t>New to programming</a:t>
-            </a:r>
-          </a:p>
-          <a:p>
-            <a:r>
-              <a:rPr lang="en-US" dirty="0" smtClean="0"/>
-              <a:t>New to Python</a:t>
-            </a:r>
-          </a:p>
-          <a:p>
-            <a:r>
-              <a:rPr lang="en-US" dirty="0" smtClean="0"/>
-              <a:t>Beginner in </a:t>
-            </a:r>
-            <a:r>
-              <a:rPr lang="en-US" smtClean="0"/>
-              <a:t>Python programming</a:t>
-            </a:r>
-            <a:endParaRPr lang="en-US" dirty="0" smtClean="0"/>
+              <a:rPr lang="en-US" dirty="0">
+                <a:latin typeface="Times New Roman" panose="02020603050405020304" pitchFamily="18" charset="0"/>
+                <a:cs typeface="Times New Roman" panose="02020603050405020304" pitchFamily="18" charset="0"/>
+              </a:rPr>
+              <a:t>and   del   for   is   raise assert   </a:t>
+            </a:r>
+            <a:r>
+              <a:rPr lang="en-US" dirty="0" err="1">
+                <a:latin typeface="Times New Roman" panose="02020603050405020304" pitchFamily="18" charset="0"/>
+                <a:cs typeface="Times New Roman" panose="02020603050405020304" pitchFamily="18" charset="0"/>
+              </a:rPr>
+              <a:t>elif</a:t>
+            </a:r>
+            <a:r>
+              <a:rPr lang="en-US" dirty="0">
+                <a:latin typeface="Times New Roman" panose="02020603050405020304" pitchFamily="18" charset="0"/>
+                <a:cs typeface="Times New Roman" panose="02020603050405020304" pitchFamily="18" charset="0"/>
+              </a:rPr>
+              <a:t>   from   lambda   return   break   else   global   not   try   class   except   if   or   while   continue   exec   import   pass   yield   </a:t>
+            </a:r>
+            <a:r>
+              <a:rPr lang="en-US" dirty="0" err="1">
+                <a:latin typeface="Times New Roman" panose="02020603050405020304" pitchFamily="18" charset="0"/>
+                <a:cs typeface="Times New Roman" panose="02020603050405020304" pitchFamily="18" charset="0"/>
+              </a:rPr>
+              <a:t>def</a:t>
+            </a:r>
+            <a:r>
+              <a:rPr lang="en-US" dirty="0">
+                <a:latin typeface="Times New Roman" panose="02020603050405020304" pitchFamily="18" charset="0"/>
+                <a:cs typeface="Times New Roman" panose="02020603050405020304" pitchFamily="18" charset="0"/>
+              </a:rPr>
+              <a:t>   ﬁnally   in   print   as   with</a:t>
+            </a:r>
           </a:p>
         </p:txBody>
       </p:sp>
@@ -5092,7 +5426,7 @@
     </p:spTree>
     <p:extLst>
       <p:ext uri="{BB962C8B-B14F-4D97-AF65-F5344CB8AC3E}">
-        <p14:creationId xmlns:p14="http://schemas.microsoft.com/office/powerpoint/2010/main" val="2140914014"/>
+        <p14:creationId xmlns:p14="http://schemas.microsoft.com/office/powerpoint/2010/main" val="583080659"/>
       </p:ext>
     </p:extLst>
   </p:cSld>
@@ -5135,10 +5469,44 @@
           <a:lstStyle/>
           <a:p>
             <a:r>
-              <a:rPr lang="en-US" dirty="0" smtClean="0"/>
-              <a:t>Handouts</a:t>
-            </a:r>
-            <a:endParaRPr lang="vi-VN" dirty="0"/>
+              <a:rPr lang="en-US" dirty="0" err="1" smtClean="0">
+                <a:latin typeface="Times New Roman" panose="02020603050405020304" pitchFamily="18" charset="0"/>
+                <a:cs typeface="Times New Roman" panose="02020603050405020304" pitchFamily="18" charset="0"/>
+              </a:rPr>
+              <a:t>Ứng</a:t>
+            </a:r>
+            <a:r>
+              <a:rPr lang="en-US" dirty="0" smtClean="0">
+                <a:latin typeface="Times New Roman" panose="02020603050405020304" pitchFamily="18" charset="0"/>
+                <a:cs typeface="Times New Roman" panose="02020603050405020304" pitchFamily="18" charset="0"/>
+              </a:rPr>
+              <a:t> </a:t>
+            </a:r>
+            <a:r>
+              <a:rPr lang="en-US" dirty="0" err="1" smtClean="0">
+                <a:latin typeface="Times New Roman" panose="02020603050405020304" pitchFamily="18" charset="0"/>
+                <a:cs typeface="Times New Roman" panose="02020603050405020304" pitchFamily="18" charset="0"/>
+              </a:rPr>
+              <a:t>dụng</a:t>
+            </a:r>
+            <a:r>
+              <a:rPr lang="en-US" dirty="0" smtClean="0">
+                <a:latin typeface="Times New Roman" panose="02020603050405020304" pitchFamily="18" charset="0"/>
+                <a:cs typeface="Times New Roman" panose="02020603050405020304" pitchFamily="18" charset="0"/>
+              </a:rPr>
+              <a:t> </a:t>
+            </a:r>
+            <a:r>
+              <a:rPr lang="en-US" dirty="0" err="1" smtClean="0">
+                <a:latin typeface="Times New Roman" panose="02020603050405020304" pitchFamily="18" charset="0"/>
+                <a:cs typeface="Times New Roman" panose="02020603050405020304" pitchFamily="18" charset="0"/>
+              </a:rPr>
+              <a:t>Helloworld</a:t>
+            </a:r>
+            <a:endParaRPr lang="en-US" dirty="0">
+              <a:latin typeface="Times New Roman" panose="02020603050405020304" pitchFamily="18" charset="0"/>
+              <a:cs typeface="Times New Roman" panose="02020603050405020304" pitchFamily="18" charset="0"/>
+            </a:endParaRPr>
           </a:p>
         </p:txBody>
       </p:sp>
@@ -5158,14 +5526,50 @@
           <a:lstStyle/>
           <a:p>
             <a:r>
-              <a:rPr lang="en-US" dirty="0" smtClean="0"/>
-              <a:t>Time to </a:t>
-            </a:r>
-            <a:r>
-              <a:rPr lang="en-US" dirty="0" err="1" smtClean="0"/>
-              <a:t>pratice</a:t>
-            </a:r>
-            <a:endParaRPr lang="vi-VN" dirty="0"/>
+              <a:rPr lang="en-US" dirty="0" smtClean="0">
+                <a:latin typeface="Times New Roman" panose="02020603050405020304" pitchFamily="18" charset="0"/>
+                <a:cs typeface="Times New Roman" panose="02020603050405020304" pitchFamily="18" charset="0"/>
+              </a:rPr>
+              <a:t>#</a:t>
+            </a:r>
+            <a:r>
+              <a:rPr lang="en-US" dirty="0" err="1" smtClean="0">
+                <a:latin typeface="Times New Roman" panose="02020603050405020304" pitchFamily="18" charset="0"/>
+                <a:cs typeface="Times New Roman" panose="02020603050405020304" pitchFamily="18" charset="0"/>
+              </a:rPr>
+              <a:t>helloworld</a:t>
+            </a:r>
+            <a:r>
+              <a:rPr lang="en-US" dirty="0" smtClean="0">
+                <a:latin typeface="Times New Roman" panose="02020603050405020304" pitchFamily="18" charset="0"/>
+                <a:cs typeface="Times New Roman" panose="02020603050405020304" pitchFamily="18" charset="0"/>
+              </a:rPr>
+              <a:t> </a:t>
+            </a:r>
+            <a:r>
+              <a:rPr lang="en-US" dirty="0" err="1" smtClean="0">
+                <a:latin typeface="Times New Roman" panose="02020603050405020304" pitchFamily="18" charset="0"/>
+                <a:cs typeface="Times New Roman" panose="02020603050405020304" pitchFamily="18" charset="0"/>
+              </a:rPr>
+              <a:t>prog</a:t>
+            </a:r>
+            <a:endParaRPr lang="en-US" dirty="0" smtClean="0">
+              <a:latin typeface="Times New Roman" panose="02020603050405020304" pitchFamily="18" charset="0"/>
+              <a:cs typeface="Times New Roman" panose="02020603050405020304" pitchFamily="18" charset="0"/>
+            </a:endParaRPr>
+          </a:p>
+          <a:p>
+            <a:r>
+              <a:rPr lang="en-US" dirty="0" smtClean="0">
+                <a:latin typeface="Times New Roman" panose="02020603050405020304" pitchFamily="18" charset="0"/>
+                <a:cs typeface="Times New Roman" panose="02020603050405020304" pitchFamily="18" charset="0"/>
+              </a:rPr>
+              <a:t>Print “Hello world of python”</a:t>
+            </a:r>
+            <a:endParaRPr lang="en-US" dirty="0">
+              <a:latin typeface="Times New Roman" panose="02020603050405020304" pitchFamily="18" charset="0"/>
+              <a:cs typeface="Times New Roman" panose="02020603050405020304" pitchFamily="18" charset="0"/>
+            </a:endParaRPr>
           </a:p>
         </p:txBody>
       </p:sp>
@@ -5193,6 +5597,1504 @@
         </p:txBody>
       </p:sp>
     </p:spTree>
+    <p:extLst>
+      <p:ext uri="{BB962C8B-B14F-4D97-AF65-F5344CB8AC3E}">
+        <p14:creationId xmlns:p14="http://schemas.microsoft.com/office/powerpoint/2010/main" val="1187656176"/>
+      </p:ext>
+    </p:extLst>
+  </p:cSld>
+  <p:clrMapOvr>
+    <a:masterClrMapping/>
+  </p:clrMapOvr>
+</p:sld>
+</file>
+
+<file path=ppt/slides/slide16.xml><?xml version="1.0" encoding="utf-8"?>
+<p:sld xmlns:a="http://schemas.openxmlformats.org/drawingml/2006/main" xmlns:r="http://schemas.openxmlformats.org/officeDocument/2006/relationships" xmlns:p="http://schemas.openxmlformats.org/presentationml/2006/main">
+  <p:cSld>
+    <p:spTree>
+      <p:nvGrpSpPr>
+        <p:cNvPr id="1" name=""/>
+        <p:cNvGrpSpPr/>
+        <p:nvPr/>
+      </p:nvGrpSpPr>
+      <p:grpSpPr>
+        <a:xfrm>
+          <a:off x="0" y="0"/>
+          <a:ext cx="0" cy="0"/>
+          <a:chOff x="0" y="0"/>
+          <a:chExt cx="0" cy="0"/>
+        </a:xfrm>
+      </p:grpSpPr>
+      <p:sp>
+        <p:nvSpPr>
+          <p:cNvPr id="2" name="Title 1"/>
+          <p:cNvSpPr>
+            <a:spLocks noGrp="1"/>
+          </p:cNvSpPr>
+          <p:nvPr>
+            <p:ph type="title"/>
+          </p:nvPr>
+        </p:nvSpPr>
+        <p:spPr/>
+        <p:txBody>
+          <a:bodyPr/>
+          <a:lstStyle/>
+          <a:p>
+            <a:r>
+              <a:rPr lang="en-US" dirty="0" err="1" smtClean="0">
+                <a:latin typeface="Times New Roman" panose="02020603050405020304" pitchFamily="18" charset="0"/>
+                <a:cs typeface="Times New Roman" panose="02020603050405020304" pitchFamily="18" charset="0"/>
+              </a:rPr>
+              <a:t>Thực</a:t>
+            </a:r>
+            <a:r>
+              <a:rPr lang="en-US" dirty="0" smtClean="0">
+                <a:latin typeface="Times New Roman" panose="02020603050405020304" pitchFamily="18" charset="0"/>
+                <a:cs typeface="Times New Roman" panose="02020603050405020304" pitchFamily="18" charset="0"/>
+              </a:rPr>
+              <a:t> </a:t>
+            </a:r>
+            <a:r>
+              <a:rPr lang="en-US" dirty="0" err="1" smtClean="0">
+                <a:latin typeface="Times New Roman" panose="02020603050405020304" pitchFamily="18" charset="0"/>
+                <a:cs typeface="Times New Roman" panose="02020603050405020304" pitchFamily="18" charset="0"/>
+              </a:rPr>
+              <a:t>hành</a:t>
+            </a:r>
+            <a:endParaRPr lang="en-US" dirty="0">
+              <a:latin typeface="Times New Roman" panose="02020603050405020304" pitchFamily="18" charset="0"/>
+              <a:cs typeface="Times New Roman" panose="02020603050405020304" pitchFamily="18" charset="0"/>
+            </a:endParaRPr>
+          </a:p>
+        </p:txBody>
+      </p:sp>
+      <p:sp>
+        <p:nvSpPr>
+          <p:cNvPr id="3" name="Content Placeholder 2"/>
+          <p:cNvSpPr>
+            <a:spLocks noGrp="1"/>
+          </p:cNvSpPr>
+          <p:nvPr>
+            <p:ph idx="1"/>
+          </p:nvPr>
+        </p:nvSpPr>
+        <p:spPr/>
+        <p:txBody>
+          <a:bodyPr/>
+          <a:lstStyle/>
+          <a:p>
+            <a:r>
+              <a:rPr lang="en-US" dirty="0" err="1" smtClean="0">
+                <a:latin typeface="Times New Roman" panose="02020603050405020304" pitchFamily="18" charset="0"/>
+                <a:cs typeface="Times New Roman" panose="02020603050405020304" pitchFamily="18" charset="0"/>
+              </a:rPr>
+              <a:t>Lựa</a:t>
+            </a:r>
+            <a:r>
+              <a:rPr lang="en-US" dirty="0" smtClean="0">
+                <a:latin typeface="Times New Roman" panose="02020603050405020304" pitchFamily="18" charset="0"/>
+                <a:cs typeface="Times New Roman" panose="02020603050405020304" pitchFamily="18" charset="0"/>
+              </a:rPr>
+              <a:t> </a:t>
+            </a:r>
+            <a:r>
+              <a:rPr lang="en-US" dirty="0" err="1" smtClean="0">
+                <a:latin typeface="Times New Roman" panose="02020603050405020304" pitchFamily="18" charset="0"/>
+                <a:cs typeface="Times New Roman" panose="02020603050405020304" pitchFamily="18" charset="0"/>
+              </a:rPr>
+              <a:t>chọn</a:t>
+            </a:r>
+            <a:r>
+              <a:rPr lang="en-US" dirty="0" smtClean="0">
+                <a:latin typeface="Times New Roman" panose="02020603050405020304" pitchFamily="18" charset="0"/>
+                <a:cs typeface="Times New Roman" panose="02020603050405020304" pitchFamily="18" charset="0"/>
+              </a:rPr>
+              <a:t> IDE</a:t>
+            </a:r>
+          </a:p>
+          <a:p>
+            <a:r>
+              <a:rPr lang="en-US" dirty="0" err="1" smtClean="0">
+                <a:latin typeface="Times New Roman" panose="02020603050405020304" pitchFamily="18" charset="0"/>
+                <a:cs typeface="Times New Roman" panose="02020603050405020304" pitchFamily="18" charset="0"/>
+              </a:rPr>
+              <a:t>Làm</a:t>
+            </a:r>
+            <a:r>
+              <a:rPr lang="en-US" dirty="0" smtClean="0">
+                <a:latin typeface="Times New Roman" panose="02020603050405020304" pitchFamily="18" charset="0"/>
+                <a:cs typeface="Times New Roman" panose="02020603050405020304" pitchFamily="18" charset="0"/>
+              </a:rPr>
+              <a:t> </a:t>
+            </a:r>
+            <a:r>
+              <a:rPr lang="en-US" dirty="0" err="1" smtClean="0">
+                <a:latin typeface="Times New Roman" panose="02020603050405020304" pitchFamily="18" charset="0"/>
+                <a:cs typeface="Times New Roman" panose="02020603050405020304" pitchFamily="18" charset="0"/>
+              </a:rPr>
+              <a:t>quen</a:t>
+            </a:r>
+            <a:r>
+              <a:rPr lang="en-US" dirty="0" smtClean="0">
+                <a:latin typeface="Times New Roman" panose="02020603050405020304" pitchFamily="18" charset="0"/>
+                <a:cs typeface="Times New Roman" panose="02020603050405020304" pitchFamily="18" charset="0"/>
+              </a:rPr>
+              <a:t> </a:t>
+            </a:r>
+            <a:r>
+              <a:rPr lang="en-US" dirty="0" err="1" smtClean="0">
+                <a:latin typeface="Times New Roman" panose="02020603050405020304" pitchFamily="18" charset="0"/>
+                <a:cs typeface="Times New Roman" panose="02020603050405020304" pitchFamily="18" charset="0"/>
+              </a:rPr>
+              <a:t>với</a:t>
+            </a:r>
+            <a:r>
+              <a:rPr lang="en-US" dirty="0" smtClean="0">
+                <a:latin typeface="Times New Roman" panose="02020603050405020304" pitchFamily="18" charset="0"/>
+                <a:cs typeface="Times New Roman" panose="02020603050405020304" pitchFamily="18" charset="0"/>
+              </a:rPr>
+              <a:t> IDLE</a:t>
+            </a:r>
+          </a:p>
+          <a:p>
+            <a:r>
+              <a:rPr lang="en-US" dirty="0" err="1" smtClean="0">
+                <a:latin typeface="Times New Roman" panose="02020603050405020304" pitchFamily="18" charset="0"/>
+                <a:cs typeface="Times New Roman" panose="02020603050405020304" pitchFamily="18" charset="0"/>
+              </a:rPr>
+              <a:t>Cài</a:t>
+            </a:r>
+            <a:r>
+              <a:rPr lang="en-US" dirty="0" smtClean="0">
+                <a:latin typeface="Times New Roman" panose="02020603050405020304" pitchFamily="18" charset="0"/>
+                <a:cs typeface="Times New Roman" panose="02020603050405020304" pitchFamily="18" charset="0"/>
+              </a:rPr>
+              <a:t> </a:t>
+            </a:r>
+            <a:r>
+              <a:rPr lang="en-US" dirty="0" err="1" smtClean="0">
+                <a:latin typeface="Times New Roman" panose="02020603050405020304" pitchFamily="18" charset="0"/>
+                <a:cs typeface="Times New Roman" panose="02020603050405020304" pitchFamily="18" charset="0"/>
+              </a:rPr>
+              <a:t>đặt</a:t>
+            </a:r>
+            <a:r>
+              <a:rPr lang="en-US" dirty="0" smtClean="0">
+                <a:latin typeface="Times New Roman" panose="02020603050405020304" pitchFamily="18" charset="0"/>
+                <a:cs typeface="Times New Roman" panose="02020603050405020304" pitchFamily="18" charset="0"/>
+              </a:rPr>
+              <a:t> </a:t>
+            </a:r>
+            <a:r>
+              <a:rPr lang="en-US" dirty="0" err="1" smtClean="0">
+                <a:latin typeface="Times New Roman" panose="02020603050405020304" pitchFamily="18" charset="0"/>
+                <a:cs typeface="Times New Roman" panose="02020603050405020304" pitchFamily="18" charset="0"/>
+              </a:rPr>
+              <a:t>và</a:t>
+            </a:r>
+            <a:r>
+              <a:rPr lang="en-US" dirty="0" smtClean="0">
+                <a:latin typeface="Times New Roman" panose="02020603050405020304" pitchFamily="18" charset="0"/>
+                <a:cs typeface="Times New Roman" panose="02020603050405020304" pitchFamily="18" charset="0"/>
+              </a:rPr>
+              <a:t> </a:t>
+            </a:r>
+            <a:r>
+              <a:rPr lang="en-US" dirty="0" err="1" smtClean="0">
+                <a:latin typeface="Times New Roman" panose="02020603050405020304" pitchFamily="18" charset="0"/>
+                <a:cs typeface="Times New Roman" panose="02020603050405020304" pitchFamily="18" charset="0"/>
+              </a:rPr>
+              <a:t>cấu</a:t>
+            </a:r>
+            <a:r>
+              <a:rPr lang="en-US" dirty="0" smtClean="0">
+                <a:latin typeface="Times New Roman" panose="02020603050405020304" pitchFamily="18" charset="0"/>
+                <a:cs typeface="Times New Roman" panose="02020603050405020304" pitchFamily="18" charset="0"/>
+              </a:rPr>
+              <a:t> </a:t>
+            </a:r>
+            <a:r>
+              <a:rPr lang="en-US" dirty="0" err="1" smtClean="0">
+                <a:latin typeface="Times New Roman" panose="02020603050405020304" pitchFamily="18" charset="0"/>
+                <a:cs typeface="Times New Roman" panose="02020603050405020304" pitchFamily="18" charset="0"/>
+              </a:rPr>
+              <a:t>hình</a:t>
+            </a:r>
+            <a:r>
+              <a:rPr lang="en-US" dirty="0" smtClean="0">
+                <a:latin typeface="Times New Roman" panose="02020603050405020304" pitchFamily="18" charset="0"/>
+                <a:cs typeface="Times New Roman" panose="02020603050405020304" pitchFamily="18" charset="0"/>
+              </a:rPr>
+              <a:t> python</a:t>
+            </a:r>
+          </a:p>
+          <a:p>
+            <a:r>
+              <a:rPr lang="en-US" dirty="0" err="1" smtClean="0">
+                <a:latin typeface="Times New Roman" panose="02020603050405020304" pitchFamily="18" charset="0"/>
+                <a:cs typeface="Times New Roman" panose="02020603050405020304" pitchFamily="18" charset="0"/>
+              </a:rPr>
+              <a:t>Biên</a:t>
+            </a:r>
+            <a:r>
+              <a:rPr lang="en-US" dirty="0" smtClean="0">
+                <a:latin typeface="Times New Roman" panose="02020603050405020304" pitchFamily="18" charset="0"/>
+                <a:cs typeface="Times New Roman" panose="02020603050405020304" pitchFamily="18" charset="0"/>
+              </a:rPr>
+              <a:t> </a:t>
+            </a:r>
+            <a:r>
+              <a:rPr lang="en-US" dirty="0" err="1" smtClean="0">
+                <a:latin typeface="Times New Roman" panose="02020603050405020304" pitchFamily="18" charset="0"/>
+                <a:cs typeface="Times New Roman" panose="02020603050405020304" pitchFamily="18" charset="0"/>
+              </a:rPr>
+              <a:t>tập</a:t>
+            </a:r>
+            <a:r>
+              <a:rPr lang="en-US" dirty="0" smtClean="0">
+                <a:latin typeface="Times New Roman" panose="02020603050405020304" pitchFamily="18" charset="0"/>
+                <a:cs typeface="Times New Roman" panose="02020603050405020304" pitchFamily="18" charset="0"/>
+              </a:rPr>
+              <a:t> </a:t>
+            </a:r>
+            <a:r>
+              <a:rPr lang="en-US" dirty="0" err="1" smtClean="0">
+                <a:latin typeface="Times New Roman" panose="02020603050405020304" pitchFamily="18" charset="0"/>
+                <a:cs typeface="Times New Roman" panose="02020603050405020304" pitchFamily="18" charset="0"/>
+              </a:rPr>
+              <a:t>một</a:t>
+            </a:r>
+            <a:r>
+              <a:rPr lang="en-US" dirty="0" smtClean="0">
+                <a:latin typeface="Times New Roman" panose="02020603050405020304" pitchFamily="18" charset="0"/>
+                <a:cs typeface="Times New Roman" panose="02020603050405020304" pitchFamily="18" charset="0"/>
+              </a:rPr>
+              <a:t> file </a:t>
+            </a:r>
+            <a:r>
+              <a:rPr lang="en-US" dirty="0" err="1" smtClean="0">
+                <a:latin typeface="Times New Roman" panose="02020603050405020304" pitchFamily="18" charset="0"/>
+                <a:cs typeface="Times New Roman" panose="02020603050405020304" pitchFamily="18" charset="0"/>
+              </a:rPr>
+              <a:t>nguồn</a:t>
+            </a:r>
+            <a:r>
+              <a:rPr lang="en-US" dirty="0" smtClean="0">
+                <a:latin typeface="Times New Roman" panose="02020603050405020304" pitchFamily="18" charset="0"/>
+                <a:cs typeface="Times New Roman" panose="02020603050405020304" pitchFamily="18" charset="0"/>
+              </a:rPr>
+              <a:t> &amp; </a:t>
+            </a:r>
+            <a:r>
+              <a:rPr lang="en-US" dirty="0" err="1" smtClean="0">
+                <a:latin typeface="Times New Roman" panose="02020603050405020304" pitchFamily="18" charset="0"/>
+                <a:cs typeface="Times New Roman" panose="02020603050405020304" pitchFamily="18" charset="0"/>
+              </a:rPr>
+              <a:t>thực</a:t>
+            </a:r>
+            <a:r>
+              <a:rPr lang="en-US" dirty="0" smtClean="0">
+                <a:latin typeface="Times New Roman" panose="02020603050405020304" pitchFamily="18" charset="0"/>
+                <a:cs typeface="Times New Roman" panose="02020603050405020304" pitchFamily="18" charset="0"/>
+              </a:rPr>
+              <a:t> </a:t>
+            </a:r>
+            <a:r>
+              <a:rPr lang="en-US" dirty="0" err="1" smtClean="0">
+                <a:latin typeface="Times New Roman" panose="02020603050405020304" pitchFamily="18" charset="0"/>
+                <a:cs typeface="Times New Roman" panose="02020603050405020304" pitchFamily="18" charset="0"/>
+              </a:rPr>
+              <a:t>thi</a:t>
+            </a:r>
+            <a:r>
+              <a:rPr lang="en-US" dirty="0" smtClean="0">
+                <a:latin typeface="Times New Roman" panose="02020603050405020304" pitchFamily="18" charset="0"/>
+                <a:cs typeface="Times New Roman" panose="02020603050405020304" pitchFamily="18" charset="0"/>
+              </a:rPr>
+              <a:t> </a:t>
+            </a:r>
+            <a:r>
+              <a:rPr lang="en-US" dirty="0" err="1" smtClean="0">
+                <a:latin typeface="Times New Roman" panose="02020603050405020304" pitchFamily="18" charset="0"/>
+                <a:cs typeface="Times New Roman" panose="02020603050405020304" pitchFamily="18" charset="0"/>
+              </a:rPr>
+              <a:t>với</a:t>
+            </a:r>
+            <a:r>
+              <a:rPr lang="en-US" dirty="0" smtClean="0">
+                <a:latin typeface="Times New Roman" panose="02020603050405020304" pitchFamily="18" charset="0"/>
+                <a:cs typeface="Times New Roman" panose="02020603050405020304" pitchFamily="18" charset="0"/>
+              </a:rPr>
+              <a:t> python</a:t>
+            </a:r>
+          </a:p>
+          <a:p>
+            <a:r>
+              <a:rPr lang="en-US" dirty="0" err="1" smtClean="0">
+                <a:latin typeface="Times New Roman" panose="02020603050405020304" pitchFamily="18" charset="0"/>
+                <a:cs typeface="Times New Roman" panose="02020603050405020304" pitchFamily="18" charset="0"/>
+              </a:rPr>
+              <a:t>Gọi</a:t>
+            </a:r>
+            <a:r>
+              <a:rPr lang="en-US" dirty="0" smtClean="0">
+                <a:latin typeface="Times New Roman" panose="02020603050405020304" pitchFamily="18" charset="0"/>
+                <a:cs typeface="Times New Roman" panose="02020603050405020304" pitchFamily="18" charset="0"/>
+              </a:rPr>
+              <a:t> </a:t>
+            </a:r>
+            <a:r>
+              <a:rPr lang="en-US" dirty="0" err="1" smtClean="0">
+                <a:latin typeface="Times New Roman" panose="02020603050405020304" pitchFamily="18" charset="0"/>
+                <a:cs typeface="Times New Roman" panose="02020603050405020304" pitchFamily="18" charset="0"/>
+              </a:rPr>
+              <a:t>trợ</a:t>
+            </a:r>
+            <a:r>
+              <a:rPr lang="en-US" dirty="0" smtClean="0">
+                <a:latin typeface="Times New Roman" panose="02020603050405020304" pitchFamily="18" charset="0"/>
+                <a:cs typeface="Times New Roman" panose="02020603050405020304" pitchFamily="18" charset="0"/>
+              </a:rPr>
+              <a:t> </a:t>
+            </a:r>
+            <a:r>
+              <a:rPr lang="en-US" dirty="0" err="1" smtClean="0">
+                <a:latin typeface="Times New Roman" panose="02020603050405020304" pitchFamily="18" charset="0"/>
+                <a:cs typeface="Times New Roman" panose="02020603050405020304" pitchFamily="18" charset="0"/>
+              </a:rPr>
+              <a:t>giúp</a:t>
+            </a:r>
+            <a:r>
+              <a:rPr lang="en-US" dirty="0" smtClean="0">
+                <a:latin typeface="Times New Roman" panose="02020603050405020304" pitchFamily="18" charset="0"/>
+                <a:cs typeface="Times New Roman" panose="02020603050405020304" pitchFamily="18" charset="0"/>
+              </a:rPr>
+              <a:t> </a:t>
+            </a:r>
+            <a:r>
+              <a:rPr lang="en-US" dirty="0" err="1" smtClean="0">
+                <a:latin typeface="Times New Roman" panose="02020603050405020304" pitchFamily="18" charset="0"/>
+                <a:cs typeface="Times New Roman" panose="02020603050405020304" pitchFamily="18" charset="0"/>
+              </a:rPr>
+              <a:t>với</a:t>
+            </a:r>
+            <a:r>
+              <a:rPr lang="en-US" dirty="0" smtClean="0">
+                <a:latin typeface="Times New Roman" panose="02020603050405020304" pitchFamily="18" charset="0"/>
+                <a:cs typeface="Times New Roman" panose="02020603050405020304" pitchFamily="18" charset="0"/>
+              </a:rPr>
+              <a:t> </a:t>
+            </a:r>
+            <a:r>
+              <a:rPr lang="en-US" dirty="0" err="1" smtClean="0">
+                <a:latin typeface="Times New Roman" panose="02020603050405020304" pitchFamily="18" charset="0"/>
+                <a:cs typeface="Times New Roman" panose="02020603050405020304" pitchFamily="18" charset="0"/>
+              </a:rPr>
+              <a:t>lênh</a:t>
+            </a:r>
+            <a:r>
+              <a:rPr lang="en-US" dirty="0" smtClean="0">
+                <a:latin typeface="Times New Roman" panose="02020603050405020304" pitchFamily="18" charset="0"/>
+                <a:cs typeface="Times New Roman" panose="02020603050405020304" pitchFamily="18" charset="0"/>
+              </a:rPr>
+              <a:t> help(</a:t>
+            </a:r>
+            <a:r>
+              <a:rPr lang="en-US" dirty="0" err="1" smtClean="0">
+                <a:latin typeface="Times New Roman" panose="02020603050405020304" pitchFamily="18" charset="0"/>
+                <a:cs typeface="Times New Roman" panose="02020603050405020304" pitchFamily="18" charset="0"/>
+              </a:rPr>
+              <a:t>tên</a:t>
+            </a:r>
+            <a:r>
+              <a:rPr lang="en-US" dirty="0" err="1">
+                <a:latin typeface="Times New Roman" panose="02020603050405020304" pitchFamily="18" charset="0"/>
+                <a:cs typeface="Times New Roman" panose="02020603050405020304" pitchFamily="18" charset="0"/>
+              </a:rPr>
+              <a:t>_</a:t>
+            </a:r>
+            <a:r>
+              <a:rPr lang="en-US" dirty="0" err="1" smtClean="0">
+                <a:latin typeface="Times New Roman" panose="02020603050405020304" pitchFamily="18" charset="0"/>
+                <a:cs typeface="Times New Roman" panose="02020603050405020304" pitchFamily="18" charset="0"/>
+              </a:rPr>
+              <a:t>hàm</a:t>
+            </a:r>
+            <a:r>
+              <a:rPr lang="en-US" dirty="0" smtClean="0">
+                <a:latin typeface="Times New Roman" panose="02020603050405020304" pitchFamily="18" charset="0"/>
+                <a:cs typeface="Times New Roman" panose="02020603050405020304" pitchFamily="18" charset="0"/>
+              </a:rPr>
+              <a:t>)</a:t>
+            </a:r>
+          </a:p>
+          <a:p>
+            <a:endParaRPr lang="en-US" dirty="0" smtClean="0">
+              <a:latin typeface="Times New Roman" panose="02020603050405020304" pitchFamily="18" charset="0"/>
+              <a:cs typeface="Times New Roman" panose="02020603050405020304" pitchFamily="18" charset="0"/>
+            </a:endParaRPr>
+          </a:p>
+          <a:p>
+            <a:endParaRPr lang="en-US" dirty="0" smtClean="0">
+              <a:latin typeface="Times New Roman" panose="02020603050405020304" pitchFamily="18" charset="0"/>
+              <a:cs typeface="Times New Roman" panose="02020603050405020304" pitchFamily="18" charset="0"/>
+            </a:endParaRPr>
+          </a:p>
+          <a:p>
+            <a:endParaRPr lang="en-US" dirty="0">
+              <a:latin typeface="Times New Roman" panose="02020603050405020304" pitchFamily="18" charset="0"/>
+              <a:cs typeface="Times New Roman" panose="02020603050405020304" pitchFamily="18" charset="0"/>
+            </a:endParaRPr>
+          </a:p>
+        </p:txBody>
+      </p:sp>
+      <p:sp>
+        <p:nvSpPr>
+          <p:cNvPr id="4" name="Footer Placeholder 3"/>
+          <p:cNvSpPr>
+            <a:spLocks noGrp="1"/>
+          </p:cNvSpPr>
+          <p:nvPr>
+            <p:ph type="ftr" sz="quarter" idx="11"/>
+          </p:nvPr>
+        </p:nvSpPr>
+        <p:spPr/>
+        <p:txBody>
+          <a:bodyPr/>
+          <a:lstStyle/>
+          <a:p>
+            <a:r>
+              <a:rPr lang="en-US" smtClean="0"/>
+              <a:t>PythonBeginnerClass @loitd #pythonvietnam.info</a:t>
+            </a:r>
+            <a:endParaRPr lang="en-US"/>
+          </a:p>
+        </p:txBody>
+      </p:sp>
+    </p:spTree>
+    <p:extLst>
+      <p:ext uri="{BB962C8B-B14F-4D97-AF65-F5344CB8AC3E}">
+        <p14:creationId xmlns:p14="http://schemas.microsoft.com/office/powerpoint/2010/main" val="737359295"/>
+      </p:ext>
+    </p:extLst>
+  </p:cSld>
+  <p:clrMapOvr>
+    <a:masterClrMapping/>
+  </p:clrMapOvr>
+</p:sld>
+</file>
+
+<file path=ppt/slides/slide17.xml><?xml version="1.0" encoding="utf-8"?>
+<p:sld xmlns:a="http://schemas.openxmlformats.org/drawingml/2006/main" xmlns:r="http://schemas.openxmlformats.org/officeDocument/2006/relationships" xmlns:p="http://schemas.openxmlformats.org/presentationml/2006/main">
+  <p:cSld>
+    <p:spTree>
+      <p:nvGrpSpPr>
+        <p:cNvPr id="1" name=""/>
+        <p:cNvGrpSpPr/>
+        <p:nvPr/>
+      </p:nvGrpSpPr>
+      <p:grpSpPr>
+        <a:xfrm>
+          <a:off x="0" y="0"/>
+          <a:ext cx="0" cy="0"/>
+          <a:chOff x="0" y="0"/>
+          <a:chExt cx="0" cy="0"/>
+        </a:xfrm>
+      </p:grpSpPr>
+      <p:sp>
+        <p:nvSpPr>
+          <p:cNvPr id="2" name="Title 1"/>
+          <p:cNvSpPr>
+            <a:spLocks noGrp="1"/>
+          </p:cNvSpPr>
+          <p:nvPr>
+            <p:ph type="title"/>
+          </p:nvPr>
+        </p:nvSpPr>
+        <p:spPr/>
+        <p:txBody>
+          <a:bodyPr>
+            <a:normAutofit/>
+          </a:bodyPr>
+          <a:lstStyle/>
+          <a:p>
+            <a:r>
+              <a:rPr lang="en-US" dirty="0" smtClean="0">
+                <a:latin typeface="Times New Roman" panose="02020603050405020304" pitchFamily="18" charset="0"/>
+                <a:cs typeface="Times New Roman" panose="02020603050405020304" pitchFamily="18" charset="0"/>
+              </a:rPr>
+              <a:t>Python script vs interactive Python</a:t>
+            </a:r>
+            <a:endParaRPr lang="en-US" dirty="0">
+              <a:latin typeface="Times New Roman" panose="02020603050405020304" pitchFamily="18" charset="0"/>
+              <a:cs typeface="Times New Roman" panose="02020603050405020304" pitchFamily="18" charset="0"/>
+            </a:endParaRPr>
+          </a:p>
+        </p:txBody>
+      </p:sp>
+      <p:sp>
+        <p:nvSpPr>
+          <p:cNvPr id="3" name="Content Placeholder 2"/>
+          <p:cNvSpPr>
+            <a:spLocks noGrp="1"/>
+          </p:cNvSpPr>
+          <p:nvPr>
+            <p:ph idx="1"/>
+          </p:nvPr>
+        </p:nvSpPr>
+        <p:spPr/>
+        <p:txBody>
+          <a:bodyPr/>
+          <a:lstStyle/>
+          <a:p>
+            <a:r>
+              <a:rPr lang="en-US" dirty="0" smtClean="0">
+                <a:latin typeface="Times New Roman" panose="02020603050405020304" pitchFamily="18" charset="0"/>
+                <a:cs typeface="Times New Roman" panose="02020603050405020304" pitchFamily="18" charset="0"/>
+              </a:rPr>
+              <a:t>Python script </a:t>
+            </a:r>
+            <a:r>
+              <a:rPr lang="en-US" dirty="0" err="1" smtClean="0">
+                <a:latin typeface="Times New Roman" panose="02020603050405020304" pitchFamily="18" charset="0"/>
+                <a:cs typeface="Times New Roman" panose="02020603050405020304" pitchFamily="18" charset="0"/>
+              </a:rPr>
+              <a:t>là</a:t>
+            </a:r>
+            <a:r>
+              <a:rPr lang="en-US" dirty="0" smtClean="0">
+                <a:latin typeface="Times New Roman" panose="02020603050405020304" pitchFamily="18" charset="0"/>
+                <a:cs typeface="Times New Roman" panose="02020603050405020304" pitchFamily="18" charset="0"/>
+              </a:rPr>
+              <a:t> </a:t>
+            </a:r>
+            <a:r>
+              <a:rPr lang="en-US" dirty="0" err="1" smtClean="0">
+                <a:latin typeface="Times New Roman" panose="02020603050405020304" pitchFamily="18" charset="0"/>
+                <a:cs typeface="Times New Roman" panose="02020603050405020304" pitchFamily="18" charset="0"/>
+              </a:rPr>
+              <a:t>gì</a:t>
+            </a:r>
+            <a:r>
+              <a:rPr lang="en-US" dirty="0" smtClean="0">
+                <a:latin typeface="Times New Roman" panose="02020603050405020304" pitchFamily="18" charset="0"/>
+                <a:cs typeface="Times New Roman" panose="02020603050405020304" pitchFamily="18" charset="0"/>
+              </a:rPr>
+              <a:t>?</a:t>
+            </a:r>
+          </a:p>
+          <a:p>
+            <a:r>
+              <a:rPr lang="en-US" dirty="0" smtClean="0">
+                <a:latin typeface="Times New Roman" panose="02020603050405020304" pitchFamily="18" charset="0"/>
+                <a:cs typeface="Times New Roman" panose="02020603050405020304" pitchFamily="18" charset="0"/>
+              </a:rPr>
+              <a:t>Interactive python </a:t>
+            </a:r>
+            <a:r>
+              <a:rPr lang="en-US" dirty="0" err="1" smtClean="0">
+                <a:latin typeface="Times New Roman" panose="02020603050405020304" pitchFamily="18" charset="0"/>
+                <a:cs typeface="Times New Roman" panose="02020603050405020304" pitchFamily="18" charset="0"/>
+              </a:rPr>
+              <a:t>là</a:t>
+            </a:r>
+            <a:r>
+              <a:rPr lang="en-US" dirty="0" smtClean="0">
+                <a:latin typeface="Times New Roman" panose="02020603050405020304" pitchFamily="18" charset="0"/>
+                <a:cs typeface="Times New Roman" panose="02020603050405020304" pitchFamily="18" charset="0"/>
+              </a:rPr>
+              <a:t> </a:t>
+            </a:r>
+            <a:r>
+              <a:rPr lang="en-US" dirty="0" err="1" smtClean="0">
+                <a:latin typeface="Times New Roman" panose="02020603050405020304" pitchFamily="18" charset="0"/>
+                <a:cs typeface="Times New Roman" panose="02020603050405020304" pitchFamily="18" charset="0"/>
+              </a:rPr>
+              <a:t>gì</a:t>
+            </a:r>
+            <a:r>
+              <a:rPr lang="en-US" dirty="0" smtClean="0">
+                <a:latin typeface="Times New Roman" panose="02020603050405020304" pitchFamily="18" charset="0"/>
+                <a:cs typeface="Times New Roman" panose="02020603050405020304" pitchFamily="18" charset="0"/>
+              </a:rPr>
+              <a:t>?</a:t>
+            </a:r>
+          </a:p>
+          <a:p>
+            <a:r>
+              <a:rPr lang="en-US" dirty="0" smtClean="0">
+                <a:latin typeface="Times New Roman" panose="02020603050405020304" pitchFamily="18" charset="0"/>
+                <a:cs typeface="Times New Roman" panose="02020603050405020304" pitchFamily="18" charset="0"/>
+              </a:rPr>
+              <a:t>So </a:t>
+            </a:r>
+            <a:r>
+              <a:rPr lang="en-US" dirty="0" err="1" smtClean="0">
+                <a:latin typeface="Times New Roman" panose="02020603050405020304" pitchFamily="18" charset="0"/>
+                <a:cs typeface="Times New Roman" panose="02020603050405020304" pitchFamily="18" charset="0"/>
+              </a:rPr>
+              <a:t>sánh</a:t>
+            </a:r>
+            <a:r>
+              <a:rPr lang="en-US" dirty="0" smtClean="0">
+                <a:latin typeface="Times New Roman" panose="02020603050405020304" pitchFamily="18" charset="0"/>
+                <a:cs typeface="Times New Roman" panose="02020603050405020304" pitchFamily="18" charset="0"/>
+              </a:rPr>
+              <a:t> </a:t>
+            </a:r>
+            <a:r>
+              <a:rPr lang="en-US" dirty="0" err="1" smtClean="0">
+                <a:latin typeface="Times New Roman" panose="02020603050405020304" pitchFamily="18" charset="0"/>
+                <a:cs typeface="Times New Roman" panose="02020603050405020304" pitchFamily="18" charset="0"/>
+              </a:rPr>
+              <a:t>và</a:t>
+            </a:r>
+            <a:r>
+              <a:rPr lang="en-US" dirty="0" smtClean="0">
+                <a:latin typeface="Times New Roman" panose="02020603050405020304" pitchFamily="18" charset="0"/>
+                <a:cs typeface="Times New Roman" panose="02020603050405020304" pitchFamily="18" charset="0"/>
+              </a:rPr>
+              <a:t> </a:t>
+            </a:r>
+            <a:r>
+              <a:rPr lang="en-US" dirty="0" err="1" smtClean="0">
+                <a:latin typeface="Times New Roman" panose="02020603050405020304" pitchFamily="18" charset="0"/>
+                <a:cs typeface="Times New Roman" panose="02020603050405020304" pitchFamily="18" charset="0"/>
+              </a:rPr>
+              <a:t>lựa</a:t>
+            </a:r>
+            <a:r>
+              <a:rPr lang="en-US" dirty="0" smtClean="0">
+                <a:latin typeface="Times New Roman" panose="02020603050405020304" pitchFamily="18" charset="0"/>
+                <a:cs typeface="Times New Roman" panose="02020603050405020304" pitchFamily="18" charset="0"/>
+              </a:rPr>
+              <a:t> </a:t>
+            </a:r>
+            <a:r>
+              <a:rPr lang="en-US" dirty="0" err="1" smtClean="0">
+                <a:latin typeface="Times New Roman" panose="02020603050405020304" pitchFamily="18" charset="0"/>
+                <a:cs typeface="Times New Roman" panose="02020603050405020304" pitchFamily="18" charset="0"/>
+              </a:rPr>
+              <a:t>chọn</a:t>
+            </a:r>
+            <a:r>
+              <a:rPr lang="en-US" dirty="0" smtClean="0">
+                <a:latin typeface="Times New Roman" panose="02020603050405020304" pitchFamily="18" charset="0"/>
+                <a:cs typeface="Times New Roman" panose="02020603050405020304" pitchFamily="18" charset="0"/>
+              </a:rPr>
+              <a:t> </a:t>
+            </a:r>
+            <a:r>
+              <a:rPr lang="en-US" dirty="0" err="1" smtClean="0">
+                <a:latin typeface="Times New Roman" panose="02020603050405020304" pitchFamily="18" charset="0"/>
+                <a:cs typeface="Times New Roman" panose="02020603050405020304" pitchFamily="18" charset="0"/>
+              </a:rPr>
+              <a:t>sử</a:t>
+            </a:r>
+            <a:r>
+              <a:rPr lang="en-US" dirty="0" smtClean="0">
+                <a:latin typeface="Times New Roman" panose="02020603050405020304" pitchFamily="18" charset="0"/>
+                <a:cs typeface="Times New Roman" panose="02020603050405020304" pitchFamily="18" charset="0"/>
+              </a:rPr>
+              <a:t> </a:t>
+            </a:r>
+            <a:r>
+              <a:rPr lang="en-US" dirty="0" err="1" smtClean="0">
+                <a:latin typeface="Times New Roman" panose="02020603050405020304" pitchFamily="18" charset="0"/>
+                <a:cs typeface="Times New Roman" panose="02020603050405020304" pitchFamily="18" charset="0"/>
+              </a:rPr>
+              <a:t>dụng</a:t>
+            </a:r>
+            <a:endParaRPr lang="en-US" dirty="0">
+              <a:latin typeface="Times New Roman" panose="02020603050405020304" pitchFamily="18" charset="0"/>
+              <a:cs typeface="Times New Roman" panose="02020603050405020304" pitchFamily="18" charset="0"/>
+            </a:endParaRPr>
+          </a:p>
+        </p:txBody>
+      </p:sp>
+      <p:sp>
+        <p:nvSpPr>
+          <p:cNvPr id="4" name="Footer Placeholder 3"/>
+          <p:cNvSpPr>
+            <a:spLocks noGrp="1"/>
+          </p:cNvSpPr>
+          <p:nvPr>
+            <p:ph type="ftr" sz="quarter" idx="11"/>
+          </p:nvPr>
+        </p:nvSpPr>
+        <p:spPr/>
+        <p:txBody>
+          <a:bodyPr/>
+          <a:lstStyle/>
+          <a:p>
+            <a:r>
+              <a:rPr lang="en-US" smtClean="0"/>
+              <a:t>PythonBeginnerClass @loitd #pythonvietnam.info</a:t>
+            </a:r>
+            <a:endParaRPr lang="en-US"/>
+          </a:p>
+        </p:txBody>
+      </p:sp>
+    </p:spTree>
+    <p:extLst>
+      <p:ext uri="{BB962C8B-B14F-4D97-AF65-F5344CB8AC3E}">
+        <p14:creationId xmlns:p14="http://schemas.microsoft.com/office/powerpoint/2010/main" val="1149403816"/>
+      </p:ext>
+    </p:extLst>
+  </p:cSld>
+  <p:clrMapOvr>
+    <a:masterClrMapping/>
+  </p:clrMapOvr>
+</p:sld>
+</file>
+
+<file path=ppt/slides/slide18.xml><?xml version="1.0" encoding="utf-8"?>
+<p:sld xmlns:a="http://schemas.openxmlformats.org/drawingml/2006/main" xmlns:r="http://schemas.openxmlformats.org/officeDocument/2006/relationships" xmlns:p="http://schemas.openxmlformats.org/presentationml/2006/main">
+  <p:cSld>
+    <p:spTree>
+      <p:nvGrpSpPr>
+        <p:cNvPr id="1" name=""/>
+        <p:cNvGrpSpPr/>
+        <p:nvPr/>
+      </p:nvGrpSpPr>
+      <p:grpSpPr>
+        <a:xfrm>
+          <a:off x="0" y="0"/>
+          <a:ext cx="0" cy="0"/>
+          <a:chOff x="0" y="0"/>
+          <a:chExt cx="0" cy="0"/>
+        </a:xfrm>
+      </p:grpSpPr>
+      <p:sp>
+        <p:nvSpPr>
+          <p:cNvPr id="2" name="Title 1"/>
+          <p:cNvSpPr>
+            <a:spLocks noGrp="1"/>
+          </p:cNvSpPr>
+          <p:nvPr>
+            <p:ph type="title"/>
+          </p:nvPr>
+        </p:nvSpPr>
+        <p:spPr/>
+        <p:txBody>
+          <a:bodyPr/>
+          <a:lstStyle/>
+          <a:p>
+            <a:r>
+              <a:rPr lang="en-US" dirty="0" err="1" smtClean="0">
+                <a:latin typeface="Times New Roman" panose="02020603050405020304" pitchFamily="18" charset="0"/>
+                <a:cs typeface="Times New Roman" panose="02020603050405020304" pitchFamily="18" charset="0"/>
+              </a:rPr>
+              <a:t>Một</a:t>
+            </a:r>
+            <a:r>
+              <a:rPr lang="en-US" dirty="0" smtClean="0">
+                <a:latin typeface="Times New Roman" panose="02020603050405020304" pitchFamily="18" charset="0"/>
+                <a:cs typeface="Times New Roman" panose="02020603050405020304" pitchFamily="18" charset="0"/>
+              </a:rPr>
+              <a:t> </a:t>
+            </a:r>
+            <a:r>
+              <a:rPr lang="en-US" dirty="0" err="1" smtClean="0">
+                <a:latin typeface="Times New Roman" panose="02020603050405020304" pitchFamily="18" charset="0"/>
+                <a:cs typeface="Times New Roman" panose="02020603050405020304" pitchFamily="18" charset="0"/>
+              </a:rPr>
+              <a:t>số</a:t>
+            </a:r>
+            <a:r>
+              <a:rPr lang="en-US" dirty="0" smtClean="0">
+                <a:latin typeface="Times New Roman" panose="02020603050405020304" pitchFamily="18" charset="0"/>
+                <a:cs typeface="Times New Roman" panose="02020603050405020304" pitchFamily="18" charset="0"/>
+              </a:rPr>
+              <a:t> </a:t>
+            </a:r>
+            <a:r>
+              <a:rPr lang="en-US" dirty="0" err="1" smtClean="0">
+                <a:latin typeface="Times New Roman" panose="02020603050405020304" pitchFamily="18" charset="0"/>
+                <a:cs typeface="Times New Roman" panose="02020603050405020304" pitchFamily="18" charset="0"/>
+              </a:rPr>
+              <a:t>ghi</a:t>
+            </a:r>
+            <a:r>
+              <a:rPr lang="en-US" dirty="0" smtClean="0">
+                <a:latin typeface="Times New Roman" panose="02020603050405020304" pitchFamily="18" charset="0"/>
+                <a:cs typeface="Times New Roman" panose="02020603050405020304" pitchFamily="18" charset="0"/>
+              </a:rPr>
+              <a:t> </a:t>
+            </a:r>
+            <a:r>
+              <a:rPr lang="en-US" dirty="0" err="1" smtClean="0">
+                <a:latin typeface="Times New Roman" panose="02020603050405020304" pitchFamily="18" charset="0"/>
+                <a:cs typeface="Times New Roman" panose="02020603050405020304" pitchFamily="18" charset="0"/>
+              </a:rPr>
+              <a:t>chú</a:t>
+            </a:r>
+            <a:endParaRPr lang="en-US" dirty="0">
+              <a:latin typeface="Times New Roman" panose="02020603050405020304" pitchFamily="18" charset="0"/>
+              <a:cs typeface="Times New Roman" panose="02020603050405020304" pitchFamily="18" charset="0"/>
+            </a:endParaRPr>
+          </a:p>
+        </p:txBody>
+      </p:sp>
+      <p:sp>
+        <p:nvSpPr>
+          <p:cNvPr id="3" name="Content Placeholder 2"/>
+          <p:cNvSpPr>
+            <a:spLocks noGrp="1"/>
+          </p:cNvSpPr>
+          <p:nvPr>
+            <p:ph idx="1"/>
+          </p:nvPr>
+        </p:nvSpPr>
+        <p:spPr/>
+        <p:txBody>
+          <a:bodyPr/>
+          <a:lstStyle/>
+          <a:p>
+            <a:r>
+              <a:rPr lang="en-US" dirty="0" smtClean="0">
+                <a:latin typeface="Times New Roman" panose="02020603050405020304" pitchFamily="18" charset="0"/>
+                <a:cs typeface="Times New Roman" panose="02020603050405020304" pitchFamily="18" charset="0"/>
+              </a:rPr>
+              <a:t>Comment </a:t>
+            </a:r>
+            <a:r>
+              <a:rPr lang="en-US" dirty="0" err="1" smtClean="0">
+                <a:latin typeface="Times New Roman" panose="02020603050405020304" pitchFamily="18" charset="0"/>
+                <a:cs typeface="Times New Roman" panose="02020603050405020304" pitchFamily="18" charset="0"/>
+              </a:rPr>
+              <a:t>trong</a:t>
+            </a:r>
+            <a:r>
+              <a:rPr lang="en-US" dirty="0" smtClean="0">
+                <a:latin typeface="Times New Roman" panose="02020603050405020304" pitchFamily="18" charset="0"/>
+                <a:cs typeface="Times New Roman" panose="02020603050405020304" pitchFamily="18" charset="0"/>
+              </a:rPr>
+              <a:t> code</a:t>
+            </a:r>
+          </a:p>
+          <a:p>
+            <a:r>
+              <a:rPr lang="en-US" dirty="0" err="1" smtClean="0">
+                <a:latin typeface="Times New Roman" panose="02020603050405020304" pitchFamily="18" charset="0"/>
+                <a:cs typeface="Times New Roman" panose="02020603050405020304" pitchFamily="18" charset="0"/>
+              </a:rPr>
+              <a:t>Sử</a:t>
+            </a:r>
+            <a:r>
+              <a:rPr lang="en-US" dirty="0" smtClean="0">
+                <a:latin typeface="Times New Roman" panose="02020603050405020304" pitchFamily="18" charset="0"/>
+                <a:cs typeface="Times New Roman" panose="02020603050405020304" pitchFamily="18" charset="0"/>
+              </a:rPr>
+              <a:t> </a:t>
+            </a:r>
+            <a:r>
+              <a:rPr lang="en-US" dirty="0" err="1" smtClean="0">
+                <a:latin typeface="Times New Roman" panose="02020603050405020304" pitchFamily="18" charset="0"/>
+                <a:cs typeface="Times New Roman" panose="02020603050405020304" pitchFamily="18" charset="0"/>
+              </a:rPr>
+              <a:t>dụng</a:t>
+            </a:r>
+            <a:r>
+              <a:rPr lang="en-US" dirty="0" smtClean="0">
+                <a:latin typeface="Times New Roman" panose="02020603050405020304" pitchFamily="18" charset="0"/>
+                <a:cs typeface="Times New Roman" panose="02020603050405020304" pitchFamily="18" charset="0"/>
+              </a:rPr>
+              <a:t> </a:t>
+            </a:r>
+            <a:r>
+              <a:rPr lang="en-US" dirty="0" err="1" smtClean="0">
+                <a:latin typeface="Times New Roman" panose="02020603050405020304" pitchFamily="18" charset="0"/>
+                <a:cs typeface="Times New Roman" panose="02020603050405020304" pitchFamily="18" charset="0"/>
+              </a:rPr>
+              <a:t>câu</a:t>
+            </a:r>
+            <a:r>
+              <a:rPr lang="en-US" dirty="0" smtClean="0">
+                <a:latin typeface="Times New Roman" panose="02020603050405020304" pitchFamily="18" charset="0"/>
+                <a:cs typeface="Times New Roman" panose="02020603050405020304" pitchFamily="18" charset="0"/>
+              </a:rPr>
+              <a:t> </a:t>
+            </a:r>
+            <a:r>
+              <a:rPr lang="en-US" dirty="0" err="1" smtClean="0">
+                <a:latin typeface="Times New Roman" panose="02020603050405020304" pitchFamily="18" charset="0"/>
+                <a:cs typeface="Times New Roman" panose="02020603050405020304" pitchFamily="18" charset="0"/>
+              </a:rPr>
+              <a:t>lệnh</a:t>
+            </a:r>
+            <a:r>
+              <a:rPr lang="en-US" dirty="0" smtClean="0">
+                <a:latin typeface="Times New Roman" panose="02020603050405020304" pitchFamily="18" charset="0"/>
+                <a:cs typeface="Times New Roman" panose="02020603050405020304" pitchFamily="18" charset="0"/>
+              </a:rPr>
+              <a:t> import</a:t>
+            </a:r>
+          </a:p>
+          <a:p>
+            <a:r>
+              <a:rPr lang="en-US" dirty="0" err="1" smtClean="0">
+                <a:latin typeface="Times New Roman" panose="02020603050405020304" pitchFamily="18" charset="0"/>
+                <a:cs typeface="Times New Roman" panose="02020603050405020304" pitchFamily="18" charset="0"/>
+              </a:rPr>
+              <a:t>Giới</a:t>
+            </a:r>
+            <a:r>
+              <a:rPr lang="en-US" dirty="0" smtClean="0">
+                <a:latin typeface="Times New Roman" panose="02020603050405020304" pitchFamily="18" charset="0"/>
+                <a:cs typeface="Times New Roman" panose="02020603050405020304" pitchFamily="18" charset="0"/>
+              </a:rPr>
+              <a:t> </a:t>
+            </a:r>
+            <a:r>
+              <a:rPr lang="en-US" dirty="0" err="1" smtClean="0">
+                <a:latin typeface="Times New Roman" panose="02020603050405020304" pitchFamily="18" charset="0"/>
+                <a:cs typeface="Times New Roman" panose="02020603050405020304" pitchFamily="18" charset="0"/>
+              </a:rPr>
+              <a:t>thiệu</a:t>
+            </a:r>
+            <a:r>
+              <a:rPr lang="en-US" dirty="0" smtClean="0">
+                <a:latin typeface="Times New Roman" panose="02020603050405020304" pitchFamily="18" charset="0"/>
+                <a:cs typeface="Times New Roman" panose="02020603050405020304" pitchFamily="18" charset="0"/>
+              </a:rPr>
+              <a:t> </a:t>
+            </a:r>
+            <a:r>
+              <a:rPr lang="en-US" dirty="0" err="1" smtClean="0">
+                <a:latin typeface="Times New Roman" panose="02020603050405020304" pitchFamily="18" charset="0"/>
+                <a:cs typeface="Times New Roman" panose="02020603050405020304" pitchFamily="18" charset="0"/>
+              </a:rPr>
+              <a:t>về</a:t>
+            </a:r>
+            <a:r>
+              <a:rPr lang="en-US" dirty="0" smtClean="0">
+                <a:latin typeface="Times New Roman" panose="02020603050405020304" pitchFamily="18" charset="0"/>
+                <a:cs typeface="Times New Roman" panose="02020603050405020304" pitchFamily="18" charset="0"/>
+              </a:rPr>
+              <a:t> </a:t>
+            </a:r>
+            <a:r>
+              <a:rPr lang="en-US" dirty="0" err="1" smtClean="0">
+                <a:latin typeface="Times New Roman" panose="02020603050405020304" pitchFamily="18" charset="0"/>
+                <a:cs typeface="Times New Roman" panose="02020603050405020304" pitchFamily="18" charset="0"/>
+              </a:rPr>
+              <a:t>câu</a:t>
+            </a:r>
+            <a:r>
+              <a:rPr lang="en-US" dirty="0" smtClean="0">
+                <a:latin typeface="Times New Roman" panose="02020603050405020304" pitchFamily="18" charset="0"/>
+                <a:cs typeface="Times New Roman" panose="02020603050405020304" pitchFamily="18" charset="0"/>
+              </a:rPr>
+              <a:t> </a:t>
+            </a:r>
+            <a:r>
+              <a:rPr lang="en-US" dirty="0" err="1" smtClean="0">
+                <a:latin typeface="Times New Roman" panose="02020603050405020304" pitchFamily="18" charset="0"/>
+                <a:cs typeface="Times New Roman" panose="02020603050405020304" pitchFamily="18" charset="0"/>
+              </a:rPr>
+              <a:t>lệnh</a:t>
+            </a:r>
+            <a:r>
+              <a:rPr lang="en-US" dirty="0" smtClean="0">
+                <a:latin typeface="Times New Roman" panose="02020603050405020304" pitchFamily="18" charset="0"/>
+                <a:cs typeface="Times New Roman" panose="02020603050405020304" pitchFamily="18" charset="0"/>
+              </a:rPr>
+              <a:t> </a:t>
+            </a:r>
+            <a:r>
+              <a:rPr lang="en-US" dirty="0" err="1" smtClean="0">
+                <a:latin typeface="Times New Roman" panose="02020603050405020304" pitchFamily="18" charset="0"/>
+                <a:cs typeface="Times New Roman" panose="02020603050405020304" pitchFamily="18" charset="0"/>
+              </a:rPr>
+              <a:t>rẽ</a:t>
+            </a:r>
+            <a:r>
+              <a:rPr lang="en-US" dirty="0" smtClean="0">
+                <a:latin typeface="Times New Roman" panose="02020603050405020304" pitchFamily="18" charset="0"/>
+                <a:cs typeface="Times New Roman" panose="02020603050405020304" pitchFamily="18" charset="0"/>
+              </a:rPr>
+              <a:t> </a:t>
+            </a:r>
+            <a:r>
+              <a:rPr lang="en-US" dirty="0" err="1" smtClean="0">
+                <a:latin typeface="Times New Roman" panose="02020603050405020304" pitchFamily="18" charset="0"/>
+                <a:cs typeface="Times New Roman" panose="02020603050405020304" pitchFamily="18" charset="0"/>
+              </a:rPr>
+              <a:t>nhánh</a:t>
+            </a:r>
+            <a:r>
+              <a:rPr lang="en-US" dirty="0" smtClean="0">
+                <a:latin typeface="Times New Roman" panose="02020603050405020304" pitchFamily="18" charset="0"/>
+                <a:cs typeface="Times New Roman" panose="02020603050405020304" pitchFamily="18" charset="0"/>
+              </a:rPr>
+              <a:t> </a:t>
+            </a:r>
+            <a:r>
+              <a:rPr lang="en-US" dirty="0" err="1" smtClean="0">
+                <a:latin typeface="Times New Roman" panose="02020603050405020304" pitchFamily="18" charset="0"/>
+                <a:cs typeface="Times New Roman" panose="02020603050405020304" pitchFamily="18" charset="0"/>
+              </a:rPr>
+              <a:t>cơ</a:t>
+            </a:r>
+            <a:r>
+              <a:rPr lang="en-US" dirty="0" smtClean="0">
+                <a:latin typeface="Times New Roman" panose="02020603050405020304" pitchFamily="18" charset="0"/>
+                <a:cs typeface="Times New Roman" panose="02020603050405020304" pitchFamily="18" charset="0"/>
+              </a:rPr>
+              <a:t> </a:t>
+            </a:r>
+            <a:r>
+              <a:rPr lang="en-US" dirty="0" err="1" smtClean="0">
+                <a:latin typeface="Times New Roman" panose="02020603050405020304" pitchFamily="18" charset="0"/>
+                <a:cs typeface="Times New Roman" panose="02020603050405020304" pitchFamily="18" charset="0"/>
+              </a:rPr>
+              <a:t>bản</a:t>
+            </a:r>
+            <a:r>
+              <a:rPr lang="en-US" dirty="0" smtClean="0">
+                <a:latin typeface="Times New Roman" panose="02020603050405020304" pitchFamily="18" charset="0"/>
+                <a:cs typeface="Times New Roman" panose="02020603050405020304" pitchFamily="18" charset="0"/>
+              </a:rPr>
+              <a:t> (</a:t>
+            </a:r>
+            <a:r>
+              <a:rPr lang="en-US" dirty="0" err="1" smtClean="0">
+                <a:latin typeface="Times New Roman" panose="02020603050405020304" pitchFamily="18" charset="0"/>
+                <a:cs typeface="Times New Roman" panose="02020603050405020304" pitchFamily="18" charset="0"/>
+              </a:rPr>
+              <a:t>với</a:t>
+            </a:r>
+            <a:r>
+              <a:rPr lang="en-US" dirty="0" smtClean="0">
+                <a:latin typeface="Times New Roman" panose="02020603050405020304" pitchFamily="18" charset="0"/>
+                <a:cs typeface="Times New Roman" panose="02020603050405020304" pitchFamily="18" charset="0"/>
+              </a:rPr>
+              <a:t> </a:t>
+            </a:r>
+            <a:r>
+              <a:rPr lang="en-US" dirty="0" err="1" smtClean="0">
+                <a:latin typeface="Times New Roman" panose="02020603050405020304" pitchFamily="18" charset="0"/>
+                <a:cs typeface="Times New Roman" panose="02020603050405020304" pitchFamily="18" charset="0"/>
+              </a:rPr>
+              <a:t>sơ</a:t>
+            </a:r>
+            <a:r>
+              <a:rPr lang="en-US" dirty="0" smtClean="0">
+                <a:latin typeface="Times New Roman" panose="02020603050405020304" pitchFamily="18" charset="0"/>
+                <a:cs typeface="Times New Roman" panose="02020603050405020304" pitchFamily="18" charset="0"/>
+              </a:rPr>
+              <a:t> </a:t>
+            </a:r>
+            <a:r>
+              <a:rPr lang="en-US" dirty="0" err="1" smtClean="0">
+                <a:latin typeface="Times New Roman" panose="02020603050405020304" pitchFamily="18" charset="0"/>
+                <a:cs typeface="Times New Roman" panose="02020603050405020304" pitchFamily="18" charset="0"/>
+              </a:rPr>
+              <a:t>đồ</a:t>
+            </a:r>
+            <a:r>
+              <a:rPr lang="en-US" dirty="0" smtClean="0">
+                <a:latin typeface="Times New Roman" panose="02020603050405020304" pitchFamily="18" charset="0"/>
+                <a:cs typeface="Times New Roman" panose="02020603050405020304" pitchFamily="18" charset="0"/>
+              </a:rPr>
+              <a:t> </a:t>
+            </a:r>
+            <a:r>
+              <a:rPr lang="en-US" dirty="0" err="1" smtClean="0">
+                <a:latin typeface="Times New Roman" panose="02020603050405020304" pitchFamily="18" charset="0"/>
+                <a:cs typeface="Times New Roman" panose="02020603050405020304" pitchFamily="18" charset="0"/>
+              </a:rPr>
+              <a:t>thuật</a:t>
+            </a:r>
+            <a:r>
+              <a:rPr lang="en-US" dirty="0" smtClean="0">
+                <a:latin typeface="Times New Roman" panose="02020603050405020304" pitchFamily="18" charset="0"/>
+                <a:cs typeface="Times New Roman" panose="02020603050405020304" pitchFamily="18" charset="0"/>
+              </a:rPr>
+              <a:t> </a:t>
+            </a:r>
+            <a:r>
+              <a:rPr lang="en-US" dirty="0" err="1" smtClean="0">
+                <a:latin typeface="Times New Roman" panose="02020603050405020304" pitchFamily="18" charset="0"/>
+                <a:cs typeface="Times New Roman" panose="02020603050405020304" pitchFamily="18" charset="0"/>
+              </a:rPr>
+              <a:t>toán</a:t>
+            </a:r>
+            <a:r>
+              <a:rPr lang="en-US" dirty="0" smtClean="0">
+                <a:latin typeface="Times New Roman" panose="02020603050405020304" pitchFamily="18" charset="0"/>
+                <a:cs typeface="Times New Roman" panose="02020603050405020304" pitchFamily="18" charset="0"/>
+              </a:rPr>
+              <a:t>)</a:t>
+            </a:r>
+          </a:p>
+          <a:p>
+            <a:r>
+              <a:rPr lang="en-US" dirty="0" err="1" smtClean="0">
+                <a:latin typeface="Times New Roman" panose="02020603050405020304" pitchFamily="18" charset="0"/>
+                <a:cs typeface="Times New Roman" panose="02020603050405020304" pitchFamily="18" charset="0"/>
+              </a:rPr>
+              <a:t>Giới</a:t>
+            </a:r>
+            <a:r>
+              <a:rPr lang="en-US" dirty="0" smtClean="0">
+                <a:latin typeface="Times New Roman" panose="02020603050405020304" pitchFamily="18" charset="0"/>
+                <a:cs typeface="Times New Roman" panose="02020603050405020304" pitchFamily="18" charset="0"/>
+              </a:rPr>
+              <a:t> </a:t>
+            </a:r>
+            <a:r>
+              <a:rPr lang="en-US" dirty="0" err="1" smtClean="0">
+                <a:latin typeface="Times New Roman" panose="02020603050405020304" pitchFamily="18" charset="0"/>
+                <a:cs typeface="Times New Roman" panose="02020603050405020304" pitchFamily="18" charset="0"/>
+              </a:rPr>
+              <a:t>thiệu</a:t>
+            </a:r>
+            <a:r>
+              <a:rPr lang="en-US" dirty="0" smtClean="0">
+                <a:latin typeface="Times New Roman" panose="02020603050405020304" pitchFamily="18" charset="0"/>
+                <a:cs typeface="Times New Roman" panose="02020603050405020304" pitchFamily="18" charset="0"/>
+              </a:rPr>
+              <a:t> </a:t>
+            </a:r>
+            <a:r>
+              <a:rPr lang="en-US" dirty="0" err="1" smtClean="0">
+                <a:latin typeface="Times New Roman" panose="02020603050405020304" pitchFamily="18" charset="0"/>
+                <a:cs typeface="Times New Roman" panose="02020603050405020304" pitchFamily="18" charset="0"/>
+              </a:rPr>
+              <a:t>về</a:t>
+            </a:r>
+            <a:r>
+              <a:rPr lang="en-US" dirty="0" smtClean="0">
+                <a:latin typeface="Times New Roman" panose="02020603050405020304" pitchFamily="18" charset="0"/>
+                <a:cs typeface="Times New Roman" panose="02020603050405020304" pitchFamily="18" charset="0"/>
+              </a:rPr>
+              <a:t> </a:t>
+            </a:r>
+            <a:r>
+              <a:rPr lang="en-US" dirty="0" err="1" smtClean="0">
+                <a:latin typeface="Times New Roman" panose="02020603050405020304" pitchFamily="18" charset="0"/>
+                <a:cs typeface="Times New Roman" panose="02020603050405020304" pitchFamily="18" charset="0"/>
+              </a:rPr>
+              <a:t>câu</a:t>
+            </a:r>
+            <a:r>
+              <a:rPr lang="en-US" dirty="0" smtClean="0">
+                <a:latin typeface="Times New Roman" panose="02020603050405020304" pitchFamily="18" charset="0"/>
+                <a:cs typeface="Times New Roman" panose="02020603050405020304" pitchFamily="18" charset="0"/>
+              </a:rPr>
+              <a:t> </a:t>
+            </a:r>
+            <a:r>
+              <a:rPr lang="en-US" dirty="0" err="1" smtClean="0">
+                <a:latin typeface="Times New Roman" panose="02020603050405020304" pitchFamily="18" charset="0"/>
+                <a:cs typeface="Times New Roman" panose="02020603050405020304" pitchFamily="18" charset="0"/>
+              </a:rPr>
+              <a:t>lệnh</a:t>
+            </a:r>
+            <a:r>
+              <a:rPr lang="en-US" dirty="0" smtClean="0">
+                <a:latin typeface="Times New Roman" panose="02020603050405020304" pitchFamily="18" charset="0"/>
+                <a:cs typeface="Times New Roman" panose="02020603050405020304" pitchFamily="18" charset="0"/>
+              </a:rPr>
+              <a:t> </a:t>
+            </a:r>
+            <a:r>
+              <a:rPr lang="en-US" dirty="0" err="1" smtClean="0">
+                <a:latin typeface="Times New Roman" panose="02020603050405020304" pitchFamily="18" charset="0"/>
+                <a:cs typeface="Times New Roman" panose="02020603050405020304" pitchFamily="18" charset="0"/>
+              </a:rPr>
+              <a:t>nhận</a:t>
+            </a:r>
+            <a:r>
+              <a:rPr lang="en-US" dirty="0" smtClean="0">
+                <a:latin typeface="Times New Roman" panose="02020603050405020304" pitchFamily="18" charset="0"/>
+                <a:cs typeface="Times New Roman" panose="02020603050405020304" pitchFamily="18" charset="0"/>
+              </a:rPr>
+              <a:t> </a:t>
+            </a:r>
+            <a:r>
+              <a:rPr lang="en-US" dirty="0" err="1" smtClean="0">
+                <a:latin typeface="Times New Roman" panose="02020603050405020304" pitchFamily="18" charset="0"/>
+                <a:cs typeface="Times New Roman" panose="02020603050405020304" pitchFamily="18" charset="0"/>
+              </a:rPr>
+              <a:t>dữ</a:t>
+            </a:r>
+            <a:r>
+              <a:rPr lang="en-US" dirty="0" smtClean="0">
+                <a:latin typeface="Times New Roman" panose="02020603050405020304" pitchFamily="18" charset="0"/>
+                <a:cs typeface="Times New Roman" panose="02020603050405020304" pitchFamily="18" charset="0"/>
+              </a:rPr>
+              <a:t> </a:t>
+            </a:r>
+            <a:r>
+              <a:rPr lang="en-US" dirty="0" err="1" smtClean="0">
+                <a:latin typeface="Times New Roman" panose="02020603050405020304" pitchFamily="18" charset="0"/>
+                <a:cs typeface="Times New Roman" panose="02020603050405020304" pitchFamily="18" charset="0"/>
+              </a:rPr>
+              <a:t>liệu</a:t>
+            </a:r>
+            <a:r>
+              <a:rPr lang="en-US" dirty="0" smtClean="0">
+                <a:latin typeface="Times New Roman" panose="02020603050405020304" pitchFamily="18" charset="0"/>
+                <a:cs typeface="Times New Roman" panose="02020603050405020304" pitchFamily="18" charset="0"/>
+              </a:rPr>
+              <a:t> </a:t>
+            </a:r>
+            <a:r>
+              <a:rPr lang="en-US" dirty="0" err="1" smtClean="0">
+                <a:latin typeface="Times New Roman" panose="02020603050405020304" pitchFamily="18" charset="0"/>
+                <a:cs typeface="Times New Roman" panose="02020603050405020304" pitchFamily="18" charset="0"/>
+              </a:rPr>
+              <a:t>từ</a:t>
+            </a:r>
+            <a:r>
+              <a:rPr lang="en-US" dirty="0" smtClean="0">
+                <a:latin typeface="Times New Roman" panose="02020603050405020304" pitchFamily="18" charset="0"/>
+                <a:cs typeface="Times New Roman" panose="02020603050405020304" pitchFamily="18" charset="0"/>
+              </a:rPr>
+              <a:t> </a:t>
+            </a:r>
+            <a:r>
+              <a:rPr lang="en-US" dirty="0" err="1" smtClean="0">
+                <a:latin typeface="Times New Roman" panose="02020603050405020304" pitchFamily="18" charset="0"/>
+                <a:cs typeface="Times New Roman" panose="02020603050405020304" pitchFamily="18" charset="0"/>
+              </a:rPr>
+              <a:t>người</a:t>
+            </a:r>
+            <a:r>
+              <a:rPr lang="en-US" dirty="0" smtClean="0">
+                <a:latin typeface="Times New Roman" panose="02020603050405020304" pitchFamily="18" charset="0"/>
+                <a:cs typeface="Times New Roman" panose="02020603050405020304" pitchFamily="18" charset="0"/>
+              </a:rPr>
+              <a:t> </a:t>
+            </a:r>
+            <a:r>
+              <a:rPr lang="en-US" dirty="0" err="1" smtClean="0">
+                <a:latin typeface="Times New Roman" panose="02020603050405020304" pitchFamily="18" charset="0"/>
+                <a:cs typeface="Times New Roman" panose="02020603050405020304" pitchFamily="18" charset="0"/>
+              </a:rPr>
+              <a:t>dùng</a:t>
+            </a:r>
+            <a:endParaRPr lang="en-US" dirty="0" smtClean="0">
+              <a:latin typeface="Times New Roman" panose="02020603050405020304" pitchFamily="18" charset="0"/>
+              <a:cs typeface="Times New Roman" panose="02020603050405020304" pitchFamily="18" charset="0"/>
+            </a:endParaRPr>
+          </a:p>
+        </p:txBody>
+      </p:sp>
+      <p:sp>
+        <p:nvSpPr>
+          <p:cNvPr id="4" name="Footer Placeholder 3"/>
+          <p:cNvSpPr>
+            <a:spLocks noGrp="1"/>
+          </p:cNvSpPr>
+          <p:nvPr>
+            <p:ph type="ftr" sz="quarter" idx="11"/>
+          </p:nvPr>
+        </p:nvSpPr>
+        <p:spPr/>
+        <p:txBody>
+          <a:bodyPr/>
+          <a:lstStyle/>
+          <a:p>
+            <a:r>
+              <a:rPr lang="en-US" smtClean="0"/>
+              <a:t>PythonBeginnerClass @loitd #pythonvietnam.info</a:t>
+            </a:r>
+            <a:endParaRPr lang="en-US"/>
+          </a:p>
+        </p:txBody>
+      </p:sp>
+    </p:spTree>
+    <p:extLst>
+      <p:ext uri="{BB962C8B-B14F-4D97-AF65-F5344CB8AC3E}">
+        <p14:creationId xmlns:p14="http://schemas.microsoft.com/office/powerpoint/2010/main" val="924109870"/>
+      </p:ext>
+    </p:extLst>
+  </p:cSld>
+  <p:clrMapOvr>
+    <a:masterClrMapping/>
+  </p:clrMapOvr>
+</p:sld>
+</file>
+
+<file path=ppt/slides/slide19.xml><?xml version="1.0" encoding="utf-8"?>
+<p:sld xmlns:a="http://schemas.openxmlformats.org/drawingml/2006/main" xmlns:r="http://schemas.openxmlformats.org/officeDocument/2006/relationships" xmlns:p="http://schemas.openxmlformats.org/presentationml/2006/main">
+  <p:cSld>
+    <p:spTree>
+      <p:nvGrpSpPr>
+        <p:cNvPr id="1" name=""/>
+        <p:cNvGrpSpPr/>
+        <p:nvPr/>
+      </p:nvGrpSpPr>
+      <p:grpSpPr>
+        <a:xfrm>
+          <a:off x="0" y="0"/>
+          <a:ext cx="0" cy="0"/>
+          <a:chOff x="0" y="0"/>
+          <a:chExt cx="0" cy="0"/>
+        </a:xfrm>
+      </p:grpSpPr>
+      <p:sp>
+        <p:nvSpPr>
+          <p:cNvPr id="2" name="Title 1"/>
+          <p:cNvSpPr>
+            <a:spLocks noGrp="1"/>
+          </p:cNvSpPr>
+          <p:nvPr>
+            <p:ph type="title"/>
+          </p:nvPr>
+        </p:nvSpPr>
+        <p:spPr/>
+        <p:txBody>
+          <a:bodyPr/>
+          <a:lstStyle/>
+          <a:p>
+            <a:r>
+              <a:rPr lang="en-US" dirty="0" err="1" smtClean="0">
+                <a:latin typeface="Times New Roman" panose="02020603050405020304" pitchFamily="18" charset="0"/>
+                <a:cs typeface="Times New Roman" panose="02020603050405020304" pitchFamily="18" charset="0"/>
+              </a:rPr>
+              <a:t>Bài</a:t>
+            </a:r>
+            <a:r>
+              <a:rPr lang="en-US" dirty="0" smtClean="0">
+                <a:latin typeface="Times New Roman" panose="02020603050405020304" pitchFamily="18" charset="0"/>
+                <a:cs typeface="Times New Roman" panose="02020603050405020304" pitchFamily="18" charset="0"/>
+              </a:rPr>
+              <a:t> </a:t>
+            </a:r>
+            <a:r>
+              <a:rPr lang="en-US" dirty="0" err="1" smtClean="0">
+                <a:latin typeface="Times New Roman" panose="02020603050405020304" pitchFamily="18" charset="0"/>
+                <a:cs typeface="Times New Roman" panose="02020603050405020304" pitchFamily="18" charset="0"/>
+              </a:rPr>
+              <a:t>tập</a:t>
+            </a:r>
+            <a:endParaRPr lang="en-US" dirty="0">
+              <a:latin typeface="Times New Roman" panose="02020603050405020304" pitchFamily="18" charset="0"/>
+              <a:cs typeface="Times New Roman" panose="02020603050405020304" pitchFamily="18" charset="0"/>
+            </a:endParaRPr>
+          </a:p>
+        </p:txBody>
+      </p:sp>
+      <p:sp>
+        <p:nvSpPr>
+          <p:cNvPr id="3" name="Content Placeholder 2"/>
+          <p:cNvSpPr>
+            <a:spLocks noGrp="1"/>
+          </p:cNvSpPr>
+          <p:nvPr>
+            <p:ph idx="1"/>
+          </p:nvPr>
+        </p:nvSpPr>
+        <p:spPr/>
+        <p:txBody>
+          <a:bodyPr/>
+          <a:lstStyle/>
+          <a:p>
+            <a:r>
+              <a:rPr lang="nb-NO" dirty="0">
+                <a:latin typeface="Times New Roman" panose="02020603050405020304" pitchFamily="18" charset="0"/>
+                <a:cs typeface="Times New Roman" panose="02020603050405020304" pitchFamily="18" charset="0"/>
+              </a:rPr>
+              <a:t>Viết thuật toán và code chương trình 18+: </a:t>
+            </a:r>
+            <a:endParaRPr lang="en-US" dirty="0">
+              <a:latin typeface="Times New Roman" panose="02020603050405020304" pitchFamily="18" charset="0"/>
+              <a:cs typeface="Times New Roman" panose="02020603050405020304" pitchFamily="18" charset="0"/>
+            </a:endParaRPr>
+          </a:p>
+          <a:p>
+            <a:pPr lvl="1"/>
+            <a:r>
+              <a:rPr lang="nb-NO" dirty="0">
+                <a:latin typeface="Times New Roman" panose="02020603050405020304" pitchFamily="18" charset="0"/>
+                <a:cs typeface="Times New Roman" panose="02020603050405020304" pitchFamily="18" charset="0"/>
+              </a:rPr>
+              <a:t>Chào mừng người dùng</a:t>
+            </a:r>
+            <a:endParaRPr lang="en-US" dirty="0">
+              <a:latin typeface="Times New Roman" panose="02020603050405020304" pitchFamily="18" charset="0"/>
+              <a:cs typeface="Times New Roman" panose="02020603050405020304" pitchFamily="18" charset="0"/>
+            </a:endParaRPr>
+          </a:p>
+          <a:p>
+            <a:pPr lvl="1"/>
+            <a:r>
+              <a:rPr lang="nb-NO" dirty="0">
+                <a:latin typeface="Times New Roman" panose="02020603050405020304" pitchFamily="18" charset="0"/>
+                <a:cs typeface="Times New Roman" panose="02020603050405020304" pitchFamily="18" charset="0"/>
+              </a:rPr>
+              <a:t>Hỏi năm sinh</a:t>
+            </a:r>
+            <a:endParaRPr lang="en-US" dirty="0">
+              <a:latin typeface="Times New Roman" panose="02020603050405020304" pitchFamily="18" charset="0"/>
+              <a:cs typeface="Times New Roman" panose="02020603050405020304" pitchFamily="18" charset="0"/>
+            </a:endParaRPr>
+          </a:p>
+          <a:p>
+            <a:pPr lvl="1"/>
+            <a:r>
+              <a:rPr lang="nb-NO" dirty="0">
+                <a:latin typeface="Times New Roman" panose="02020603050405020304" pitchFamily="18" charset="0"/>
+                <a:cs typeface="Times New Roman" panose="02020603050405020304" pitchFamily="18" charset="0"/>
+              </a:rPr>
+              <a:t>Nếu người dùng nhỏ hơn 18 tuổi thì thông báo không đủ tuổi</a:t>
+            </a:r>
+            <a:endParaRPr lang="en-US" dirty="0">
+              <a:latin typeface="Times New Roman" panose="02020603050405020304" pitchFamily="18" charset="0"/>
+              <a:cs typeface="Times New Roman" panose="02020603050405020304" pitchFamily="18" charset="0"/>
+            </a:endParaRPr>
+          </a:p>
+          <a:p>
+            <a:pPr lvl="1"/>
+            <a:r>
+              <a:rPr lang="nb-NO" dirty="0">
+                <a:latin typeface="Times New Roman" panose="02020603050405020304" pitchFamily="18" charset="0"/>
+                <a:cs typeface="Times New Roman" panose="02020603050405020304" pitchFamily="18" charset="0"/>
+              </a:rPr>
+              <a:t>Nếu đủ hoặc hơn 18 tuổi thì thông báo chào mừng</a:t>
+            </a:r>
+            <a:endParaRPr lang="en-US" dirty="0">
+              <a:latin typeface="Times New Roman" panose="02020603050405020304" pitchFamily="18" charset="0"/>
+              <a:cs typeface="Times New Roman" panose="02020603050405020304" pitchFamily="18" charset="0"/>
+            </a:endParaRPr>
+          </a:p>
+        </p:txBody>
+      </p:sp>
+      <p:sp>
+        <p:nvSpPr>
+          <p:cNvPr id="4" name="Footer Placeholder 3"/>
+          <p:cNvSpPr>
+            <a:spLocks noGrp="1"/>
+          </p:cNvSpPr>
+          <p:nvPr>
+            <p:ph type="ftr" sz="quarter" idx="11"/>
+          </p:nvPr>
+        </p:nvSpPr>
+        <p:spPr/>
+        <p:txBody>
+          <a:bodyPr/>
+          <a:lstStyle/>
+          <a:p>
+            <a:r>
+              <a:rPr lang="en-US" smtClean="0"/>
+              <a:t>PythonBeginnerClass @loitd #pythonvietnam.info</a:t>
+            </a:r>
+            <a:endParaRPr lang="en-US"/>
+          </a:p>
+        </p:txBody>
+      </p:sp>
+    </p:spTree>
+    <p:extLst>
+      <p:ext uri="{BB962C8B-B14F-4D97-AF65-F5344CB8AC3E}">
+        <p14:creationId xmlns:p14="http://schemas.microsoft.com/office/powerpoint/2010/main" val="3048935275"/>
+      </p:ext>
+    </p:extLst>
   </p:cSld>
   <p:clrMapOvr>
     <a:masterClrMapping/>
@@ -5233,34 +7135,58 @@
           <a:lstStyle/>
           <a:p>
             <a:r>
-              <a:rPr lang="en-US" dirty="0" err="1" smtClean="0"/>
+              <a:rPr lang="en-US" dirty="0" err="1" smtClean="0">
+                <a:latin typeface="Times New Roman" panose="02020603050405020304" pitchFamily="18" charset="0"/>
+                <a:cs typeface="Times New Roman" panose="02020603050405020304" pitchFamily="18" charset="0"/>
+              </a:rPr>
               <a:t>Mục</a:t>
             </a:r>
             <a:r>
-              <a:rPr lang="en-US" dirty="0" smtClean="0"/>
-              <a:t> </a:t>
-            </a:r>
-            <a:r>
-              <a:rPr lang="en-US" dirty="0" err="1" smtClean="0"/>
+              <a:rPr lang="en-US" dirty="0" smtClean="0">
+                <a:latin typeface="Times New Roman" panose="02020603050405020304" pitchFamily="18" charset="0"/>
+                <a:cs typeface="Times New Roman" panose="02020603050405020304" pitchFamily="18" charset="0"/>
+              </a:rPr>
+              <a:t> </a:t>
+            </a:r>
+            <a:r>
+              <a:rPr lang="en-US" dirty="0" err="1" smtClean="0">
+                <a:latin typeface="Times New Roman" panose="02020603050405020304" pitchFamily="18" charset="0"/>
+                <a:cs typeface="Times New Roman" panose="02020603050405020304" pitchFamily="18" charset="0"/>
+              </a:rPr>
               <a:t>đích</a:t>
             </a:r>
             <a:r>
-              <a:rPr lang="en-US" dirty="0" smtClean="0"/>
-              <a:t> </a:t>
-            </a:r>
-            <a:r>
-              <a:rPr lang="en-US" dirty="0" err="1" smtClean="0"/>
+              <a:rPr lang="en-US" dirty="0" smtClean="0">
+                <a:latin typeface="Times New Roman" panose="02020603050405020304" pitchFamily="18" charset="0"/>
+                <a:cs typeface="Times New Roman" panose="02020603050405020304" pitchFamily="18" charset="0"/>
+              </a:rPr>
+              <a:t> </a:t>
+            </a:r>
+            <a:r>
+              <a:rPr lang="en-US" dirty="0" err="1" smtClean="0">
+                <a:latin typeface="Times New Roman" panose="02020603050405020304" pitchFamily="18" charset="0"/>
+                <a:cs typeface="Times New Roman" panose="02020603050405020304" pitchFamily="18" charset="0"/>
+              </a:rPr>
               <a:t>khóa</a:t>
             </a:r>
             <a:r>
-              <a:rPr lang="en-US" dirty="0" smtClean="0"/>
-              <a:t> </a:t>
-            </a:r>
-            <a:r>
-              <a:rPr lang="en-US" dirty="0" err="1" smtClean="0"/>
+              <a:rPr lang="en-US" dirty="0" smtClean="0">
+                <a:latin typeface="Times New Roman" panose="02020603050405020304" pitchFamily="18" charset="0"/>
+                <a:cs typeface="Times New Roman" panose="02020603050405020304" pitchFamily="18" charset="0"/>
+              </a:rPr>
+              <a:t> </a:t>
+            </a:r>
+            <a:r>
+              <a:rPr lang="en-US" dirty="0" err="1" smtClean="0">
+                <a:latin typeface="Times New Roman" panose="02020603050405020304" pitchFamily="18" charset="0"/>
+                <a:cs typeface="Times New Roman" panose="02020603050405020304" pitchFamily="18" charset="0"/>
+              </a:rPr>
               <a:t>học</a:t>
             </a:r>
-            <a:endParaRPr lang="en-US" dirty="0"/>
+            <a:endParaRPr lang="en-US" dirty="0">
+              <a:latin typeface="Times New Roman" panose="02020603050405020304" pitchFamily="18" charset="0"/>
+              <a:cs typeface="Times New Roman" panose="02020603050405020304" pitchFamily="18" charset="0"/>
+            </a:endParaRPr>
           </a:p>
         </p:txBody>
       </p:sp>
@@ -5280,341 +7206,590 @@
           <a:lstStyle/>
           <a:p>
             <a:r>
-              <a:rPr lang="en-US" dirty="0" err="1" smtClean="0"/>
+              <a:rPr lang="en-US" dirty="0" err="1" smtClean="0">
+                <a:latin typeface="Times New Roman" panose="02020603050405020304" pitchFamily="18" charset="0"/>
+                <a:cs typeface="Times New Roman" panose="02020603050405020304" pitchFamily="18" charset="0"/>
+              </a:rPr>
               <a:t>Cung</a:t>
             </a:r>
             <a:r>
-              <a:rPr lang="en-US" dirty="0" smtClean="0"/>
-              <a:t> </a:t>
-            </a:r>
-            <a:r>
-              <a:rPr lang="en-US" dirty="0" err="1" smtClean="0"/>
+              <a:rPr lang="en-US" dirty="0" smtClean="0">
+                <a:latin typeface="Times New Roman" panose="02020603050405020304" pitchFamily="18" charset="0"/>
+                <a:cs typeface="Times New Roman" panose="02020603050405020304" pitchFamily="18" charset="0"/>
+              </a:rPr>
+              <a:t> </a:t>
+            </a:r>
+            <a:r>
+              <a:rPr lang="en-US" dirty="0" err="1" smtClean="0">
+                <a:latin typeface="Times New Roman" panose="02020603050405020304" pitchFamily="18" charset="0"/>
+                <a:cs typeface="Times New Roman" panose="02020603050405020304" pitchFamily="18" charset="0"/>
+              </a:rPr>
               <a:t>cấp</a:t>
             </a:r>
             <a:r>
-              <a:rPr lang="en-US" dirty="0" smtClean="0"/>
-              <a:t> </a:t>
-            </a:r>
-            <a:r>
-              <a:rPr lang="en-US" dirty="0" err="1" smtClean="0"/>
+              <a:rPr lang="en-US" dirty="0" smtClean="0">
+                <a:latin typeface="Times New Roman" panose="02020603050405020304" pitchFamily="18" charset="0"/>
+                <a:cs typeface="Times New Roman" panose="02020603050405020304" pitchFamily="18" charset="0"/>
+              </a:rPr>
+              <a:t> </a:t>
+            </a:r>
+            <a:r>
+              <a:rPr lang="en-US" dirty="0" err="1" smtClean="0">
+                <a:latin typeface="Times New Roman" panose="02020603050405020304" pitchFamily="18" charset="0"/>
+                <a:cs typeface="Times New Roman" panose="02020603050405020304" pitchFamily="18" charset="0"/>
+              </a:rPr>
               <a:t>các</a:t>
             </a:r>
             <a:r>
-              <a:rPr lang="en-US" dirty="0" smtClean="0"/>
-              <a:t> </a:t>
-            </a:r>
-            <a:r>
-              <a:rPr lang="en-US" dirty="0" err="1" smtClean="0"/>
+              <a:rPr lang="en-US" dirty="0" smtClean="0">
+                <a:latin typeface="Times New Roman" panose="02020603050405020304" pitchFamily="18" charset="0"/>
+                <a:cs typeface="Times New Roman" panose="02020603050405020304" pitchFamily="18" charset="0"/>
+              </a:rPr>
+              <a:t> </a:t>
+            </a:r>
+            <a:r>
+              <a:rPr lang="en-US" dirty="0" err="1" smtClean="0">
+                <a:latin typeface="Times New Roman" panose="02020603050405020304" pitchFamily="18" charset="0"/>
+                <a:cs typeface="Times New Roman" panose="02020603050405020304" pitchFamily="18" charset="0"/>
+              </a:rPr>
               <a:t>kiến</a:t>
             </a:r>
             <a:r>
-              <a:rPr lang="en-US" dirty="0" smtClean="0"/>
-              <a:t> </a:t>
-            </a:r>
-            <a:r>
-              <a:rPr lang="en-US" dirty="0" err="1" smtClean="0"/>
+              <a:rPr lang="en-US" dirty="0" smtClean="0">
+                <a:latin typeface="Times New Roman" panose="02020603050405020304" pitchFamily="18" charset="0"/>
+                <a:cs typeface="Times New Roman" panose="02020603050405020304" pitchFamily="18" charset="0"/>
+              </a:rPr>
+              <a:t> </a:t>
+            </a:r>
+            <a:r>
+              <a:rPr lang="en-US" dirty="0" err="1" smtClean="0">
+                <a:latin typeface="Times New Roman" panose="02020603050405020304" pitchFamily="18" charset="0"/>
+                <a:cs typeface="Times New Roman" panose="02020603050405020304" pitchFamily="18" charset="0"/>
+              </a:rPr>
               <a:t>thức</a:t>
             </a:r>
             <a:r>
-              <a:rPr lang="en-US" dirty="0" smtClean="0"/>
-              <a:t> </a:t>
-            </a:r>
-            <a:r>
-              <a:rPr lang="en-US" dirty="0" err="1" smtClean="0"/>
+              <a:rPr lang="en-US" dirty="0" smtClean="0">
+                <a:latin typeface="Times New Roman" panose="02020603050405020304" pitchFamily="18" charset="0"/>
+                <a:cs typeface="Times New Roman" panose="02020603050405020304" pitchFamily="18" charset="0"/>
+              </a:rPr>
+              <a:t> </a:t>
+            </a:r>
+            <a:r>
+              <a:rPr lang="en-US" dirty="0" err="1" smtClean="0">
+                <a:latin typeface="Times New Roman" panose="02020603050405020304" pitchFamily="18" charset="0"/>
+                <a:cs typeface="Times New Roman" panose="02020603050405020304" pitchFamily="18" charset="0"/>
+              </a:rPr>
               <a:t>nền</a:t>
             </a:r>
             <a:r>
-              <a:rPr lang="en-US" dirty="0" smtClean="0"/>
-              <a:t> </a:t>
-            </a:r>
-            <a:r>
-              <a:rPr lang="en-US" dirty="0" err="1" smtClean="0"/>
+              <a:rPr lang="en-US" dirty="0" smtClean="0">
+                <a:latin typeface="Times New Roman" panose="02020603050405020304" pitchFamily="18" charset="0"/>
+                <a:cs typeface="Times New Roman" panose="02020603050405020304" pitchFamily="18" charset="0"/>
+              </a:rPr>
+              <a:t> </a:t>
+            </a:r>
+            <a:r>
+              <a:rPr lang="en-US" dirty="0" err="1" smtClean="0">
+                <a:latin typeface="Times New Roman" panose="02020603050405020304" pitchFamily="18" charset="0"/>
+                <a:cs typeface="Times New Roman" panose="02020603050405020304" pitchFamily="18" charset="0"/>
+              </a:rPr>
               <a:t>tảng</a:t>
             </a:r>
             <a:r>
-              <a:rPr lang="en-US" dirty="0" smtClean="0"/>
-              <a:t> </a:t>
-            </a:r>
-            <a:r>
-              <a:rPr lang="en-US" dirty="0" err="1" smtClean="0"/>
+              <a:rPr lang="en-US" dirty="0" smtClean="0">
+                <a:latin typeface="Times New Roman" panose="02020603050405020304" pitchFamily="18" charset="0"/>
+                <a:cs typeface="Times New Roman" panose="02020603050405020304" pitchFamily="18" charset="0"/>
+              </a:rPr>
+              <a:t> </a:t>
+            </a:r>
+            <a:r>
+              <a:rPr lang="en-US" dirty="0" err="1" smtClean="0">
+                <a:latin typeface="Times New Roman" panose="02020603050405020304" pitchFamily="18" charset="0"/>
+                <a:cs typeface="Times New Roman" panose="02020603050405020304" pitchFamily="18" charset="0"/>
+              </a:rPr>
               <a:t>về</a:t>
             </a:r>
             <a:r>
-              <a:rPr lang="en-US" dirty="0" smtClean="0"/>
+              <a:rPr lang="en-US" dirty="0" smtClean="0">
+                <a:latin typeface="Times New Roman" panose="02020603050405020304" pitchFamily="18" charset="0"/>
+                <a:cs typeface="Times New Roman" panose="02020603050405020304" pitchFamily="18" charset="0"/>
+              </a:rPr>
               <a:t> Python </a:t>
             </a:r>
             <a:r>
-              <a:rPr lang="en-US" dirty="0" err="1" smtClean="0"/>
+              <a:rPr lang="en-US" dirty="0" err="1" smtClean="0">
+                <a:latin typeface="Times New Roman" panose="02020603050405020304" pitchFamily="18" charset="0"/>
+                <a:cs typeface="Times New Roman" panose="02020603050405020304" pitchFamily="18" charset="0"/>
+              </a:rPr>
               <a:t>cho</a:t>
             </a:r>
             <a:r>
-              <a:rPr lang="en-US" dirty="0" smtClean="0"/>
-              <a:t> </a:t>
-            </a:r>
-            <a:r>
-              <a:rPr lang="en-US" dirty="0" err="1" smtClean="0"/>
+              <a:rPr lang="en-US" dirty="0" smtClean="0">
+                <a:latin typeface="Times New Roman" panose="02020603050405020304" pitchFamily="18" charset="0"/>
+                <a:cs typeface="Times New Roman" panose="02020603050405020304" pitchFamily="18" charset="0"/>
+              </a:rPr>
+              <a:t> </a:t>
+            </a:r>
+            <a:r>
+              <a:rPr lang="en-US" dirty="0" err="1" smtClean="0">
+                <a:latin typeface="Times New Roman" panose="02020603050405020304" pitchFamily="18" charset="0"/>
+                <a:cs typeface="Times New Roman" panose="02020603050405020304" pitchFamily="18" charset="0"/>
+              </a:rPr>
               <a:t>người</a:t>
             </a:r>
             <a:r>
-              <a:rPr lang="en-US" dirty="0" smtClean="0"/>
-              <a:t> </a:t>
-            </a:r>
-            <a:r>
-              <a:rPr lang="en-US" dirty="0" err="1" smtClean="0"/>
+              <a:rPr lang="en-US" dirty="0" smtClean="0">
+                <a:latin typeface="Times New Roman" panose="02020603050405020304" pitchFamily="18" charset="0"/>
+                <a:cs typeface="Times New Roman" panose="02020603050405020304" pitchFamily="18" charset="0"/>
+              </a:rPr>
+              <a:t> </a:t>
+            </a:r>
+            <a:r>
+              <a:rPr lang="en-US" dirty="0" err="1" smtClean="0">
+                <a:latin typeface="Times New Roman" panose="02020603050405020304" pitchFamily="18" charset="0"/>
+                <a:cs typeface="Times New Roman" panose="02020603050405020304" pitchFamily="18" charset="0"/>
+              </a:rPr>
               <a:t>mới</a:t>
             </a:r>
             <a:r>
-              <a:rPr lang="en-US" dirty="0" smtClean="0"/>
-              <a:t> </a:t>
-            </a:r>
-            <a:r>
-              <a:rPr lang="en-US" dirty="0" err="1" smtClean="0"/>
+              <a:rPr lang="en-US" dirty="0" smtClean="0">
+                <a:latin typeface="Times New Roman" panose="02020603050405020304" pitchFamily="18" charset="0"/>
+                <a:cs typeface="Times New Roman" panose="02020603050405020304" pitchFamily="18" charset="0"/>
+              </a:rPr>
+              <a:t> </a:t>
+            </a:r>
+            <a:r>
+              <a:rPr lang="en-US" dirty="0" err="1" smtClean="0">
+                <a:latin typeface="Times New Roman" panose="02020603050405020304" pitchFamily="18" charset="0"/>
+                <a:cs typeface="Times New Roman" panose="02020603050405020304" pitchFamily="18" charset="0"/>
+              </a:rPr>
               <a:t>bắt</a:t>
             </a:r>
             <a:r>
-              <a:rPr lang="en-US" dirty="0" smtClean="0"/>
-              <a:t> </a:t>
-            </a:r>
-            <a:r>
-              <a:rPr lang="en-US" dirty="0" err="1" smtClean="0"/>
+              <a:rPr lang="en-US" dirty="0" smtClean="0">
+                <a:latin typeface="Times New Roman" panose="02020603050405020304" pitchFamily="18" charset="0"/>
+                <a:cs typeface="Times New Roman" panose="02020603050405020304" pitchFamily="18" charset="0"/>
+              </a:rPr>
+              <a:t> </a:t>
+            </a:r>
+            <a:r>
+              <a:rPr lang="en-US" dirty="0" err="1" smtClean="0">
+                <a:latin typeface="Times New Roman" panose="02020603050405020304" pitchFamily="18" charset="0"/>
+                <a:cs typeface="Times New Roman" panose="02020603050405020304" pitchFamily="18" charset="0"/>
+              </a:rPr>
               <a:t>đầu</a:t>
             </a:r>
             <a:r>
-              <a:rPr lang="en-US" dirty="0"/>
-              <a:t> </a:t>
-            </a:r>
-            <a:r>
-              <a:rPr lang="en-US" dirty="0" err="1" smtClean="0"/>
+              <a:rPr lang="en-US" dirty="0">
+                <a:latin typeface="Times New Roman" panose="02020603050405020304" pitchFamily="18" charset="0"/>
+                <a:cs typeface="Times New Roman" panose="02020603050405020304" pitchFamily="18" charset="0"/>
+              </a:rPr>
+              <a:t> </a:t>
+            </a:r>
+            <a:r>
+              <a:rPr lang="en-US" dirty="0" err="1" smtClean="0">
+                <a:latin typeface="Times New Roman" panose="02020603050405020304" pitchFamily="18" charset="0"/>
+                <a:cs typeface="Times New Roman" panose="02020603050405020304" pitchFamily="18" charset="0"/>
+              </a:rPr>
               <a:t>học</a:t>
             </a:r>
             <a:r>
-              <a:rPr lang="en-US" dirty="0" smtClean="0"/>
+              <a:rPr lang="en-US" dirty="0" smtClean="0">
+                <a:latin typeface="Times New Roman" panose="02020603050405020304" pitchFamily="18" charset="0"/>
+                <a:cs typeface="Times New Roman" panose="02020603050405020304" pitchFamily="18" charset="0"/>
+              </a:rPr>
               <a:t>.</a:t>
             </a:r>
           </a:p>
           <a:p>
             <a:r>
-              <a:rPr lang="en-US" dirty="0" err="1" smtClean="0"/>
+              <a:rPr lang="en-US" dirty="0" err="1" smtClean="0">
+                <a:latin typeface="Times New Roman" panose="02020603050405020304" pitchFamily="18" charset="0"/>
+                <a:cs typeface="Times New Roman" panose="02020603050405020304" pitchFamily="18" charset="0"/>
+              </a:rPr>
               <a:t>Đối</a:t>
             </a:r>
             <a:r>
-              <a:rPr lang="en-US" dirty="0" smtClean="0"/>
-              <a:t> </a:t>
-            </a:r>
-            <a:r>
-              <a:rPr lang="en-US" dirty="0" err="1" smtClean="0"/>
+              <a:rPr lang="en-US" dirty="0" smtClean="0">
+                <a:latin typeface="Times New Roman" panose="02020603050405020304" pitchFamily="18" charset="0"/>
+                <a:cs typeface="Times New Roman" panose="02020603050405020304" pitchFamily="18" charset="0"/>
+              </a:rPr>
+              <a:t> </a:t>
+            </a:r>
+            <a:r>
+              <a:rPr lang="en-US" dirty="0" err="1" smtClean="0">
+                <a:latin typeface="Times New Roman" panose="02020603050405020304" pitchFamily="18" charset="0"/>
+                <a:cs typeface="Times New Roman" panose="02020603050405020304" pitchFamily="18" charset="0"/>
+              </a:rPr>
               <a:t>tượng</a:t>
             </a:r>
             <a:r>
-              <a:rPr lang="en-US" dirty="0" smtClean="0"/>
-              <a:t> </a:t>
-            </a:r>
-            <a:r>
-              <a:rPr lang="en-US" dirty="0" err="1" smtClean="0"/>
+              <a:rPr lang="en-US" dirty="0" smtClean="0">
+                <a:latin typeface="Times New Roman" panose="02020603050405020304" pitchFamily="18" charset="0"/>
+                <a:cs typeface="Times New Roman" panose="02020603050405020304" pitchFamily="18" charset="0"/>
+              </a:rPr>
+              <a:t> </a:t>
+            </a:r>
+            <a:r>
+              <a:rPr lang="en-US" dirty="0" err="1" smtClean="0">
+                <a:latin typeface="Times New Roman" panose="02020603050405020304" pitchFamily="18" charset="0"/>
+                <a:cs typeface="Times New Roman" panose="02020603050405020304" pitchFamily="18" charset="0"/>
+              </a:rPr>
               <a:t>học</a:t>
             </a:r>
             <a:r>
-              <a:rPr lang="en-US" dirty="0" smtClean="0"/>
-              <a:t> </a:t>
-            </a:r>
-            <a:r>
-              <a:rPr lang="en-US" dirty="0" err="1" smtClean="0"/>
+              <a:rPr lang="en-US" dirty="0" smtClean="0">
+                <a:latin typeface="Times New Roman" panose="02020603050405020304" pitchFamily="18" charset="0"/>
+                <a:cs typeface="Times New Roman" panose="02020603050405020304" pitchFamily="18" charset="0"/>
+              </a:rPr>
+              <a:t> </a:t>
+            </a:r>
+            <a:r>
+              <a:rPr lang="en-US" dirty="0" err="1" smtClean="0">
+                <a:latin typeface="Times New Roman" panose="02020603050405020304" pitchFamily="18" charset="0"/>
+                <a:cs typeface="Times New Roman" panose="02020603050405020304" pitchFamily="18" charset="0"/>
+              </a:rPr>
               <a:t>viên</a:t>
             </a:r>
             <a:r>
-              <a:rPr lang="en-US" dirty="0" smtClean="0"/>
+              <a:rPr lang="en-US" dirty="0" smtClean="0">
+                <a:latin typeface="Times New Roman" panose="02020603050405020304" pitchFamily="18" charset="0"/>
+                <a:cs typeface="Times New Roman" panose="02020603050405020304" pitchFamily="18" charset="0"/>
+              </a:rPr>
               <a:t>: </a:t>
             </a:r>
           </a:p>
           <a:p>
             <a:pPr lvl="1"/>
             <a:r>
-              <a:rPr lang="en-US" dirty="0" err="1" smtClean="0"/>
+              <a:rPr lang="en-US" dirty="0" err="1" smtClean="0">
+                <a:latin typeface="Times New Roman" panose="02020603050405020304" pitchFamily="18" charset="0"/>
+                <a:cs typeface="Times New Roman" panose="02020603050405020304" pitchFamily="18" charset="0"/>
+              </a:rPr>
               <a:t>Người</a:t>
             </a:r>
             <a:r>
-              <a:rPr lang="en-US" dirty="0" smtClean="0"/>
-              <a:t> </a:t>
-            </a:r>
-            <a:r>
-              <a:rPr lang="en-US" dirty="0" err="1" smtClean="0"/>
+              <a:rPr lang="en-US" dirty="0" smtClean="0">
+                <a:latin typeface="Times New Roman" panose="02020603050405020304" pitchFamily="18" charset="0"/>
+                <a:cs typeface="Times New Roman" panose="02020603050405020304" pitchFamily="18" charset="0"/>
+              </a:rPr>
+              <a:t> </a:t>
+            </a:r>
+            <a:r>
+              <a:rPr lang="en-US" dirty="0" err="1" smtClean="0">
+                <a:latin typeface="Times New Roman" panose="02020603050405020304" pitchFamily="18" charset="0"/>
+                <a:cs typeface="Times New Roman" panose="02020603050405020304" pitchFamily="18" charset="0"/>
+              </a:rPr>
               <a:t>mới</a:t>
             </a:r>
             <a:r>
-              <a:rPr lang="en-US" dirty="0" smtClean="0"/>
-              <a:t> </a:t>
-            </a:r>
-            <a:r>
-              <a:rPr lang="en-US" dirty="0" err="1" smtClean="0"/>
+              <a:rPr lang="en-US" dirty="0" smtClean="0">
+                <a:latin typeface="Times New Roman" panose="02020603050405020304" pitchFamily="18" charset="0"/>
+                <a:cs typeface="Times New Roman" panose="02020603050405020304" pitchFamily="18" charset="0"/>
+              </a:rPr>
+              <a:t> </a:t>
+            </a:r>
+            <a:r>
+              <a:rPr lang="en-US" dirty="0" err="1" smtClean="0">
+                <a:latin typeface="Times New Roman" panose="02020603050405020304" pitchFamily="18" charset="0"/>
+                <a:cs typeface="Times New Roman" panose="02020603050405020304" pitchFamily="18" charset="0"/>
+              </a:rPr>
               <a:t>bắt</a:t>
             </a:r>
             <a:r>
-              <a:rPr lang="en-US" dirty="0" smtClean="0"/>
-              <a:t> </a:t>
-            </a:r>
-            <a:r>
-              <a:rPr lang="en-US" dirty="0" err="1" smtClean="0"/>
+              <a:rPr lang="en-US" dirty="0" smtClean="0">
+                <a:latin typeface="Times New Roman" panose="02020603050405020304" pitchFamily="18" charset="0"/>
+                <a:cs typeface="Times New Roman" panose="02020603050405020304" pitchFamily="18" charset="0"/>
+              </a:rPr>
+              <a:t> </a:t>
+            </a:r>
+            <a:r>
+              <a:rPr lang="en-US" dirty="0" err="1" smtClean="0">
+                <a:latin typeface="Times New Roman" panose="02020603050405020304" pitchFamily="18" charset="0"/>
+                <a:cs typeface="Times New Roman" panose="02020603050405020304" pitchFamily="18" charset="0"/>
+              </a:rPr>
               <a:t>đầu</a:t>
             </a:r>
             <a:r>
-              <a:rPr lang="en-US" dirty="0" smtClean="0"/>
-              <a:t> </a:t>
-            </a:r>
-            <a:r>
-              <a:rPr lang="en-US" dirty="0" err="1" smtClean="0"/>
+              <a:rPr lang="en-US" dirty="0" smtClean="0">
+                <a:latin typeface="Times New Roman" panose="02020603050405020304" pitchFamily="18" charset="0"/>
+                <a:cs typeface="Times New Roman" panose="02020603050405020304" pitchFamily="18" charset="0"/>
+              </a:rPr>
+              <a:t> </a:t>
+            </a:r>
+            <a:r>
+              <a:rPr lang="en-US" dirty="0" err="1" smtClean="0">
+                <a:latin typeface="Times New Roman" panose="02020603050405020304" pitchFamily="18" charset="0"/>
+                <a:cs typeface="Times New Roman" panose="02020603050405020304" pitchFamily="18" charset="0"/>
+              </a:rPr>
               <a:t>học</a:t>
             </a:r>
             <a:r>
-              <a:rPr lang="en-US" dirty="0" smtClean="0"/>
-              <a:t> </a:t>
-            </a:r>
-            <a:r>
-              <a:rPr lang="en-US" dirty="0" err="1" smtClean="0"/>
+              <a:rPr lang="en-US" dirty="0" smtClean="0">
+                <a:latin typeface="Times New Roman" panose="02020603050405020304" pitchFamily="18" charset="0"/>
+                <a:cs typeface="Times New Roman" panose="02020603050405020304" pitchFamily="18" charset="0"/>
+              </a:rPr>
+              <a:t> </a:t>
+            </a:r>
+            <a:r>
+              <a:rPr lang="en-US" dirty="0" err="1" smtClean="0">
+                <a:latin typeface="Times New Roman" panose="02020603050405020304" pitchFamily="18" charset="0"/>
+                <a:cs typeface="Times New Roman" panose="02020603050405020304" pitchFamily="18" charset="0"/>
+              </a:rPr>
               <a:t>lập</a:t>
             </a:r>
             <a:r>
-              <a:rPr lang="en-US" dirty="0" smtClean="0"/>
-              <a:t> </a:t>
-            </a:r>
-            <a:r>
-              <a:rPr lang="en-US" dirty="0" err="1" smtClean="0"/>
+              <a:rPr lang="en-US" dirty="0" smtClean="0">
+                <a:latin typeface="Times New Roman" panose="02020603050405020304" pitchFamily="18" charset="0"/>
+                <a:cs typeface="Times New Roman" panose="02020603050405020304" pitchFamily="18" charset="0"/>
+              </a:rPr>
+              <a:t> </a:t>
+            </a:r>
+            <a:r>
+              <a:rPr lang="en-US" dirty="0" err="1" smtClean="0">
+                <a:latin typeface="Times New Roman" panose="02020603050405020304" pitchFamily="18" charset="0"/>
+                <a:cs typeface="Times New Roman" panose="02020603050405020304" pitchFamily="18" charset="0"/>
+              </a:rPr>
               <a:t>trình</a:t>
             </a:r>
-            <a:endParaRPr lang="en-US" dirty="0" smtClean="0"/>
+            <a:endParaRPr lang="en-US" dirty="0" smtClean="0">
+              <a:latin typeface="Times New Roman" panose="02020603050405020304" pitchFamily="18" charset="0"/>
+              <a:cs typeface="Times New Roman" panose="02020603050405020304" pitchFamily="18" charset="0"/>
+            </a:endParaRPr>
           </a:p>
           <a:p>
             <a:pPr lvl="1"/>
             <a:r>
-              <a:rPr lang="en-US" dirty="0" err="1" smtClean="0"/>
+              <a:rPr lang="en-US" dirty="0" err="1" smtClean="0">
+                <a:latin typeface="Times New Roman" panose="02020603050405020304" pitchFamily="18" charset="0"/>
+                <a:cs typeface="Times New Roman" panose="02020603050405020304" pitchFamily="18" charset="0"/>
+              </a:rPr>
               <a:t>Người</a:t>
             </a:r>
             <a:r>
-              <a:rPr lang="en-US" dirty="0" smtClean="0"/>
-              <a:t> </a:t>
-            </a:r>
-            <a:r>
-              <a:rPr lang="en-US" dirty="0" err="1" smtClean="0"/>
+              <a:rPr lang="en-US" dirty="0" smtClean="0">
+                <a:latin typeface="Times New Roman" panose="02020603050405020304" pitchFamily="18" charset="0"/>
+                <a:cs typeface="Times New Roman" panose="02020603050405020304" pitchFamily="18" charset="0"/>
+              </a:rPr>
+              <a:t> </a:t>
+            </a:r>
+            <a:r>
+              <a:rPr lang="en-US" dirty="0" err="1" smtClean="0">
+                <a:latin typeface="Times New Roman" panose="02020603050405020304" pitchFamily="18" charset="0"/>
+                <a:cs typeface="Times New Roman" panose="02020603050405020304" pitchFamily="18" charset="0"/>
+              </a:rPr>
               <a:t>muốn</a:t>
             </a:r>
             <a:r>
-              <a:rPr lang="en-US" dirty="0" smtClean="0"/>
-              <a:t> </a:t>
-            </a:r>
-            <a:r>
-              <a:rPr lang="en-US" dirty="0" err="1" smtClean="0"/>
+              <a:rPr lang="en-US" dirty="0" smtClean="0">
+                <a:latin typeface="Times New Roman" panose="02020603050405020304" pitchFamily="18" charset="0"/>
+                <a:cs typeface="Times New Roman" panose="02020603050405020304" pitchFamily="18" charset="0"/>
+              </a:rPr>
+              <a:t> </a:t>
+            </a:r>
+            <a:r>
+              <a:rPr lang="en-US" dirty="0" err="1" smtClean="0">
+                <a:latin typeface="Times New Roman" panose="02020603050405020304" pitchFamily="18" charset="0"/>
+                <a:cs typeface="Times New Roman" panose="02020603050405020304" pitchFamily="18" charset="0"/>
+              </a:rPr>
               <a:t>tìm</a:t>
             </a:r>
             <a:r>
-              <a:rPr lang="en-US" dirty="0" smtClean="0"/>
-              <a:t> </a:t>
-            </a:r>
-            <a:r>
-              <a:rPr lang="en-US" dirty="0" err="1" smtClean="0"/>
+              <a:rPr lang="en-US" dirty="0" smtClean="0">
+                <a:latin typeface="Times New Roman" panose="02020603050405020304" pitchFamily="18" charset="0"/>
+                <a:cs typeface="Times New Roman" panose="02020603050405020304" pitchFamily="18" charset="0"/>
+              </a:rPr>
+              <a:t> </a:t>
+            </a:r>
+            <a:r>
+              <a:rPr lang="en-US" dirty="0" err="1" smtClean="0">
+                <a:latin typeface="Times New Roman" panose="02020603050405020304" pitchFamily="18" charset="0"/>
+                <a:cs typeface="Times New Roman" panose="02020603050405020304" pitchFamily="18" charset="0"/>
+              </a:rPr>
               <a:t>hiểu</a:t>
             </a:r>
             <a:r>
-              <a:rPr lang="en-US" dirty="0" smtClean="0"/>
-              <a:t> </a:t>
-            </a:r>
-            <a:r>
-              <a:rPr lang="en-US" dirty="0" err="1" smtClean="0"/>
+              <a:rPr lang="en-US" dirty="0" smtClean="0">
+                <a:latin typeface="Times New Roman" panose="02020603050405020304" pitchFamily="18" charset="0"/>
+                <a:cs typeface="Times New Roman" panose="02020603050405020304" pitchFamily="18" charset="0"/>
+              </a:rPr>
+              <a:t> </a:t>
+            </a:r>
+            <a:r>
+              <a:rPr lang="en-US" dirty="0" err="1" smtClean="0">
+                <a:latin typeface="Times New Roman" panose="02020603050405020304" pitchFamily="18" charset="0"/>
+                <a:cs typeface="Times New Roman" panose="02020603050405020304" pitchFamily="18" charset="0"/>
+              </a:rPr>
               <a:t>về</a:t>
             </a:r>
             <a:r>
-              <a:rPr lang="en-US" dirty="0" smtClean="0"/>
+              <a:rPr lang="en-US" dirty="0" smtClean="0">
+                <a:latin typeface="Times New Roman" panose="02020603050405020304" pitchFamily="18" charset="0"/>
+                <a:cs typeface="Times New Roman" panose="02020603050405020304" pitchFamily="18" charset="0"/>
+              </a:rPr>
               <a:t> python </a:t>
             </a:r>
             <a:r>
-              <a:rPr lang="en-US" dirty="0" err="1" smtClean="0"/>
+              <a:rPr lang="en-US" dirty="0" err="1" smtClean="0">
+                <a:latin typeface="Times New Roman" panose="02020603050405020304" pitchFamily="18" charset="0"/>
+                <a:cs typeface="Times New Roman" panose="02020603050405020304" pitchFamily="18" charset="0"/>
+              </a:rPr>
               <a:t>cơ</a:t>
             </a:r>
             <a:r>
-              <a:rPr lang="en-US" dirty="0" smtClean="0"/>
-              <a:t> </a:t>
-            </a:r>
-            <a:r>
-              <a:rPr lang="en-US" dirty="0" err="1" smtClean="0"/>
+              <a:rPr lang="en-US" dirty="0" smtClean="0">
+                <a:latin typeface="Times New Roman" panose="02020603050405020304" pitchFamily="18" charset="0"/>
+                <a:cs typeface="Times New Roman" panose="02020603050405020304" pitchFamily="18" charset="0"/>
+              </a:rPr>
+              <a:t> </a:t>
+            </a:r>
+            <a:r>
+              <a:rPr lang="en-US" dirty="0" err="1" smtClean="0">
+                <a:latin typeface="Times New Roman" panose="02020603050405020304" pitchFamily="18" charset="0"/>
+                <a:cs typeface="Times New Roman" panose="02020603050405020304" pitchFamily="18" charset="0"/>
+              </a:rPr>
               <a:t>bản</a:t>
             </a:r>
-            <a:endParaRPr lang="en-US" dirty="0" smtClean="0"/>
-          </a:p>
-          <a:p>
-            <a:r>
-              <a:rPr lang="en-US" dirty="0" err="1" smtClean="0"/>
+            <a:endParaRPr lang="en-US" dirty="0" smtClean="0">
+              <a:latin typeface="Times New Roman" panose="02020603050405020304" pitchFamily="18" charset="0"/>
+              <a:cs typeface="Times New Roman" panose="02020603050405020304" pitchFamily="18" charset="0"/>
+            </a:endParaRPr>
+          </a:p>
+          <a:p>
+            <a:r>
+              <a:rPr lang="en-US" dirty="0" err="1" smtClean="0">
+                <a:latin typeface="Times New Roman" panose="02020603050405020304" pitchFamily="18" charset="0"/>
+                <a:cs typeface="Times New Roman" panose="02020603050405020304" pitchFamily="18" charset="0"/>
+              </a:rPr>
               <a:t>Yêu</a:t>
             </a:r>
             <a:r>
-              <a:rPr lang="en-US" dirty="0" smtClean="0"/>
-              <a:t> </a:t>
-            </a:r>
-            <a:r>
-              <a:rPr lang="en-US" dirty="0" err="1" smtClean="0"/>
+              <a:rPr lang="en-US" dirty="0" smtClean="0">
+                <a:latin typeface="Times New Roman" panose="02020603050405020304" pitchFamily="18" charset="0"/>
+                <a:cs typeface="Times New Roman" panose="02020603050405020304" pitchFamily="18" charset="0"/>
+              </a:rPr>
+              <a:t> </a:t>
+            </a:r>
+            <a:r>
+              <a:rPr lang="en-US" dirty="0" err="1" smtClean="0">
+                <a:latin typeface="Times New Roman" panose="02020603050405020304" pitchFamily="18" charset="0"/>
+                <a:cs typeface="Times New Roman" panose="02020603050405020304" pitchFamily="18" charset="0"/>
+              </a:rPr>
               <a:t>cầu</a:t>
             </a:r>
             <a:r>
-              <a:rPr lang="en-US" dirty="0" smtClean="0"/>
-              <a:t> </a:t>
-            </a:r>
-            <a:r>
-              <a:rPr lang="en-US" dirty="0" err="1" smtClean="0"/>
+              <a:rPr lang="en-US" dirty="0" smtClean="0">
+                <a:latin typeface="Times New Roman" panose="02020603050405020304" pitchFamily="18" charset="0"/>
+                <a:cs typeface="Times New Roman" panose="02020603050405020304" pitchFamily="18" charset="0"/>
+              </a:rPr>
+              <a:t> </a:t>
+            </a:r>
+            <a:r>
+              <a:rPr lang="en-US" dirty="0" err="1" smtClean="0">
+                <a:latin typeface="Times New Roman" panose="02020603050405020304" pitchFamily="18" charset="0"/>
+                <a:cs typeface="Times New Roman" panose="02020603050405020304" pitchFamily="18" charset="0"/>
+              </a:rPr>
               <a:t>học</a:t>
             </a:r>
             <a:r>
-              <a:rPr lang="en-US" dirty="0" smtClean="0"/>
-              <a:t> </a:t>
-            </a:r>
-            <a:r>
-              <a:rPr lang="en-US" dirty="0" err="1" smtClean="0"/>
+              <a:rPr lang="en-US" dirty="0" smtClean="0">
+                <a:latin typeface="Times New Roman" panose="02020603050405020304" pitchFamily="18" charset="0"/>
+                <a:cs typeface="Times New Roman" panose="02020603050405020304" pitchFamily="18" charset="0"/>
+              </a:rPr>
+              <a:t> </a:t>
+            </a:r>
+            <a:r>
+              <a:rPr lang="en-US" dirty="0" err="1" smtClean="0">
+                <a:latin typeface="Times New Roman" panose="02020603050405020304" pitchFamily="18" charset="0"/>
+                <a:cs typeface="Times New Roman" panose="02020603050405020304" pitchFamily="18" charset="0"/>
+              </a:rPr>
               <a:t>viên</a:t>
             </a:r>
             <a:r>
-              <a:rPr lang="en-US" dirty="0" smtClean="0"/>
+              <a:rPr lang="en-US" dirty="0" smtClean="0">
+                <a:latin typeface="Times New Roman" panose="02020603050405020304" pitchFamily="18" charset="0"/>
+                <a:cs typeface="Times New Roman" panose="02020603050405020304" pitchFamily="18" charset="0"/>
+              </a:rPr>
               <a:t>:</a:t>
             </a:r>
           </a:p>
           <a:p>
             <a:pPr lvl="1"/>
             <a:r>
-              <a:rPr lang="en-US" dirty="0" err="1" smtClean="0"/>
+              <a:rPr lang="en-US" dirty="0" err="1" smtClean="0">
+                <a:latin typeface="Times New Roman" panose="02020603050405020304" pitchFamily="18" charset="0"/>
+                <a:cs typeface="Times New Roman" panose="02020603050405020304" pitchFamily="18" charset="0"/>
+              </a:rPr>
               <a:t>Biết</a:t>
             </a:r>
             <a:r>
-              <a:rPr lang="en-US" dirty="0" smtClean="0"/>
-              <a:t> </a:t>
-            </a:r>
-            <a:r>
-              <a:rPr lang="en-US" dirty="0" err="1" smtClean="0"/>
+              <a:rPr lang="en-US" dirty="0" smtClean="0">
+                <a:latin typeface="Times New Roman" panose="02020603050405020304" pitchFamily="18" charset="0"/>
+                <a:cs typeface="Times New Roman" panose="02020603050405020304" pitchFamily="18" charset="0"/>
+              </a:rPr>
+              <a:t> </a:t>
+            </a:r>
+            <a:r>
+              <a:rPr lang="en-US" dirty="0" err="1" smtClean="0">
+                <a:latin typeface="Times New Roman" panose="02020603050405020304" pitchFamily="18" charset="0"/>
+                <a:cs typeface="Times New Roman" panose="02020603050405020304" pitchFamily="18" charset="0"/>
+              </a:rPr>
               <a:t>soạn</a:t>
             </a:r>
             <a:r>
-              <a:rPr lang="en-US" dirty="0" smtClean="0"/>
-              <a:t> </a:t>
-            </a:r>
-            <a:r>
-              <a:rPr lang="en-US" dirty="0" err="1" smtClean="0"/>
+              <a:rPr lang="en-US" dirty="0" smtClean="0">
+                <a:latin typeface="Times New Roman" panose="02020603050405020304" pitchFamily="18" charset="0"/>
+                <a:cs typeface="Times New Roman" panose="02020603050405020304" pitchFamily="18" charset="0"/>
+              </a:rPr>
+              <a:t> </a:t>
+            </a:r>
+            <a:r>
+              <a:rPr lang="en-US" dirty="0" err="1" smtClean="0">
+                <a:latin typeface="Times New Roman" panose="02020603050405020304" pitchFamily="18" charset="0"/>
+                <a:cs typeface="Times New Roman" panose="02020603050405020304" pitchFamily="18" charset="0"/>
+              </a:rPr>
               <a:t>thảo</a:t>
             </a:r>
             <a:r>
-              <a:rPr lang="en-US" dirty="0" smtClean="0"/>
-              <a:t> </a:t>
-            </a:r>
-            <a:r>
-              <a:rPr lang="en-US" dirty="0" err="1" smtClean="0"/>
+              <a:rPr lang="en-US" dirty="0" smtClean="0">
+                <a:latin typeface="Times New Roman" panose="02020603050405020304" pitchFamily="18" charset="0"/>
+                <a:cs typeface="Times New Roman" panose="02020603050405020304" pitchFamily="18" charset="0"/>
+              </a:rPr>
+              <a:t> </a:t>
+            </a:r>
+            <a:r>
+              <a:rPr lang="en-US" dirty="0" err="1" smtClean="0">
+                <a:latin typeface="Times New Roman" panose="02020603050405020304" pitchFamily="18" charset="0"/>
+                <a:cs typeface="Times New Roman" panose="02020603050405020304" pitchFamily="18" charset="0"/>
+              </a:rPr>
               <a:t>văn</a:t>
             </a:r>
             <a:r>
-              <a:rPr lang="en-US" dirty="0" smtClean="0"/>
-              <a:t> </a:t>
-            </a:r>
-            <a:r>
-              <a:rPr lang="en-US" dirty="0" err="1" smtClean="0"/>
+              <a:rPr lang="en-US" dirty="0" smtClean="0">
+                <a:latin typeface="Times New Roman" panose="02020603050405020304" pitchFamily="18" charset="0"/>
+                <a:cs typeface="Times New Roman" panose="02020603050405020304" pitchFamily="18" charset="0"/>
+              </a:rPr>
+              <a:t> </a:t>
+            </a:r>
+            <a:r>
+              <a:rPr lang="en-US" dirty="0" err="1" smtClean="0">
+                <a:latin typeface="Times New Roman" panose="02020603050405020304" pitchFamily="18" charset="0"/>
+                <a:cs typeface="Times New Roman" panose="02020603050405020304" pitchFamily="18" charset="0"/>
+              </a:rPr>
               <a:t>bản</a:t>
             </a:r>
-            <a:endParaRPr lang="en-US" dirty="0" smtClean="0"/>
+            <a:endParaRPr lang="en-US" dirty="0" smtClean="0">
+              <a:latin typeface="Times New Roman" panose="02020603050405020304" pitchFamily="18" charset="0"/>
+              <a:cs typeface="Times New Roman" panose="02020603050405020304" pitchFamily="18" charset="0"/>
+            </a:endParaRPr>
           </a:p>
           <a:p>
             <a:pPr lvl="1"/>
-            <a:endParaRPr lang="en-US" dirty="0" smtClean="0"/>
+            <a:endParaRPr lang="en-US" dirty="0" smtClean="0">
+              <a:latin typeface="Times New Roman" panose="02020603050405020304" pitchFamily="18" charset="0"/>
+              <a:cs typeface="Times New Roman" panose="02020603050405020304" pitchFamily="18" charset="0"/>
+            </a:endParaRPr>
           </a:p>
         </p:txBody>
       </p:sp>
@@ -5694,42 +7869,72 @@
           <a:lstStyle/>
           <a:p>
             <a:r>
-              <a:rPr lang="en-US" dirty="0" err="1" smtClean="0"/>
+              <a:rPr lang="en-US" dirty="0" err="1" smtClean="0">
+                <a:latin typeface="Times New Roman" panose="02020603050405020304" pitchFamily="18" charset="0"/>
+                <a:cs typeface="Times New Roman" panose="02020603050405020304" pitchFamily="18" charset="0"/>
+              </a:rPr>
               <a:t>Chương</a:t>
             </a:r>
             <a:r>
-              <a:rPr lang="en-US" dirty="0" smtClean="0"/>
-              <a:t> </a:t>
-            </a:r>
-            <a:r>
-              <a:rPr lang="en-US" dirty="0" err="1" smtClean="0"/>
+              <a:rPr lang="en-US" dirty="0" smtClean="0">
+                <a:latin typeface="Times New Roman" panose="02020603050405020304" pitchFamily="18" charset="0"/>
+                <a:cs typeface="Times New Roman" panose="02020603050405020304" pitchFamily="18" charset="0"/>
+              </a:rPr>
+              <a:t> </a:t>
+            </a:r>
+            <a:r>
+              <a:rPr lang="en-US" dirty="0" err="1" smtClean="0">
+                <a:latin typeface="Times New Roman" panose="02020603050405020304" pitchFamily="18" charset="0"/>
+                <a:cs typeface="Times New Roman" panose="02020603050405020304" pitchFamily="18" charset="0"/>
+              </a:rPr>
               <a:t>trình</a:t>
             </a:r>
             <a:r>
-              <a:rPr lang="en-US" dirty="0" smtClean="0"/>
-              <a:t> </a:t>
-            </a:r>
-            <a:r>
-              <a:rPr lang="en-US" dirty="0" err="1" smtClean="0"/>
+              <a:rPr lang="en-US" dirty="0" smtClean="0">
+                <a:latin typeface="Times New Roman" panose="02020603050405020304" pitchFamily="18" charset="0"/>
+                <a:cs typeface="Times New Roman" panose="02020603050405020304" pitchFamily="18" charset="0"/>
+              </a:rPr>
+              <a:t> </a:t>
+            </a:r>
+            <a:r>
+              <a:rPr lang="en-US" dirty="0" err="1" smtClean="0">
+                <a:latin typeface="Times New Roman" panose="02020603050405020304" pitchFamily="18" charset="0"/>
+                <a:cs typeface="Times New Roman" panose="02020603050405020304" pitchFamily="18" charset="0"/>
+              </a:rPr>
               <a:t>học</a:t>
             </a:r>
             <a:r>
-              <a:rPr lang="en-US" dirty="0" smtClean="0"/>
-              <a:t> </a:t>
-            </a:r>
-            <a:r>
-              <a:rPr lang="en-US" dirty="0" err="1" smtClean="0"/>
+              <a:rPr lang="en-US" dirty="0" smtClean="0">
+                <a:latin typeface="Times New Roman" panose="02020603050405020304" pitchFamily="18" charset="0"/>
+                <a:cs typeface="Times New Roman" panose="02020603050405020304" pitchFamily="18" charset="0"/>
+              </a:rPr>
+              <a:t> </a:t>
+            </a:r>
+            <a:r>
+              <a:rPr lang="en-US" dirty="0" err="1" smtClean="0">
+                <a:latin typeface="Times New Roman" panose="02020603050405020304" pitchFamily="18" charset="0"/>
+                <a:cs typeface="Times New Roman" panose="02020603050405020304" pitchFamily="18" charset="0"/>
+              </a:rPr>
               <a:t>dự</a:t>
             </a:r>
             <a:r>
-              <a:rPr lang="en-US" dirty="0" smtClean="0"/>
-              <a:t> </a:t>
-            </a:r>
-            <a:r>
-              <a:rPr lang="en-US" dirty="0" err="1" smtClean="0"/>
+              <a:rPr lang="en-US" dirty="0" smtClean="0">
+                <a:latin typeface="Times New Roman" panose="02020603050405020304" pitchFamily="18" charset="0"/>
+                <a:cs typeface="Times New Roman" panose="02020603050405020304" pitchFamily="18" charset="0"/>
+              </a:rPr>
+              <a:t> </a:t>
+            </a:r>
+            <a:r>
+              <a:rPr lang="en-US" dirty="0" err="1" smtClean="0">
+                <a:latin typeface="Times New Roman" panose="02020603050405020304" pitchFamily="18" charset="0"/>
+                <a:cs typeface="Times New Roman" panose="02020603050405020304" pitchFamily="18" charset="0"/>
+              </a:rPr>
               <a:t>kiến</a:t>
             </a:r>
-            <a:endParaRPr lang="en-US" dirty="0"/>
+            <a:endParaRPr lang="en-US" dirty="0">
+              <a:latin typeface="Times New Roman" panose="02020603050405020304" pitchFamily="18" charset="0"/>
+              <a:cs typeface="Times New Roman" panose="02020603050405020304" pitchFamily="18" charset="0"/>
+            </a:endParaRPr>
           </a:p>
         </p:txBody>
       </p:sp>
@@ -5751,151 +7956,268 @@
           <a:lstStyle/>
           <a:p>
             <a:r>
-              <a:rPr lang="vi-VN" dirty="0"/>
+              <a:rPr lang="vi-VN" dirty="0">
+                <a:latin typeface="Times New Roman" panose="02020603050405020304" pitchFamily="18" charset="0"/>
+                <a:cs typeface="Times New Roman" panose="02020603050405020304" pitchFamily="18" charset="0"/>
+              </a:rPr>
               <a:t>Tiết 01: Giới thiệu ngôn ngữ lập trình Python.	</a:t>
             </a:r>
           </a:p>
           <a:p>
             <a:r>
-              <a:rPr lang="vi-VN" dirty="0"/>
+              <a:rPr lang="vi-VN" dirty="0">
+                <a:latin typeface="Times New Roman" panose="02020603050405020304" pitchFamily="18" charset="0"/>
+                <a:cs typeface="Times New Roman" panose="02020603050405020304" pitchFamily="18" charset="0"/>
+              </a:rPr>
               <a:t>Tiết 02: Biến, hằng và biểu thức trong python.	</a:t>
             </a:r>
           </a:p>
           <a:p>
             <a:r>
-              <a:rPr lang="vi-VN" dirty="0"/>
+              <a:rPr lang="vi-VN" dirty="0">
+                <a:latin typeface="Times New Roman" panose="02020603050405020304" pitchFamily="18" charset="0"/>
+                <a:cs typeface="Times New Roman" panose="02020603050405020304" pitchFamily="18" charset="0"/>
+              </a:rPr>
               <a:t>Tiết 03: Điều khiển luồng</a:t>
             </a:r>
             <a:r>
-              <a:rPr lang="vi-VN" dirty="0" smtClean="0"/>
+              <a:rPr lang="vi-VN" dirty="0" smtClean="0">
+                <a:latin typeface="Times New Roman" panose="02020603050405020304" pitchFamily="18" charset="0"/>
+                <a:cs typeface="Times New Roman" panose="02020603050405020304" pitchFamily="18" charset="0"/>
+              </a:rPr>
               <a:t>.</a:t>
             </a:r>
-            <a:endParaRPr lang="vi-VN" dirty="0"/>
-          </a:p>
-          <a:p>
-            <a:r>
-              <a:rPr lang="vi-VN" dirty="0"/>
+            <a:endParaRPr lang="vi-VN" dirty="0">
+              <a:latin typeface="Times New Roman" panose="02020603050405020304" pitchFamily="18" charset="0"/>
+              <a:cs typeface="Times New Roman" panose="02020603050405020304" pitchFamily="18" charset="0"/>
+            </a:endParaRPr>
+          </a:p>
+          <a:p>
+            <a:r>
+              <a:rPr lang="vi-VN" dirty="0">
+                <a:latin typeface="Times New Roman" panose="02020603050405020304" pitchFamily="18" charset="0"/>
+                <a:cs typeface="Times New Roman" panose="02020603050405020304" pitchFamily="18" charset="0"/>
+              </a:rPr>
               <a:t>Tiết 04: List, Dictionary, Tuple &amp; String</a:t>
             </a:r>
             <a:r>
-              <a:rPr lang="vi-VN" dirty="0" smtClean="0"/>
+              <a:rPr lang="vi-VN" dirty="0" smtClean="0">
+                <a:latin typeface="Times New Roman" panose="02020603050405020304" pitchFamily="18" charset="0"/>
+                <a:cs typeface="Times New Roman" panose="02020603050405020304" pitchFamily="18" charset="0"/>
+              </a:rPr>
               <a:t>.</a:t>
             </a:r>
-            <a:endParaRPr lang="vi-VN" dirty="0"/>
-          </a:p>
-          <a:p>
-            <a:r>
-              <a:rPr lang="vi-VN" dirty="0"/>
+            <a:endParaRPr lang="vi-VN" dirty="0">
+              <a:latin typeface="Times New Roman" panose="02020603050405020304" pitchFamily="18" charset="0"/>
+              <a:cs typeface="Times New Roman" panose="02020603050405020304" pitchFamily="18" charset="0"/>
+            </a:endParaRPr>
+          </a:p>
+          <a:p>
+            <a:r>
+              <a:rPr lang="vi-VN" dirty="0">
+                <a:latin typeface="Times New Roman" panose="02020603050405020304" pitchFamily="18" charset="0"/>
+                <a:cs typeface="Times New Roman" panose="02020603050405020304" pitchFamily="18" charset="0"/>
+              </a:rPr>
               <a:t>Tiết 05: Hàm và module</a:t>
             </a:r>
             <a:r>
-              <a:rPr lang="vi-VN" dirty="0" smtClean="0"/>
+              <a:rPr lang="vi-VN" dirty="0" smtClean="0">
+                <a:latin typeface="Times New Roman" panose="02020603050405020304" pitchFamily="18" charset="0"/>
+                <a:cs typeface="Times New Roman" panose="02020603050405020304" pitchFamily="18" charset="0"/>
+              </a:rPr>
               <a:t>.</a:t>
             </a:r>
-            <a:endParaRPr lang="vi-VN" dirty="0"/>
-          </a:p>
-          <a:p>
-            <a:r>
-              <a:rPr lang="vi-VN" dirty="0"/>
+            <a:endParaRPr lang="vi-VN" dirty="0">
+              <a:latin typeface="Times New Roman" panose="02020603050405020304" pitchFamily="18" charset="0"/>
+              <a:cs typeface="Times New Roman" panose="02020603050405020304" pitchFamily="18" charset="0"/>
+            </a:endParaRPr>
+          </a:p>
+          <a:p>
+            <a:r>
+              <a:rPr lang="vi-VN" dirty="0">
+                <a:latin typeface="Times New Roman" panose="02020603050405020304" pitchFamily="18" charset="0"/>
+                <a:cs typeface="Times New Roman" panose="02020603050405020304" pitchFamily="18" charset="0"/>
+              </a:rPr>
               <a:t>Tiết 06: File I/O</a:t>
             </a:r>
             <a:r>
-              <a:rPr lang="vi-VN" dirty="0" smtClean="0"/>
+              <a:rPr lang="vi-VN" dirty="0" smtClean="0">
+                <a:latin typeface="Times New Roman" panose="02020603050405020304" pitchFamily="18" charset="0"/>
+                <a:cs typeface="Times New Roman" panose="02020603050405020304" pitchFamily="18" charset="0"/>
+              </a:rPr>
               <a:t>.</a:t>
             </a:r>
-            <a:endParaRPr lang="vi-VN" dirty="0"/>
-          </a:p>
-          <a:p>
-            <a:r>
-              <a:rPr lang="vi-VN" dirty="0"/>
+            <a:endParaRPr lang="vi-VN" dirty="0">
+              <a:latin typeface="Times New Roman" panose="02020603050405020304" pitchFamily="18" charset="0"/>
+              <a:cs typeface="Times New Roman" panose="02020603050405020304" pitchFamily="18" charset="0"/>
+            </a:endParaRPr>
+          </a:p>
+          <a:p>
+            <a:r>
+              <a:rPr lang="vi-VN" dirty="0">
+                <a:latin typeface="Times New Roman" panose="02020603050405020304" pitchFamily="18" charset="0"/>
+                <a:cs typeface="Times New Roman" panose="02020603050405020304" pitchFamily="18" charset="0"/>
+              </a:rPr>
               <a:t>Tiết 07: Lập trình hướng đối tượng trong Python</a:t>
             </a:r>
             <a:r>
-              <a:rPr lang="vi-VN" dirty="0" smtClean="0"/>
+              <a:rPr lang="vi-VN" dirty="0" smtClean="0">
+                <a:latin typeface="Times New Roman" panose="02020603050405020304" pitchFamily="18" charset="0"/>
+                <a:cs typeface="Times New Roman" panose="02020603050405020304" pitchFamily="18" charset="0"/>
+              </a:rPr>
               <a:t>.</a:t>
             </a:r>
-            <a:endParaRPr lang="vi-VN" dirty="0"/>
-          </a:p>
-          <a:p>
-            <a:r>
-              <a:rPr lang="vi-VN" dirty="0"/>
+            <a:endParaRPr lang="vi-VN" dirty="0">
+              <a:latin typeface="Times New Roman" panose="02020603050405020304" pitchFamily="18" charset="0"/>
+              <a:cs typeface="Times New Roman" panose="02020603050405020304" pitchFamily="18" charset="0"/>
+            </a:endParaRPr>
+          </a:p>
+          <a:p>
+            <a:r>
+              <a:rPr lang="vi-VN" dirty="0">
+                <a:latin typeface="Times New Roman" panose="02020603050405020304" pitchFamily="18" charset="0"/>
+                <a:cs typeface="Times New Roman" panose="02020603050405020304" pitchFamily="18" charset="0"/>
+              </a:rPr>
               <a:t>Tiết 08: Cơ sở dữ liệu trong Python</a:t>
             </a:r>
             <a:r>
-              <a:rPr lang="vi-VN" dirty="0" smtClean="0"/>
+              <a:rPr lang="vi-VN" dirty="0" smtClean="0">
+                <a:latin typeface="Times New Roman" panose="02020603050405020304" pitchFamily="18" charset="0"/>
+                <a:cs typeface="Times New Roman" panose="02020603050405020304" pitchFamily="18" charset="0"/>
+              </a:rPr>
               <a:t>.</a:t>
             </a:r>
-            <a:endParaRPr lang="vi-VN" dirty="0"/>
-          </a:p>
-          <a:p>
-            <a:r>
-              <a:rPr lang="vi-VN" dirty="0"/>
+            <a:endParaRPr lang="vi-VN" dirty="0">
+              <a:latin typeface="Times New Roman" panose="02020603050405020304" pitchFamily="18" charset="0"/>
+              <a:cs typeface="Times New Roman" panose="02020603050405020304" pitchFamily="18" charset="0"/>
+            </a:endParaRPr>
+          </a:p>
+          <a:p>
+            <a:r>
+              <a:rPr lang="vi-VN" dirty="0">
+                <a:latin typeface="Times New Roman" panose="02020603050405020304" pitchFamily="18" charset="0"/>
+                <a:cs typeface="Times New Roman" panose="02020603050405020304" pitchFamily="18" charset="0"/>
+              </a:rPr>
               <a:t>Tiết 09: Cơ sở dữ liệu trong Python (tiếp</a:t>
             </a:r>
             <a:r>
-              <a:rPr lang="vi-VN" dirty="0" smtClean="0"/>
+              <a:rPr lang="vi-VN" dirty="0" smtClean="0">
+                <a:latin typeface="Times New Roman" panose="02020603050405020304" pitchFamily="18" charset="0"/>
+                <a:cs typeface="Times New Roman" panose="02020603050405020304" pitchFamily="18" charset="0"/>
+              </a:rPr>
               <a:t>).</a:t>
             </a:r>
-            <a:endParaRPr lang="vi-VN" dirty="0"/>
-          </a:p>
-          <a:p>
-            <a:r>
-              <a:rPr lang="vi-VN" dirty="0"/>
+            <a:endParaRPr lang="vi-VN" dirty="0">
+              <a:latin typeface="Times New Roman" panose="02020603050405020304" pitchFamily="18" charset="0"/>
+              <a:cs typeface="Times New Roman" panose="02020603050405020304" pitchFamily="18" charset="0"/>
+            </a:endParaRPr>
+          </a:p>
+          <a:p>
+            <a:r>
+              <a:rPr lang="vi-VN" dirty="0">
+                <a:latin typeface="Times New Roman" panose="02020603050405020304" pitchFamily="18" charset="0"/>
+                <a:cs typeface="Times New Roman" panose="02020603050405020304" pitchFamily="18" charset="0"/>
+              </a:rPr>
               <a:t>Tiết 10: Web service</a:t>
             </a:r>
             <a:r>
-              <a:rPr lang="vi-VN" dirty="0" smtClean="0"/>
+              <a:rPr lang="vi-VN" dirty="0" smtClean="0">
+                <a:latin typeface="Times New Roman" panose="02020603050405020304" pitchFamily="18" charset="0"/>
+                <a:cs typeface="Times New Roman" panose="02020603050405020304" pitchFamily="18" charset="0"/>
+              </a:rPr>
               <a:t>.</a:t>
             </a:r>
-            <a:endParaRPr lang="vi-VN" dirty="0"/>
-          </a:p>
-          <a:p>
-            <a:r>
-              <a:rPr lang="vi-VN" dirty="0"/>
+            <a:endParaRPr lang="vi-VN" dirty="0">
+              <a:latin typeface="Times New Roman" panose="02020603050405020304" pitchFamily="18" charset="0"/>
+              <a:cs typeface="Times New Roman" panose="02020603050405020304" pitchFamily="18" charset="0"/>
+            </a:endParaRPr>
+          </a:p>
+          <a:p>
+            <a:r>
+              <a:rPr lang="vi-VN" dirty="0">
+                <a:latin typeface="Times New Roman" panose="02020603050405020304" pitchFamily="18" charset="0"/>
+                <a:cs typeface="Times New Roman" panose="02020603050405020304" pitchFamily="18" charset="0"/>
+              </a:rPr>
               <a:t>Tiết 11: Web service (tiếp</a:t>
             </a:r>
             <a:r>
-              <a:rPr lang="vi-VN" dirty="0" smtClean="0"/>
+              <a:rPr lang="vi-VN" dirty="0" smtClean="0">
+                <a:latin typeface="Times New Roman" panose="02020603050405020304" pitchFamily="18" charset="0"/>
+                <a:cs typeface="Times New Roman" panose="02020603050405020304" pitchFamily="18" charset="0"/>
+              </a:rPr>
               <a:t>).</a:t>
             </a:r>
-            <a:endParaRPr lang="vi-VN" dirty="0"/>
-          </a:p>
-          <a:p>
-            <a:r>
-              <a:rPr lang="vi-VN" dirty="0"/>
+            <a:endParaRPr lang="vi-VN" dirty="0">
+              <a:latin typeface="Times New Roman" panose="02020603050405020304" pitchFamily="18" charset="0"/>
+              <a:cs typeface="Times New Roman" panose="02020603050405020304" pitchFamily="18" charset="0"/>
+            </a:endParaRPr>
+          </a:p>
+          <a:p>
+            <a:r>
+              <a:rPr lang="vi-VN" dirty="0">
+                <a:latin typeface="Times New Roman" panose="02020603050405020304" pitchFamily="18" charset="0"/>
+                <a:cs typeface="Times New Roman" panose="02020603050405020304" pitchFamily="18" charset="0"/>
+              </a:rPr>
               <a:t>Tiết 12: </a:t>
             </a:r>
             <a:r>
-              <a:rPr lang="vi-VN" dirty="0" smtClean="0"/>
+              <a:rPr lang="vi-VN" dirty="0" smtClean="0">
+                <a:latin typeface="Times New Roman" panose="02020603050405020304" pitchFamily="18" charset="0"/>
+                <a:cs typeface="Times New Roman" panose="02020603050405020304" pitchFamily="18" charset="0"/>
+              </a:rPr>
               <a:t>Thread</a:t>
             </a:r>
             <a:r>
-              <a:rPr lang="en-US" dirty="0"/>
+              <a:rPr lang="en-US" dirty="0">
+                <a:latin typeface="Times New Roman" panose="02020603050405020304" pitchFamily="18" charset="0"/>
+                <a:cs typeface="Times New Roman" panose="02020603050405020304" pitchFamily="18" charset="0"/>
+              </a:rPr>
               <a:t>.</a:t>
             </a:r>
-            <a:endParaRPr lang="vi-VN" dirty="0"/>
-          </a:p>
-          <a:p>
-            <a:r>
-              <a:rPr lang="vi-VN" dirty="0"/>
+            <a:endParaRPr lang="vi-VN" dirty="0">
+              <a:latin typeface="Times New Roman" panose="02020603050405020304" pitchFamily="18" charset="0"/>
+              <a:cs typeface="Times New Roman" panose="02020603050405020304" pitchFamily="18" charset="0"/>
+            </a:endParaRPr>
+          </a:p>
+          <a:p>
+            <a:r>
+              <a:rPr lang="vi-VN" dirty="0">
+                <a:latin typeface="Times New Roman" panose="02020603050405020304" pitchFamily="18" charset="0"/>
+                <a:cs typeface="Times New Roman" panose="02020603050405020304" pitchFamily="18" charset="0"/>
+              </a:rPr>
               <a:t>Tiết 13: Networking</a:t>
             </a:r>
             <a:r>
-              <a:rPr lang="vi-VN" dirty="0" smtClean="0"/>
+              <a:rPr lang="vi-VN" dirty="0" smtClean="0">
+                <a:latin typeface="Times New Roman" panose="02020603050405020304" pitchFamily="18" charset="0"/>
+                <a:cs typeface="Times New Roman" panose="02020603050405020304" pitchFamily="18" charset="0"/>
+              </a:rPr>
               <a:t>.</a:t>
             </a:r>
-            <a:endParaRPr lang="vi-VN" dirty="0"/>
-          </a:p>
-          <a:p>
-            <a:r>
-              <a:rPr lang="vi-VN" dirty="0"/>
+            <a:endParaRPr lang="vi-VN" dirty="0">
+              <a:latin typeface="Times New Roman" panose="02020603050405020304" pitchFamily="18" charset="0"/>
+              <a:cs typeface="Times New Roman" panose="02020603050405020304" pitchFamily="18" charset="0"/>
+            </a:endParaRPr>
+          </a:p>
+          <a:p>
+            <a:r>
+              <a:rPr lang="vi-VN" dirty="0">
+                <a:latin typeface="Times New Roman" panose="02020603050405020304" pitchFamily="18" charset="0"/>
+                <a:cs typeface="Times New Roman" panose="02020603050405020304" pitchFamily="18" charset="0"/>
+              </a:rPr>
               <a:t>Tiết 14: Networking (tiếp</a:t>
             </a:r>
             <a:r>
-              <a:rPr lang="vi-VN" dirty="0" smtClean="0"/>
+              <a:rPr lang="vi-VN" dirty="0" smtClean="0">
+                <a:latin typeface="Times New Roman" panose="02020603050405020304" pitchFamily="18" charset="0"/>
+                <a:cs typeface="Times New Roman" panose="02020603050405020304" pitchFamily="18" charset="0"/>
+              </a:rPr>
               <a:t>).</a:t>
             </a:r>
-            <a:endParaRPr lang="vi-VN" dirty="0"/>
+            <a:endParaRPr lang="vi-VN" dirty="0">
+              <a:latin typeface="Times New Roman" panose="02020603050405020304" pitchFamily="18" charset="0"/>
+              <a:cs typeface="Times New Roman" panose="02020603050405020304" pitchFamily="18" charset="0"/>
+            </a:endParaRPr>
           </a:p>
         </p:txBody>
       </p:sp>
@@ -5932,6 +8254,13 @@
   <p:clrMapOvr>
     <a:masterClrMapping/>
   </p:clrMapOvr>
+  <p:timing>
+    <p:tnLst>
+      <p:par>
+        <p:cTn id="1" dur="indefinite" restart="never" nodeType="tmRoot"/>
+      </p:par>
+    </p:tnLst>
+  </p:timing>
 </p:sld>
 </file>
 
@@ -5968,42 +8297,72 @@
           <a:lstStyle/>
           <a:p>
             <a:r>
-              <a:rPr lang="en-US" dirty="0" err="1" smtClean="0"/>
+              <a:rPr lang="en-US" dirty="0" err="1" smtClean="0">
+                <a:latin typeface="Times New Roman" panose="02020603050405020304" pitchFamily="18" charset="0"/>
+                <a:cs typeface="Times New Roman" panose="02020603050405020304" pitchFamily="18" charset="0"/>
+              </a:rPr>
               <a:t>Kết</a:t>
             </a:r>
             <a:r>
-              <a:rPr lang="en-US" dirty="0" smtClean="0"/>
-              <a:t> </a:t>
-            </a:r>
-            <a:r>
-              <a:rPr lang="en-US" dirty="0" err="1" smtClean="0"/>
+              <a:rPr lang="en-US" dirty="0" smtClean="0">
+                <a:latin typeface="Times New Roman" panose="02020603050405020304" pitchFamily="18" charset="0"/>
+                <a:cs typeface="Times New Roman" panose="02020603050405020304" pitchFamily="18" charset="0"/>
+              </a:rPr>
+              <a:t> </a:t>
+            </a:r>
+            <a:r>
+              <a:rPr lang="en-US" dirty="0" err="1" smtClean="0">
+                <a:latin typeface="Times New Roman" panose="02020603050405020304" pitchFamily="18" charset="0"/>
+                <a:cs typeface="Times New Roman" panose="02020603050405020304" pitchFamily="18" charset="0"/>
+              </a:rPr>
               <a:t>quả</a:t>
             </a:r>
             <a:r>
-              <a:rPr lang="en-US" dirty="0" smtClean="0"/>
-              <a:t> </a:t>
-            </a:r>
-            <a:r>
-              <a:rPr lang="en-US" dirty="0" err="1" smtClean="0"/>
+              <a:rPr lang="en-US" dirty="0" smtClean="0">
+                <a:latin typeface="Times New Roman" panose="02020603050405020304" pitchFamily="18" charset="0"/>
+                <a:cs typeface="Times New Roman" panose="02020603050405020304" pitchFamily="18" charset="0"/>
+              </a:rPr>
+              <a:t> </a:t>
+            </a:r>
+            <a:r>
+              <a:rPr lang="en-US" dirty="0" err="1" smtClean="0">
+                <a:latin typeface="Times New Roman" panose="02020603050405020304" pitchFamily="18" charset="0"/>
+                <a:cs typeface="Times New Roman" panose="02020603050405020304" pitchFamily="18" charset="0"/>
+              </a:rPr>
               <a:t>sau</a:t>
             </a:r>
             <a:r>
-              <a:rPr lang="en-US" dirty="0" smtClean="0"/>
-              <a:t> </a:t>
-            </a:r>
-            <a:r>
-              <a:rPr lang="en-US" dirty="0" err="1" smtClean="0"/>
+              <a:rPr lang="en-US" dirty="0" smtClean="0">
+                <a:latin typeface="Times New Roman" panose="02020603050405020304" pitchFamily="18" charset="0"/>
+                <a:cs typeface="Times New Roman" panose="02020603050405020304" pitchFamily="18" charset="0"/>
+              </a:rPr>
+              <a:t> </a:t>
+            </a:r>
+            <a:r>
+              <a:rPr lang="en-US" dirty="0" err="1" smtClean="0">
+                <a:latin typeface="Times New Roman" panose="02020603050405020304" pitchFamily="18" charset="0"/>
+                <a:cs typeface="Times New Roman" panose="02020603050405020304" pitchFamily="18" charset="0"/>
+              </a:rPr>
               <a:t>khóa</a:t>
             </a:r>
             <a:r>
-              <a:rPr lang="en-US" dirty="0" smtClean="0"/>
-              <a:t> </a:t>
-            </a:r>
-            <a:r>
-              <a:rPr lang="en-US" dirty="0" err="1" smtClean="0"/>
+              <a:rPr lang="en-US" dirty="0" smtClean="0">
+                <a:latin typeface="Times New Roman" panose="02020603050405020304" pitchFamily="18" charset="0"/>
+                <a:cs typeface="Times New Roman" panose="02020603050405020304" pitchFamily="18" charset="0"/>
+              </a:rPr>
+              <a:t> </a:t>
+            </a:r>
+            <a:r>
+              <a:rPr lang="en-US" dirty="0" err="1" smtClean="0">
+                <a:latin typeface="Times New Roman" panose="02020603050405020304" pitchFamily="18" charset="0"/>
+                <a:cs typeface="Times New Roman" panose="02020603050405020304" pitchFamily="18" charset="0"/>
+              </a:rPr>
               <a:t>học</a:t>
             </a:r>
-            <a:endParaRPr lang="en-US" dirty="0"/>
+            <a:endParaRPr lang="en-US" dirty="0">
+              <a:latin typeface="Times New Roman" panose="02020603050405020304" pitchFamily="18" charset="0"/>
+              <a:cs typeface="Times New Roman" panose="02020603050405020304" pitchFamily="18" charset="0"/>
+            </a:endParaRPr>
           </a:p>
         </p:txBody>
       </p:sp>
@@ -6023,108 +8382,180 @@
           <a:lstStyle/>
           <a:p>
             <a:r>
-              <a:rPr lang="en-US" dirty="0" err="1" smtClean="0"/>
+              <a:rPr lang="en-US" dirty="0" err="1" smtClean="0">
+                <a:latin typeface="Times New Roman" panose="02020603050405020304" pitchFamily="18" charset="0"/>
+                <a:cs typeface="Times New Roman" panose="02020603050405020304" pitchFamily="18" charset="0"/>
+              </a:rPr>
               <a:t>Việc</a:t>
             </a:r>
             <a:r>
-              <a:rPr lang="en-US" dirty="0" smtClean="0"/>
-              <a:t> </a:t>
-            </a:r>
-            <a:r>
-              <a:rPr lang="en-US" dirty="0" err="1" smtClean="0"/>
+              <a:rPr lang="en-US" dirty="0" smtClean="0">
+                <a:latin typeface="Times New Roman" panose="02020603050405020304" pitchFamily="18" charset="0"/>
+                <a:cs typeface="Times New Roman" panose="02020603050405020304" pitchFamily="18" charset="0"/>
+              </a:rPr>
+              <a:t> </a:t>
+            </a:r>
+            <a:r>
+              <a:rPr lang="en-US" dirty="0" err="1" smtClean="0">
+                <a:latin typeface="Times New Roman" panose="02020603050405020304" pitchFamily="18" charset="0"/>
+                <a:cs typeface="Times New Roman" panose="02020603050405020304" pitchFamily="18" charset="0"/>
+              </a:rPr>
               <a:t>làm</a:t>
             </a:r>
             <a:r>
-              <a:rPr lang="en-US" dirty="0" smtClean="0"/>
+              <a:rPr lang="en-US" dirty="0" smtClean="0">
+                <a:latin typeface="Times New Roman" panose="02020603050405020304" pitchFamily="18" charset="0"/>
+                <a:cs typeface="Times New Roman" panose="02020603050405020304" pitchFamily="18" charset="0"/>
+              </a:rPr>
               <a:t>?</a:t>
             </a:r>
           </a:p>
           <a:p>
             <a:r>
-              <a:rPr lang="en-US" dirty="0" err="1" smtClean="0"/>
+              <a:rPr lang="en-US" dirty="0" err="1" smtClean="0">
+                <a:latin typeface="Times New Roman" panose="02020603050405020304" pitchFamily="18" charset="0"/>
+                <a:cs typeface="Times New Roman" panose="02020603050405020304" pitchFamily="18" charset="0"/>
+              </a:rPr>
               <a:t>Thực</a:t>
             </a:r>
             <a:r>
-              <a:rPr lang="en-US" dirty="0" smtClean="0"/>
-              <a:t> </a:t>
-            </a:r>
-            <a:r>
-              <a:rPr lang="en-US" dirty="0" err="1" smtClean="0"/>
+              <a:rPr lang="en-US" dirty="0" smtClean="0">
+                <a:latin typeface="Times New Roman" panose="02020603050405020304" pitchFamily="18" charset="0"/>
+                <a:cs typeface="Times New Roman" panose="02020603050405020304" pitchFamily="18" charset="0"/>
+              </a:rPr>
+              <a:t> </a:t>
+            </a:r>
+            <a:r>
+              <a:rPr lang="en-US" dirty="0" err="1" smtClean="0">
+                <a:latin typeface="Times New Roman" panose="02020603050405020304" pitchFamily="18" charset="0"/>
+                <a:cs typeface="Times New Roman" panose="02020603050405020304" pitchFamily="18" charset="0"/>
+              </a:rPr>
               <a:t>tập</a:t>
             </a:r>
             <a:r>
-              <a:rPr lang="en-US" dirty="0" smtClean="0"/>
+              <a:rPr lang="en-US" dirty="0" smtClean="0">
+                <a:latin typeface="Times New Roman" panose="02020603050405020304" pitchFamily="18" charset="0"/>
+                <a:cs typeface="Times New Roman" panose="02020603050405020304" pitchFamily="18" charset="0"/>
+              </a:rPr>
               <a:t>?</a:t>
             </a:r>
           </a:p>
           <a:p>
             <a:r>
-              <a:rPr lang="en-US" dirty="0" err="1" smtClean="0"/>
+              <a:rPr lang="en-US" dirty="0" err="1" smtClean="0">
+                <a:latin typeface="Times New Roman" panose="02020603050405020304" pitchFamily="18" charset="0"/>
+                <a:cs typeface="Times New Roman" panose="02020603050405020304" pitchFamily="18" charset="0"/>
+              </a:rPr>
               <a:t>Đồ</a:t>
             </a:r>
             <a:r>
-              <a:rPr lang="en-US" dirty="0" smtClean="0"/>
-              <a:t> </a:t>
-            </a:r>
-            <a:r>
-              <a:rPr lang="en-US" dirty="0" err="1" smtClean="0"/>
+              <a:rPr lang="en-US" dirty="0" smtClean="0">
+                <a:latin typeface="Times New Roman" panose="02020603050405020304" pitchFamily="18" charset="0"/>
+                <a:cs typeface="Times New Roman" panose="02020603050405020304" pitchFamily="18" charset="0"/>
+              </a:rPr>
+              <a:t> </a:t>
+            </a:r>
+            <a:r>
+              <a:rPr lang="en-US" dirty="0" err="1" smtClean="0">
+                <a:latin typeface="Times New Roman" panose="02020603050405020304" pitchFamily="18" charset="0"/>
+                <a:cs typeface="Times New Roman" panose="02020603050405020304" pitchFamily="18" charset="0"/>
+              </a:rPr>
               <a:t>án</a:t>
             </a:r>
             <a:r>
-              <a:rPr lang="en-US" dirty="0" smtClean="0"/>
+              <a:rPr lang="en-US" dirty="0" smtClean="0">
+                <a:latin typeface="Times New Roman" panose="02020603050405020304" pitchFamily="18" charset="0"/>
+                <a:cs typeface="Times New Roman" panose="02020603050405020304" pitchFamily="18" charset="0"/>
+              </a:rPr>
               <a:t>?</a:t>
             </a:r>
           </a:p>
           <a:p>
             <a:r>
-              <a:rPr lang="en-US" dirty="0" err="1" smtClean="0"/>
+              <a:rPr lang="en-US" dirty="0" err="1" smtClean="0">
+                <a:latin typeface="Times New Roman" panose="02020603050405020304" pitchFamily="18" charset="0"/>
+                <a:cs typeface="Times New Roman" panose="02020603050405020304" pitchFamily="18" charset="0"/>
+              </a:rPr>
               <a:t>Lương</a:t>
             </a:r>
             <a:r>
-              <a:rPr lang="en-US" dirty="0" smtClean="0"/>
-              <a:t> </a:t>
-            </a:r>
-            <a:r>
-              <a:rPr lang="en-US" dirty="0" err="1" smtClean="0"/>
+              <a:rPr lang="en-US" dirty="0" smtClean="0">
+                <a:latin typeface="Times New Roman" panose="02020603050405020304" pitchFamily="18" charset="0"/>
+                <a:cs typeface="Times New Roman" panose="02020603050405020304" pitchFamily="18" charset="0"/>
+              </a:rPr>
+              <a:t> </a:t>
+            </a:r>
+            <a:r>
+              <a:rPr lang="en-US" dirty="0" err="1" smtClean="0">
+                <a:latin typeface="Times New Roman" panose="02020603050405020304" pitchFamily="18" charset="0"/>
+                <a:cs typeface="Times New Roman" panose="02020603050405020304" pitchFamily="18" charset="0"/>
+              </a:rPr>
               <a:t>cao</a:t>
             </a:r>
             <a:r>
-              <a:rPr lang="en-US" dirty="0" smtClean="0"/>
+              <a:rPr lang="en-US" dirty="0" smtClean="0">
+                <a:latin typeface="Times New Roman" panose="02020603050405020304" pitchFamily="18" charset="0"/>
+                <a:cs typeface="Times New Roman" panose="02020603050405020304" pitchFamily="18" charset="0"/>
+              </a:rPr>
               <a:t>?</a:t>
             </a:r>
           </a:p>
           <a:p>
             <a:r>
-              <a:rPr lang="en-US" dirty="0" err="1" smtClean="0"/>
+              <a:rPr lang="en-US" dirty="0" err="1" smtClean="0">
+                <a:latin typeface="Times New Roman" panose="02020603050405020304" pitchFamily="18" charset="0"/>
+                <a:cs typeface="Times New Roman" panose="02020603050405020304" pitchFamily="18" charset="0"/>
+              </a:rPr>
               <a:t>Học</a:t>
             </a:r>
             <a:r>
-              <a:rPr lang="en-US" dirty="0" smtClean="0"/>
-              <a:t> </a:t>
-            </a:r>
-            <a:r>
-              <a:rPr lang="en-US" dirty="0" err="1" smtClean="0"/>
+              <a:rPr lang="en-US" dirty="0" smtClean="0">
+                <a:latin typeface="Times New Roman" panose="02020603050405020304" pitchFamily="18" charset="0"/>
+                <a:cs typeface="Times New Roman" panose="02020603050405020304" pitchFamily="18" charset="0"/>
+              </a:rPr>
+              <a:t> </a:t>
+            </a:r>
+            <a:r>
+              <a:rPr lang="en-US" dirty="0" err="1" smtClean="0">
+                <a:latin typeface="Times New Roman" panose="02020603050405020304" pitchFamily="18" charset="0"/>
+                <a:cs typeface="Times New Roman" panose="02020603050405020304" pitchFamily="18" charset="0"/>
+              </a:rPr>
               <a:t>bổng</a:t>
             </a:r>
             <a:r>
-              <a:rPr lang="en-US" dirty="0" smtClean="0"/>
+              <a:rPr lang="en-US" dirty="0" smtClean="0">
+                <a:latin typeface="Times New Roman" panose="02020603050405020304" pitchFamily="18" charset="0"/>
+                <a:cs typeface="Times New Roman" panose="02020603050405020304" pitchFamily="18" charset="0"/>
+              </a:rPr>
               <a:t> &amp; Du </a:t>
             </a:r>
             <a:r>
-              <a:rPr lang="en-US" dirty="0" err="1" smtClean="0"/>
+              <a:rPr lang="en-US" dirty="0" err="1" smtClean="0">
+                <a:latin typeface="Times New Roman" panose="02020603050405020304" pitchFamily="18" charset="0"/>
+                <a:cs typeface="Times New Roman" panose="02020603050405020304" pitchFamily="18" charset="0"/>
+              </a:rPr>
               <a:t>học</a:t>
             </a:r>
             <a:r>
-              <a:rPr lang="en-US" dirty="0" smtClean="0"/>
+              <a:rPr lang="en-US" dirty="0" smtClean="0">
+                <a:latin typeface="Times New Roman" panose="02020603050405020304" pitchFamily="18" charset="0"/>
+                <a:cs typeface="Times New Roman" panose="02020603050405020304" pitchFamily="18" charset="0"/>
+              </a:rPr>
               <a:t>?</a:t>
             </a:r>
           </a:p>
           <a:p>
-            <a:endParaRPr lang="en-US" dirty="0" smtClean="0"/>
+            <a:endParaRPr lang="en-US" dirty="0" smtClean="0">
+              <a:latin typeface="Times New Roman" panose="02020603050405020304" pitchFamily="18" charset="0"/>
+              <a:cs typeface="Times New Roman" panose="02020603050405020304" pitchFamily="18" charset="0"/>
+            </a:endParaRPr>
           </a:p>
           <a:p>
             <a:pPr lvl="1"/>
-            <a:endParaRPr lang="en-US" dirty="0"/>
+            <a:endParaRPr lang="en-US" dirty="0">
+              <a:latin typeface="Times New Roman" panose="02020603050405020304" pitchFamily="18" charset="0"/>
+              <a:cs typeface="Times New Roman" panose="02020603050405020304" pitchFamily="18" charset="0"/>
+            </a:endParaRPr>
           </a:p>
         </p:txBody>
       </p:sp>
@@ -6161,6 +8592,13 @@
   <p:clrMapOvr>
     <a:masterClrMapping/>
   </p:clrMapOvr>
+  <p:timing>
+    <p:tnLst>
+      <p:par>
+        <p:cTn id="1" dur="indefinite" restart="never" nodeType="tmRoot"/>
+      </p:par>
+    </p:tnLst>
+  </p:timing>
 </p:sld>
 </file>
 
@@ -6197,34 +8635,58 @@
           <a:lstStyle/>
           <a:p>
             <a:r>
-              <a:rPr lang="en-US" dirty="0" err="1" smtClean="0"/>
+              <a:rPr lang="en-US" dirty="0" err="1" smtClean="0">
+                <a:latin typeface="Times New Roman" panose="02020603050405020304" pitchFamily="18" charset="0"/>
+                <a:cs typeface="Times New Roman" panose="02020603050405020304" pitchFamily="18" charset="0"/>
+              </a:rPr>
               <a:t>Vận</a:t>
             </a:r>
             <a:r>
-              <a:rPr lang="en-US" dirty="0" smtClean="0"/>
-              <a:t> </a:t>
-            </a:r>
-            <a:r>
-              <a:rPr lang="en-US" dirty="0" err="1" smtClean="0"/>
+              <a:rPr lang="en-US" dirty="0" smtClean="0">
+                <a:latin typeface="Times New Roman" panose="02020603050405020304" pitchFamily="18" charset="0"/>
+                <a:cs typeface="Times New Roman" panose="02020603050405020304" pitchFamily="18" charset="0"/>
+              </a:rPr>
+              <a:t> </a:t>
+            </a:r>
+            <a:r>
+              <a:rPr lang="en-US" dirty="0" err="1" smtClean="0">
+                <a:latin typeface="Times New Roman" panose="02020603050405020304" pitchFamily="18" charset="0"/>
+                <a:cs typeface="Times New Roman" panose="02020603050405020304" pitchFamily="18" charset="0"/>
+              </a:rPr>
               <a:t>hành</a:t>
             </a:r>
             <a:r>
-              <a:rPr lang="en-US" dirty="0" smtClean="0"/>
-              <a:t> </a:t>
-            </a:r>
-            <a:r>
-              <a:rPr lang="en-US" dirty="0" err="1" smtClean="0"/>
+              <a:rPr lang="en-US" dirty="0" smtClean="0">
+                <a:latin typeface="Times New Roman" panose="02020603050405020304" pitchFamily="18" charset="0"/>
+                <a:cs typeface="Times New Roman" panose="02020603050405020304" pitchFamily="18" charset="0"/>
+              </a:rPr>
+              <a:t> </a:t>
+            </a:r>
+            <a:r>
+              <a:rPr lang="en-US" dirty="0" err="1" smtClean="0">
+                <a:latin typeface="Times New Roman" panose="02020603050405020304" pitchFamily="18" charset="0"/>
+                <a:cs typeface="Times New Roman" panose="02020603050405020304" pitchFamily="18" charset="0"/>
+              </a:rPr>
               <a:t>lớp</a:t>
             </a:r>
             <a:r>
-              <a:rPr lang="en-US" dirty="0" smtClean="0"/>
-              <a:t> </a:t>
-            </a:r>
-            <a:r>
-              <a:rPr lang="en-US" dirty="0" err="1" smtClean="0"/>
+              <a:rPr lang="en-US" dirty="0" smtClean="0">
+                <a:latin typeface="Times New Roman" panose="02020603050405020304" pitchFamily="18" charset="0"/>
+                <a:cs typeface="Times New Roman" panose="02020603050405020304" pitchFamily="18" charset="0"/>
+              </a:rPr>
+              <a:t> </a:t>
+            </a:r>
+            <a:r>
+              <a:rPr lang="en-US" dirty="0" err="1" smtClean="0">
+                <a:latin typeface="Times New Roman" panose="02020603050405020304" pitchFamily="18" charset="0"/>
+                <a:cs typeface="Times New Roman" panose="02020603050405020304" pitchFamily="18" charset="0"/>
+              </a:rPr>
               <a:t>học</a:t>
             </a:r>
-            <a:endParaRPr lang="en-US" dirty="0"/>
+            <a:endParaRPr lang="en-US" dirty="0">
+              <a:latin typeface="Times New Roman" panose="02020603050405020304" pitchFamily="18" charset="0"/>
+              <a:cs typeface="Times New Roman" panose="02020603050405020304" pitchFamily="18" charset="0"/>
+            </a:endParaRPr>
           </a:p>
         </p:txBody>
       </p:sp>
@@ -6244,204 +8706,353 @@
           <a:lstStyle/>
           <a:p>
             <a:r>
-              <a:rPr lang="en-US" dirty="0" err="1" smtClean="0"/>
+              <a:rPr lang="en-US" dirty="0" err="1" smtClean="0">
+                <a:latin typeface="Times New Roman" panose="02020603050405020304" pitchFamily="18" charset="0"/>
+                <a:cs typeface="Times New Roman" panose="02020603050405020304" pitchFamily="18" charset="0"/>
+              </a:rPr>
               <a:t>Sử</a:t>
             </a:r>
             <a:r>
-              <a:rPr lang="en-US" dirty="0" smtClean="0"/>
-              <a:t> </a:t>
-            </a:r>
-            <a:r>
-              <a:rPr lang="en-US" dirty="0" err="1" smtClean="0"/>
+              <a:rPr lang="en-US" dirty="0" smtClean="0">
+                <a:latin typeface="Times New Roman" panose="02020603050405020304" pitchFamily="18" charset="0"/>
+                <a:cs typeface="Times New Roman" panose="02020603050405020304" pitchFamily="18" charset="0"/>
+              </a:rPr>
+              <a:t> </a:t>
+            </a:r>
+            <a:r>
+              <a:rPr lang="en-US" dirty="0" err="1" smtClean="0">
+                <a:latin typeface="Times New Roman" panose="02020603050405020304" pitchFamily="18" charset="0"/>
+                <a:cs typeface="Times New Roman" panose="02020603050405020304" pitchFamily="18" charset="0"/>
+              </a:rPr>
               <a:t>dụng</a:t>
             </a:r>
             <a:r>
-              <a:rPr lang="en-US" dirty="0" smtClean="0"/>
-              <a:t> </a:t>
-            </a:r>
-            <a:r>
-              <a:rPr lang="en-US" dirty="0" err="1" smtClean="0"/>
+              <a:rPr lang="en-US" dirty="0" smtClean="0">
+                <a:latin typeface="Times New Roman" panose="02020603050405020304" pitchFamily="18" charset="0"/>
+                <a:cs typeface="Times New Roman" panose="02020603050405020304" pitchFamily="18" charset="0"/>
+              </a:rPr>
+              <a:t> </a:t>
+            </a:r>
+            <a:r>
+              <a:rPr lang="en-US" dirty="0" err="1" smtClean="0">
+                <a:latin typeface="Times New Roman" panose="02020603050405020304" pitchFamily="18" charset="0"/>
+                <a:cs typeface="Times New Roman" panose="02020603050405020304" pitchFamily="18" charset="0"/>
+              </a:rPr>
               <a:t>github</a:t>
             </a:r>
             <a:r>
-              <a:rPr lang="en-US" dirty="0" smtClean="0"/>
-              <a:t> </a:t>
-            </a:r>
-            <a:r>
-              <a:rPr lang="en-US" dirty="0" err="1" smtClean="0"/>
+              <a:rPr lang="en-US" dirty="0" smtClean="0">
+                <a:latin typeface="Times New Roman" panose="02020603050405020304" pitchFamily="18" charset="0"/>
+                <a:cs typeface="Times New Roman" panose="02020603050405020304" pitchFamily="18" charset="0"/>
+              </a:rPr>
+              <a:t> </a:t>
+            </a:r>
+            <a:r>
+              <a:rPr lang="en-US" dirty="0" err="1" smtClean="0">
+                <a:latin typeface="Times New Roman" panose="02020603050405020304" pitchFamily="18" charset="0"/>
+                <a:cs typeface="Times New Roman" panose="02020603050405020304" pitchFamily="18" charset="0"/>
+              </a:rPr>
               <a:t>để</a:t>
             </a:r>
             <a:r>
-              <a:rPr lang="en-US" dirty="0" smtClean="0"/>
-              <a:t> </a:t>
-            </a:r>
-            <a:r>
-              <a:rPr lang="en-US" dirty="0" err="1" smtClean="0"/>
+              <a:rPr lang="en-US" dirty="0" smtClean="0">
+                <a:latin typeface="Times New Roman" panose="02020603050405020304" pitchFamily="18" charset="0"/>
+                <a:cs typeface="Times New Roman" panose="02020603050405020304" pitchFamily="18" charset="0"/>
+              </a:rPr>
+              <a:t> </a:t>
+            </a:r>
+            <a:r>
+              <a:rPr lang="en-US" dirty="0" err="1" smtClean="0">
+                <a:latin typeface="Times New Roman" panose="02020603050405020304" pitchFamily="18" charset="0"/>
+                <a:cs typeface="Times New Roman" panose="02020603050405020304" pitchFamily="18" charset="0"/>
+              </a:rPr>
               <a:t>lấy</a:t>
             </a:r>
             <a:r>
-              <a:rPr lang="en-US" dirty="0" smtClean="0"/>
-              <a:t> </a:t>
-            </a:r>
-            <a:r>
-              <a:rPr lang="en-US" dirty="0" err="1" smtClean="0"/>
+              <a:rPr lang="en-US" dirty="0" smtClean="0">
+                <a:latin typeface="Times New Roman" panose="02020603050405020304" pitchFamily="18" charset="0"/>
+                <a:cs typeface="Times New Roman" panose="02020603050405020304" pitchFamily="18" charset="0"/>
+              </a:rPr>
+              <a:t> </a:t>
+            </a:r>
+            <a:r>
+              <a:rPr lang="en-US" dirty="0" err="1" smtClean="0">
+                <a:latin typeface="Times New Roman" panose="02020603050405020304" pitchFamily="18" charset="0"/>
+                <a:cs typeface="Times New Roman" panose="02020603050405020304" pitchFamily="18" charset="0"/>
+              </a:rPr>
               <a:t>tài</a:t>
             </a:r>
             <a:r>
-              <a:rPr lang="en-US" dirty="0" smtClean="0"/>
-              <a:t> </a:t>
-            </a:r>
-            <a:r>
-              <a:rPr lang="en-US" dirty="0" err="1" smtClean="0"/>
+              <a:rPr lang="en-US" dirty="0" smtClean="0">
+                <a:latin typeface="Times New Roman" panose="02020603050405020304" pitchFamily="18" charset="0"/>
+                <a:cs typeface="Times New Roman" panose="02020603050405020304" pitchFamily="18" charset="0"/>
+              </a:rPr>
+              <a:t> </a:t>
+            </a:r>
+            <a:r>
+              <a:rPr lang="en-US" dirty="0" err="1" smtClean="0">
+                <a:latin typeface="Times New Roman" panose="02020603050405020304" pitchFamily="18" charset="0"/>
+                <a:cs typeface="Times New Roman" panose="02020603050405020304" pitchFamily="18" charset="0"/>
+              </a:rPr>
               <a:t>liệu</a:t>
             </a:r>
             <a:r>
-              <a:rPr lang="en-US" dirty="0" smtClean="0"/>
-              <a:t> </a:t>
-            </a:r>
-            <a:r>
-              <a:rPr lang="en-US" dirty="0" err="1" smtClean="0"/>
+              <a:rPr lang="en-US" dirty="0" smtClean="0">
+                <a:latin typeface="Times New Roman" panose="02020603050405020304" pitchFamily="18" charset="0"/>
+                <a:cs typeface="Times New Roman" panose="02020603050405020304" pitchFamily="18" charset="0"/>
+              </a:rPr>
+              <a:t> </a:t>
+            </a:r>
+            <a:r>
+              <a:rPr lang="en-US" dirty="0" err="1" smtClean="0">
+                <a:latin typeface="Times New Roman" panose="02020603050405020304" pitchFamily="18" charset="0"/>
+                <a:cs typeface="Times New Roman" panose="02020603050405020304" pitchFamily="18" charset="0"/>
+              </a:rPr>
               <a:t>và</a:t>
             </a:r>
             <a:r>
-              <a:rPr lang="en-US" dirty="0" smtClean="0"/>
-              <a:t> </a:t>
-            </a:r>
-            <a:r>
-              <a:rPr lang="en-US" dirty="0" err="1" smtClean="0"/>
+              <a:rPr lang="en-US" dirty="0" smtClean="0">
+                <a:latin typeface="Times New Roman" panose="02020603050405020304" pitchFamily="18" charset="0"/>
+                <a:cs typeface="Times New Roman" panose="02020603050405020304" pitchFamily="18" charset="0"/>
+              </a:rPr>
+              <a:t> </a:t>
+            </a:r>
+            <a:r>
+              <a:rPr lang="en-US" dirty="0" err="1" smtClean="0">
+                <a:latin typeface="Times New Roman" panose="02020603050405020304" pitchFamily="18" charset="0"/>
+                <a:cs typeface="Times New Roman" panose="02020603050405020304" pitchFamily="18" charset="0"/>
+              </a:rPr>
               <a:t>nộp</a:t>
             </a:r>
             <a:r>
-              <a:rPr lang="en-US" dirty="0" smtClean="0"/>
-              <a:t> </a:t>
-            </a:r>
-            <a:r>
-              <a:rPr lang="en-US" dirty="0" err="1" smtClean="0"/>
+              <a:rPr lang="en-US" dirty="0" smtClean="0">
+                <a:latin typeface="Times New Roman" panose="02020603050405020304" pitchFamily="18" charset="0"/>
+                <a:cs typeface="Times New Roman" panose="02020603050405020304" pitchFamily="18" charset="0"/>
+              </a:rPr>
+              <a:t> </a:t>
+            </a:r>
+            <a:r>
+              <a:rPr lang="en-US" dirty="0" err="1" smtClean="0">
+                <a:latin typeface="Times New Roman" panose="02020603050405020304" pitchFamily="18" charset="0"/>
+                <a:cs typeface="Times New Roman" panose="02020603050405020304" pitchFamily="18" charset="0"/>
+              </a:rPr>
               <a:t>bài</a:t>
             </a:r>
             <a:r>
-              <a:rPr lang="en-US" dirty="0" smtClean="0"/>
-              <a:t> </a:t>
-            </a:r>
-            <a:r>
-              <a:rPr lang="en-US" dirty="0" err="1" smtClean="0"/>
+              <a:rPr lang="en-US" dirty="0" smtClean="0">
+                <a:latin typeface="Times New Roman" panose="02020603050405020304" pitchFamily="18" charset="0"/>
+                <a:cs typeface="Times New Roman" panose="02020603050405020304" pitchFamily="18" charset="0"/>
+              </a:rPr>
+              <a:t> </a:t>
+            </a:r>
+            <a:r>
+              <a:rPr lang="en-US" dirty="0" err="1" smtClean="0">
+                <a:latin typeface="Times New Roman" panose="02020603050405020304" pitchFamily="18" charset="0"/>
+                <a:cs typeface="Times New Roman" panose="02020603050405020304" pitchFamily="18" charset="0"/>
+              </a:rPr>
               <a:t>tập</a:t>
             </a:r>
-            <a:endParaRPr lang="en-US" dirty="0" smtClean="0"/>
-          </a:p>
-          <a:p>
-            <a:r>
-              <a:rPr lang="en-US" dirty="0" err="1" smtClean="0"/>
+            <a:endParaRPr lang="en-US" dirty="0" smtClean="0">
+              <a:latin typeface="Times New Roman" panose="02020603050405020304" pitchFamily="18" charset="0"/>
+              <a:cs typeface="Times New Roman" panose="02020603050405020304" pitchFamily="18" charset="0"/>
+            </a:endParaRPr>
+          </a:p>
+          <a:p>
+            <a:r>
+              <a:rPr lang="en-US" dirty="0" err="1" smtClean="0">
+                <a:latin typeface="Times New Roman" panose="02020603050405020304" pitchFamily="18" charset="0"/>
+                <a:cs typeface="Times New Roman" panose="02020603050405020304" pitchFamily="18" charset="0"/>
+              </a:rPr>
               <a:t>Các</a:t>
             </a:r>
             <a:r>
-              <a:rPr lang="en-US" dirty="0" smtClean="0"/>
-              <a:t> </a:t>
-            </a:r>
-            <a:r>
-              <a:rPr lang="en-US" dirty="0" err="1" smtClean="0"/>
+              <a:rPr lang="en-US" dirty="0" smtClean="0">
+                <a:latin typeface="Times New Roman" panose="02020603050405020304" pitchFamily="18" charset="0"/>
+                <a:cs typeface="Times New Roman" panose="02020603050405020304" pitchFamily="18" charset="0"/>
+              </a:rPr>
+              <a:t> </a:t>
+            </a:r>
+            <a:r>
+              <a:rPr lang="en-US" dirty="0" err="1" smtClean="0">
+                <a:latin typeface="Times New Roman" panose="02020603050405020304" pitchFamily="18" charset="0"/>
+                <a:cs typeface="Times New Roman" panose="02020603050405020304" pitchFamily="18" charset="0"/>
+              </a:rPr>
               <a:t>thông</a:t>
             </a:r>
             <a:r>
-              <a:rPr lang="en-US" dirty="0" smtClean="0"/>
-              <a:t> </a:t>
-            </a:r>
-            <a:r>
-              <a:rPr lang="en-US" dirty="0" err="1" smtClean="0"/>
+              <a:rPr lang="en-US" dirty="0" smtClean="0">
+                <a:latin typeface="Times New Roman" panose="02020603050405020304" pitchFamily="18" charset="0"/>
+                <a:cs typeface="Times New Roman" panose="02020603050405020304" pitchFamily="18" charset="0"/>
+              </a:rPr>
+              <a:t> </a:t>
+            </a:r>
+            <a:r>
+              <a:rPr lang="en-US" dirty="0" err="1" smtClean="0">
+                <a:latin typeface="Times New Roman" panose="02020603050405020304" pitchFamily="18" charset="0"/>
+                <a:cs typeface="Times New Roman" panose="02020603050405020304" pitchFamily="18" charset="0"/>
+              </a:rPr>
               <a:t>báo</a:t>
             </a:r>
             <a:r>
-              <a:rPr lang="en-US" dirty="0" smtClean="0"/>
-              <a:t> </a:t>
-            </a:r>
-            <a:r>
-              <a:rPr lang="en-US" dirty="0" err="1" smtClean="0"/>
+              <a:rPr lang="en-US" dirty="0" smtClean="0">
+                <a:latin typeface="Times New Roman" panose="02020603050405020304" pitchFamily="18" charset="0"/>
+                <a:cs typeface="Times New Roman" panose="02020603050405020304" pitchFamily="18" charset="0"/>
+              </a:rPr>
+              <a:t> </a:t>
+            </a:r>
+            <a:r>
+              <a:rPr lang="en-US" dirty="0" err="1" smtClean="0">
+                <a:latin typeface="Times New Roman" panose="02020603050405020304" pitchFamily="18" charset="0"/>
+                <a:cs typeface="Times New Roman" panose="02020603050405020304" pitchFamily="18" charset="0"/>
+              </a:rPr>
               <a:t>của</a:t>
             </a:r>
             <a:r>
-              <a:rPr lang="en-US" dirty="0" smtClean="0"/>
-              <a:t> </a:t>
-            </a:r>
-            <a:r>
-              <a:rPr lang="en-US" dirty="0" err="1" smtClean="0"/>
+              <a:rPr lang="en-US" dirty="0" smtClean="0">
+                <a:latin typeface="Times New Roman" panose="02020603050405020304" pitchFamily="18" charset="0"/>
+                <a:cs typeface="Times New Roman" panose="02020603050405020304" pitchFamily="18" charset="0"/>
+              </a:rPr>
+              <a:t> </a:t>
+            </a:r>
+            <a:r>
+              <a:rPr lang="en-US" dirty="0" err="1" smtClean="0">
+                <a:latin typeface="Times New Roman" panose="02020603050405020304" pitchFamily="18" charset="0"/>
+                <a:cs typeface="Times New Roman" panose="02020603050405020304" pitchFamily="18" charset="0"/>
+              </a:rPr>
               <a:t>lớp</a:t>
             </a:r>
             <a:r>
-              <a:rPr lang="en-US" dirty="0" smtClean="0"/>
-              <a:t> </a:t>
-            </a:r>
-            <a:r>
-              <a:rPr lang="en-US" dirty="0" err="1" smtClean="0"/>
+              <a:rPr lang="en-US" dirty="0" smtClean="0">
+                <a:latin typeface="Times New Roman" panose="02020603050405020304" pitchFamily="18" charset="0"/>
+                <a:cs typeface="Times New Roman" panose="02020603050405020304" pitchFamily="18" charset="0"/>
+              </a:rPr>
+              <a:t> </a:t>
+            </a:r>
+            <a:r>
+              <a:rPr lang="en-US" dirty="0" err="1" smtClean="0">
+                <a:latin typeface="Times New Roman" panose="02020603050405020304" pitchFamily="18" charset="0"/>
+                <a:cs typeface="Times New Roman" panose="02020603050405020304" pitchFamily="18" charset="0"/>
+              </a:rPr>
               <a:t>sẽ</a:t>
             </a:r>
             <a:r>
-              <a:rPr lang="en-US" dirty="0" smtClean="0"/>
-              <a:t> </a:t>
-            </a:r>
-            <a:r>
-              <a:rPr lang="en-US" dirty="0" err="1" smtClean="0"/>
+              <a:rPr lang="en-US" dirty="0" smtClean="0">
+                <a:latin typeface="Times New Roman" panose="02020603050405020304" pitchFamily="18" charset="0"/>
+                <a:cs typeface="Times New Roman" panose="02020603050405020304" pitchFamily="18" charset="0"/>
+              </a:rPr>
+              <a:t> </a:t>
+            </a:r>
+            <a:r>
+              <a:rPr lang="en-US" dirty="0" err="1" smtClean="0">
+                <a:latin typeface="Times New Roman" panose="02020603050405020304" pitchFamily="18" charset="0"/>
+                <a:cs typeface="Times New Roman" panose="02020603050405020304" pitchFamily="18" charset="0"/>
+              </a:rPr>
               <a:t>được</a:t>
             </a:r>
             <a:r>
-              <a:rPr lang="en-US" dirty="0" smtClean="0"/>
-              <a:t> </a:t>
-            </a:r>
-            <a:r>
-              <a:rPr lang="en-US" dirty="0" err="1" smtClean="0"/>
+              <a:rPr lang="en-US" dirty="0" smtClean="0">
+                <a:latin typeface="Times New Roman" panose="02020603050405020304" pitchFamily="18" charset="0"/>
+                <a:cs typeface="Times New Roman" panose="02020603050405020304" pitchFamily="18" charset="0"/>
+              </a:rPr>
+              <a:t> </a:t>
+            </a:r>
+            <a:r>
+              <a:rPr lang="en-US" dirty="0" err="1" smtClean="0">
+                <a:latin typeface="Times New Roman" panose="02020603050405020304" pitchFamily="18" charset="0"/>
+                <a:cs typeface="Times New Roman" panose="02020603050405020304" pitchFamily="18" charset="0"/>
+              </a:rPr>
               <a:t>báo</a:t>
             </a:r>
             <a:r>
-              <a:rPr lang="en-US" dirty="0" smtClean="0"/>
-              <a:t> </a:t>
-            </a:r>
-            <a:r>
-              <a:rPr lang="en-US" dirty="0" err="1" smtClean="0"/>
+              <a:rPr lang="en-US" dirty="0" smtClean="0">
+                <a:latin typeface="Times New Roman" panose="02020603050405020304" pitchFamily="18" charset="0"/>
+                <a:cs typeface="Times New Roman" panose="02020603050405020304" pitchFamily="18" charset="0"/>
+              </a:rPr>
+              <a:t> </a:t>
+            </a:r>
+            <a:r>
+              <a:rPr lang="en-US" dirty="0" err="1" smtClean="0">
+                <a:latin typeface="Times New Roman" panose="02020603050405020304" pitchFamily="18" charset="0"/>
+                <a:cs typeface="Times New Roman" panose="02020603050405020304" pitchFamily="18" charset="0"/>
+              </a:rPr>
               <a:t>thông</a:t>
             </a:r>
             <a:r>
-              <a:rPr lang="en-US" dirty="0" smtClean="0"/>
+              <a:rPr lang="en-US" dirty="0" smtClean="0">
+                <a:latin typeface="Times New Roman" panose="02020603050405020304" pitchFamily="18" charset="0"/>
+                <a:cs typeface="Times New Roman" panose="02020603050405020304" pitchFamily="18" charset="0"/>
+              </a:rPr>
               <a:t> qua fb/groups/</a:t>
             </a:r>
             <a:r>
-              <a:rPr lang="en-US" dirty="0" err="1" smtClean="0"/>
+              <a:rPr lang="en-US" dirty="0" err="1" smtClean="0">
+                <a:latin typeface="Times New Roman" panose="02020603050405020304" pitchFamily="18" charset="0"/>
+                <a:cs typeface="Times New Roman" panose="02020603050405020304" pitchFamily="18" charset="0"/>
+              </a:rPr>
               <a:t>pythonvn</a:t>
             </a:r>
-            <a:endParaRPr lang="en-US" dirty="0" smtClean="0"/>
-          </a:p>
-          <a:p>
-            <a:r>
-              <a:rPr lang="en-US" dirty="0" err="1" smtClean="0"/>
+            <a:endParaRPr lang="en-US" dirty="0" smtClean="0">
+              <a:latin typeface="Times New Roman" panose="02020603050405020304" pitchFamily="18" charset="0"/>
+              <a:cs typeface="Times New Roman" panose="02020603050405020304" pitchFamily="18" charset="0"/>
+            </a:endParaRPr>
+          </a:p>
+          <a:p>
+            <a:r>
+              <a:rPr lang="en-US" dirty="0" err="1" smtClean="0">
+                <a:latin typeface="Times New Roman" panose="02020603050405020304" pitchFamily="18" charset="0"/>
+                <a:cs typeface="Times New Roman" panose="02020603050405020304" pitchFamily="18" charset="0"/>
+              </a:rPr>
               <a:t>Thời</a:t>
             </a:r>
             <a:r>
-              <a:rPr lang="en-US" dirty="0" smtClean="0"/>
-              <a:t> </a:t>
-            </a:r>
-            <a:r>
-              <a:rPr lang="en-US" dirty="0" err="1" smtClean="0"/>
+              <a:rPr lang="en-US" dirty="0" smtClean="0">
+                <a:latin typeface="Times New Roman" panose="02020603050405020304" pitchFamily="18" charset="0"/>
+                <a:cs typeface="Times New Roman" panose="02020603050405020304" pitchFamily="18" charset="0"/>
+              </a:rPr>
+              <a:t> </a:t>
+            </a:r>
+            <a:r>
+              <a:rPr lang="en-US" dirty="0" err="1" smtClean="0">
+                <a:latin typeface="Times New Roman" panose="02020603050405020304" pitchFamily="18" charset="0"/>
+                <a:cs typeface="Times New Roman" panose="02020603050405020304" pitchFamily="18" charset="0"/>
+              </a:rPr>
               <a:t>gian</a:t>
             </a:r>
             <a:r>
-              <a:rPr lang="en-US" dirty="0" smtClean="0"/>
-              <a:t> </a:t>
-            </a:r>
-            <a:r>
-              <a:rPr lang="en-US" dirty="0" err="1" smtClean="0"/>
+              <a:rPr lang="en-US" dirty="0" smtClean="0">
+                <a:latin typeface="Times New Roman" panose="02020603050405020304" pitchFamily="18" charset="0"/>
+                <a:cs typeface="Times New Roman" panose="02020603050405020304" pitchFamily="18" charset="0"/>
+              </a:rPr>
+              <a:t> </a:t>
+            </a:r>
+            <a:r>
+              <a:rPr lang="en-US" dirty="0" err="1" smtClean="0">
+                <a:latin typeface="Times New Roman" panose="02020603050405020304" pitchFamily="18" charset="0"/>
+                <a:cs typeface="Times New Roman" panose="02020603050405020304" pitchFamily="18" charset="0"/>
+              </a:rPr>
               <a:t>học</a:t>
             </a:r>
             <a:r>
-              <a:rPr lang="en-US" dirty="0" smtClean="0"/>
+              <a:rPr lang="en-US" dirty="0" smtClean="0">
+                <a:latin typeface="Times New Roman" panose="02020603050405020304" pitchFamily="18" charset="0"/>
+                <a:cs typeface="Times New Roman" panose="02020603050405020304" pitchFamily="18" charset="0"/>
+              </a:rPr>
               <a:t>: 6h30-8h30 </a:t>
             </a:r>
             <a:r>
-              <a:rPr lang="en-US" dirty="0" err="1" smtClean="0"/>
+              <a:rPr lang="en-US" dirty="0" err="1" smtClean="0">
+                <a:latin typeface="Times New Roman" panose="02020603050405020304" pitchFamily="18" charset="0"/>
+                <a:cs typeface="Times New Roman" panose="02020603050405020304" pitchFamily="18" charset="0"/>
+              </a:rPr>
               <a:t>thứ</a:t>
             </a:r>
             <a:r>
-              <a:rPr lang="en-US" smtClean="0"/>
+              <a:rPr lang="en-US" dirty="0" smtClean="0">
+                <a:latin typeface="Times New Roman" panose="02020603050405020304" pitchFamily="18" charset="0"/>
+                <a:cs typeface="Times New Roman" panose="02020603050405020304" pitchFamily="18" charset="0"/>
+              </a:rPr>
               <a:t> 4 &amp; 6</a:t>
             </a:r>
-            <a:endParaRPr lang="en-US" dirty="0" smtClean="0"/>
           </a:p>
         </p:txBody>
       </p:sp>
@@ -6478,6 +9089,13 @@
   <p:clrMapOvr>
     <a:masterClrMapping/>
   </p:clrMapOvr>
+  <p:timing>
+    <p:tnLst>
+      <p:par>
+        <p:cTn id="1" dur="indefinite" restart="never" nodeType="tmRoot"/>
+      </p:par>
+    </p:tnLst>
+  </p:timing>
 </p:sld>
 </file>
 
@@ -6514,34 +9132,58 @@
           <a:lstStyle/>
           <a:p>
             <a:r>
-              <a:rPr lang="en-US" dirty="0" err="1" smtClean="0"/>
+              <a:rPr lang="en-US" dirty="0" err="1" smtClean="0">
+                <a:latin typeface="Times New Roman" panose="02020603050405020304" pitchFamily="18" charset="0"/>
+                <a:cs typeface="Times New Roman" panose="02020603050405020304" pitchFamily="18" charset="0"/>
+              </a:rPr>
               <a:t>Chương</a:t>
             </a:r>
             <a:r>
-              <a:rPr lang="en-US" dirty="0" smtClean="0"/>
-              <a:t> </a:t>
-            </a:r>
-            <a:r>
-              <a:rPr lang="en-US" dirty="0" err="1" smtClean="0"/>
+              <a:rPr lang="en-US" dirty="0" smtClean="0">
+                <a:latin typeface="Times New Roman" panose="02020603050405020304" pitchFamily="18" charset="0"/>
+                <a:cs typeface="Times New Roman" panose="02020603050405020304" pitchFamily="18" charset="0"/>
+              </a:rPr>
+              <a:t> </a:t>
+            </a:r>
+            <a:r>
+              <a:rPr lang="en-US" dirty="0" err="1" smtClean="0">
+                <a:latin typeface="Times New Roman" panose="02020603050405020304" pitchFamily="18" charset="0"/>
+                <a:cs typeface="Times New Roman" panose="02020603050405020304" pitchFamily="18" charset="0"/>
+              </a:rPr>
               <a:t>trình</a:t>
             </a:r>
             <a:r>
-              <a:rPr lang="en-US" dirty="0" smtClean="0"/>
-              <a:t> </a:t>
-            </a:r>
-            <a:r>
-              <a:rPr lang="en-US" dirty="0" err="1" smtClean="0"/>
+              <a:rPr lang="en-US" dirty="0" smtClean="0">
+                <a:latin typeface="Times New Roman" panose="02020603050405020304" pitchFamily="18" charset="0"/>
+                <a:cs typeface="Times New Roman" panose="02020603050405020304" pitchFamily="18" charset="0"/>
+              </a:rPr>
+              <a:t> </a:t>
+            </a:r>
+            <a:r>
+              <a:rPr lang="en-US" dirty="0" err="1" smtClean="0">
+                <a:latin typeface="Times New Roman" panose="02020603050405020304" pitchFamily="18" charset="0"/>
+                <a:cs typeface="Times New Roman" panose="02020603050405020304" pitchFamily="18" charset="0"/>
+              </a:rPr>
               <a:t>máy</a:t>
             </a:r>
             <a:r>
-              <a:rPr lang="en-US" dirty="0" smtClean="0"/>
-              <a:t> </a:t>
-            </a:r>
-            <a:r>
-              <a:rPr lang="en-US" dirty="0" err="1" smtClean="0"/>
+              <a:rPr lang="en-US" dirty="0" smtClean="0">
+                <a:latin typeface="Times New Roman" panose="02020603050405020304" pitchFamily="18" charset="0"/>
+                <a:cs typeface="Times New Roman" panose="02020603050405020304" pitchFamily="18" charset="0"/>
+              </a:rPr>
+              <a:t> </a:t>
+            </a:r>
+            <a:r>
+              <a:rPr lang="en-US" dirty="0" err="1" smtClean="0">
+                <a:latin typeface="Times New Roman" panose="02020603050405020304" pitchFamily="18" charset="0"/>
+                <a:cs typeface="Times New Roman" panose="02020603050405020304" pitchFamily="18" charset="0"/>
+              </a:rPr>
               <a:t>tính</a:t>
             </a:r>
-            <a:endParaRPr lang="en-US" dirty="0"/>
+            <a:endParaRPr lang="en-US" dirty="0">
+              <a:latin typeface="Times New Roman" panose="02020603050405020304" pitchFamily="18" charset="0"/>
+              <a:cs typeface="Times New Roman" panose="02020603050405020304" pitchFamily="18" charset="0"/>
+            </a:endParaRPr>
           </a:p>
         </p:txBody>
       </p:sp>
@@ -6557,352 +9199,575 @@
         </p:nvSpPr>
         <p:spPr/>
         <p:txBody>
-          <a:bodyPr/>
+          <a:bodyPr>
+            <a:normAutofit/>
+          </a:bodyPr>
           <a:lstStyle/>
           <a:p>
             <a:r>
-              <a:rPr lang="en-US" dirty="0" err="1" smtClean="0"/>
+              <a:rPr lang="en-US" dirty="0" err="1" smtClean="0">
+                <a:latin typeface="Times New Roman" panose="02020603050405020304" pitchFamily="18" charset="0"/>
+                <a:cs typeface="Times New Roman" panose="02020603050405020304" pitchFamily="18" charset="0"/>
+              </a:rPr>
               <a:t>Vai</a:t>
             </a:r>
             <a:r>
-              <a:rPr lang="en-US" dirty="0" smtClean="0"/>
-              <a:t> </a:t>
-            </a:r>
-            <a:r>
-              <a:rPr lang="en-US" dirty="0" err="1" smtClean="0"/>
+              <a:rPr lang="en-US" dirty="0" smtClean="0">
+                <a:latin typeface="Times New Roman" panose="02020603050405020304" pitchFamily="18" charset="0"/>
+                <a:cs typeface="Times New Roman" panose="02020603050405020304" pitchFamily="18" charset="0"/>
+              </a:rPr>
+              <a:t> </a:t>
+            </a:r>
+            <a:r>
+              <a:rPr lang="en-US" dirty="0" err="1" smtClean="0">
+                <a:latin typeface="Times New Roman" panose="02020603050405020304" pitchFamily="18" charset="0"/>
+                <a:cs typeface="Times New Roman" panose="02020603050405020304" pitchFamily="18" charset="0"/>
+              </a:rPr>
               <a:t>trò</a:t>
             </a:r>
             <a:r>
-              <a:rPr lang="en-US" dirty="0" smtClean="0"/>
-              <a:t> </a:t>
-            </a:r>
-            <a:r>
-              <a:rPr lang="en-US" dirty="0" err="1" smtClean="0"/>
+              <a:rPr lang="en-US" dirty="0" smtClean="0">
+                <a:latin typeface="Times New Roman" panose="02020603050405020304" pitchFamily="18" charset="0"/>
+                <a:cs typeface="Times New Roman" panose="02020603050405020304" pitchFamily="18" charset="0"/>
+              </a:rPr>
+              <a:t> </a:t>
+            </a:r>
+            <a:r>
+              <a:rPr lang="en-US" dirty="0" err="1" smtClean="0">
+                <a:latin typeface="Times New Roman" panose="02020603050405020304" pitchFamily="18" charset="0"/>
+                <a:cs typeface="Times New Roman" panose="02020603050405020304" pitchFamily="18" charset="0"/>
+              </a:rPr>
               <a:t>và</a:t>
             </a:r>
             <a:r>
-              <a:rPr lang="en-US" dirty="0" smtClean="0"/>
-              <a:t> </a:t>
-            </a:r>
-            <a:r>
-              <a:rPr lang="en-US" dirty="0" err="1" smtClean="0"/>
+              <a:rPr lang="en-US" dirty="0" smtClean="0">
+                <a:latin typeface="Times New Roman" panose="02020603050405020304" pitchFamily="18" charset="0"/>
+                <a:cs typeface="Times New Roman" panose="02020603050405020304" pitchFamily="18" charset="0"/>
+              </a:rPr>
+              <a:t> </a:t>
+            </a:r>
+            <a:r>
+              <a:rPr lang="en-US" dirty="0" err="1" smtClean="0">
+                <a:latin typeface="Times New Roman" panose="02020603050405020304" pitchFamily="18" charset="0"/>
+                <a:cs typeface="Times New Roman" panose="02020603050405020304" pitchFamily="18" charset="0"/>
+              </a:rPr>
               <a:t>các</a:t>
             </a:r>
             <a:r>
-              <a:rPr lang="en-US" dirty="0" smtClean="0"/>
-              <a:t> </a:t>
-            </a:r>
-            <a:r>
-              <a:rPr lang="en-US" dirty="0" err="1" smtClean="0"/>
+              <a:rPr lang="en-US" dirty="0" smtClean="0">
+                <a:latin typeface="Times New Roman" panose="02020603050405020304" pitchFamily="18" charset="0"/>
+                <a:cs typeface="Times New Roman" panose="02020603050405020304" pitchFamily="18" charset="0"/>
+              </a:rPr>
+              <a:t> </a:t>
+            </a:r>
+            <a:r>
+              <a:rPr lang="en-US" dirty="0" err="1" smtClean="0">
+                <a:latin typeface="Times New Roman" panose="02020603050405020304" pitchFamily="18" charset="0"/>
+                <a:cs typeface="Times New Roman" panose="02020603050405020304" pitchFamily="18" charset="0"/>
+              </a:rPr>
               <a:t>dạng</a:t>
             </a:r>
             <a:r>
-              <a:rPr lang="en-US" dirty="0" smtClean="0"/>
-              <a:t> </a:t>
-            </a:r>
-            <a:r>
-              <a:rPr lang="en-US" dirty="0" err="1" smtClean="0"/>
+              <a:rPr lang="en-US" dirty="0" smtClean="0">
+                <a:latin typeface="Times New Roman" panose="02020603050405020304" pitchFamily="18" charset="0"/>
+                <a:cs typeface="Times New Roman" panose="02020603050405020304" pitchFamily="18" charset="0"/>
+              </a:rPr>
+              <a:t> </a:t>
+            </a:r>
+            <a:r>
+              <a:rPr lang="en-US" dirty="0" err="1" smtClean="0">
+                <a:latin typeface="Times New Roman" panose="02020603050405020304" pitchFamily="18" charset="0"/>
+                <a:cs typeface="Times New Roman" panose="02020603050405020304" pitchFamily="18" charset="0"/>
+              </a:rPr>
               <a:t>máy</a:t>
             </a:r>
             <a:r>
-              <a:rPr lang="en-US" dirty="0" smtClean="0"/>
-              <a:t> </a:t>
-            </a:r>
-            <a:r>
-              <a:rPr lang="en-US" dirty="0" err="1" smtClean="0"/>
+              <a:rPr lang="en-US" dirty="0" smtClean="0">
+                <a:latin typeface="Times New Roman" panose="02020603050405020304" pitchFamily="18" charset="0"/>
+                <a:cs typeface="Times New Roman" panose="02020603050405020304" pitchFamily="18" charset="0"/>
+              </a:rPr>
+              <a:t> </a:t>
+            </a:r>
+            <a:r>
+              <a:rPr lang="en-US" dirty="0" err="1" smtClean="0">
+                <a:latin typeface="Times New Roman" panose="02020603050405020304" pitchFamily="18" charset="0"/>
+                <a:cs typeface="Times New Roman" panose="02020603050405020304" pitchFamily="18" charset="0"/>
+              </a:rPr>
               <a:t>tính</a:t>
             </a:r>
             <a:r>
-              <a:rPr lang="en-US" dirty="0" smtClean="0"/>
-              <a:t> </a:t>
-            </a:r>
-            <a:r>
-              <a:rPr lang="en-US" dirty="0" err="1" smtClean="0"/>
+              <a:rPr lang="en-US" dirty="0" smtClean="0">
+                <a:latin typeface="Times New Roman" panose="02020603050405020304" pitchFamily="18" charset="0"/>
+                <a:cs typeface="Times New Roman" panose="02020603050405020304" pitchFamily="18" charset="0"/>
+              </a:rPr>
+              <a:t> </a:t>
+            </a:r>
+            <a:r>
+              <a:rPr lang="en-US" dirty="0" err="1" smtClean="0">
+                <a:latin typeface="Times New Roman" panose="02020603050405020304" pitchFamily="18" charset="0"/>
+                <a:cs typeface="Times New Roman" panose="02020603050405020304" pitchFamily="18" charset="0"/>
+              </a:rPr>
               <a:t>trong</a:t>
             </a:r>
             <a:r>
-              <a:rPr lang="en-US" dirty="0" smtClean="0"/>
-              <a:t> </a:t>
-            </a:r>
-            <a:r>
-              <a:rPr lang="en-US" dirty="0" err="1" smtClean="0"/>
+              <a:rPr lang="en-US" dirty="0" smtClean="0">
+                <a:latin typeface="Times New Roman" panose="02020603050405020304" pitchFamily="18" charset="0"/>
+                <a:cs typeface="Times New Roman" panose="02020603050405020304" pitchFamily="18" charset="0"/>
+              </a:rPr>
+              <a:t> </a:t>
+            </a:r>
+            <a:r>
+              <a:rPr lang="en-US" dirty="0" err="1" smtClean="0">
+                <a:latin typeface="Times New Roman" panose="02020603050405020304" pitchFamily="18" charset="0"/>
+                <a:cs typeface="Times New Roman" panose="02020603050405020304" pitchFamily="18" charset="0"/>
+              </a:rPr>
               <a:t>đời</a:t>
             </a:r>
             <a:r>
-              <a:rPr lang="en-US" dirty="0" smtClean="0"/>
-              <a:t> </a:t>
-            </a:r>
-            <a:r>
-              <a:rPr lang="en-US" dirty="0" err="1" smtClean="0"/>
+              <a:rPr lang="en-US" dirty="0" smtClean="0">
+                <a:latin typeface="Times New Roman" panose="02020603050405020304" pitchFamily="18" charset="0"/>
+                <a:cs typeface="Times New Roman" panose="02020603050405020304" pitchFamily="18" charset="0"/>
+              </a:rPr>
+              <a:t> </a:t>
+            </a:r>
+            <a:r>
+              <a:rPr lang="en-US" dirty="0" err="1" smtClean="0">
+                <a:latin typeface="Times New Roman" panose="02020603050405020304" pitchFamily="18" charset="0"/>
+                <a:cs typeface="Times New Roman" panose="02020603050405020304" pitchFamily="18" charset="0"/>
+              </a:rPr>
               <a:t>sống</a:t>
             </a:r>
-            <a:endParaRPr lang="en-US" dirty="0" smtClean="0"/>
-          </a:p>
-          <a:p>
-            <a:r>
-              <a:rPr lang="en-US" dirty="0" err="1" smtClean="0"/>
+            <a:endParaRPr lang="en-US" dirty="0" smtClean="0">
+              <a:latin typeface="Times New Roman" panose="02020603050405020304" pitchFamily="18" charset="0"/>
+              <a:cs typeface="Times New Roman" panose="02020603050405020304" pitchFamily="18" charset="0"/>
+            </a:endParaRPr>
+          </a:p>
+          <a:p>
+            <a:r>
+              <a:rPr lang="en-US" dirty="0" err="1" smtClean="0">
+                <a:latin typeface="Times New Roman" panose="02020603050405020304" pitchFamily="18" charset="0"/>
+                <a:cs typeface="Times New Roman" panose="02020603050405020304" pitchFamily="18" charset="0"/>
+              </a:rPr>
               <a:t>Chương</a:t>
             </a:r>
             <a:r>
-              <a:rPr lang="en-US" dirty="0" smtClean="0"/>
-              <a:t> </a:t>
-            </a:r>
-            <a:r>
-              <a:rPr lang="en-US" dirty="0" err="1" smtClean="0"/>
+              <a:rPr lang="en-US" dirty="0" smtClean="0">
+                <a:latin typeface="Times New Roman" panose="02020603050405020304" pitchFamily="18" charset="0"/>
+                <a:cs typeface="Times New Roman" panose="02020603050405020304" pitchFamily="18" charset="0"/>
+              </a:rPr>
+              <a:t> </a:t>
+            </a:r>
+            <a:r>
+              <a:rPr lang="en-US" dirty="0" err="1" smtClean="0">
+                <a:latin typeface="Times New Roman" panose="02020603050405020304" pitchFamily="18" charset="0"/>
+                <a:cs typeface="Times New Roman" panose="02020603050405020304" pitchFamily="18" charset="0"/>
+              </a:rPr>
               <a:t>trình</a:t>
             </a:r>
             <a:r>
-              <a:rPr lang="en-US" dirty="0" smtClean="0"/>
-              <a:t> </a:t>
-            </a:r>
-            <a:r>
-              <a:rPr lang="en-US" dirty="0" err="1" smtClean="0"/>
+              <a:rPr lang="en-US" dirty="0" smtClean="0">
+                <a:latin typeface="Times New Roman" panose="02020603050405020304" pitchFamily="18" charset="0"/>
+                <a:cs typeface="Times New Roman" panose="02020603050405020304" pitchFamily="18" charset="0"/>
+              </a:rPr>
+              <a:t> </a:t>
+            </a:r>
+            <a:r>
+              <a:rPr lang="en-US" dirty="0" err="1" smtClean="0">
+                <a:latin typeface="Times New Roman" panose="02020603050405020304" pitchFamily="18" charset="0"/>
+                <a:cs typeface="Times New Roman" panose="02020603050405020304" pitchFamily="18" charset="0"/>
+              </a:rPr>
               <a:t>máy</a:t>
             </a:r>
             <a:r>
-              <a:rPr lang="en-US" dirty="0" smtClean="0"/>
-              <a:t> </a:t>
-            </a:r>
-            <a:r>
-              <a:rPr lang="en-US" dirty="0" err="1" smtClean="0"/>
+              <a:rPr lang="en-US" dirty="0" smtClean="0">
+                <a:latin typeface="Times New Roman" panose="02020603050405020304" pitchFamily="18" charset="0"/>
+                <a:cs typeface="Times New Roman" panose="02020603050405020304" pitchFamily="18" charset="0"/>
+              </a:rPr>
+              <a:t> </a:t>
+            </a:r>
+            <a:r>
+              <a:rPr lang="en-US" dirty="0" err="1" smtClean="0">
+                <a:latin typeface="Times New Roman" panose="02020603050405020304" pitchFamily="18" charset="0"/>
+                <a:cs typeface="Times New Roman" panose="02020603050405020304" pitchFamily="18" charset="0"/>
+              </a:rPr>
               <a:t>tính</a:t>
             </a:r>
-            <a:endParaRPr lang="en-US" dirty="0" smtClean="0"/>
-          </a:p>
-          <a:p>
-            <a:r>
-              <a:rPr lang="en-US" dirty="0" err="1" smtClean="0"/>
+            <a:r>
+              <a:rPr lang="en-US" dirty="0" smtClean="0">
+                <a:latin typeface="Times New Roman" panose="02020603050405020304" pitchFamily="18" charset="0"/>
+                <a:cs typeface="Times New Roman" panose="02020603050405020304" pitchFamily="18" charset="0"/>
+              </a:rPr>
+              <a:t>/</a:t>
+            </a:r>
+            <a:r>
+              <a:rPr lang="en-US" dirty="0" err="1" smtClean="0">
+                <a:latin typeface="Times New Roman" panose="02020603050405020304" pitchFamily="18" charset="0"/>
+                <a:cs typeface="Times New Roman" panose="02020603050405020304" pitchFamily="18" charset="0"/>
+              </a:rPr>
+              <a:t>lập</a:t>
+            </a:r>
+            <a:r>
+              <a:rPr lang="en-US" dirty="0" smtClean="0">
+                <a:latin typeface="Times New Roman" panose="02020603050405020304" pitchFamily="18" charset="0"/>
+                <a:cs typeface="Times New Roman" panose="02020603050405020304" pitchFamily="18" charset="0"/>
+              </a:rPr>
+              <a:t> </a:t>
+            </a:r>
+            <a:r>
+              <a:rPr lang="en-US" dirty="0" err="1" smtClean="0">
+                <a:latin typeface="Times New Roman" panose="02020603050405020304" pitchFamily="18" charset="0"/>
+                <a:cs typeface="Times New Roman" panose="02020603050405020304" pitchFamily="18" charset="0"/>
+              </a:rPr>
+              <a:t>trình</a:t>
+            </a:r>
+            <a:endParaRPr lang="en-US" dirty="0" smtClean="0">
+              <a:latin typeface="Times New Roman" panose="02020603050405020304" pitchFamily="18" charset="0"/>
+              <a:cs typeface="Times New Roman" panose="02020603050405020304" pitchFamily="18" charset="0"/>
+            </a:endParaRPr>
+          </a:p>
+          <a:p>
+            <a:pPr lvl="1"/>
+            <a:r>
+              <a:rPr lang="en-US" dirty="0" err="1" smtClean="0">
+                <a:latin typeface="Times New Roman" panose="02020603050405020304" pitchFamily="18" charset="0"/>
+                <a:cs typeface="Times New Roman" panose="02020603050405020304" pitchFamily="18" charset="0"/>
+              </a:rPr>
+              <a:t>Ngôn</a:t>
+            </a:r>
+            <a:r>
+              <a:rPr lang="en-US" dirty="0" smtClean="0">
+                <a:latin typeface="Times New Roman" panose="02020603050405020304" pitchFamily="18" charset="0"/>
+                <a:cs typeface="Times New Roman" panose="02020603050405020304" pitchFamily="18" charset="0"/>
+              </a:rPr>
+              <a:t> </a:t>
+            </a:r>
+            <a:r>
+              <a:rPr lang="en-US" dirty="0" err="1" smtClean="0">
+                <a:latin typeface="Times New Roman" panose="02020603050405020304" pitchFamily="18" charset="0"/>
+                <a:cs typeface="Times New Roman" panose="02020603050405020304" pitchFamily="18" charset="0"/>
+              </a:rPr>
+              <a:t>ngữ</a:t>
+            </a:r>
+            <a:r>
+              <a:rPr lang="en-US" dirty="0" smtClean="0">
+                <a:latin typeface="Times New Roman" panose="02020603050405020304" pitchFamily="18" charset="0"/>
+                <a:cs typeface="Times New Roman" panose="02020603050405020304" pitchFamily="18" charset="0"/>
+              </a:rPr>
+              <a:t> </a:t>
+            </a:r>
+            <a:r>
+              <a:rPr lang="en-US" dirty="0" err="1" smtClean="0">
+                <a:latin typeface="Times New Roman" panose="02020603050405020304" pitchFamily="18" charset="0"/>
+                <a:cs typeface="Times New Roman" panose="02020603050405020304" pitchFamily="18" charset="0"/>
+              </a:rPr>
+              <a:t>máy</a:t>
+            </a:r>
+            <a:r>
+              <a:rPr lang="en-US" dirty="0" smtClean="0">
+                <a:latin typeface="Times New Roman" panose="02020603050405020304" pitchFamily="18" charset="0"/>
+                <a:cs typeface="Times New Roman" panose="02020603050405020304" pitchFamily="18" charset="0"/>
+              </a:rPr>
+              <a:t>:</a:t>
+            </a:r>
+          </a:p>
+          <a:p>
+            <a:pPr lvl="1"/>
+            <a:r>
+              <a:rPr lang="en-US" dirty="0" err="1" smtClean="0">
+                <a:latin typeface="Times New Roman" panose="02020603050405020304" pitchFamily="18" charset="0"/>
+                <a:cs typeface="Times New Roman" panose="02020603050405020304" pitchFamily="18" charset="0"/>
+              </a:rPr>
+              <a:t>Hợp</a:t>
+            </a:r>
+            <a:r>
+              <a:rPr lang="en-US" dirty="0" smtClean="0">
+                <a:latin typeface="Times New Roman" panose="02020603050405020304" pitchFamily="18" charset="0"/>
+                <a:cs typeface="Times New Roman" panose="02020603050405020304" pitchFamily="18" charset="0"/>
+              </a:rPr>
+              <a:t> </a:t>
+            </a:r>
+            <a:r>
+              <a:rPr lang="en-US" dirty="0" err="1" smtClean="0">
+                <a:latin typeface="Times New Roman" panose="02020603050405020304" pitchFamily="18" charset="0"/>
+                <a:cs typeface="Times New Roman" panose="02020603050405020304" pitchFamily="18" charset="0"/>
+              </a:rPr>
+              <a:t>ngữ</a:t>
+            </a:r>
+            <a:r>
+              <a:rPr lang="en-US" dirty="0" smtClean="0">
+                <a:latin typeface="Times New Roman" panose="02020603050405020304" pitchFamily="18" charset="0"/>
+                <a:cs typeface="Times New Roman" panose="02020603050405020304" pitchFamily="18" charset="0"/>
+              </a:rPr>
+              <a:t>:</a:t>
+            </a:r>
+          </a:p>
+          <a:p>
+            <a:pPr lvl="1"/>
+            <a:r>
+              <a:rPr lang="en-US" dirty="0" err="1" smtClean="0">
+                <a:latin typeface="Times New Roman" panose="02020603050405020304" pitchFamily="18" charset="0"/>
+                <a:cs typeface="Times New Roman" panose="02020603050405020304" pitchFamily="18" charset="0"/>
+              </a:rPr>
+              <a:t>Ngôn</a:t>
+            </a:r>
+            <a:r>
+              <a:rPr lang="en-US" dirty="0" smtClean="0">
+                <a:latin typeface="Times New Roman" panose="02020603050405020304" pitchFamily="18" charset="0"/>
+                <a:cs typeface="Times New Roman" panose="02020603050405020304" pitchFamily="18" charset="0"/>
+              </a:rPr>
+              <a:t> </a:t>
+            </a:r>
+            <a:r>
+              <a:rPr lang="en-US" dirty="0" err="1" smtClean="0">
+                <a:latin typeface="Times New Roman" panose="02020603050405020304" pitchFamily="18" charset="0"/>
+                <a:cs typeface="Times New Roman" panose="02020603050405020304" pitchFamily="18" charset="0"/>
+              </a:rPr>
+              <a:t>ngữ</a:t>
+            </a:r>
+            <a:r>
+              <a:rPr lang="en-US" dirty="0" smtClean="0">
+                <a:latin typeface="Times New Roman" panose="02020603050405020304" pitchFamily="18" charset="0"/>
+                <a:cs typeface="Times New Roman" panose="02020603050405020304" pitchFamily="18" charset="0"/>
+              </a:rPr>
+              <a:t> </a:t>
+            </a:r>
+            <a:r>
+              <a:rPr lang="en-US" dirty="0" err="1" smtClean="0">
+                <a:latin typeface="Times New Roman" panose="02020603050405020304" pitchFamily="18" charset="0"/>
+                <a:cs typeface="Times New Roman" panose="02020603050405020304" pitchFamily="18" charset="0"/>
+              </a:rPr>
+              <a:t>bậc</a:t>
+            </a:r>
+            <a:r>
+              <a:rPr lang="en-US" dirty="0" smtClean="0">
+                <a:latin typeface="Times New Roman" panose="02020603050405020304" pitchFamily="18" charset="0"/>
+                <a:cs typeface="Times New Roman" panose="02020603050405020304" pitchFamily="18" charset="0"/>
+              </a:rPr>
+              <a:t> </a:t>
+            </a:r>
+            <a:r>
+              <a:rPr lang="en-US" dirty="0" err="1" smtClean="0">
+                <a:latin typeface="Times New Roman" panose="02020603050405020304" pitchFamily="18" charset="0"/>
+                <a:cs typeface="Times New Roman" panose="02020603050405020304" pitchFamily="18" charset="0"/>
+              </a:rPr>
+              <a:t>cao</a:t>
+            </a:r>
+            <a:r>
+              <a:rPr lang="en-US" dirty="0" smtClean="0">
+                <a:latin typeface="Times New Roman" panose="02020603050405020304" pitchFamily="18" charset="0"/>
+                <a:cs typeface="Times New Roman" panose="02020603050405020304" pitchFamily="18" charset="0"/>
+              </a:rPr>
+              <a:t>:</a:t>
+            </a:r>
+          </a:p>
+          <a:p>
+            <a:r>
+              <a:rPr lang="en-US" dirty="0" err="1" smtClean="0">
+                <a:latin typeface="Times New Roman" panose="02020603050405020304" pitchFamily="18" charset="0"/>
+                <a:cs typeface="Times New Roman" panose="02020603050405020304" pitchFamily="18" charset="0"/>
+              </a:rPr>
               <a:t>Các</a:t>
             </a:r>
             <a:r>
-              <a:rPr lang="en-US" dirty="0" smtClean="0"/>
-              <a:t> </a:t>
-            </a:r>
-            <a:r>
-              <a:rPr lang="en-US" dirty="0" err="1" smtClean="0"/>
-              <a:t>cách</a:t>
-            </a:r>
-            <a:r>
-              <a:rPr lang="en-US" dirty="0" smtClean="0"/>
-              <a:t> </a:t>
-            </a:r>
-            <a:r>
-              <a:rPr lang="en-US" dirty="0" err="1" smtClean="0"/>
-              <a:t>thức</a:t>
-            </a:r>
-            <a:r>
-              <a:rPr lang="en-US" dirty="0" smtClean="0"/>
-              <a:t> </a:t>
-            </a:r>
-            <a:r>
-              <a:rPr lang="en-US" dirty="0" err="1" smtClean="0"/>
-              <a:t>biên</a:t>
-            </a:r>
-            <a:r>
-              <a:rPr lang="en-US" dirty="0" smtClean="0"/>
-              <a:t> </a:t>
-            </a:r>
-            <a:r>
-              <a:rPr lang="en-US" dirty="0" err="1" smtClean="0"/>
-              <a:t>dịch</a:t>
-            </a:r>
-            <a:r>
-              <a:rPr lang="en-US" dirty="0" smtClean="0"/>
-              <a:t> </a:t>
-            </a:r>
-            <a:r>
-              <a:rPr lang="en-US" dirty="0" err="1" smtClean="0"/>
-              <a:t>và</a:t>
-            </a:r>
-            <a:r>
-              <a:rPr lang="en-US" dirty="0" smtClean="0"/>
-              <a:t> </a:t>
-            </a:r>
-            <a:r>
-              <a:rPr lang="en-US" dirty="0" err="1" smtClean="0"/>
-              <a:t>thông</a:t>
-            </a:r>
-            <a:r>
-              <a:rPr lang="en-US" dirty="0" smtClean="0"/>
-              <a:t> </a:t>
-            </a:r>
-            <a:r>
-              <a:rPr lang="en-US" dirty="0" err="1" smtClean="0"/>
-              <a:t>dịch</a:t>
-            </a:r>
-            <a:endParaRPr lang="en-US" dirty="0" smtClean="0"/>
+              <a:rPr lang="en-US" dirty="0" smtClean="0">
+                <a:latin typeface="Times New Roman" panose="02020603050405020304" pitchFamily="18" charset="0"/>
+                <a:cs typeface="Times New Roman" panose="02020603050405020304" pitchFamily="18" charset="0"/>
+              </a:rPr>
+              <a:t> </a:t>
+            </a:r>
+            <a:r>
+              <a:rPr lang="en-US" dirty="0" err="1" smtClean="0">
+                <a:latin typeface="Times New Roman" panose="02020603050405020304" pitchFamily="18" charset="0"/>
+                <a:cs typeface="Times New Roman" panose="02020603050405020304" pitchFamily="18" charset="0"/>
+              </a:rPr>
+              <a:t>thành</a:t>
+            </a:r>
+            <a:r>
+              <a:rPr lang="en-US" dirty="0" smtClean="0">
+                <a:latin typeface="Times New Roman" panose="02020603050405020304" pitchFamily="18" charset="0"/>
+                <a:cs typeface="Times New Roman" panose="02020603050405020304" pitchFamily="18" charset="0"/>
+              </a:rPr>
+              <a:t> </a:t>
+            </a:r>
+            <a:r>
+              <a:rPr lang="en-US" dirty="0" err="1" smtClean="0">
+                <a:latin typeface="Times New Roman" panose="02020603050405020304" pitchFamily="18" charset="0"/>
+                <a:cs typeface="Times New Roman" panose="02020603050405020304" pitchFamily="18" charset="0"/>
+              </a:rPr>
+              <a:t>phần</a:t>
+            </a:r>
+            <a:r>
+              <a:rPr lang="en-US" dirty="0" smtClean="0">
+                <a:latin typeface="Times New Roman" panose="02020603050405020304" pitchFamily="18" charset="0"/>
+                <a:cs typeface="Times New Roman" panose="02020603050405020304" pitchFamily="18" charset="0"/>
+              </a:rPr>
+              <a:t> </a:t>
+            </a:r>
+            <a:r>
+              <a:rPr lang="en-US" dirty="0" err="1" smtClean="0">
+                <a:latin typeface="Times New Roman" panose="02020603050405020304" pitchFamily="18" charset="0"/>
+                <a:cs typeface="Times New Roman" panose="02020603050405020304" pitchFamily="18" charset="0"/>
+              </a:rPr>
+              <a:t>cơ</a:t>
+            </a:r>
+            <a:r>
+              <a:rPr lang="en-US" dirty="0" smtClean="0">
+                <a:latin typeface="Times New Roman" panose="02020603050405020304" pitchFamily="18" charset="0"/>
+                <a:cs typeface="Times New Roman" panose="02020603050405020304" pitchFamily="18" charset="0"/>
+              </a:rPr>
+              <a:t> </a:t>
+            </a:r>
+            <a:r>
+              <a:rPr lang="en-US" dirty="0" err="1" smtClean="0">
+                <a:latin typeface="Times New Roman" panose="02020603050405020304" pitchFamily="18" charset="0"/>
+                <a:cs typeface="Times New Roman" panose="02020603050405020304" pitchFamily="18" charset="0"/>
+              </a:rPr>
+              <a:t>bản</a:t>
+            </a:r>
+            <a:r>
+              <a:rPr lang="en-US" dirty="0" smtClean="0">
+                <a:latin typeface="Times New Roman" panose="02020603050405020304" pitchFamily="18" charset="0"/>
+                <a:cs typeface="Times New Roman" panose="02020603050405020304" pitchFamily="18" charset="0"/>
+              </a:rPr>
+              <a:t> </a:t>
+            </a:r>
+            <a:r>
+              <a:rPr lang="en-US" dirty="0" err="1" smtClean="0">
+                <a:latin typeface="Times New Roman" panose="02020603050405020304" pitchFamily="18" charset="0"/>
+                <a:cs typeface="Times New Roman" panose="02020603050405020304" pitchFamily="18" charset="0"/>
+              </a:rPr>
+              <a:t>của</a:t>
+            </a:r>
+            <a:r>
+              <a:rPr lang="en-US" dirty="0" smtClean="0">
+                <a:latin typeface="Times New Roman" panose="02020603050405020304" pitchFamily="18" charset="0"/>
+                <a:cs typeface="Times New Roman" panose="02020603050405020304" pitchFamily="18" charset="0"/>
+              </a:rPr>
+              <a:t> </a:t>
+            </a:r>
+            <a:r>
+              <a:rPr lang="en-US" dirty="0" err="1" smtClean="0">
+                <a:latin typeface="Times New Roman" panose="02020603050405020304" pitchFamily="18" charset="0"/>
+                <a:cs typeface="Times New Roman" panose="02020603050405020304" pitchFamily="18" charset="0"/>
+              </a:rPr>
+              <a:t>ngôn</a:t>
+            </a:r>
+            <a:r>
+              <a:rPr lang="en-US" dirty="0" smtClean="0">
+                <a:latin typeface="Times New Roman" panose="02020603050405020304" pitchFamily="18" charset="0"/>
+                <a:cs typeface="Times New Roman" panose="02020603050405020304" pitchFamily="18" charset="0"/>
+              </a:rPr>
+              <a:t> </a:t>
+            </a:r>
+            <a:r>
+              <a:rPr lang="en-US" dirty="0" err="1" smtClean="0">
+                <a:latin typeface="Times New Roman" panose="02020603050405020304" pitchFamily="18" charset="0"/>
+                <a:cs typeface="Times New Roman" panose="02020603050405020304" pitchFamily="18" charset="0"/>
+              </a:rPr>
+              <a:t>ngữ</a:t>
+            </a:r>
+            <a:r>
+              <a:rPr lang="en-US" dirty="0" smtClean="0">
+                <a:latin typeface="Times New Roman" panose="02020603050405020304" pitchFamily="18" charset="0"/>
+                <a:cs typeface="Times New Roman" panose="02020603050405020304" pitchFamily="18" charset="0"/>
+              </a:rPr>
+              <a:t> </a:t>
+            </a:r>
+            <a:r>
+              <a:rPr lang="en-US" dirty="0" err="1" smtClean="0">
+                <a:latin typeface="Times New Roman" panose="02020603050405020304" pitchFamily="18" charset="0"/>
+                <a:cs typeface="Times New Roman" panose="02020603050405020304" pitchFamily="18" charset="0"/>
+              </a:rPr>
+              <a:t>lập</a:t>
+            </a:r>
+            <a:r>
+              <a:rPr lang="en-US" dirty="0" smtClean="0">
+                <a:latin typeface="Times New Roman" panose="02020603050405020304" pitchFamily="18" charset="0"/>
+                <a:cs typeface="Times New Roman" panose="02020603050405020304" pitchFamily="18" charset="0"/>
+              </a:rPr>
+              <a:t> </a:t>
+            </a:r>
+            <a:r>
+              <a:rPr lang="en-US" dirty="0" err="1" smtClean="0">
+                <a:latin typeface="Times New Roman" panose="02020603050405020304" pitchFamily="18" charset="0"/>
+                <a:cs typeface="Times New Roman" panose="02020603050405020304" pitchFamily="18" charset="0"/>
+              </a:rPr>
+              <a:t>trình</a:t>
+            </a:r>
+            <a:endParaRPr lang="en-US" dirty="0" smtClean="0">
+              <a:latin typeface="Times New Roman" panose="02020603050405020304" pitchFamily="18" charset="0"/>
+              <a:cs typeface="Times New Roman" panose="02020603050405020304" pitchFamily="18" charset="0"/>
+            </a:endParaRPr>
           </a:p>
           <a:p>
             <a:pPr lvl="1"/>
             <a:r>
-              <a:rPr lang="en-US" dirty="0" err="1" smtClean="0"/>
-              <a:t>Trình</a:t>
-            </a:r>
-            <a:r>
-              <a:rPr lang="en-US" dirty="0" smtClean="0"/>
-              <a:t> </a:t>
-            </a:r>
-            <a:r>
-              <a:rPr lang="en-US" dirty="0" err="1" smtClean="0"/>
-              <a:t>biên</a:t>
-            </a:r>
-            <a:r>
-              <a:rPr lang="en-US" dirty="0" smtClean="0"/>
-              <a:t> </a:t>
-            </a:r>
-            <a:r>
-              <a:rPr lang="en-US" dirty="0" err="1" smtClean="0"/>
-              <a:t>dịch</a:t>
-            </a:r>
-            <a:r>
-              <a:rPr lang="en-US" dirty="0" smtClean="0"/>
-              <a:t> hay </a:t>
-            </a:r>
-            <a:r>
-              <a:rPr lang="en-US" dirty="0" err="1" smtClean="0"/>
-              <a:t>thông</a:t>
-            </a:r>
-            <a:r>
-              <a:rPr lang="en-US" dirty="0" smtClean="0"/>
-              <a:t> </a:t>
-            </a:r>
-            <a:r>
-              <a:rPr lang="en-US" dirty="0" err="1" smtClean="0"/>
-              <a:t>dịch</a:t>
-            </a:r>
-            <a:r>
-              <a:rPr lang="en-US" dirty="0" smtClean="0"/>
-              <a:t> </a:t>
-            </a:r>
-            <a:r>
-              <a:rPr lang="en-US" dirty="0" err="1" smtClean="0"/>
-              <a:t>không</a:t>
-            </a:r>
-            <a:r>
-              <a:rPr lang="en-US" dirty="0" smtClean="0"/>
-              <a:t> </a:t>
-            </a:r>
-            <a:r>
-              <a:rPr lang="en-US" dirty="0" err="1" smtClean="0"/>
-              <a:t>phải</a:t>
-            </a:r>
-            <a:r>
-              <a:rPr lang="en-US" dirty="0" smtClean="0"/>
-              <a:t> </a:t>
-            </a:r>
-            <a:r>
-              <a:rPr lang="en-US" dirty="0" err="1" smtClean="0"/>
-              <a:t>là</a:t>
-            </a:r>
-            <a:r>
-              <a:rPr lang="en-US" dirty="0" smtClean="0"/>
-              <a:t> </a:t>
-            </a:r>
-            <a:r>
-              <a:rPr lang="en-US" dirty="0" err="1" smtClean="0"/>
-              <a:t>bản</a:t>
-            </a:r>
-            <a:r>
-              <a:rPr lang="en-US" dirty="0" smtClean="0"/>
-              <a:t> </a:t>
-            </a:r>
-            <a:r>
-              <a:rPr lang="en-US" dirty="0" err="1" smtClean="0"/>
-              <a:t>thân</a:t>
-            </a:r>
-            <a:r>
-              <a:rPr lang="en-US" dirty="0" smtClean="0"/>
-              <a:t> </a:t>
-            </a:r>
-            <a:r>
-              <a:rPr lang="en-US" dirty="0" err="1" smtClean="0"/>
-              <a:t>ngôn</a:t>
-            </a:r>
-            <a:r>
-              <a:rPr lang="en-US" dirty="0" smtClean="0"/>
-              <a:t> </a:t>
-            </a:r>
-            <a:r>
-              <a:rPr lang="en-US" dirty="0" err="1" smtClean="0"/>
-              <a:t>ngữ</a:t>
-            </a:r>
-            <a:r>
-              <a:rPr lang="en-US" dirty="0" smtClean="0"/>
-              <a:t> </a:t>
-            </a:r>
-            <a:r>
-              <a:rPr lang="en-US" dirty="0" err="1" smtClean="0"/>
-              <a:t>mà</a:t>
-            </a:r>
-            <a:r>
-              <a:rPr lang="en-US" dirty="0" smtClean="0"/>
-              <a:t> </a:t>
-            </a:r>
-            <a:r>
-              <a:rPr lang="en-US" dirty="0" err="1" smtClean="0"/>
-              <a:t>chỉ</a:t>
-            </a:r>
-            <a:r>
-              <a:rPr lang="en-US" dirty="0" smtClean="0"/>
-              <a:t> </a:t>
-            </a:r>
-            <a:r>
-              <a:rPr lang="en-US" dirty="0" err="1" smtClean="0"/>
-              <a:t>là</a:t>
-            </a:r>
-            <a:r>
-              <a:rPr lang="en-US" dirty="0" smtClean="0"/>
-              <a:t> </a:t>
-            </a:r>
-            <a:r>
-              <a:rPr lang="en-US" dirty="0" err="1" smtClean="0"/>
-              <a:t>cách</a:t>
-            </a:r>
-            <a:r>
-              <a:rPr lang="en-US" dirty="0" smtClean="0"/>
-              <a:t> </a:t>
-            </a:r>
-            <a:r>
-              <a:rPr lang="en-US" dirty="0" err="1" smtClean="0"/>
-              <a:t>thể</a:t>
-            </a:r>
-            <a:r>
-              <a:rPr lang="en-US" dirty="0" smtClean="0"/>
-              <a:t> </a:t>
-            </a:r>
-            <a:r>
-              <a:rPr lang="en-US" dirty="0" err="1" smtClean="0"/>
-              <a:t>hiện</a:t>
-            </a:r>
-            <a:r>
-              <a:rPr lang="en-US" dirty="0" smtClean="0"/>
-              <a:t> </a:t>
-            </a:r>
-            <a:r>
-              <a:rPr lang="en-US" dirty="0" err="1" smtClean="0"/>
-              <a:t>của</a:t>
-            </a:r>
-            <a:r>
-              <a:rPr lang="en-US" dirty="0" smtClean="0"/>
-              <a:t> </a:t>
-            </a:r>
-            <a:r>
-              <a:rPr lang="en-US" dirty="0" err="1" smtClean="0"/>
-              <a:t>ngôn</a:t>
-            </a:r>
-            <a:r>
-              <a:rPr lang="en-US" dirty="0" smtClean="0"/>
-              <a:t> </a:t>
-            </a:r>
-            <a:r>
-              <a:rPr lang="en-US" dirty="0" err="1" smtClean="0"/>
-              <a:t>ngữ</a:t>
-            </a:r>
-            <a:r>
-              <a:rPr lang="en-US" dirty="0" smtClean="0"/>
-              <a:t>.</a:t>
-            </a:r>
-            <a:endParaRPr lang="en-US" dirty="0"/>
+              <a:rPr lang="en-US" dirty="0" err="1" smtClean="0">
+                <a:latin typeface="Times New Roman" panose="02020603050405020304" pitchFamily="18" charset="0"/>
+                <a:cs typeface="Times New Roman" panose="02020603050405020304" pitchFamily="18" charset="0"/>
+              </a:rPr>
+              <a:t>Bảng</a:t>
+            </a:r>
+            <a:r>
+              <a:rPr lang="en-US" dirty="0" smtClean="0">
+                <a:latin typeface="Times New Roman" panose="02020603050405020304" pitchFamily="18" charset="0"/>
+                <a:cs typeface="Times New Roman" panose="02020603050405020304" pitchFamily="18" charset="0"/>
+              </a:rPr>
+              <a:t> </a:t>
+            </a:r>
+            <a:r>
+              <a:rPr lang="en-US" dirty="0" err="1" smtClean="0">
+                <a:latin typeface="Times New Roman" panose="02020603050405020304" pitchFamily="18" charset="0"/>
+                <a:cs typeface="Times New Roman" panose="02020603050405020304" pitchFamily="18" charset="0"/>
+              </a:rPr>
+              <a:t>chữ</a:t>
+            </a:r>
+            <a:r>
+              <a:rPr lang="en-US" dirty="0" smtClean="0">
+                <a:latin typeface="Times New Roman" panose="02020603050405020304" pitchFamily="18" charset="0"/>
+                <a:cs typeface="Times New Roman" panose="02020603050405020304" pitchFamily="18" charset="0"/>
+              </a:rPr>
+              <a:t> </a:t>
+            </a:r>
+            <a:r>
+              <a:rPr lang="en-US" dirty="0" err="1" smtClean="0">
+                <a:latin typeface="Times New Roman" panose="02020603050405020304" pitchFamily="18" charset="0"/>
+                <a:cs typeface="Times New Roman" panose="02020603050405020304" pitchFamily="18" charset="0"/>
+              </a:rPr>
+              <a:t>cái</a:t>
+            </a:r>
+            <a:endParaRPr lang="en-US" dirty="0" smtClean="0">
+              <a:latin typeface="Times New Roman" panose="02020603050405020304" pitchFamily="18" charset="0"/>
+              <a:cs typeface="Times New Roman" panose="02020603050405020304" pitchFamily="18" charset="0"/>
+            </a:endParaRPr>
+          </a:p>
+          <a:p>
+            <a:pPr lvl="1"/>
+            <a:r>
+              <a:rPr lang="en-US" dirty="0" err="1" smtClean="0">
+                <a:latin typeface="Times New Roman" panose="02020603050405020304" pitchFamily="18" charset="0"/>
+                <a:cs typeface="Times New Roman" panose="02020603050405020304" pitchFamily="18" charset="0"/>
+              </a:rPr>
+              <a:t>Cú</a:t>
+            </a:r>
+            <a:r>
+              <a:rPr lang="en-US" dirty="0" smtClean="0">
+                <a:latin typeface="Times New Roman" panose="02020603050405020304" pitchFamily="18" charset="0"/>
+                <a:cs typeface="Times New Roman" panose="02020603050405020304" pitchFamily="18" charset="0"/>
+              </a:rPr>
+              <a:t> </a:t>
+            </a:r>
+            <a:r>
+              <a:rPr lang="en-US" dirty="0" err="1" smtClean="0">
+                <a:latin typeface="Times New Roman" panose="02020603050405020304" pitchFamily="18" charset="0"/>
+                <a:cs typeface="Times New Roman" panose="02020603050405020304" pitchFamily="18" charset="0"/>
+              </a:rPr>
+              <a:t>pháp</a:t>
+            </a:r>
+            <a:endParaRPr lang="en-US" dirty="0" smtClean="0">
+              <a:latin typeface="Times New Roman" panose="02020603050405020304" pitchFamily="18" charset="0"/>
+              <a:cs typeface="Times New Roman" panose="02020603050405020304" pitchFamily="18" charset="0"/>
+            </a:endParaRPr>
           </a:p>
         </p:txBody>
       </p:sp>
@@ -6974,16 +9839,59 @@
           <a:bodyPr/>
           <a:lstStyle/>
           <a:p>
-            <a:pPr lvl="0"/>
-            <a:r>
-              <a:rPr lang="en-US" dirty="0" smtClean="0"/>
-              <a:t>What</a:t>
-            </a:r>
-            <a:r>
-              <a:rPr lang="en-US" baseline="0" dirty="0" smtClean="0"/>
-              <a:t> is Python</a:t>
-            </a:r>
-            <a:endParaRPr lang="en-US" dirty="0"/>
+            <a:r>
+              <a:rPr lang="en-US" dirty="0" err="1" smtClean="0">
+                <a:latin typeface="Times New Roman" panose="02020603050405020304" pitchFamily="18" charset="0"/>
+                <a:cs typeface="Times New Roman" panose="02020603050405020304" pitchFamily="18" charset="0"/>
+              </a:rPr>
+              <a:t>Chương</a:t>
+            </a:r>
+            <a:r>
+              <a:rPr lang="en-US" dirty="0" smtClean="0">
+                <a:latin typeface="Times New Roman" panose="02020603050405020304" pitchFamily="18" charset="0"/>
+                <a:cs typeface="Times New Roman" panose="02020603050405020304" pitchFamily="18" charset="0"/>
+              </a:rPr>
+              <a:t> </a:t>
+            </a:r>
+            <a:r>
+              <a:rPr lang="en-US" dirty="0" err="1" smtClean="0">
+                <a:latin typeface="Times New Roman" panose="02020603050405020304" pitchFamily="18" charset="0"/>
+                <a:cs typeface="Times New Roman" panose="02020603050405020304" pitchFamily="18" charset="0"/>
+              </a:rPr>
+              <a:t>trình</a:t>
+            </a:r>
+            <a:r>
+              <a:rPr lang="en-US" dirty="0" smtClean="0">
+                <a:latin typeface="Times New Roman" panose="02020603050405020304" pitchFamily="18" charset="0"/>
+                <a:cs typeface="Times New Roman" panose="02020603050405020304" pitchFamily="18" charset="0"/>
+              </a:rPr>
+              <a:t> </a:t>
+            </a:r>
+            <a:r>
+              <a:rPr lang="en-US" dirty="0" err="1" smtClean="0">
+                <a:latin typeface="Times New Roman" panose="02020603050405020304" pitchFamily="18" charset="0"/>
+                <a:cs typeface="Times New Roman" panose="02020603050405020304" pitchFamily="18" charset="0"/>
+              </a:rPr>
+              <a:t>máy</a:t>
+            </a:r>
+            <a:r>
+              <a:rPr lang="en-US" dirty="0" smtClean="0">
+                <a:latin typeface="Times New Roman" panose="02020603050405020304" pitchFamily="18" charset="0"/>
+                <a:cs typeface="Times New Roman" panose="02020603050405020304" pitchFamily="18" charset="0"/>
+              </a:rPr>
+              <a:t> </a:t>
+            </a:r>
+            <a:r>
+              <a:rPr lang="en-US" dirty="0" err="1" smtClean="0">
+                <a:latin typeface="Times New Roman" panose="02020603050405020304" pitchFamily="18" charset="0"/>
+                <a:cs typeface="Times New Roman" panose="02020603050405020304" pitchFamily="18" charset="0"/>
+              </a:rPr>
+              <a:t>tính</a:t>
+            </a:r>
+            <a:endParaRPr lang="en-US" dirty="0">
+              <a:latin typeface="Times New Roman" panose="02020603050405020304" pitchFamily="18" charset="0"/>
+              <a:cs typeface="Times New Roman" panose="02020603050405020304" pitchFamily="18" charset="0"/>
+            </a:endParaRPr>
           </a:p>
         </p:txBody>
       </p:sp>
@@ -7002,7 +9910,459 @@
           <a:bodyPr/>
           <a:lstStyle/>
           <a:p>
-            <a:endParaRPr lang="en-US" dirty="0" smtClean="0"/>
+            <a:r>
+              <a:rPr lang="en-US" dirty="0" err="1">
+                <a:latin typeface="Times New Roman" panose="02020603050405020304" pitchFamily="18" charset="0"/>
+                <a:cs typeface="Times New Roman" panose="02020603050405020304" pitchFamily="18" charset="0"/>
+              </a:rPr>
+              <a:t>Chương</a:t>
+            </a:r>
+            <a:r>
+              <a:rPr lang="en-US" dirty="0">
+                <a:latin typeface="Times New Roman" panose="02020603050405020304" pitchFamily="18" charset="0"/>
+                <a:cs typeface="Times New Roman" panose="02020603050405020304" pitchFamily="18" charset="0"/>
+              </a:rPr>
+              <a:t> </a:t>
+            </a:r>
+            <a:r>
+              <a:rPr lang="en-US" dirty="0" err="1">
+                <a:latin typeface="Times New Roman" panose="02020603050405020304" pitchFamily="18" charset="0"/>
+                <a:cs typeface="Times New Roman" panose="02020603050405020304" pitchFamily="18" charset="0"/>
+              </a:rPr>
+              <a:t>trình</a:t>
+            </a:r>
+            <a:r>
+              <a:rPr lang="en-US" dirty="0">
+                <a:latin typeface="Times New Roman" panose="02020603050405020304" pitchFamily="18" charset="0"/>
+                <a:cs typeface="Times New Roman" panose="02020603050405020304" pitchFamily="18" charset="0"/>
+              </a:rPr>
+              <a:t> </a:t>
+            </a:r>
+            <a:r>
+              <a:rPr lang="en-US" dirty="0" err="1">
+                <a:latin typeface="Times New Roman" panose="02020603050405020304" pitchFamily="18" charset="0"/>
+                <a:cs typeface="Times New Roman" panose="02020603050405020304" pitchFamily="18" charset="0"/>
+              </a:rPr>
+              <a:t>dịch</a:t>
+            </a:r>
+            <a:endParaRPr lang="en-US" dirty="0">
+              <a:latin typeface="Times New Roman" panose="02020603050405020304" pitchFamily="18" charset="0"/>
+              <a:cs typeface="Times New Roman" panose="02020603050405020304" pitchFamily="18" charset="0"/>
+            </a:endParaRPr>
+          </a:p>
+          <a:p>
+            <a:r>
+              <a:rPr lang="en-US" dirty="0" err="1">
+                <a:latin typeface="Times New Roman" panose="02020603050405020304" pitchFamily="18" charset="0"/>
+                <a:cs typeface="Times New Roman" panose="02020603050405020304" pitchFamily="18" charset="0"/>
+              </a:rPr>
+              <a:t>Các</a:t>
+            </a:r>
+            <a:r>
+              <a:rPr lang="en-US" dirty="0">
+                <a:latin typeface="Times New Roman" panose="02020603050405020304" pitchFamily="18" charset="0"/>
+                <a:cs typeface="Times New Roman" panose="02020603050405020304" pitchFamily="18" charset="0"/>
+              </a:rPr>
+              <a:t> </a:t>
+            </a:r>
+            <a:r>
+              <a:rPr lang="en-US" dirty="0" err="1">
+                <a:latin typeface="Times New Roman" panose="02020603050405020304" pitchFamily="18" charset="0"/>
+                <a:cs typeface="Times New Roman" panose="02020603050405020304" pitchFamily="18" charset="0"/>
+              </a:rPr>
+              <a:t>cách</a:t>
+            </a:r>
+            <a:r>
+              <a:rPr lang="en-US" dirty="0">
+                <a:latin typeface="Times New Roman" panose="02020603050405020304" pitchFamily="18" charset="0"/>
+                <a:cs typeface="Times New Roman" panose="02020603050405020304" pitchFamily="18" charset="0"/>
+              </a:rPr>
+              <a:t> </a:t>
+            </a:r>
+            <a:r>
+              <a:rPr lang="en-US" dirty="0" err="1">
+                <a:latin typeface="Times New Roman" panose="02020603050405020304" pitchFamily="18" charset="0"/>
+                <a:cs typeface="Times New Roman" panose="02020603050405020304" pitchFamily="18" charset="0"/>
+              </a:rPr>
+              <a:t>thức</a:t>
+            </a:r>
+            <a:r>
+              <a:rPr lang="en-US" dirty="0">
+                <a:latin typeface="Times New Roman" panose="02020603050405020304" pitchFamily="18" charset="0"/>
+                <a:cs typeface="Times New Roman" panose="02020603050405020304" pitchFamily="18" charset="0"/>
+              </a:rPr>
+              <a:t> </a:t>
+            </a:r>
+            <a:r>
+              <a:rPr lang="en-US" dirty="0" err="1">
+                <a:latin typeface="Times New Roman" panose="02020603050405020304" pitchFamily="18" charset="0"/>
+                <a:cs typeface="Times New Roman" panose="02020603050405020304" pitchFamily="18" charset="0"/>
+              </a:rPr>
+              <a:t>biên</a:t>
+            </a:r>
+            <a:r>
+              <a:rPr lang="en-US" dirty="0">
+                <a:latin typeface="Times New Roman" panose="02020603050405020304" pitchFamily="18" charset="0"/>
+                <a:cs typeface="Times New Roman" panose="02020603050405020304" pitchFamily="18" charset="0"/>
+              </a:rPr>
+              <a:t> </a:t>
+            </a:r>
+            <a:r>
+              <a:rPr lang="en-US" dirty="0" err="1">
+                <a:latin typeface="Times New Roman" panose="02020603050405020304" pitchFamily="18" charset="0"/>
+                <a:cs typeface="Times New Roman" panose="02020603050405020304" pitchFamily="18" charset="0"/>
+              </a:rPr>
+              <a:t>dịch</a:t>
+            </a:r>
+            <a:r>
+              <a:rPr lang="en-US" dirty="0">
+                <a:latin typeface="Times New Roman" panose="02020603050405020304" pitchFamily="18" charset="0"/>
+                <a:cs typeface="Times New Roman" panose="02020603050405020304" pitchFamily="18" charset="0"/>
+              </a:rPr>
+              <a:t> </a:t>
+            </a:r>
+            <a:r>
+              <a:rPr lang="en-US" dirty="0" err="1">
+                <a:latin typeface="Times New Roman" panose="02020603050405020304" pitchFamily="18" charset="0"/>
+                <a:cs typeface="Times New Roman" panose="02020603050405020304" pitchFamily="18" charset="0"/>
+              </a:rPr>
+              <a:t>và</a:t>
+            </a:r>
+            <a:r>
+              <a:rPr lang="en-US" dirty="0">
+                <a:latin typeface="Times New Roman" panose="02020603050405020304" pitchFamily="18" charset="0"/>
+                <a:cs typeface="Times New Roman" panose="02020603050405020304" pitchFamily="18" charset="0"/>
+              </a:rPr>
+              <a:t> </a:t>
+            </a:r>
+            <a:r>
+              <a:rPr lang="en-US" dirty="0" err="1">
+                <a:latin typeface="Times New Roman" panose="02020603050405020304" pitchFamily="18" charset="0"/>
+                <a:cs typeface="Times New Roman" panose="02020603050405020304" pitchFamily="18" charset="0"/>
+              </a:rPr>
+              <a:t>thông</a:t>
+            </a:r>
+            <a:r>
+              <a:rPr lang="en-US" dirty="0">
+                <a:latin typeface="Times New Roman" panose="02020603050405020304" pitchFamily="18" charset="0"/>
+                <a:cs typeface="Times New Roman" panose="02020603050405020304" pitchFamily="18" charset="0"/>
+              </a:rPr>
+              <a:t> </a:t>
+            </a:r>
+            <a:r>
+              <a:rPr lang="en-US" dirty="0" err="1">
+                <a:latin typeface="Times New Roman" panose="02020603050405020304" pitchFamily="18" charset="0"/>
+                <a:cs typeface="Times New Roman" panose="02020603050405020304" pitchFamily="18" charset="0"/>
+              </a:rPr>
+              <a:t>dịch</a:t>
+            </a:r>
+            <a:endParaRPr lang="en-US" dirty="0">
+              <a:latin typeface="Times New Roman" panose="02020603050405020304" pitchFamily="18" charset="0"/>
+              <a:cs typeface="Times New Roman" panose="02020603050405020304" pitchFamily="18" charset="0"/>
+            </a:endParaRPr>
+          </a:p>
+          <a:p>
+            <a:pPr lvl="1"/>
+            <a:r>
+              <a:rPr lang="en-US" dirty="0" err="1">
+                <a:latin typeface="Times New Roman" panose="02020603050405020304" pitchFamily="18" charset="0"/>
+                <a:cs typeface="Times New Roman" panose="02020603050405020304" pitchFamily="18" charset="0"/>
+              </a:rPr>
+              <a:t>Trình</a:t>
+            </a:r>
+            <a:r>
+              <a:rPr lang="en-US" dirty="0">
+                <a:latin typeface="Times New Roman" panose="02020603050405020304" pitchFamily="18" charset="0"/>
+                <a:cs typeface="Times New Roman" panose="02020603050405020304" pitchFamily="18" charset="0"/>
+              </a:rPr>
+              <a:t> </a:t>
+            </a:r>
+            <a:r>
+              <a:rPr lang="en-US" dirty="0" err="1">
+                <a:latin typeface="Times New Roman" panose="02020603050405020304" pitchFamily="18" charset="0"/>
+                <a:cs typeface="Times New Roman" panose="02020603050405020304" pitchFamily="18" charset="0"/>
+              </a:rPr>
+              <a:t>biên</a:t>
+            </a:r>
+            <a:r>
+              <a:rPr lang="en-US" dirty="0">
+                <a:latin typeface="Times New Roman" panose="02020603050405020304" pitchFamily="18" charset="0"/>
+                <a:cs typeface="Times New Roman" panose="02020603050405020304" pitchFamily="18" charset="0"/>
+              </a:rPr>
+              <a:t> </a:t>
+            </a:r>
+            <a:r>
+              <a:rPr lang="en-US" dirty="0" err="1">
+                <a:latin typeface="Times New Roman" panose="02020603050405020304" pitchFamily="18" charset="0"/>
+                <a:cs typeface="Times New Roman" panose="02020603050405020304" pitchFamily="18" charset="0"/>
+              </a:rPr>
+              <a:t>dịch</a:t>
+            </a:r>
+            <a:r>
+              <a:rPr lang="en-US" dirty="0">
+                <a:latin typeface="Times New Roman" panose="02020603050405020304" pitchFamily="18" charset="0"/>
+                <a:cs typeface="Times New Roman" panose="02020603050405020304" pitchFamily="18" charset="0"/>
+              </a:rPr>
+              <a:t> hay </a:t>
+            </a:r>
+            <a:r>
+              <a:rPr lang="en-US" dirty="0" err="1">
+                <a:latin typeface="Times New Roman" panose="02020603050405020304" pitchFamily="18" charset="0"/>
+                <a:cs typeface="Times New Roman" panose="02020603050405020304" pitchFamily="18" charset="0"/>
+              </a:rPr>
+              <a:t>thông</a:t>
+            </a:r>
+            <a:r>
+              <a:rPr lang="en-US" dirty="0">
+                <a:latin typeface="Times New Roman" panose="02020603050405020304" pitchFamily="18" charset="0"/>
+                <a:cs typeface="Times New Roman" panose="02020603050405020304" pitchFamily="18" charset="0"/>
+              </a:rPr>
+              <a:t> </a:t>
+            </a:r>
+            <a:r>
+              <a:rPr lang="en-US" dirty="0" err="1">
+                <a:latin typeface="Times New Roman" panose="02020603050405020304" pitchFamily="18" charset="0"/>
+                <a:cs typeface="Times New Roman" panose="02020603050405020304" pitchFamily="18" charset="0"/>
+              </a:rPr>
+              <a:t>dịch</a:t>
+            </a:r>
+            <a:r>
+              <a:rPr lang="en-US" dirty="0">
+                <a:latin typeface="Times New Roman" panose="02020603050405020304" pitchFamily="18" charset="0"/>
+                <a:cs typeface="Times New Roman" panose="02020603050405020304" pitchFamily="18" charset="0"/>
+              </a:rPr>
+              <a:t> </a:t>
+            </a:r>
+            <a:r>
+              <a:rPr lang="en-US" dirty="0" err="1">
+                <a:latin typeface="Times New Roman" panose="02020603050405020304" pitchFamily="18" charset="0"/>
+                <a:cs typeface="Times New Roman" panose="02020603050405020304" pitchFamily="18" charset="0"/>
+              </a:rPr>
+              <a:t>không</a:t>
+            </a:r>
+            <a:r>
+              <a:rPr lang="en-US" dirty="0">
+                <a:latin typeface="Times New Roman" panose="02020603050405020304" pitchFamily="18" charset="0"/>
+                <a:cs typeface="Times New Roman" panose="02020603050405020304" pitchFamily="18" charset="0"/>
+              </a:rPr>
+              <a:t> </a:t>
+            </a:r>
+            <a:r>
+              <a:rPr lang="en-US" dirty="0" err="1">
+                <a:latin typeface="Times New Roman" panose="02020603050405020304" pitchFamily="18" charset="0"/>
+                <a:cs typeface="Times New Roman" panose="02020603050405020304" pitchFamily="18" charset="0"/>
+              </a:rPr>
+              <a:t>phải</a:t>
+            </a:r>
+            <a:r>
+              <a:rPr lang="en-US" dirty="0">
+                <a:latin typeface="Times New Roman" panose="02020603050405020304" pitchFamily="18" charset="0"/>
+                <a:cs typeface="Times New Roman" panose="02020603050405020304" pitchFamily="18" charset="0"/>
+              </a:rPr>
+              <a:t> </a:t>
+            </a:r>
+            <a:r>
+              <a:rPr lang="en-US" dirty="0" err="1">
+                <a:latin typeface="Times New Roman" panose="02020603050405020304" pitchFamily="18" charset="0"/>
+                <a:cs typeface="Times New Roman" panose="02020603050405020304" pitchFamily="18" charset="0"/>
+              </a:rPr>
+              <a:t>là</a:t>
+            </a:r>
+            <a:r>
+              <a:rPr lang="en-US" dirty="0">
+                <a:latin typeface="Times New Roman" panose="02020603050405020304" pitchFamily="18" charset="0"/>
+                <a:cs typeface="Times New Roman" panose="02020603050405020304" pitchFamily="18" charset="0"/>
+              </a:rPr>
+              <a:t> </a:t>
+            </a:r>
+            <a:r>
+              <a:rPr lang="en-US" dirty="0" err="1">
+                <a:latin typeface="Times New Roman" panose="02020603050405020304" pitchFamily="18" charset="0"/>
+                <a:cs typeface="Times New Roman" panose="02020603050405020304" pitchFamily="18" charset="0"/>
+              </a:rPr>
+              <a:t>bản</a:t>
+            </a:r>
+            <a:r>
+              <a:rPr lang="en-US" dirty="0">
+                <a:latin typeface="Times New Roman" panose="02020603050405020304" pitchFamily="18" charset="0"/>
+                <a:cs typeface="Times New Roman" panose="02020603050405020304" pitchFamily="18" charset="0"/>
+              </a:rPr>
+              <a:t> </a:t>
+            </a:r>
+            <a:r>
+              <a:rPr lang="en-US" dirty="0" err="1">
+                <a:latin typeface="Times New Roman" panose="02020603050405020304" pitchFamily="18" charset="0"/>
+                <a:cs typeface="Times New Roman" panose="02020603050405020304" pitchFamily="18" charset="0"/>
+              </a:rPr>
+              <a:t>thân</a:t>
+            </a:r>
+            <a:r>
+              <a:rPr lang="en-US" dirty="0">
+                <a:latin typeface="Times New Roman" panose="02020603050405020304" pitchFamily="18" charset="0"/>
+                <a:cs typeface="Times New Roman" panose="02020603050405020304" pitchFamily="18" charset="0"/>
+              </a:rPr>
+              <a:t> </a:t>
+            </a:r>
+            <a:r>
+              <a:rPr lang="en-US" dirty="0" err="1">
+                <a:latin typeface="Times New Roman" panose="02020603050405020304" pitchFamily="18" charset="0"/>
+                <a:cs typeface="Times New Roman" panose="02020603050405020304" pitchFamily="18" charset="0"/>
+              </a:rPr>
+              <a:t>ngôn</a:t>
+            </a:r>
+            <a:r>
+              <a:rPr lang="en-US" dirty="0">
+                <a:latin typeface="Times New Roman" panose="02020603050405020304" pitchFamily="18" charset="0"/>
+                <a:cs typeface="Times New Roman" panose="02020603050405020304" pitchFamily="18" charset="0"/>
+              </a:rPr>
+              <a:t> </a:t>
+            </a:r>
+            <a:r>
+              <a:rPr lang="en-US" dirty="0" err="1">
+                <a:latin typeface="Times New Roman" panose="02020603050405020304" pitchFamily="18" charset="0"/>
+                <a:cs typeface="Times New Roman" panose="02020603050405020304" pitchFamily="18" charset="0"/>
+              </a:rPr>
+              <a:t>ngữ</a:t>
+            </a:r>
+            <a:r>
+              <a:rPr lang="en-US" dirty="0">
+                <a:latin typeface="Times New Roman" panose="02020603050405020304" pitchFamily="18" charset="0"/>
+                <a:cs typeface="Times New Roman" panose="02020603050405020304" pitchFamily="18" charset="0"/>
+              </a:rPr>
+              <a:t> </a:t>
+            </a:r>
+            <a:r>
+              <a:rPr lang="en-US" dirty="0" err="1">
+                <a:latin typeface="Times New Roman" panose="02020603050405020304" pitchFamily="18" charset="0"/>
+                <a:cs typeface="Times New Roman" panose="02020603050405020304" pitchFamily="18" charset="0"/>
+              </a:rPr>
+              <a:t>mà</a:t>
+            </a:r>
+            <a:r>
+              <a:rPr lang="en-US" dirty="0">
+                <a:latin typeface="Times New Roman" panose="02020603050405020304" pitchFamily="18" charset="0"/>
+                <a:cs typeface="Times New Roman" panose="02020603050405020304" pitchFamily="18" charset="0"/>
+              </a:rPr>
+              <a:t> </a:t>
+            </a:r>
+            <a:r>
+              <a:rPr lang="en-US" dirty="0" err="1">
+                <a:latin typeface="Times New Roman" panose="02020603050405020304" pitchFamily="18" charset="0"/>
+                <a:cs typeface="Times New Roman" panose="02020603050405020304" pitchFamily="18" charset="0"/>
+              </a:rPr>
+              <a:t>chỉ</a:t>
+            </a:r>
+            <a:r>
+              <a:rPr lang="en-US" dirty="0">
+                <a:latin typeface="Times New Roman" panose="02020603050405020304" pitchFamily="18" charset="0"/>
+                <a:cs typeface="Times New Roman" panose="02020603050405020304" pitchFamily="18" charset="0"/>
+              </a:rPr>
+              <a:t> </a:t>
+            </a:r>
+            <a:r>
+              <a:rPr lang="en-US" dirty="0" err="1">
+                <a:latin typeface="Times New Roman" panose="02020603050405020304" pitchFamily="18" charset="0"/>
+                <a:cs typeface="Times New Roman" panose="02020603050405020304" pitchFamily="18" charset="0"/>
+              </a:rPr>
+              <a:t>là</a:t>
+            </a:r>
+            <a:r>
+              <a:rPr lang="en-US" dirty="0">
+                <a:latin typeface="Times New Roman" panose="02020603050405020304" pitchFamily="18" charset="0"/>
+                <a:cs typeface="Times New Roman" panose="02020603050405020304" pitchFamily="18" charset="0"/>
+              </a:rPr>
+              <a:t> </a:t>
+            </a:r>
+            <a:r>
+              <a:rPr lang="en-US" dirty="0" err="1">
+                <a:latin typeface="Times New Roman" panose="02020603050405020304" pitchFamily="18" charset="0"/>
+                <a:cs typeface="Times New Roman" panose="02020603050405020304" pitchFamily="18" charset="0"/>
+              </a:rPr>
+              <a:t>cách</a:t>
+            </a:r>
+            <a:r>
+              <a:rPr lang="en-US" dirty="0">
+                <a:latin typeface="Times New Roman" panose="02020603050405020304" pitchFamily="18" charset="0"/>
+                <a:cs typeface="Times New Roman" panose="02020603050405020304" pitchFamily="18" charset="0"/>
+              </a:rPr>
+              <a:t> </a:t>
+            </a:r>
+            <a:r>
+              <a:rPr lang="en-US" dirty="0" err="1">
+                <a:latin typeface="Times New Roman" panose="02020603050405020304" pitchFamily="18" charset="0"/>
+                <a:cs typeface="Times New Roman" panose="02020603050405020304" pitchFamily="18" charset="0"/>
+              </a:rPr>
+              <a:t>thể</a:t>
+            </a:r>
+            <a:r>
+              <a:rPr lang="en-US" dirty="0">
+                <a:latin typeface="Times New Roman" panose="02020603050405020304" pitchFamily="18" charset="0"/>
+                <a:cs typeface="Times New Roman" panose="02020603050405020304" pitchFamily="18" charset="0"/>
+              </a:rPr>
+              <a:t> </a:t>
+            </a:r>
+            <a:r>
+              <a:rPr lang="en-US" dirty="0" err="1">
+                <a:latin typeface="Times New Roman" panose="02020603050405020304" pitchFamily="18" charset="0"/>
+                <a:cs typeface="Times New Roman" panose="02020603050405020304" pitchFamily="18" charset="0"/>
+              </a:rPr>
+              <a:t>hiện</a:t>
+            </a:r>
+            <a:r>
+              <a:rPr lang="en-US" dirty="0">
+                <a:latin typeface="Times New Roman" panose="02020603050405020304" pitchFamily="18" charset="0"/>
+                <a:cs typeface="Times New Roman" panose="02020603050405020304" pitchFamily="18" charset="0"/>
+              </a:rPr>
+              <a:t> </a:t>
+            </a:r>
+            <a:r>
+              <a:rPr lang="en-US" dirty="0" err="1">
+                <a:latin typeface="Times New Roman" panose="02020603050405020304" pitchFamily="18" charset="0"/>
+                <a:cs typeface="Times New Roman" panose="02020603050405020304" pitchFamily="18" charset="0"/>
+              </a:rPr>
+              <a:t>của</a:t>
+            </a:r>
+            <a:r>
+              <a:rPr lang="en-US" dirty="0">
+                <a:latin typeface="Times New Roman" panose="02020603050405020304" pitchFamily="18" charset="0"/>
+                <a:cs typeface="Times New Roman" panose="02020603050405020304" pitchFamily="18" charset="0"/>
+              </a:rPr>
+              <a:t> </a:t>
+            </a:r>
+            <a:r>
+              <a:rPr lang="en-US" dirty="0" err="1">
+                <a:latin typeface="Times New Roman" panose="02020603050405020304" pitchFamily="18" charset="0"/>
+                <a:cs typeface="Times New Roman" panose="02020603050405020304" pitchFamily="18" charset="0"/>
+              </a:rPr>
+              <a:t>ngôn</a:t>
+            </a:r>
+            <a:r>
+              <a:rPr lang="en-US" dirty="0">
+                <a:latin typeface="Times New Roman" panose="02020603050405020304" pitchFamily="18" charset="0"/>
+                <a:cs typeface="Times New Roman" panose="02020603050405020304" pitchFamily="18" charset="0"/>
+              </a:rPr>
+              <a:t> </a:t>
+            </a:r>
+            <a:r>
+              <a:rPr lang="en-US" dirty="0" err="1">
+                <a:latin typeface="Times New Roman" panose="02020603050405020304" pitchFamily="18" charset="0"/>
+                <a:cs typeface="Times New Roman" panose="02020603050405020304" pitchFamily="18" charset="0"/>
+              </a:rPr>
+              <a:t>ngữ</a:t>
+            </a:r>
+            <a:r>
+              <a:rPr lang="en-US" dirty="0">
+                <a:latin typeface="Times New Roman" panose="02020603050405020304" pitchFamily="18" charset="0"/>
+                <a:cs typeface="Times New Roman" panose="02020603050405020304" pitchFamily="18" charset="0"/>
+              </a:rPr>
+              <a:t>.</a:t>
+            </a:r>
+          </a:p>
+          <a:p>
+            <a:endParaRPr lang="en-US" dirty="0">
+              <a:latin typeface="Times New Roman" panose="02020603050405020304" pitchFamily="18" charset="0"/>
+              <a:cs typeface="Times New Roman" panose="02020603050405020304" pitchFamily="18" charset="0"/>
+            </a:endParaRPr>
           </a:p>
         </p:txBody>
       </p:sp>
@@ -7022,42 +10382,23 @@
           <a:lstStyle/>
           <a:p>
             <a:r>
-              <a:rPr lang="en-US" dirty="0" err="1" smtClean="0"/>
-              <a:t>PythonBeginnerClass</a:t>
-            </a:r>
-            <a:r>
-              <a:rPr lang="en-US" dirty="0" smtClean="0"/>
-              <a:t> @</a:t>
-            </a:r>
-            <a:r>
-              <a:rPr lang="en-US" dirty="0" err="1" smtClean="0"/>
-              <a:t>loitd</a:t>
-            </a:r>
-            <a:r>
-              <a:rPr lang="en-US" dirty="0" smtClean="0"/>
-              <a:t> #pythonvietnam.info</a:t>
-            </a:r>
-            <a:endParaRPr lang="en-US" dirty="0"/>
+              <a:rPr lang="en-US" smtClean="0"/>
+              <a:t>PythonBeginnerClass @loitd #pythonvietnam.info</a:t>
+            </a:r>
+            <a:endParaRPr lang="en-US"/>
           </a:p>
         </p:txBody>
       </p:sp>
     </p:spTree>
     <p:extLst>
       <p:ext uri="{BB962C8B-B14F-4D97-AF65-F5344CB8AC3E}">
-        <p14:creationId xmlns:p14="http://schemas.microsoft.com/office/powerpoint/2010/main" val="1845085145"/>
+        <p14:creationId xmlns:p14="http://schemas.microsoft.com/office/powerpoint/2010/main" val="2820512087"/>
       </p:ext>
     </p:extLst>
   </p:cSld>
   <p:clrMapOvr>
     <a:masterClrMapping/>
   </p:clrMapOvr>
-  <p:timing>
-    <p:tnLst>
-      <p:par>
-        <p:cTn id="1" dur="indefinite" restart="never" nodeType="tmRoot"/>
-      </p:par>
-    </p:tnLst>
-  </p:timing>
 </p:sld>
 </file>
 
@@ -7093,11 +10434,74 @@
           <a:bodyPr/>
           <a:lstStyle/>
           <a:p>
-            <a:r>
-              <a:rPr lang="en-US" dirty="0" smtClean="0"/>
-              <a:t>What is Python (cont)</a:t>
-            </a:r>
-            <a:endParaRPr lang="vi-VN" dirty="0"/>
+            <a:pPr lvl="0"/>
+            <a:r>
+              <a:rPr lang="en-US" baseline="0" dirty="0" err="1" smtClean="0">
+                <a:latin typeface="Times New Roman" panose="02020603050405020304" pitchFamily="18" charset="0"/>
+                <a:cs typeface="Times New Roman" panose="02020603050405020304" pitchFamily="18" charset="0"/>
+              </a:rPr>
+              <a:t>Ngôn</a:t>
+            </a:r>
+            <a:r>
+              <a:rPr lang="en-US" dirty="0" smtClean="0">
+                <a:latin typeface="Times New Roman" panose="02020603050405020304" pitchFamily="18" charset="0"/>
+                <a:cs typeface="Times New Roman" panose="02020603050405020304" pitchFamily="18" charset="0"/>
+              </a:rPr>
+              <a:t> </a:t>
+            </a:r>
+            <a:r>
+              <a:rPr lang="en-US" dirty="0" err="1" smtClean="0">
+                <a:latin typeface="Times New Roman" panose="02020603050405020304" pitchFamily="18" charset="0"/>
+                <a:cs typeface="Times New Roman" panose="02020603050405020304" pitchFamily="18" charset="0"/>
+              </a:rPr>
+              <a:t>ngữ</a:t>
+            </a:r>
+            <a:r>
+              <a:rPr lang="en-US" dirty="0" smtClean="0">
+                <a:latin typeface="Times New Roman" panose="02020603050405020304" pitchFamily="18" charset="0"/>
+                <a:cs typeface="Times New Roman" panose="02020603050405020304" pitchFamily="18" charset="0"/>
+              </a:rPr>
+              <a:t> </a:t>
+            </a:r>
+            <a:r>
+              <a:rPr lang="en-US" dirty="0" err="1" smtClean="0">
+                <a:latin typeface="Times New Roman" panose="02020603050405020304" pitchFamily="18" charset="0"/>
+                <a:cs typeface="Times New Roman" panose="02020603050405020304" pitchFamily="18" charset="0"/>
+              </a:rPr>
+              <a:t>lập</a:t>
+            </a:r>
+            <a:r>
+              <a:rPr lang="en-US" dirty="0" smtClean="0">
+                <a:latin typeface="Times New Roman" panose="02020603050405020304" pitchFamily="18" charset="0"/>
+                <a:cs typeface="Times New Roman" panose="02020603050405020304" pitchFamily="18" charset="0"/>
+              </a:rPr>
+              <a:t> </a:t>
+            </a:r>
+            <a:r>
+              <a:rPr lang="en-US" dirty="0" err="1" smtClean="0">
+                <a:latin typeface="Times New Roman" panose="02020603050405020304" pitchFamily="18" charset="0"/>
+                <a:cs typeface="Times New Roman" panose="02020603050405020304" pitchFamily="18" charset="0"/>
+              </a:rPr>
+              <a:t>trình</a:t>
+            </a:r>
+            <a:r>
+              <a:rPr lang="en-US" dirty="0" smtClean="0">
+                <a:latin typeface="Times New Roman" panose="02020603050405020304" pitchFamily="18" charset="0"/>
+                <a:cs typeface="Times New Roman" panose="02020603050405020304" pitchFamily="18" charset="0"/>
+              </a:rPr>
+              <a:t> </a:t>
+            </a:r>
+            <a:r>
+              <a:rPr lang="en-US" baseline="0" dirty="0" smtClean="0">
+                <a:latin typeface="Times New Roman" panose="02020603050405020304" pitchFamily="18" charset="0"/>
+                <a:cs typeface="Times New Roman" panose="02020603050405020304" pitchFamily="18" charset="0"/>
+              </a:rPr>
+              <a:t>Python</a:t>
+            </a:r>
+            <a:endParaRPr lang="en-US" dirty="0">
+              <a:latin typeface="Times New Roman" panose="02020603050405020304" pitchFamily="18" charset="0"/>
+              <a:cs typeface="Times New Roman" panose="02020603050405020304" pitchFamily="18" charset="0"/>
+            </a:endParaRPr>
           </a:p>
         </p:txBody>
       </p:sp>
@@ -7117,37 +10521,461 @@
           <a:lstStyle/>
           <a:p>
             <a:r>
-              <a:rPr lang="en-US" dirty="0" smtClean="0"/>
-              <a:t>Paradigms:</a:t>
-            </a:r>
-          </a:p>
-          <a:p>
-            <a:pPr lvl="1"/>
-            <a:r>
-              <a:rPr lang="en-US" dirty="0" smtClean="0"/>
-              <a:t>OOP</a:t>
-            </a:r>
-          </a:p>
-          <a:p>
-            <a:pPr lvl="1"/>
-            <a:r>
-              <a:rPr lang="en-US" dirty="0" smtClean="0"/>
-              <a:t>Functional programming</a:t>
-            </a:r>
-          </a:p>
-          <a:p>
-            <a:pPr lvl="1"/>
-            <a:r>
-              <a:rPr lang="en-US" dirty="0" smtClean="0"/>
-              <a:t>Procedure</a:t>
-            </a:r>
-          </a:p>
-          <a:p>
-            <a:pPr lvl="0"/>
-            <a:r>
-              <a:rPr lang="en-US" dirty="0" smtClean="0"/>
-              <a:t>Indentation</a:t>
-            </a:r>
+              <a:rPr lang="en-US" dirty="0" smtClean="0">
+                <a:latin typeface="Times New Roman" panose="02020603050405020304" pitchFamily="18" charset="0"/>
+                <a:cs typeface="Times New Roman" panose="02020603050405020304" pitchFamily="18" charset="0"/>
+              </a:rPr>
+              <a:t>Python </a:t>
+            </a:r>
+            <a:r>
+              <a:rPr lang="en-US" dirty="0" err="1" smtClean="0">
+                <a:latin typeface="Times New Roman" panose="02020603050405020304" pitchFamily="18" charset="0"/>
+                <a:cs typeface="Times New Roman" panose="02020603050405020304" pitchFamily="18" charset="0"/>
+              </a:rPr>
+              <a:t>là</a:t>
+            </a:r>
+            <a:r>
+              <a:rPr lang="en-US" dirty="0" smtClean="0">
+                <a:latin typeface="Times New Roman" panose="02020603050405020304" pitchFamily="18" charset="0"/>
+                <a:cs typeface="Times New Roman" panose="02020603050405020304" pitchFamily="18" charset="0"/>
+              </a:rPr>
+              <a:t> </a:t>
+            </a:r>
+            <a:r>
+              <a:rPr lang="en-US" dirty="0" err="1" smtClean="0">
+                <a:latin typeface="Times New Roman" panose="02020603050405020304" pitchFamily="18" charset="0"/>
+                <a:cs typeface="Times New Roman" panose="02020603050405020304" pitchFamily="18" charset="0"/>
+              </a:rPr>
+              <a:t>ngôn</a:t>
+            </a:r>
+            <a:r>
+              <a:rPr lang="en-US" dirty="0" smtClean="0">
+                <a:latin typeface="Times New Roman" panose="02020603050405020304" pitchFamily="18" charset="0"/>
+                <a:cs typeface="Times New Roman" panose="02020603050405020304" pitchFamily="18" charset="0"/>
+              </a:rPr>
+              <a:t> </a:t>
+            </a:r>
+            <a:r>
+              <a:rPr lang="en-US" dirty="0" err="1" smtClean="0">
+                <a:latin typeface="Times New Roman" panose="02020603050405020304" pitchFamily="18" charset="0"/>
+                <a:cs typeface="Times New Roman" panose="02020603050405020304" pitchFamily="18" charset="0"/>
+              </a:rPr>
+              <a:t>ngữ</a:t>
+            </a:r>
+            <a:r>
+              <a:rPr lang="en-US" dirty="0" smtClean="0">
+                <a:latin typeface="Times New Roman" panose="02020603050405020304" pitchFamily="18" charset="0"/>
+                <a:cs typeface="Times New Roman" panose="02020603050405020304" pitchFamily="18" charset="0"/>
+              </a:rPr>
+              <a:t> </a:t>
+            </a:r>
+            <a:r>
+              <a:rPr lang="en-US" dirty="0" err="1" smtClean="0">
+                <a:latin typeface="Times New Roman" panose="02020603050405020304" pitchFamily="18" charset="0"/>
+                <a:cs typeface="Times New Roman" panose="02020603050405020304" pitchFamily="18" charset="0"/>
+              </a:rPr>
+              <a:t>lập</a:t>
+            </a:r>
+            <a:r>
+              <a:rPr lang="en-US" dirty="0" smtClean="0">
+                <a:latin typeface="Times New Roman" panose="02020603050405020304" pitchFamily="18" charset="0"/>
+                <a:cs typeface="Times New Roman" panose="02020603050405020304" pitchFamily="18" charset="0"/>
+              </a:rPr>
+              <a:t> </a:t>
+            </a:r>
+            <a:r>
+              <a:rPr lang="en-US" dirty="0" err="1" smtClean="0">
+                <a:latin typeface="Times New Roman" panose="02020603050405020304" pitchFamily="18" charset="0"/>
+                <a:cs typeface="Times New Roman" panose="02020603050405020304" pitchFamily="18" charset="0"/>
+              </a:rPr>
+              <a:t>trình</a:t>
+            </a:r>
+            <a:r>
+              <a:rPr lang="en-US" dirty="0" smtClean="0">
+                <a:latin typeface="Times New Roman" panose="02020603050405020304" pitchFamily="18" charset="0"/>
+                <a:cs typeface="Times New Roman" panose="02020603050405020304" pitchFamily="18" charset="0"/>
+              </a:rPr>
+              <a:t> </a:t>
+            </a:r>
+            <a:r>
+              <a:rPr lang="en-US" dirty="0" err="1" smtClean="0">
+                <a:latin typeface="Times New Roman" panose="02020603050405020304" pitchFamily="18" charset="0"/>
+                <a:cs typeface="Times New Roman" panose="02020603050405020304" pitchFamily="18" charset="0"/>
+              </a:rPr>
+              <a:t>cấp</a:t>
+            </a:r>
+            <a:r>
+              <a:rPr lang="en-US" dirty="0" smtClean="0">
+                <a:latin typeface="Times New Roman" panose="02020603050405020304" pitchFamily="18" charset="0"/>
+                <a:cs typeface="Times New Roman" panose="02020603050405020304" pitchFamily="18" charset="0"/>
+              </a:rPr>
+              <a:t> </a:t>
+            </a:r>
+            <a:r>
+              <a:rPr lang="en-US" dirty="0" err="1" smtClean="0">
+                <a:latin typeface="Times New Roman" panose="02020603050405020304" pitchFamily="18" charset="0"/>
+                <a:cs typeface="Times New Roman" panose="02020603050405020304" pitchFamily="18" charset="0"/>
+              </a:rPr>
+              <a:t>cao</a:t>
+            </a:r>
+            <a:r>
+              <a:rPr lang="en-US" dirty="0" smtClean="0">
+                <a:latin typeface="Times New Roman" panose="02020603050405020304" pitchFamily="18" charset="0"/>
+                <a:cs typeface="Times New Roman" panose="02020603050405020304" pitchFamily="18" charset="0"/>
+              </a:rPr>
+              <a:t> </a:t>
+            </a:r>
+            <a:r>
+              <a:rPr lang="en-US" dirty="0" err="1" smtClean="0">
+                <a:latin typeface="Times New Roman" panose="02020603050405020304" pitchFamily="18" charset="0"/>
+                <a:cs typeface="Times New Roman" panose="02020603050405020304" pitchFamily="18" charset="0"/>
+              </a:rPr>
+              <a:t>được</a:t>
+            </a:r>
+            <a:r>
+              <a:rPr lang="en-US" dirty="0" smtClean="0">
+                <a:latin typeface="Times New Roman" panose="02020603050405020304" pitchFamily="18" charset="0"/>
+                <a:cs typeface="Times New Roman" panose="02020603050405020304" pitchFamily="18" charset="0"/>
+              </a:rPr>
+              <a:t> </a:t>
+            </a:r>
+            <a:r>
+              <a:rPr lang="en-US" dirty="0" err="1" smtClean="0">
+                <a:latin typeface="Times New Roman" panose="02020603050405020304" pitchFamily="18" charset="0"/>
+                <a:cs typeface="Times New Roman" panose="02020603050405020304" pitchFamily="18" charset="0"/>
+              </a:rPr>
+              <a:t>phát</a:t>
+            </a:r>
+            <a:r>
+              <a:rPr lang="en-US" dirty="0" smtClean="0">
+                <a:latin typeface="Times New Roman" panose="02020603050405020304" pitchFamily="18" charset="0"/>
+                <a:cs typeface="Times New Roman" panose="02020603050405020304" pitchFamily="18" charset="0"/>
+              </a:rPr>
+              <a:t> </a:t>
+            </a:r>
+            <a:r>
+              <a:rPr lang="en-US" dirty="0" err="1" smtClean="0">
+                <a:latin typeface="Times New Roman" panose="02020603050405020304" pitchFamily="18" charset="0"/>
+                <a:cs typeface="Times New Roman" panose="02020603050405020304" pitchFamily="18" charset="0"/>
+              </a:rPr>
+              <a:t>triển</a:t>
+            </a:r>
+            <a:r>
+              <a:rPr lang="en-US" dirty="0" smtClean="0">
+                <a:latin typeface="Times New Roman" panose="02020603050405020304" pitchFamily="18" charset="0"/>
+                <a:cs typeface="Times New Roman" panose="02020603050405020304" pitchFamily="18" charset="0"/>
+              </a:rPr>
+              <a:t> </a:t>
+            </a:r>
+            <a:r>
+              <a:rPr lang="en-US" dirty="0" err="1" smtClean="0">
+                <a:latin typeface="Times New Roman" panose="02020603050405020304" pitchFamily="18" charset="0"/>
+                <a:cs typeface="Times New Roman" panose="02020603050405020304" pitchFamily="18" charset="0"/>
+              </a:rPr>
+              <a:t>bởi</a:t>
+            </a:r>
+            <a:r>
+              <a:rPr lang="en-US" dirty="0" smtClean="0">
+                <a:latin typeface="Times New Roman" panose="02020603050405020304" pitchFamily="18" charset="0"/>
+                <a:cs typeface="Times New Roman" panose="02020603050405020304" pitchFamily="18" charset="0"/>
+              </a:rPr>
+              <a:t> Guido Van Rossum </a:t>
+            </a:r>
+            <a:r>
+              <a:rPr lang="en-US" dirty="0" err="1" smtClean="0">
+                <a:latin typeface="Times New Roman" panose="02020603050405020304" pitchFamily="18" charset="0"/>
+                <a:cs typeface="Times New Roman" panose="02020603050405020304" pitchFamily="18" charset="0"/>
+              </a:rPr>
+              <a:t>theo</a:t>
+            </a:r>
+            <a:r>
+              <a:rPr lang="en-US" dirty="0" smtClean="0">
+                <a:latin typeface="Times New Roman" panose="02020603050405020304" pitchFamily="18" charset="0"/>
+                <a:cs typeface="Times New Roman" panose="02020603050405020304" pitchFamily="18" charset="0"/>
+              </a:rPr>
+              <a:t> series “Monty Python’s Flying Circus”</a:t>
+            </a:r>
+          </a:p>
+          <a:p>
+            <a:r>
+              <a:rPr lang="en-US" dirty="0" smtClean="0">
+                <a:latin typeface="Times New Roman" panose="02020603050405020304" pitchFamily="18" charset="0"/>
+                <a:cs typeface="Times New Roman" panose="02020603050405020304" pitchFamily="18" charset="0"/>
+              </a:rPr>
+              <a:t>Python </a:t>
+            </a:r>
+            <a:r>
+              <a:rPr lang="en-US" dirty="0" err="1" smtClean="0">
+                <a:latin typeface="Times New Roman" panose="02020603050405020304" pitchFamily="18" charset="0"/>
+                <a:cs typeface="Times New Roman" panose="02020603050405020304" pitchFamily="18" charset="0"/>
+              </a:rPr>
+              <a:t>được</a:t>
+            </a:r>
+            <a:r>
+              <a:rPr lang="en-US" dirty="0" smtClean="0">
+                <a:latin typeface="Times New Roman" panose="02020603050405020304" pitchFamily="18" charset="0"/>
+                <a:cs typeface="Times New Roman" panose="02020603050405020304" pitchFamily="18" charset="0"/>
+              </a:rPr>
+              <a:t> </a:t>
+            </a:r>
+            <a:r>
+              <a:rPr lang="en-US" dirty="0" err="1" smtClean="0">
+                <a:latin typeface="Times New Roman" panose="02020603050405020304" pitchFamily="18" charset="0"/>
+                <a:cs typeface="Times New Roman" panose="02020603050405020304" pitchFamily="18" charset="0"/>
+              </a:rPr>
+              <a:t>coi</a:t>
+            </a:r>
+            <a:r>
+              <a:rPr lang="en-US" dirty="0" smtClean="0">
+                <a:latin typeface="Times New Roman" panose="02020603050405020304" pitchFamily="18" charset="0"/>
+                <a:cs typeface="Times New Roman" panose="02020603050405020304" pitchFamily="18" charset="0"/>
+              </a:rPr>
+              <a:t> </a:t>
+            </a:r>
+            <a:r>
+              <a:rPr lang="en-US" dirty="0" err="1" smtClean="0">
+                <a:latin typeface="Times New Roman" panose="02020603050405020304" pitchFamily="18" charset="0"/>
+                <a:cs typeface="Times New Roman" panose="02020603050405020304" pitchFamily="18" charset="0"/>
+              </a:rPr>
+              <a:t>là</a:t>
+            </a:r>
+            <a:r>
+              <a:rPr lang="en-US" dirty="0" smtClean="0">
+                <a:latin typeface="Times New Roman" panose="02020603050405020304" pitchFamily="18" charset="0"/>
+                <a:cs typeface="Times New Roman" panose="02020603050405020304" pitchFamily="18" charset="0"/>
+              </a:rPr>
+              <a:t> </a:t>
+            </a:r>
+            <a:r>
+              <a:rPr lang="en-US" dirty="0" err="1" smtClean="0">
+                <a:latin typeface="Times New Roman" panose="02020603050405020304" pitchFamily="18" charset="0"/>
+                <a:cs typeface="Times New Roman" panose="02020603050405020304" pitchFamily="18" charset="0"/>
+              </a:rPr>
+              <a:t>ngôn</a:t>
+            </a:r>
+            <a:r>
+              <a:rPr lang="en-US" dirty="0" smtClean="0">
+                <a:latin typeface="Times New Roman" panose="02020603050405020304" pitchFamily="18" charset="0"/>
+                <a:cs typeface="Times New Roman" panose="02020603050405020304" pitchFamily="18" charset="0"/>
+              </a:rPr>
+              <a:t> </a:t>
+            </a:r>
+            <a:r>
+              <a:rPr lang="en-US" dirty="0" err="1" smtClean="0">
+                <a:latin typeface="Times New Roman" panose="02020603050405020304" pitchFamily="18" charset="0"/>
+                <a:cs typeface="Times New Roman" panose="02020603050405020304" pitchFamily="18" charset="0"/>
+              </a:rPr>
+              <a:t>ngữ</a:t>
+            </a:r>
+            <a:r>
+              <a:rPr lang="en-US" dirty="0" smtClean="0">
+                <a:latin typeface="Times New Roman" panose="02020603050405020304" pitchFamily="18" charset="0"/>
+                <a:cs typeface="Times New Roman" panose="02020603050405020304" pitchFamily="18" charset="0"/>
+              </a:rPr>
+              <a:t> </a:t>
+            </a:r>
+            <a:r>
+              <a:rPr lang="en-US" dirty="0" err="1" smtClean="0">
+                <a:latin typeface="Times New Roman" panose="02020603050405020304" pitchFamily="18" charset="0"/>
+                <a:cs typeface="Times New Roman" panose="02020603050405020304" pitchFamily="18" charset="0"/>
+              </a:rPr>
+              <a:t>đơn</a:t>
+            </a:r>
+            <a:r>
+              <a:rPr lang="en-US" dirty="0" smtClean="0">
+                <a:latin typeface="Times New Roman" panose="02020603050405020304" pitchFamily="18" charset="0"/>
+                <a:cs typeface="Times New Roman" panose="02020603050405020304" pitchFamily="18" charset="0"/>
+              </a:rPr>
+              <a:t> </a:t>
+            </a:r>
+            <a:r>
+              <a:rPr lang="en-US" dirty="0" err="1" smtClean="0">
+                <a:latin typeface="Times New Roman" panose="02020603050405020304" pitchFamily="18" charset="0"/>
+                <a:cs typeface="Times New Roman" panose="02020603050405020304" pitchFamily="18" charset="0"/>
+              </a:rPr>
+              <a:t>giản</a:t>
+            </a:r>
+            <a:r>
+              <a:rPr lang="en-US" dirty="0" smtClean="0">
+                <a:latin typeface="Times New Roman" panose="02020603050405020304" pitchFamily="18" charset="0"/>
+                <a:cs typeface="Times New Roman" panose="02020603050405020304" pitchFamily="18" charset="0"/>
+              </a:rPr>
+              <a:t> </a:t>
+            </a:r>
+            <a:r>
+              <a:rPr lang="en-US" dirty="0" err="1" smtClean="0">
+                <a:latin typeface="Times New Roman" panose="02020603050405020304" pitchFamily="18" charset="0"/>
+                <a:cs typeface="Times New Roman" panose="02020603050405020304" pitchFamily="18" charset="0"/>
+              </a:rPr>
+              <a:t>và</a:t>
+            </a:r>
+            <a:r>
+              <a:rPr lang="en-US" dirty="0" smtClean="0">
+                <a:latin typeface="Times New Roman" panose="02020603050405020304" pitchFamily="18" charset="0"/>
+                <a:cs typeface="Times New Roman" panose="02020603050405020304" pitchFamily="18" charset="0"/>
+              </a:rPr>
+              <a:t> </a:t>
+            </a:r>
+            <a:r>
+              <a:rPr lang="en-US" dirty="0" err="1" smtClean="0">
+                <a:latin typeface="Times New Roman" panose="02020603050405020304" pitchFamily="18" charset="0"/>
+                <a:cs typeface="Times New Roman" panose="02020603050405020304" pitchFamily="18" charset="0"/>
+              </a:rPr>
+              <a:t>mạnh</a:t>
+            </a:r>
+            <a:r>
+              <a:rPr lang="en-US" dirty="0" smtClean="0">
+                <a:latin typeface="Times New Roman" panose="02020603050405020304" pitchFamily="18" charset="0"/>
+                <a:cs typeface="Times New Roman" panose="02020603050405020304" pitchFamily="18" charset="0"/>
+              </a:rPr>
+              <a:t> </a:t>
+            </a:r>
+            <a:r>
+              <a:rPr lang="en-US" dirty="0" err="1" smtClean="0">
+                <a:latin typeface="Times New Roman" panose="02020603050405020304" pitchFamily="18" charset="0"/>
+                <a:cs typeface="Times New Roman" panose="02020603050405020304" pitchFamily="18" charset="0"/>
+              </a:rPr>
+              <a:t>mẽ</a:t>
+            </a:r>
+            <a:r>
+              <a:rPr lang="en-US" dirty="0" smtClean="0">
+                <a:latin typeface="Times New Roman" panose="02020603050405020304" pitchFamily="18" charset="0"/>
+                <a:cs typeface="Times New Roman" panose="02020603050405020304" pitchFamily="18" charset="0"/>
+              </a:rPr>
+              <a:t>.</a:t>
+            </a:r>
+          </a:p>
+          <a:p>
+            <a:r>
+              <a:rPr lang="en-US" dirty="0" err="1" smtClean="0">
+                <a:latin typeface="Times New Roman" panose="02020603050405020304" pitchFamily="18" charset="0"/>
+                <a:cs typeface="Times New Roman" panose="02020603050405020304" pitchFamily="18" charset="0"/>
+              </a:rPr>
+              <a:t>Lý</a:t>
+            </a:r>
+            <a:r>
+              <a:rPr lang="en-US" dirty="0" smtClean="0">
+                <a:latin typeface="Times New Roman" panose="02020603050405020304" pitchFamily="18" charset="0"/>
+                <a:cs typeface="Times New Roman" panose="02020603050405020304" pitchFamily="18" charset="0"/>
+              </a:rPr>
+              <a:t> </a:t>
+            </a:r>
+            <a:r>
+              <a:rPr lang="en-US" dirty="0" err="1" smtClean="0">
+                <a:latin typeface="Times New Roman" panose="02020603050405020304" pitchFamily="18" charset="0"/>
+                <a:cs typeface="Times New Roman" panose="02020603050405020304" pitchFamily="18" charset="0"/>
+              </a:rPr>
+              <a:t>tưởng</a:t>
+            </a:r>
+            <a:r>
+              <a:rPr lang="en-US" dirty="0" smtClean="0">
+                <a:latin typeface="Times New Roman" panose="02020603050405020304" pitchFamily="18" charset="0"/>
+                <a:cs typeface="Times New Roman" panose="02020603050405020304" pitchFamily="18" charset="0"/>
+              </a:rPr>
+              <a:t> </a:t>
+            </a:r>
+            <a:r>
+              <a:rPr lang="en-US" dirty="0" err="1" smtClean="0">
+                <a:latin typeface="Times New Roman" panose="02020603050405020304" pitchFamily="18" charset="0"/>
+                <a:cs typeface="Times New Roman" panose="02020603050405020304" pitchFamily="18" charset="0"/>
+              </a:rPr>
+              <a:t>cho</a:t>
+            </a:r>
+            <a:r>
+              <a:rPr lang="en-US" dirty="0" smtClean="0">
+                <a:latin typeface="Times New Roman" panose="02020603050405020304" pitchFamily="18" charset="0"/>
+                <a:cs typeface="Times New Roman" panose="02020603050405020304" pitchFamily="18" charset="0"/>
+              </a:rPr>
+              <a:t> scripting &amp; </a:t>
+            </a:r>
+            <a:r>
+              <a:rPr lang="en-US" dirty="0" err="1" smtClean="0">
+                <a:latin typeface="Times New Roman" panose="02020603050405020304" pitchFamily="18" charset="0"/>
+                <a:cs typeface="Times New Roman" panose="02020603050405020304" pitchFamily="18" charset="0"/>
+              </a:rPr>
+              <a:t>xây</a:t>
+            </a:r>
+            <a:r>
+              <a:rPr lang="en-US" dirty="0" smtClean="0">
+                <a:latin typeface="Times New Roman" panose="02020603050405020304" pitchFamily="18" charset="0"/>
+                <a:cs typeface="Times New Roman" panose="02020603050405020304" pitchFamily="18" charset="0"/>
+              </a:rPr>
+              <a:t> </a:t>
+            </a:r>
+            <a:r>
+              <a:rPr lang="en-US" dirty="0" err="1" smtClean="0">
+                <a:latin typeface="Times New Roman" panose="02020603050405020304" pitchFamily="18" charset="0"/>
+                <a:cs typeface="Times New Roman" panose="02020603050405020304" pitchFamily="18" charset="0"/>
+              </a:rPr>
+              <a:t>dựng</a:t>
+            </a:r>
+            <a:r>
+              <a:rPr lang="en-US" dirty="0" smtClean="0">
+                <a:latin typeface="Times New Roman" panose="02020603050405020304" pitchFamily="18" charset="0"/>
+                <a:cs typeface="Times New Roman" panose="02020603050405020304" pitchFamily="18" charset="0"/>
+              </a:rPr>
+              <a:t> </a:t>
+            </a:r>
+            <a:r>
+              <a:rPr lang="en-US" dirty="0" err="1" smtClean="0">
+                <a:latin typeface="Times New Roman" panose="02020603050405020304" pitchFamily="18" charset="0"/>
+                <a:cs typeface="Times New Roman" panose="02020603050405020304" pitchFamily="18" charset="0"/>
+              </a:rPr>
+              <a:t>nhanh</a:t>
+            </a:r>
+            <a:r>
+              <a:rPr lang="en-US" dirty="0" smtClean="0">
+                <a:latin typeface="Times New Roman" panose="02020603050405020304" pitchFamily="18" charset="0"/>
+                <a:cs typeface="Times New Roman" panose="02020603050405020304" pitchFamily="18" charset="0"/>
+              </a:rPr>
+              <a:t> </a:t>
+            </a:r>
+            <a:r>
+              <a:rPr lang="en-US" dirty="0" err="1" smtClean="0">
+                <a:latin typeface="Times New Roman" panose="02020603050405020304" pitchFamily="18" charset="0"/>
+                <a:cs typeface="Times New Roman" panose="02020603050405020304" pitchFamily="18" charset="0"/>
+              </a:rPr>
+              <a:t>các</a:t>
+            </a:r>
+            <a:r>
+              <a:rPr lang="en-US" dirty="0" smtClean="0">
+                <a:latin typeface="Times New Roman" panose="02020603050405020304" pitchFamily="18" charset="0"/>
+                <a:cs typeface="Times New Roman" panose="02020603050405020304" pitchFamily="18" charset="0"/>
+              </a:rPr>
+              <a:t> </a:t>
+            </a:r>
+            <a:r>
+              <a:rPr lang="en-US" dirty="0" err="1" smtClean="0">
+                <a:latin typeface="Times New Roman" panose="02020603050405020304" pitchFamily="18" charset="0"/>
+                <a:cs typeface="Times New Roman" panose="02020603050405020304" pitchFamily="18" charset="0"/>
+              </a:rPr>
+              <a:t>ứng</a:t>
+            </a:r>
+            <a:r>
+              <a:rPr lang="en-US" dirty="0" smtClean="0">
+                <a:latin typeface="Times New Roman" panose="02020603050405020304" pitchFamily="18" charset="0"/>
+                <a:cs typeface="Times New Roman" panose="02020603050405020304" pitchFamily="18" charset="0"/>
+              </a:rPr>
+              <a:t> </a:t>
+            </a:r>
+            <a:r>
+              <a:rPr lang="en-US" dirty="0" err="1" smtClean="0">
+                <a:latin typeface="Times New Roman" panose="02020603050405020304" pitchFamily="18" charset="0"/>
+                <a:cs typeface="Times New Roman" panose="02020603050405020304" pitchFamily="18" charset="0"/>
+              </a:rPr>
+              <a:t>dụng</a:t>
+            </a:r>
+            <a:r>
+              <a:rPr lang="en-US" dirty="0" smtClean="0">
+                <a:latin typeface="Times New Roman" panose="02020603050405020304" pitchFamily="18" charset="0"/>
+                <a:cs typeface="Times New Roman" panose="02020603050405020304" pitchFamily="18" charset="0"/>
+              </a:rPr>
+              <a:t>.</a:t>
+            </a:r>
+            <a:endParaRPr lang="en-US" dirty="0" smtClean="0">
+              <a:latin typeface="Times New Roman" panose="02020603050405020304" pitchFamily="18" charset="0"/>
+              <a:cs typeface="Times New Roman" panose="02020603050405020304" pitchFamily="18" charset="0"/>
+            </a:endParaRPr>
           </a:p>
         </p:txBody>
       </p:sp>
@@ -7167,14 +10995,31 @@
           <a:lstStyle/>
           <a:p>
             <a:r>
-              <a:rPr lang="en-US" smtClean="0"/>
-              <a:t>PythonBeginnerClass @loitd #pythonvietnam.info</a:t>
-            </a:r>
-            <a:endParaRPr lang="en-US"/>
+              <a:rPr lang="en-US" dirty="0" err="1" smtClean="0"/>
+              <a:t>PythonBeginnerClass</a:t>
+            </a:r>
+            <a:r>
+              <a:rPr lang="en-US" dirty="0" smtClean="0"/>
+              <a:t> @</a:t>
+            </a:r>
+            <a:r>
+              <a:rPr lang="en-US" dirty="0" err="1" smtClean="0"/>
+              <a:t>loitd</a:t>
+            </a:r>
+            <a:r>
+              <a:rPr lang="en-US" dirty="0" smtClean="0"/>
+              <a:t> #pythonvietnam.info</a:t>
+            </a:r>
+            <a:endParaRPr lang="en-US" dirty="0"/>
           </a:p>
         </p:txBody>
       </p:sp>
     </p:spTree>
+    <p:extLst>
+      <p:ext uri="{BB962C8B-B14F-4D97-AF65-F5344CB8AC3E}">
+        <p14:creationId xmlns:p14="http://schemas.microsoft.com/office/powerpoint/2010/main" val="1845085145"/>
+      </p:ext>
+    </p:extLst>
   </p:cSld>
   <p:clrMapOvr>
     <a:masterClrMapping/>
@@ -7218,28 +11063,145 @@
         </p:nvSpPr>
         <p:spPr/>
         <p:txBody>
+          <a:bodyPr/>
+          <a:lstStyle/>
+          <a:p>
+            <a:r>
+              <a:rPr lang="en-US" dirty="0" smtClean="0">
+                <a:latin typeface="Times New Roman" panose="02020603050405020304" pitchFamily="18" charset="0"/>
+                <a:cs typeface="Times New Roman" panose="02020603050405020304" pitchFamily="18" charset="0"/>
+              </a:rPr>
+              <a:t>Sample</a:t>
+            </a:r>
+            <a:endParaRPr lang="en-US" dirty="0">
+              <a:latin typeface="Times New Roman" panose="02020603050405020304" pitchFamily="18" charset="0"/>
+              <a:cs typeface="Times New Roman" panose="02020603050405020304" pitchFamily="18" charset="0"/>
+            </a:endParaRPr>
+          </a:p>
+        </p:txBody>
+      </p:sp>
+      <p:sp>
+        <p:nvSpPr>
+          <p:cNvPr id="3" name="Content Placeholder 2"/>
+          <p:cNvSpPr>
+            <a:spLocks noGrp="1"/>
+          </p:cNvSpPr>
+          <p:nvPr>
+            <p:ph idx="1"/>
+          </p:nvPr>
+        </p:nvSpPr>
+        <p:spPr/>
+        <p:txBody>
           <a:bodyPr>
-            <a:normAutofit fontScale="90000"/>
+            <a:normAutofit fontScale="92500" lnSpcReduction="20000"/>
           </a:bodyPr>
           <a:lstStyle/>
           <a:p>
-            <a:pPr lvl="0"/>
-            <a:r>
-              <a:rPr lang="en-US" dirty="0" smtClean="0"/>
-              <a:t>Interpreted &amp; compiled programming language</a:t>
-            </a:r>
-            <a:endParaRPr lang="vi-VN" dirty="0"/>
-          </a:p>
-        </p:txBody>
-      </p:sp>
-      <p:sp>
-        <p:nvSpPr>
-          <p:cNvPr id="3" name="Content Placeholder 2"/>
-          <p:cNvSpPr>
-            <a:spLocks noGrp="1"/>
-          </p:cNvSpPr>
-          <p:nvPr>
-            <p:ph idx="1"/>
+            <a:pPr fontAlgn="base"/>
+            <a:r>
+              <a:rPr lang="en-US" dirty="0">
+                <a:latin typeface="Times New Roman" panose="02020603050405020304" pitchFamily="18" charset="0"/>
+                <a:cs typeface="Times New Roman" panose="02020603050405020304" pitchFamily="18" charset="0"/>
+              </a:rPr>
+              <a:t>&gt;&gt;&gt; print("Hello, I'm Python!")</a:t>
+            </a:r>
+          </a:p>
+          <a:p>
+            <a:pPr fontAlgn="base"/>
+            <a:r>
+              <a:rPr lang="en-US" dirty="0">
+                <a:latin typeface="Times New Roman" panose="02020603050405020304" pitchFamily="18" charset="0"/>
+                <a:cs typeface="Times New Roman" panose="02020603050405020304" pitchFamily="18" charset="0"/>
+              </a:rPr>
+              <a:t>Hello, I'm Python!</a:t>
+            </a:r>
+          </a:p>
+          <a:p>
+            <a:pPr fontAlgn="base"/>
+            <a:r>
+              <a:rPr lang="en-US" dirty="0">
+                <a:latin typeface="Times New Roman" panose="02020603050405020304" pitchFamily="18" charset="0"/>
+                <a:cs typeface="Times New Roman" panose="02020603050405020304" pitchFamily="18" charset="0"/>
+              </a:rPr>
+              <a:t> </a:t>
+            </a:r>
+          </a:p>
+          <a:p>
+            <a:pPr fontAlgn="base"/>
+            <a:r>
+              <a:rPr lang="en-US" dirty="0">
+                <a:latin typeface="Times New Roman" panose="02020603050405020304" pitchFamily="18" charset="0"/>
+                <a:cs typeface="Times New Roman" panose="02020603050405020304" pitchFamily="18" charset="0"/>
+              </a:rPr>
+              <a:t># Input, assignment</a:t>
+            </a:r>
+          </a:p>
+          <a:p>
+            <a:pPr fontAlgn="base"/>
+            <a:r>
+              <a:rPr lang="en-US" dirty="0">
+                <a:latin typeface="Times New Roman" panose="02020603050405020304" pitchFamily="18" charset="0"/>
+                <a:cs typeface="Times New Roman" panose="02020603050405020304" pitchFamily="18" charset="0"/>
+              </a:rPr>
+              <a:t>&gt;&gt;&gt; name = input('What is your name?\n')</a:t>
+            </a:r>
+          </a:p>
+          <a:p>
+            <a:pPr fontAlgn="base"/>
+            <a:r>
+              <a:rPr lang="en-US" dirty="0">
+                <a:latin typeface="Times New Roman" panose="02020603050405020304" pitchFamily="18" charset="0"/>
+                <a:cs typeface="Times New Roman" panose="02020603050405020304" pitchFamily="18" charset="0"/>
+              </a:rPr>
+              <a:t>&gt;&gt;&gt; print('Hi, %s.' % name)</a:t>
+            </a:r>
+          </a:p>
+          <a:p>
+            <a:pPr fontAlgn="base"/>
+            <a:r>
+              <a:rPr lang="en-US" dirty="0">
+                <a:latin typeface="Times New Roman" panose="02020603050405020304" pitchFamily="18" charset="0"/>
+                <a:cs typeface="Times New Roman" panose="02020603050405020304" pitchFamily="18" charset="0"/>
+              </a:rPr>
+              <a:t>What is your name?</a:t>
+            </a:r>
+          </a:p>
+          <a:p>
+            <a:pPr fontAlgn="base"/>
+            <a:r>
+              <a:rPr lang="en-US" dirty="0">
+                <a:latin typeface="Times New Roman" panose="02020603050405020304" pitchFamily="18" charset="0"/>
+                <a:cs typeface="Times New Roman" panose="02020603050405020304" pitchFamily="18" charset="0"/>
+              </a:rPr>
+              <a:t>Python</a:t>
+            </a:r>
+          </a:p>
+          <a:p>
+            <a:pPr fontAlgn="base"/>
+            <a:r>
+              <a:rPr lang="en-US" dirty="0">
+                <a:latin typeface="Times New Roman" panose="02020603050405020304" pitchFamily="18" charset="0"/>
+                <a:cs typeface="Times New Roman" panose="02020603050405020304" pitchFamily="18" charset="0"/>
+              </a:rPr>
+              <a:t>Hi, Python.</a:t>
+            </a:r>
+          </a:p>
+          <a:p>
+            <a:endParaRPr lang="en-US" dirty="0">
+              <a:latin typeface="Times New Roman" panose="02020603050405020304" pitchFamily="18" charset="0"/>
+              <a:cs typeface="Times New Roman" panose="02020603050405020304" pitchFamily="18" charset="0"/>
+            </a:endParaRPr>
+          </a:p>
+        </p:txBody>
+      </p:sp>
+      <p:sp>
+        <p:nvSpPr>
+          <p:cNvPr id="4" name="Footer Placeholder 3"/>
+          <p:cNvSpPr>
+            <a:spLocks noGrp="1"/>
+          </p:cNvSpPr>
+          <p:nvPr>
+            <p:ph type="ftr" sz="quarter" idx="11"/>
           </p:nvPr>
         </p:nvSpPr>
         <p:spPr/>
@@ -7248,73 +11210,6 @@
           <a:lstStyle/>
           <a:p>
             <a:r>
-              <a:rPr lang="en-US" dirty="0" smtClean="0"/>
-              <a:t>Interpreted</a:t>
-            </a:r>
-            <a:r>
-              <a:rPr lang="en-US" baseline="0" dirty="0" smtClean="0"/>
-              <a:t> programming languages is …</a:t>
-            </a:r>
-          </a:p>
-          <a:p>
-            <a:r>
-              <a:rPr lang="en-US" baseline="0" dirty="0" smtClean="0"/>
-              <a:t>Compiled programming languages is …</a:t>
-            </a:r>
-            <a:endParaRPr lang="en-US" dirty="0" smtClean="0"/>
-          </a:p>
-          <a:p>
-            <a:r>
-              <a:rPr lang="en-US" dirty="0" smtClean="0"/>
-              <a:t>Python</a:t>
-            </a:r>
-            <a:r>
-              <a:rPr lang="en-US" baseline="0" dirty="0" smtClean="0"/>
-              <a:t> is a/an … language</a:t>
-            </a:r>
-          </a:p>
-          <a:p>
-            <a:r>
-              <a:rPr lang="en-US" baseline="0" dirty="0" smtClean="0"/>
-              <a:t>Running in interactive mode or script mode</a:t>
-            </a:r>
-          </a:p>
-          <a:p>
-            <a:r>
-              <a:rPr lang="en-US" dirty="0" smtClean="0"/>
-              <a:t>Running</a:t>
-            </a:r>
-            <a:r>
-              <a:rPr lang="en-US" baseline="0" dirty="0" smtClean="0"/>
-              <a:t> in most OS: Linux, Windows, </a:t>
-            </a:r>
-            <a:r>
-              <a:rPr lang="en-US" baseline="0" dirty="0" err="1" smtClean="0"/>
-              <a:t>MacOS</a:t>
-            </a:r>
-            <a:r>
-              <a:rPr lang="en-US" baseline="0" dirty="0" smtClean="0"/>
-              <a:t>, …</a:t>
-            </a:r>
-          </a:p>
-        </p:txBody>
-      </p:sp>
-      <p:sp>
-        <p:nvSpPr>
-          <p:cNvPr id="4" name="Footer Placeholder 3"/>
-          <p:cNvSpPr>
-            <a:spLocks noGrp="1"/>
-          </p:cNvSpPr>
-          <p:nvPr>
-            <p:ph type="ftr" sz="quarter" idx="11"/>
-          </p:nvPr>
-        </p:nvSpPr>
-        <p:spPr/>
-        <p:txBody>
-          <a:bodyPr/>
-          <a:lstStyle/>
-          <a:p>
-            <a:r>
               <a:rPr lang="en-US" smtClean="0"/>
               <a:t>PythonBeginnerClass @loitd #pythonvietnam.info</a:t>
             </a:r>
@@ -7323,24 +11218,22 @@
         </p:txBody>
       </p:sp>
     </p:spTree>
+    <p:extLst>
+      <p:ext uri="{BB962C8B-B14F-4D97-AF65-F5344CB8AC3E}">
+        <p14:creationId xmlns:p14="http://schemas.microsoft.com/office/powerpoint/2010/main" val="1281650073"/>
+      </p:ext>
+    </p:extLst>
   </p:cSld>
   <p:clrMapOvr>
     <a:masterClrMapping/>
   </p:clrMapOvr>
-  <p:timing>
-    <p:tnLst>
-      <p:par>
-        <p:cTn id="1" dur="indefinite" restart="never" nodeType="tmRoot"/>
-      </p:par>
-    </p:tnLst>
-  </p:timing>
 </p:sld>
 </file>
 
 <file path=ppt/tags/tag1.xml><?xml version="1.0" encoding="utf-8"?>
 <p:tagLst xmlns:a="http://schemas.openxmlformats.org/drawingml/2006/main" xmlns:r="http://schemas.openxmlformats.org/officeDocument/2006/relationships" xmlns:p="http://schemas.openxmlformats.org/presentationml/2006/main">
   <p:tag name="MMPROD_NEXTUNIQUEID" val="10009"/>
-  <p:tag name="MMPROD_UIDATA" val="&lt;database version=&quot;10.0&quot;&gt;&lt;object type=&quot;1&quot; unique_id=&quot;10001&quot;&gt;&lt;object type=&quot;8&quot; unique_id=&quot;10002&quot;&gt;&lt;/object&gt;&lt;object type=&quot;2&quot; unique_id=&quot;10003&quot;&gt;&lt;object type=&quot;3&quot; unique_id=&quot;10012&quot;&gt;&lt;property id=&quot;20148&quot; value=&quot;5&quot;/&gt;&lt;property id=&quot;20300&quot; value=&quot;Slide 1 - &amp;quot;Giới thiệu Python&amp;quot;&quot;/&gt;&lt;property id=&quot;20307&quot; value=&quot;256&quot;/&gt;&lt;/object&gt;&lt;object type=&quot;3&quot; unique_id=&quot;10138&quot;&gt;&lt;property id=&quot;20148&quot; value=&quot;5&quot;/&gt;&lt;property id=&quot;20300&quot; value=&quot;Slide 7 - &amp;quot;What is Python&amp;quot;&quot;/&gt;&lt;property id=&quot;20307&quot; value=&quot;257&quot;/&gt;&lt;/object&gt;&lt;object type=&quot;3&quot; unique_id=&quot;10139&quot;&gt;&lt;property id=&quot;20148&quot; value=&quot;5&quot;/&gt;&lt;property id=&quot;20300&quot; value=&quot;Slide 11 - &amp;quot;Who’s using Python (Why do we learn)?&amp;quot;&quot;/&gt;&lt;property id=&quot;20307&quot; value=&quot;258&quot;/&gt;&lt;/object&gt;&lt;object type=&quot;3&quot; unique_id=&quot;10175&quot;&gt;&lt;property id=&quot;20148&quot; value=&quot;5&quot;/&gt;&lt;property id=&quot;20300&quot; value=&quot;Slide 13 - &amp;quot;In this course&amp;quot;&quot;/&gt;&lt;property id=&quot;20307&quot; value=&quot;260&quot;/&gt;&lt;/object&gt;&lt;object type=&quot;3&quot; unique_id=&quot;10176&quot;&gt;&lt;property id=&quot;20148&quot; value=&quot;5&quot;/&gt;&lt;property id=&quot;20300&quot; value=&quot;Slide 14 - &amp;quot;Audience&amp;quot;&quot;/&gt;&lt;property id=&quot;20307&quot; value=&quot;259&quot;/&gt;&lt;/object&gt;&lt;object type=&quot;3&quot; unique_id=&quot;10220&quot;&gt;&lt;property id=&quot;20148&quot; value=&quot;5&quot;/&gt;&lt;property id=&quot;20300&quot; value=&quot;Slide 8 - &amp;quot;What is Python (cont)&amp;quot;&quot;/&gt;&lt;property id=&quot;20307&quot; value=&quot;267&quot;/&gt;&lt;/object&gt;&lt;object type=&quot;3&quot; unique_id=&quot;10221&quot;&gt;&lt;property id=&quot;20148&quot; value=&quot;5&quot;/&gt;&lt;property id=&quot;20300&quot; value=&quot;Slide 9 - &amp;quot;Interpreted &amp;amp; compiled programming language&amp;quot;&quot;/&gt;&lt;property id=&quot;20307&quot; value=&quot;264&quot;/&gt;&lt;/object&gt;&lt;object type=&quot;3&quot; unique_id=&quot;10222&quot;&gt;&lt;property id=&quot;20148&quot; value=&quot;5&quot;/&gt;&lt;property id=&quot;20300&quot; value=&quot;Slide 10 - &amp;quot;Which version?&amp;quot;&quot;/&gt;&lt;property id=&quot;20307&quot; value=&quot;262&quot;/&gt;&lt;/object&gt;&lt;object type=&quot;3&quot; unique_id=&quot;10223&quot;&gt;&lt;property id=&quot;20148&quot; value=&quot;5&quot;/&gt;&lt;property id=&quot;20300&quot; value=&quot;Slide 12 - &amp;quot;Who’s using Python&amp;quot;&quot;/&gt;&lt;property id=&quot;20307&quot; value=&quot;266&quot;/&gt;&lt;/object&gt;&lt;object type=&quot;3&quot; unique_id=&quot;10224&quot;&gt;&lt;property id=&quot;20148&quot; value=&quot;5&quot;/&gt;&lt;property id=&quot;20300&quot; value=&quot;Slide 15 - &amp;quot;Handouts&amp;quot;&quot;/&gt;&lt;property id=&quot;20307&quot; value=&quot;265&quot;/&gt;&lt;/object&gt;&lt;object type=&quot;3&quot; unique_id=&quot;10275&quot;&gt;&lt;property id=&quot;20148&quot; value=&quot;5&quot;/&gt;&lt;property id=&quot;20300&quot; value=&quot;Slide 2 - &amp;quot;Mục đích khóa học&amp;quot;&quot;/&gt;&lt;property id=&quot;20307&quot; value=&quot;269&quot;/&gt;&lt;/object&gt;&lt;object type=&quot;3&quot; unique_id=&quot;10332&quot;&gt;&lt;property id=&quot;20148&quot; value=&quot;5&quot;/&gt;&lt;property id=&quot;20300&quot; value=&quot;Slide 3 - &amp;quot;Chương trình học dự kiến&amp;quot;&quot;/&gt;&lt;property id=&quot;20307&quot; value=&quot;270&quot;/&gt;&lt;/object&gt;&lt;object type=&quot;3&quot; unique_id=&quot;10376&quot;&gt;&lt;property id=&quot;20148&quot; value=&quot;5&quot;/&gt;&lt;property id=&quot;20300&quot; value=&quot;Slide 4 - &amp;quot;Kết quả sau khóa học&amp;quot;&quot;/&gt;&lt;property id=&quot;20307&quot; value=&quot;271&quot;/&gt;&lt;/object&gt;&lt;object type=&quot;3&quot; unique_id=&quot;10497&quot;&gt;&lt;property id=&quot;20148&quot; value=&quot;5&quot;/&gt;&lt;property id=&quot;20300&quot; value=&quot;Slide 6 - &amp;quot;Chương trình máy tính&amp;quot;&quot;/&gt;&lt;property id=&quot;20307&quot; value=&quot;272&quot;/&gt;&lt;/object&gt;&lt;object type=&quot;3&quot; unique_id=&quot;10626&quot;&gt;&lt;property id=&quot;20148&quot; value=&quot;5&quot;/&gt;&lt;property id=&quot;20300&quot; value=&quot;Slide 5 - &amp;quot;Vận hành lớp học&amp;quot;&quot;/&gt;&lt;property id=&quot;20307&quot; value=&quot;273&quot;/&gt;&lt;/object&gt;&lt;/object&gt;&lt;/object&gt;&lt;/database&gt;"/>
+  <p:tag name="MMPROD_UIDATA" val="&lt;database version=&quot;10.0&quot;&gt;&lt;object type=&quot;1&quot; unique_id=&quot;10001&quot;&gt;&lt;object type=&quot;8&quot; unique_id=&quot;10002&quot;&gt;&lt;/object&gt;&lt;object type=&quot;2&quot; unique_id=&quot;10003&quot;&gt;&lt;object type=&quot;3&quot; unique_id=&quot;10012&quot;&gt;&lt;property id=&quot;20148&quot; value=&quot;5&quot;/&gt;&lt;property id=&quot;20300&quot; value=&quot;Slide 1 - &amp;quot;Giới thiệu Python&amp;quot;&quot;/&gt;&lt;property id=&quot;20307&quot; value=&quot;256&quot;/&gt;&lt;/object&gt;&lt;object type=&quot;3&quot; unique_id=&quot;10138&quot;&gt;&lt;property id=&quot;20148&quot; value=&quot;5&quot;/&gt;&lt;property id=&quot;20300&quot; value=&quot;Slide 8 - &amp;quot;Ngôn ngữ lập trình Python&amp;quot;&quot;/&gt;&lt;property id=&quot;20307&quot; value=&quot;257&quot;/&gt;&lt;/object&gt;&lt;object type=&quot;3&quot; unique_id=&quot;10139&quot;&gt;&lt;property id=&quot;20148&quot; value=&quot;5&quot;/&gt;&lt;property id=&quot;20300&quot; value=&quot;Slide 13 - &amp;quot;Who’s using Python (Why do we learn)?&amp;quot;&quot;/&gt;&lt;property id=&quot;20307&quot; value=&quot;258&quot;/&gt;&lt;/object&gt;&lt;object type=&quot;3&quot; unique_id=&quot;10220&quot;&gt;&lt;property id=&quot;20148&quot; value=&quot;5&quot;/&gt;&lt;property id=&quot;20300&quot; value=&quot;Slide 10 - &amp;quot;Ngôn ngữ lập trình Python&amp;quot;&quot;/&gt;&lt;property id=&quot;20307&quot; value=&quot;267&quot;/&gt;&lt;/object&gt;&lt;object type=&quot;3&quot; unique_id=&quot;10222&quot;&gt;&lt;property id=&quot;20148&quot; value=&quot;5&quot;/&gt;&lt;property id=&quot;20300&quot; value=&quot;Slide 12 - &amp;quot;Which version?&amp;quot;&quot;/&gt;&lt;property id=&quot;20307&quot; value=&quot;262&quot;/&gt;&lt;/object&gt;&lt;object type=&quot;3&quot; unique_id=&quot;10275&quot;&gt;&lt;property id=&quot;20148&quot; value=&quot;5&quot;/&gt;&lt;property id=&quot;20300&quot; value=&quot;Slide 2 - &amp;quot;Mục đích khóa học&amp;quot;&quot;/&gt;&lt;property id=&quot;20307&quot; value=&quot;269&quot;/&gt;&lt;/object&gt;&lt;object type=&quot;3&quot; unique_id=&quot;10332&quot;&gt;&lt;property id=&quot;20148&quot; value=&quot;5&quot;/&gt;&lt;property id=&quot;20300&quot; value=&quot;Slide 3 - &amp;quot;Chương trình học dự kiến&amp;quot;&quot;/&gt;&lt;property id=&quot;20307&quot; value=&quot;270&quot;/&gt;&lt;/object&gt;&lt;object type=&quot;3&quot; unique_id=&quot;10376&quot;&gt;&lt;property id=&quot;20148&quot; value=&quot;5&quot;/&gt;&lt;property id=&quot;20300&quot; value=&quot;Slide 4 - &amp;quot;Kết quả sau khóa học&amp;quot;&quot;/&gt;&lt;property id=&quot;20307&quot; value=&quot;271&quot;/&gt;&lt;/object&gt;&lt;object type=&quot;3&quot; unique_id=&quot;10497&quot;&gt;&lt;property id=&quot;20148&quot; value=&quot;5&quot;/&gt;&lt;property id=&quot;20300&quot; value=&quot;Slide 6 - &amp;quot;Chương trình máy tính&amp;quot;&quot;/&gt;&lt;property id=&quot;20307&quot; value=&quot;272&quot;/&gt;&lt;/object&gt;&lt;object type=&quot;3&quot; unique_id=&quot;10626&quot;&gt;&lt;property id=&quot;20148&quot; value=&quot;5&quot;/&gt;&lt;property id=&quot;20300&quot; value=&quot;Slide 5 - &amp;quot;Vận hành lớp học&amp;quot;&quot;/&gt;&lt;property id=&quot;20307&quot; value=&quot;273&quot;/&gt;&lt;/object&gt;&lt;object type=&quot;3&quot; unique_id=&quot;10985&quot;&gt;&lt;property id=&quot;20148&quot; value=&quot;5&quot;/&gt;&lt;property id=&quot;20300&quot; value=&quot;Slide 7 - &amp;quot;Chương trình máy tính&amp;quot;&quot;/&gt;&lt;property id=&quot;20307&quot; value=&quot;274&quot;/&gt;&lt;/object&gt;&lt;object type=&quot;3&quot; unique_id=&quot;11129&quot;&gt;&lt;property id=&quot;20148&quot; value=&quot;5&quot;/&gt;&lt;property id=&quot;20300&quot; value=&quot;Slide 9 - &amp;quot;Sample&amp;quot;&quot;/&gt;&lt;property id=&quot;20307&quot; value=&quot;275&quot;/&gt;&lt;/object&gt;&lt;object type=&quot;3&quot; unique_id=&quot;11130&quot;&gt;&lt;property id=&quot;20148&quot; value=&quot;5&quot;/&gt;&lt;property id=&quot;20300&quot; value=&quot;Slide 11 - &amp;quot;Ngôn ngữ lập trình Python&amp;quot;&quot;/&gt;&lt;property id=&quot;20307&quot; value=&quot;276&quot;/&gt;&lt;/object&gt;&lt;object type=&quot;3&quot; unique_id=&quot;11251&quot;&gt;&lt;property id=&quot;20148&quot; value=&quot;5&quot;/&gt;&lt;property id=&quot;20300&quot; value=&quot;Slide 14 - &amp;quot;Các từ dùng riêng&amp;quot;&quot;/&gt;&lt;property id=&quot;20307&quot; value=&quot;277&quot;/&gt;&lt;/object&gt;&lt;object type=&quot;3&quot; unique_id=&quot;11252&quot;&gt;&lt;property id=&quot;20148&quot; value=&quot;5&quot;/&gt;&lt;property id=&quot;20300&quot; value=&quot;Slide 15 - &amp;quot;Ứng dụng Helloworld&amp;quot;&quot;/&gt;&lt;property id=&quot;20307&quot; value=&quot;278&quot;/&gt;&lt;/object&gt;&lt;object type=&quot;3&quot; unique_id=&quot;11253&quot;&gt;&lt;property id=&quot;20148&quot; value=&quot;5&quot;/&gt;&lt;property id=&quot;20300&quot; value=&quot;Slide 16 - &amp;quot;Thực hành&amp;quot;&quot;/&gt;&lt;property id=&quot;20307&quot; value=&quot;279&quot;/&gt;&lt;/object&gt;&lt;object type=&quot;3&quot; unique_id=&quot;11441&quot;&gt;&lt;property id=&quot;20148&quot; value=&quot;5&quot;/&gt;&lt;property id=&quot;20300&quot; value=&quot;Slide 17 - &amp;quot;Python script vs interactive Python&amp;quot;&quot;/&gt;&lt;property id=&quot;20307&quot; value=&quot;280&quot;/&gt;&lt;/object&gt;&lt;object type=&quot;3&quot; unique_id=&quot;11518&quot;&gt;&lt;property id=&quot;20148&quot; value=&quot;5&quot;/&gt;&lt;property id=&quot;20300&quot; value=&quot;Slide 18 - &amp;quot;Một số ghi chú&amp;quot;&quot;/&gt;&lt;property id=&quot;20307&quot; value=&quot;281&quot;/&gt;&lt;/object&gt;&lt;object type=&quot;3&quot; unique_id=&quot;11579&quot;&gt;&lt;property id=&quot;20148&quot; value=&quot;5&quot;/&gt;&lt;property id=&quot;20300&quot; value=&quot;Slide 19 - &amp;quot;Bài tập&amp;quot;&quot;/&gt;&lt;property id=&quot;20307&quot; value=&quot;282&quot;/&gt;&lt;/object&gt;&lt;/object&gt;&lt;/object&gt;&lt;/database&gt;"/>
   <p:tag name="SECTOMILLISECCONVERTED" val="1"/>
 </p:tagLst>
 </file>
@@ -7420,6 +11313,7 @@
         <a:font script="Mong" typeface="Mongolian Baiti"/>
         <a:font script="Viet" typeface="Times New Roman"/>
         <a:font script="Uigh" typeface="Microsoft Uighur"/>
+        <a:font script="Geor" typeface="Sylfaen"/>
       </a:majorFont>
       <a:minorFont>
         <a:latin typeface="Calibri"/>
@@ -7454,6 +11348,7 @@
         <a:font script="Mong" typeface="Mongolian Baiti"/>
         <a:font script="Viet" typeface="Arial"/>
         <a:font script="Uigh" typeface="Microsoft Uighur"/>
+        <a:font script="Geor" typeface="Sylfaen"/>
       </a:minorFont>
     </a:fontScheme>
     <a:fmtScheme name="Office">
